--- a/Presentation.pptx
+++ b/Presentation.pptx
@@ -5,7 +5,7 @@
     <p:sldMasterId id="2147483648" r:id="rId1"/>
   </p:sldMasterIdLst>
   <p:notesMasterIdLst>
-    <p:notesMasterId r:id="rId9"/>
+    <p:notesMasterId r:id="rId28"/>
   </p:notesMasterIdLst>
   <p:sldIdLst>
     <p:sldId id="256" r:id="rId2"/>
@@ -15,6 +15,25 @@
     <p:sldId id="261" r:id="rId6"/>
     <p:sldId id="262" r:id="rId7"/>
     <p:sldId id="263" r:id="rId8"/>
+    <p:sldId id="265" r:id="rId9"/>
+    <p:sldId id="264" r:id="rId10"/>
+    <p:sldId id="266" r:id="rId11"/>
+    <p:sldId id="267" r:id="rId12"/>
+    <p:sldId id="268" r:id="rId13"/>
+    <p:sldId id="269" r:id="rId14"/>
+    <p:sldId id="270" r:id="rId15"/>
+    <p:sldId id="271" r:id="rId16"/>
+    <p:sldId id="272" r:id="rId17"/>
+    <p:sldId id="273" r:id="rId18"/>
+    <p:sldId id="274" r:id="rId19"/>
+    <p:sldId id="275" r:id="rId20"/>
+    <p:sldId id="277" r:id="rId21"/>
+    <p:sldId id="278" r:id="rId22"/>
+    <p:sldId id="279" r:id="rId23"/>
+    <p:sldId id="280" r:id="rId24"/>
+    <p:sldId id="281" r:id="rId25"/>
+    <p:sldId id="282" r:id="rId26"/>
+    <p:sldId id="283" r:id="rId27"/>
   </p:sldIdLst>
   <p:sldSz cx="12192000" cy="6858000"/>
   <p:notesSz cx="6858000" cy="9144000"/>
@@ -113,6 +132,11 @@
       </a:defRPr>
     </a:lvl9pPr>
   </p:defaultTextStyle>
+  <p:extLst>
+    <p:ext uri="{EFAFB233-063F-42B5-8137-9DF3F51BA10A}">
+      <p15:sldGuideLst xmlns:p15="http://schemas.microsoft.com/office/powerpoint/2012/main"/>
+    </p:ext>
+  </p:extLst>
 </p:presentation>
 </file>
 
@@ -198,7 +222,7 @@
           <a:p>
             <a:fld id="{D66E2F67-287C-9145-9FAC-BD54143A39B3}" type="datetimeFigureOut">
               <a:rPr lang="fr-FR" smtClean="0"/>
-              <a:t>31/05/2018</a:t>
+              <a:t>01/06/2018</a:t>
             </a:fld>
             <a:endParaRPr lang="fr-FR"/>
           </a:p>
@@ -262,35 +286,35 @@
           <a:p>
             <a:pPr lvl="0"/>
             <a:r>
-              <a:rPr lang="en-US" smtClean="0"/>
+              <a:rPr lang="en-US"/>
               <a:t>Click to edit Master text styles</a:t>
             </a:r>
           </a:p>
           <a:p>
             <a:pPr lvl="1"/>
             <a:r>
-              <a:rPr lang="en-US" smtClean="0"/>
+              <a:rPr lang="en-US"/>
               <a:t>Second level</a:t>
             </a:r>
           </a:p>
           <a:p>
             <a:pPr lvl="2"/>
             <a:r>
-              <a:rPr lang="en-US" smtClean="0"/>
+              <a:rPr lang="en-US"/>
               <a:t>Third level</a:t>
             </a:r>
           </a:p>
           <a:p>
             <a:pPr lvl="3"/>
             <a:r>
-              <a:rPr lang="en-US" smtClean="0"/>
+              <a:rPr lang="en-US"/>
               <a:t>Fourth level</a:t>
             </a:r>
           </a:p>
           <a:p>
             <a:pPr lvl="4"/>
             <a:r>
-              <a:rPr lang="en-US" smtClean="0"/>
+              <a:rPr lang="en-US"/>
               <a:t>Fifth level</a:t>
             </a:r>
             <a:endParaRPr lang="fr-FR"/>
@@ -508,7 +532,7 @@
           </a:lstStyle>
           <a:p>
             <a:r>
-              <a:rPr lang="en-US" smtClean="0"/>
+              <a:rPr lang="en-US"/>
               <a:t>Click to edit Master title style</a:t>
             </a:r>
             <a:endParaRPr lang="fr-FR"/>
@@ -573,7 +597,7 @@
           </a:lstStyle>
           <a:p>
             <a:r>
-              <a:rPr lang="en-US" smtClean="0"/>
+              <a:rPr lang="en-US"/>
               <a:t>Click to edit Master subtitle style</a:t>
             </a:r>
             <a:endParaRPr lang="fr-FR"/>
@@ -597,7 +621,7 @@
           <a:p>
             <a:fld id="{4EC702BA-2643-9E49-B890-4923799755BC}" type="datetimeFigureOut">
               <a:rPr lang="fr-FR" smtClean="0"/>
-              <a:t>31/05/2018</a:t>
+              <a:t>01/06/2018</a:t>
             </a:fld>
             <a:endParaRPr lang="fr-FR"/>
           </a:p>
@@ -691,7 +715,7 @@
           <a:lstStyle/>
           <a:p>
             <a:r>
-              <a:rPr lang="en-US" smtClean="0"/>
+              <a:rPr lang="en-US"/>
               <a:t>Click to edit Master title style</a:t>
             </a:r>
             <a:endParaRPr lang="fr-FR"/>
@@ -715,35 +739,35 @@
           <a:p>
             <a:pPr lvl="0"/>
             <a:r>
-              <a:rPr lang="en-US" smtClean="0"/>
+              <a:rPr lang="en-US"/>
               <a:t>Click to edit Master text styles</a:t>
             </a:r>
           </a:p>
           <a:p>
             <a:pPr lvl="1"/>
             <a:r>
-              <a:rPr lang="en-US" smtClean="0"/>
+              <a:rPr lang="en-US"/>
               <a:t>Second level</a:t>
             </a:r>
           </a:p>
           <a:p>
             <a:pPr lvl="2"/>
             <a:r>
-              <a:rPr lang="en-US" smtClean="0"/>
+              <a:rPr lang="en-US"/>
               <a:t>Third level</a:t>
             </a:r>
           </a:p>
           <a:p>
             <a:pPr lvl="3"/>
             <a:r>
-              <a:rPr lang="en-US" smtClean="0"/>
+              <a:rPr lang="en-US"/>
               <a:t>Fourth level</a:t>
             </a:r>
           </a:p>
           <a:p>
             <a:pPr lvl="4"/>
             <a:r>
-              <a:rPr lang="en-US" smtClean="0"/>
+              <a:rPr lang="en-US"/>
               <a:t>Fifth level</a:t>
             </a:r>
             <a:endParaRPr lang="fr-FR"/>
@@ -767,7 +791,7 @@
           <a:p>
             <a:fld id="{4EC702BA-2643-9E49-B890-4923799755BC}" type="datetimeFigureOut">
               <a:rPr lang="fr-FR" smtClean="0"/>
-              <a:t>31/05/2018</a:t>
+              <a:t>01/06/2018</a:t>
             </a:fld>
             <a:endParaRPr lang="fr-FR"/>
           </a:p>
@@ -866,7 +890,7 @@
           <a:lstStyle/>
           <a:p>
             <a:r>
-              <a:rPr lang="en-US" smtClean="0"/>
+              <a:rPr lang="en-US"/>
               <a:t>Click to edit Master title style</a:t>
             </a:r>
             <a:endParaRPr lang="fr-FR"/>
@@ -895,35 +919,35 @@
           <a:p>
             <a:pPr lvl="0"/>
             <a:r>
-              <a:rPr lang="en-US" smtClean="0"/>
+              <a:rPr lang="en-US"/>
               <a:t>Click to edit Master text styles</a:t>
             </a:r>
           </a:p>
           <a:p>
             <a:pPr lvl="1"/>
             <a:r>
-              <a:rPr lang="en-US" smtClean="0"/>
+              <a:rPr lang="en-US"/>
               <a:t>Second level</a:t>
             </a:r>
           </a:p>
           <a:p>
             <a:pPr lvl="2"/>
             <a:r>
-              <a:rPr lang="en-US" smtClean="0"/>
+              <a:rPr lang="en-US"/>
               <a:t>Third level</a:t>
             </a:r>
           </a:p>
           <a:p>
             <a:pPr lvl="3"/>
             <a:r>
-              <a:rPr lang="en-US" smtClean="0"/>
+              <a:rPr lang="en-US"/>
               <a:t>Fourth level</a:t>
             </a:r>
           </a:p>
           <a:p>
             <a:pPr lvl="4"/>
             <a:r>
-              <a:rPr lang="en-US" smtClean="0"/>
+              <a:rPr lang="en-US"/>
               <a:t>Fifth level</a:t>
             </a:r>
             <a:endParaRPr lang="fr-FR"/>
@@ -947,7 +971,7 @@
           <a:p>
             <a:fld id="{4EC702BA-2643-9E49-B890-4923799755BC}" type="datetimeFigureOut">
               <a:rPr lang="fr-FR" smtClean="0"/>
-              <a:t>31/05/2018</a:t>
+              <a:t>01/06/2018</a:t>
             </a:fld>
             <a:endParaRPr lang="fr-FR"/>
           </a:p>
@@ -1041,7 +1065,7 @@
           <a:lstStyle/>
           <a:p>
             <a:r>
-              <a:rPr lang="en-US" smtClean="0"/>
+              <a:rPr lang="en-US"/>
               <a:t>Click to edit Master title style</a:t>
             </a:r>
             <a:endParaRPr lang="fr-FR"/>
@@ -1065,35 +1089,35 @@
           <a:p>
             <a:pPr lvl="0"/>
             <a:r>
-              <a:rPr lang="en-US" smtClean="0"/>
+              <a:rPr lang="en-US"/>
               <a:t>Click to edit Master text styles</a:t>
             </a:r>
           </a:p>
           <a:p>
             <a:pPr lvl="1"/>
             <a:r>
-              <a:rPr lang="en-US" smtClean="0"/>
+              <a:rPr lang="en-US"/>
               <a:t>Second level</a:t>
             </a:r>
           </a:p>
           <a:p>
             <a:pPr lvl="2"/>
             <a:r>
-              <a:rPr lang="en-US" smtClean="0"/>
+              <a:rPr lang="en-US"/>
               <a:t>Third level</a:t>
             </a:r>
           </a:p>
           <a:p>
             <a:pPr lvl="3"/>
             <a:r>
-              <a:rPr lang="en-US" smtClean="0"/>
+              <a:rPr lang="en-US"/>
               <a:t>Fourth level</a:t>
             </a:r>
           </a:p>
           <a:p>
             <a:pPr lvl="4"/>
             <a:r>
-              <a:rPr lang="en-US" smtClean="0"/>
+              <a:rPr lang="en-US"/>
               <a:t>Fifth level</a:t>
             </a:r>
             <a:endParaRPr lang="fr-FR"/>
@@ -1117,7 +1141,7 @@
           <a:p>
             <a:fld id="{4EC702BA-2643-9E49-B890-4923799755BC}" type="datetimeFigureOut">
               <a:rPr lang="fr-FR" smtClean="0"/>
-              <a:t>31/05/2018</a:t>
+              <a:t>01/06/2018</a:t>
             </a:fld>
             <a:endParaRPr lang="fr-FR"/>
           </a:p>
@@ -1220,7 +1244,7 @@
           </a:lstStyle>
           <a:p>
             <a:r>
-              <a:rPr lang="en-US" smtClean="0"/>
+              <a:rPr lang="en-US"/>
               <a:t>Click to edit Master title style</a:t>
             </a:r>
             <a:endParaRPr lang="fr-FR"/>
@@ -1340,7 +1364,7 @@
           <a:p>
             <a:pPr lvl="0"/>
             <a:r>
-              <a:rPr lang="en-US" smtClean="0"/>
+              <a:rPr lang="en-US"/>
               <a:t>Click to edit Master text styles</a:t>
             </a:r>
           </a:p>
@@ -1363,7 +1387,7 @@
           <a:p>
             <a:fld id="{4EC702BA-2643-9E49-B890-4923799755BC}" type="datetimeFigureOut">
               <a:rPr lang="fr-FR" smtClean="0"/>
-              <a:t>31/05/2018</a:t>
+              <a:t>01/06/2018</a:t>
             </a:fld>
             <a:endParaRPr lang="fr-FR"/>
           </a:p>
@@ -1457,7 +1481,7 @@
           <a:lstStyle/>
           <a:p>
             <a:r>
-              <a:rPr lang="en-US" smtClean="0"/>
+              <a:rPr lang="en-US"/>
               <a:t>Click to edit Master title style</a:t>
             </a:r>
             <a:endParaRPr lang="fr-FR"/>
@@ -1486,35 +1510,35 @@
           <a:p>
             <a:pPr lvl="0"/>
             <a:r>
-              <a:rPr lang="en-US" smtClean="0"/>
+              <a:rPr lang="en-US"/>
               <a:t>Click to edit Master text styles</a:t>
             </a:r>
           </a:p>
           <a:p>
             <a:pPr lvl="1"/>
             <a:r>
-              <a:rPr lang="en-US" smtClean="0"/>
+              <a:rPr lang="en-US"/>
               <a:t>Second level</a:t>
             </a:r>
           </a:p>
           <a:p>
             <a:pPr lvl="2"/>
             <a:r>
-              <a:rPr lang="en-US" smtClean="0"/>
+              <a:rPr lang="en-US"/>
               <a:t>Third level</a:t>
             </a:r>
           </a:p>
           <a:p>
             <a:pPr lvl="3"/>
             <a:r>
-              <a:rPr lang="en-US" smtClean="0"/>
+              <a:rPr lang="en-US"/>
               <a:t>Fourth level</a:t>
             </a:r>
           </a:p>
           <a:p>
             <a:pPr lvl="4"/>
             <a:r>
-              <a:rPr lang="en-US" smtClean="0"/>
+              <a:rPr lang="en-US"/>
               <a:t>Fifth level</a:t>
             </a:r>
             <a:endParaRPr lang="fr-FR"/>
@@ -1543,35 +1567,35 @@
           <a:p>
             <a:pPr lvl="0"/>
             <a:r>
-              <a:rPr lang="en-US" smtClean="0"/>
+              <a:rPr lang="en-US"/>
               <a:t>Click to edit Master text styles</a:t>
             </a:r>
           </a:p>
           <a:p>
             <a:pPr lvl="1"/>
             <a:r>
-              <a:rPr lang="en-US" smtClean="0"/>
+              <a:rPr lang="en-US"/>
               <a:t>Second level</a:t>
             </a:r>
           </a:p>
           <a:p>
             <a:pPr lvl="2"/>
             <a:r>
-              <a:rPr lang="en-US" smtClean="0"/>
+              <a:rPr lang="en-US"/>
               <a:t>Third level</a:t>
             </a:r>
           </a:p>
           <a:p>
             <a:pPr lvl="3"/>
             <a:r>
-              <a:rPr lang="en-US" smtClean="0"/>
+              <a:rPr lang="en-US"/>
               <a:t>Fourth level</a:t>
             </a:r>
           </a:p>
           <a:p>
             <a:pPr lvl="4"/>
             <a:r>
-              <a:rPr lang="en-US" smtClean="0"/>
+              <a:rPr lang="en-US"/>
               <a:t>Fifth level</a:t>
             </a:r>
             <a:endParaRPr lang="fr-FR"/>
@@ -1595,7 +1619,7 @@
           <a:p>
             <a:fld id="{4EC702BA-2643-9E49-B890-4923799755BC}" type="datetimeFigureOut">
               <a:rPr lang="fr-FR" smtClean="0"/>
-              <a:t>31/05/2018</a:t>
+              <a:t>01/06/2018</a:t>
             </a:fld>
             <a:endParaRPr lang="fr-FR"/>
           </a:p>
@@ -1694,7 +1718,7 @@
           <a:lstStyle/>
           <a:p>
             <a:r>
-              <a:rPr lang="en-US" smtClean="0"/>
+              <a:rPr lang="en-US"/>
               <a:t>Click to edit Master title style</a:t>
             </a:r>
             <a:endParaRPr lang="fr-FR"/>
@@ -1760,7 +1784,7 @@
           <a:p>
             <a:pPr lvl="0"/>
             <a:r>
-              <a:rPr lang="en-US" smtClean="0"/>
+              <a:rPr lang="en-US"/>
               <a:t>Click to edit Master text styles</a:t>
             </a:r>
           </a:p>
@@ -1788,35 +1812,35 @@
           <a:p>
             <a:pPr lvl="0"/>
             <a:r>
-              <a:rPr lang="en-US" smtClean="0"/>
+              <a:rPr lang="en-US"/>
               <a:t>Click to edit Master text styles</a:t>
             </a:r>
           </a:p>
           <a:p>
             <a:pPr lvl="1"/>
             <a:r>
-              <a:rPr lang="en-US" smtClean="0"/>
+              <a:rPr lang="en-US"/>
               <a:t>Second level</a:t>
             </a:r>
           </a:p>
           <a:p>
             <a:pPr lvl="2"/>
             <a:r>
-              <a:rPr lang="en-US" smtClean="0"/>
+              <a:rPr lang="en-US"/>
               <a:t>Third level</a:t>
             </a:r>
           </a:p>
           <a:p>
             <a:pPr lvl="3"/>
             <a:r>
-              <a:rPr lang="en-US" smtClean="0"/>
+              <a:rPr lang="en-US"/>
               <a:t>Fourth level</a:t>
             </a:r>
           </a:p>
           <a:p>
             <a:pPr lvl="4"/>
             <a:r>
-              <a:rPr lang="en-US" smtClean="0"/>
+              <a:rPr lang="en-US"/>
               <a:t>Fifth level</a:t>
             </a:r>
             <a:endParaRPr lang="fr-FR"/>
@@ -1882,7 +1906,7 @@
           <a:p>
             <a:pPr lvl="0"/>
             <a:r>
-              <a:rPr lang="en-US" smtClean="0"/>
+              <a:rPr lang="en-US"/>
               <a:t>Click to edit Master text styles</a:t>
             </a:r>
           </a:p>
@@ -1910,35 +1934,35 @@
           <a:p>
             <a:pPr lvl="0"/>
             <a:r>
-              <a:rPr lang="en-US" smtClean="0"/>
+              <a:rPr lang="en-US"/>
               <a:t>Click to edit Master text styles</a:t>
             </a:r>
           </a:p>
           <a:p>
             <a:pPr lvl="1"/>
             <a:r>
-              <a:rPr lang="en-US" smtClean="0"/>
+              <a:rPr lang="en-US"/>
               <a:t>Second level</a:t>
             </a:r>
           </a:p>
           <a:p>
             <a:pPr lvl="2"/>
             <a:r>
-              <a:rPr lang="en-US" smtClean="0"/>
+              <a:rPr lang="en-US"/>
               <a:t>Third level</a:t>
             </a:r>
           </a:p>
           <a:p>
             <a:pPr lvl="3"/>
             <a:r>
-              <a:rPr lang="en-US" smtClean="0"/>
+              <a:rPr lang="en-US"/>
               <a:t>Fourth level</a:t>
             </a:r>
           </a:p>
           <a:p>
             <a:pPr lvl="4"/>
             <a:r>
-              <a:rPr lang="en-US" smtClean="0"/>
+              <a:rPr lang="en-US"/>
               <a:t>Fifth level</a:t>
             </a:r>
             <a:endParaRPr lang="fr-FR"/>
@@ -1962,7 +1986,7 @@
           <a:p>
             <a:fld id="{4EC702BA-2643-9E49-B890-4923799755BC}" type="datetimeFigureOut">
               <a:rPr lang="fr-FR" smtClean="0"/>
-              <a:t>31/05/2018</a:t>
+              <a:t>01/06/2018</a:t>
             </a:fld>
             <a:endParaRPr lang="fr-FR"/>
           </a:p>
@@ -2056,7 +2080,7 @@
           <a:lstStyle/>
           <a:p>
             <a:r>
-              <a:rPr lang="en-US" smtClean="0"/>
+              <a:rPr lang="en-US"/>
               <a:t>Click to edit Master title style</a:t>
             </a:r>
             <a:endParaRPr lang="fr-FR"/>
@@ -2080,7 +2104,7 @@
           <a:p>
             <a:fld id="{4EC702BA-2643-9E49-B890-4923799755BC}" type="datetimeFigureOut">
               <a:rPr lang="fr-FR" smtClean="0"/>
-              <a:t>31/05/2018</a:t>
+              <a:t>01/06/2018</a:t>
             </a:fld>
             <a:endParaRPr lang="fr-FR"/>
           </a:p>
@@ -2175,7 +2199,7 @@
           <a:p>
             <a:fld id="{4EC702BA-2643-9E49-B890-4923799755BC}" type="datetimeFigureOut">
               <a:rPr lang="fr-FR" smtClean="0"/>
-              <a:t>31/05/2018</a:t>
+              <a:t>01/06/2018</a:t>
             </a:fld>
             <a:endParaRPr lang="fr-FR"/>
           </a:p>
@@ -2278,7 +2302,7 @@
           </a:lstStyle>
           <a:p>
             <a:r>
-              <a:rPr lang="en-US" smtClean="0"/>
+              <a:rPr lang="en-US"/>
               <a:t>Click to edit Master title style</a:t>
             </a:r>
             <a:endParaRPr lang="fr-FR"/>
@@ -2335,35 +2359,35 @@
           <a:p>
             <a:pPr lvl="0"/>
             <a:r>
-              <a:rPr lang="en-US" smtClean="0"/>
+              <a:rPr lang="en-US"/>
               <a:t>Click to edit Master text styles</a:t>
             </a:r>
           </a:p>
           <a:p>
             <a:pPr lvl="1"/>
             <a:r>
-              <a:rPr lang="en-US" smtClean="0"/>
+              <a:rPr lang="en-US"/>
               <a:t>Second level</a:t>
             </a:r>
           </a:p>
           <a:p>
             <a:pPr lvl="2"/>
             <a:r>
-              <a:rPr lang="en-US" smtClean="0"/>
+              <a:rPr lang="en-US"/>
               <a:t>Third level</a:t>
             </a:r>
           </a:p>
           <a:p>
             <a:pPr lvl="3"/>
             <a:r>
-              <a:rPr lang="en-US" smtClean="0"/>
+              <a:rPr lang="en-US"/>
               <a:t>Fourth level</a:t>
             </a:r>
           </a:p>
           <a:p>
             <a:pPr lvl="4"/>
             <a:r>
-              <a:rPr lang="en-US" smtClean="0"/>
+              <a:rPr lang="en-US"/>
               <a:t>Fifth level</a:t>
             </a:r>
             <a:endParaRPr lang="fr-FR"/>
@@ -2429,7 +2453,7 @@
           <a:p>
             <a:pPr lvl="0"/>
             <a:r>
-              <a:rPr lang="en-US" smtClean="0"/>
+              <a:rPr lang="en-US"/>
               <a:t>Click to edit Master text styles</a:t>
             </a:r>
           </a:p>
@@ -2452,7 +2476,7 @@
           <a:p>
             <a:fld id="{4EC702BA-2643-9E49-B890-4923799755BC}" type="datetimeFigureOut">
               <a:rPr lang="fr-FR" smtClean="0"/>
-              <a:t>31/05/2018</a:t>
+              <a:t>01/06/2018</a:t>
             </a:fld>
             <a:endParaRPr lang="fr-FR"/>
           </a:p>
@@ -2555,7 +2579,7 @@
           </a:lstStyle>
           <a:p>
             <a:r>
-              <a:rPr lang="en-US" smtClean="0"/>
+              <a:rPr lang="en-US"/>
               <a:t>Click to edit Master title style</a:t>
             </a:r>
             <a:endParaRPr lang="fr-FR"/>
@@ -2682,7 +2706,7 @@
           <a:p>
             <a:pPr lvl="0"/>
             <a:r>
-              <a:rPr lang="en-US" smtClean="0"/>
+              <a:rPr lang="en-US"/>
               <a:t>Click to edit Master text styles</a:t>
             </a:r>
           </a:p>
@@ -2705,7 +2729,7 @@
           <a:p>
             <a:fld id="{4EC702BA-2643-9E49-B890-4923799755BC}" type="datetimeFigureOut">
               <a:rPr lang="fr-FR" smtClean="0"/>
-              <a:t>31/05/2018</a:t>
+              <a:t>01/06/2018</a:t>
             </a:fld>
             <a:endParaRPr lang="fr-FR"/>
           </a:p>
@@ -2814,7 +2838,7 @@
           <a:lstStyle/>
           <a:p>
             <a:r>
-              <a:rPr lang="en-US" smtClean="0"/>
+              <a:rPr lang="en-US"/>
               <a:t>Click to edit Master title style</a:t>
             </a:r>
             <a:endParaRPr lang="fr-FR"/>
@@ -2848,35 +2872,35 @@
           <a:p>
             <a:pPr lvl="0"/>
             <a:r>
-              <a:rPr lang="en-US" smtClean="0"/>
+              <a:rPr lang="en-US"/>
               <a:t>Click to edit Master text styles</a:t>
             </a:r>
           </a:p>
           <a:p>
             <a:pPr lvl="1"/>
             <a:r>
-              <a:rPr lang="en-US" smtClean="0"/>
+              <a:rPr lang="en-US"/>
               <a:t>Second level</a:t>
             </a:r>
           </a:p>
           <a:p>
             <a:pPr lvl="2"/>
             <a:r>
-              <a:rPr lang="en-US" smtClean="0"/>
+              <a:rPr lang="en-US"/>
               <a:t>Third level</a:t>
             </a:r>
           </a:p>
           <a:p>
             <a:pPr lvl="3"/>
             <a:r>
-              <a:rPr lang="en-US" smtClean="0"/>
+              <a:rPr lang="en-US"/>
               <a:t>Fourth level</a:t>
             </a:r>
           </a:p>
           <a:p>
             <a:pPr lvl="4"/>
             <a:r>
-              <a:rPr lang="en-US" smtClean="0"/>
+              <a:rPr lang="en-US"/>
               <a:t>Fifth level</a:t>
             </a:r>
             <a:endParaRPr lang="fr-FR"/>
@@ -2918,7 +2942,7 @@
           <a:p>
             <a:fld id="{4EC702BA-2643-9E49-B890-4923799755BC}" type="datetimeFigureOut">
               <a:rPr lang="fr-FR" smtClean="0"/>
-              <a:t>31/05/2018</a:t>
+              <a:t>01/06/2018</a:t>
             </a:fld>
             <a:endParaRPr lang="fr-FR"/>
           </a:p>
@@ -3346,7 +3370,7 @@
           <a:lstStyle/>
           <a:p>
             <a:r>
-              <a:rPr lang="en-US" sz="4400" dirty="0" smtClean="0">
+              <a:rPr lang="en-US" sz="4400" dirty="0">
                 <a:latin typeface="Gotham" charset="0"/>
                 <a:ea typeface="Gotham" charset="0"/>
                 <a:cs typeface="Gotham" charset="0"/>
@@ -3379,7 +3403,7 @@
           <a:lstStyle/>
           <a:p>
             <a:r>
-              <a:rPr lang="en-US" dirty="0" err="1" smtClean="0">
+              <a:rPr lang="en-US" dirty="0" err="1">
                 <a:latin typeface="Gotham" charset="0"/>
                 <a:ea typeface="Gotham" charset="0"/>
                 <a:cs typeface="Gotham" charset="0"/>
@@ -3387,7 +3411,7 @@
               <a:t>IBhojwani</a:t>
             </a:r>
             <a:r>
-              <a:rPr lang="en-US" dirty="0" smtClean="0">
+              <a:rPr lang="en-US" dirty="0">
                 <a:latin typeface="Gotham" charset="0"/>
                 <a:ea typeface="Gotham" charset="0"/>
                 <a:cs typeface="Gotham" charset="0"/>
@@ -3395,7 +3419,7 @@
               <a:t>, </a:t>
             </a:r>
             <a:r>
-              <a:rPr lang="en-US" dirty="0" err="1" smtClean="0">
+              <a:rPr lang="en-US" dirty="0" err="1">
                 <a:latin typeface="Gotham" charset="0"/>
                 <a:ea typeface="Gotham" charset="0"/>
                 <a:cs typeface="Gotham" charset="0"/>
@@ -3403,7 +3427,7 @@
               <a:t>AlexanderTyan</a:t>
             </a:r>
             <a:r>
-              <a:rPr lang="en-US" dirty="0" smtClean="0">
+              <a:rPr lang="en-US" dirty="0">
                 <a:latin typeface="Gotham" charset="0"/>
                 <a:ea typeface="Gotham" charset="0"/>
                 <a:cs typeface="Gotham" charset="0"/>
@@ -3411,14 +3435,14 @@
               <a:t>, Sun-Kev, </a:t>
             </a:r>
             <a:r>
-              <a:rPr lang="en-US" dirty="0" err="1" smtClean="0">
+              <a:rPr lang="en-US" dirty="0" err="1">
                 <a:latin typeface="Gotham" charset="0"/>
                 <a:ea typeface="Gotham" charset="0"/>
                 <a:cs typeface="Gotham" charset="0"/>
               </a:rPr>
               <a:t>tamos</a:t>
             </a:r>
-            <a:endParaRPr lang="en-US" dirty="0" smtClean="0">
+            <a:endParaRPr lang="en-US" dirty="0">
               <a:latin typeface="Gotham" charset="0"/>
               <a:ea typeface="Gotham" charset="0"/>
               <a:cs typeface="Gotham" charset="0"/>
@@ -3426,7 +3450,7 @@
           </a:p>
           <a:p>
             <a:r>
-              <a:rPr lang="en-US" dirty="0" smtClean="0">
+              <a:rPr lang="en-US" dirty="0">
                 <a:latin typeface="Gotham" charset="0"/>
                 <a:ea typeface="Gotham" charset="0"/>
                 <a:cs typeface="Gotham" charset="0"/>
@@ -3436,7 +3460,7 @@
           </a:p>
           <a:p>
             <a:r>
-              <a:rPr lang="en-US" dirty="0" smtClean="0">
+              <a:rPr lang="en-US" dirty="0">
                 <a:latin typeface="Gotham" charset="0"/>
                 <a:ea typeface="Gotham" charset="0"/>
                 <a:cs typeface="Gotham" charset="0"/>
@@ -3446,7 +3470,7 @@
           </a:p>
           <a:p>
             <a:r>
-              <a:rPr lang="en-US" dirty="0" smtClean="0">
+              <a:rPr lang="en-US" dirty="0">
                 <a:latin typeface="Gotham" charset="0"/>
                 <a:ea typeface="Gotham" charset="0"/>
                 <a:cs typeface="Gotham" charset="0"/>
@@ -3465,6 +3489,971 @@
     <p:extLst>
       <p:ext uri="{BB962C8B-B14F-4D97-AF65-F5344CB8AC3E}">
         <p14:creationId xmlns:p14="http://schemas.microsoft.com/office/powerpoint/2010/main" val="1902125282"/>
+      </p:ext>
+    </p:extLst>
+  </p:cSld>
+  <p:clrMapOvr>
+    <a:masterClrMapping/>
+  </p:clrMapOvr>
+</p:sld>
+</file>
+
+<file path=ppt/slides/slide10.xml><?xml version="1.0" encoding="utf-8"?>
+<p:sld xmlns:a="http://schemas.openxmlformats.org/drawingml/2006/main" xmlns:r="http://schemas.openxmlformats.org/officeDocument/2006/relationships" xmlns:p="http://schemas.openxmlformats.org/presentationml/2006/main">
+  <p:cSld>
+    <p:spTree>
+      <p:nvGrpSpPr>
+        <p:cNvPr id="1" name=""/>
+        <p:cNvGrpSpPr/>
+        <p:nvPr/>
+      </p:nvGrpSpPr>
+      <p:grpSpPr>
+        <a:xfrm>
+          <a:off x="0" y="0"/>
+          <a:ext cx="0" cy="0"/>
+          <a:chOff x="0" y="0"/>
+          <a:chExt cx="0" cy="0"/>
+        </a:xfrm>
+      </p:grpSpPr>
+      <p:sp>
+        <p:nvSpPr>
+          <p:cNvPr id="2" name="Title 1"/>
+          <p:cNvSpPr>
+            <a:spLocks noGrp="1"/>
+          </p:cNvSpPr>
+          <p:nvPr>
+            <p:ph type="title"/>
+          </p:nvPr>
+        </p:nvSpPr>
+        <p:spPr>
+          <a:xfrm>
+            <a:off x="746760" y="376555"/>
+            <a:ext cx="10515600" cy="1325563"/>
+          </a:xfrm>
+        </p:spPr>
+        <p:txBody>
+          <a:bodyPr>
+            <a:normAutofit/>
+          </a:bodyPr>
+          <a:lstStyle/>
+          <a:p>
+            <a:r>
+              <a:rPr lang="en-US" sz="4000" dirty="0">
+                <a:latin typeface="Gotham" charset="0"/>
+                <a:ea typeface="Gotham" charset="0"/>
+                <a:cs typeface="Gotham" charset="0"/>
+              </a:rPr>
+              <a:t>Algorithm 2: Split Sky, Random Walk, Watershed</a:t>
+            </a:r>
+            <a:endParaRPr lang="fr-FR" sz="4000" dirty="0">
+              <a:latin typeface="Gotham" charset="0"/>
+              <a:ea typeface="Gotham" charset="0"/>
+              <a:cs typeface="Gotham" charset="0"/>
+            </a:endParaRPr>
+          </a:p>
+        </p:txBody>
+      </p:sp>
+      <p:sp>
+        <p:nvSpPr>
+          <p:cNvPr id="4" name="Rectangle 3">
+            <a:extLst>
+              <a:ext uri="{FF2B5EF4-FFF2-40B4-BE49-F238E27FC236}">
+                <a16:creationId xmlns:a16="http://schemas.microsoft.com/office/drawing/2014/main" id="{BA27B13F-75E1-E447-86D8-63B35E4FAE2F}"/>
+              </a:ext>
+            </a:extLst>
+          </p:cNvPr>
+          <p:cNvSpPr/>
+          <p:nvPr/>
+        </p:nvSpPr>
+        <p:spPr>
+          <a:xfrm>
+            <a:off x="5108005" y="3244334"/>
+            <a:ext cx="1975990" cy="369332"/>
+          </a:xfrm>
+          <a:prstGeom prst="rect">
+            <a:avLst/>
+          </a:prstGeom>
+        </p:spPr>
+        <p:txBody>
+          <a:bodyPr wrap="none">
+            <a:spAutoFit/>
+          </a:bodyPr>
+          <a:lstStyle/>
+          <a:p>
+            <a:r>
+              <a:rPr lang="en-US" dirty="0"/>
+              <a:t>Algorithm 1 Details</a:t>
+            </a:r>
+          </a:p>
+        </p:txBody>
+      </p:sp>
+      <p:sp>
+        <p:nvSpPr>
+          <p:cNvPr id="5" name="Content Placeholder 4">
+            <a:extLst>
+              <a:ext uri="{FF2B5EF4-FFF2-40B4-BE49-F238E27FC236}">
+                <a16:creationId xmlns:a16="http://schemas.microsoft.com/office/drawing/2014/main" id="{747FE272-2039-BF46-974A-1C7770F03244}"/>
+              </a:ext>
+            </a:extLst>
+          </p:cNvPr>
+          <p:cNvSpPr>
+            <a:spLocks noGrp="1"/>
+          </p:cNvSpPr>
+          <p:nvPr>
+            <p:ph idx="1"/>
+          </p:nvPr>
+        </p:nvSpPr>
+        <p:spPr/>
+        <p:txBody>
+          <a:bodyPr/>
+          <a:lstStyle/>
+          <a:p>
+            <a:endParaRPr lang="en-US"/>
+          </a:p>
+        </p:txBody>
+      </p:sp>
+    </p:spTree>
+    <p:extLst>
+      <p:ext uri="{BB962C8B-B14F-4D97-AF65-F5344CB8AC3E}">
+        <p14:creationId xmlns:p14="http://schemas.microsoft.com/office/powerpoint/2010/main" val="2802129582"/>
+      </p:ext>
+    </p:extLst>
+  </p:cSld>
+  <p:clrMapOvr>
+    <a:masterClrMapping/>
+  </p:clrMapOvr>
+</p:sld>
+</file>
+
+<file path=ppt/slides/slide11.xml><?xml version="1.0" encoding="utf-8"?>
+<p:sld xmlns:a="http://schemas.openxmlformats.org/drawingml/2006/main" xmlns:r="http://schemas.openxmlformats.org/officeDocument/2006/relationships" xmlns:p="http://schemas.openxmlformats.org/presentationml/2006/main">
+  <p:cSld>
+    <p:spTree>
+      <p:nvGrpSpPr>
+        <p:cNvPr id="1" name=""/>
+        <p:cNvGrpSpPr/>
+        <p:nvPr/>
+      </p:nvGrpSpPr>
+      <p:grpSpPr>
+        <a:xfrm>
+          <a:off x="0" y="0"/>
+          <a:ext cx="0" cy="0"/>
+          <a:chOff x="0" y="0"/>
+          <a:chExt cx="0" cy="0"/>
+        </a:xfrm>
+      </p:grpSpPr>
+      <p:sp>
+        <p:nvSpPr>
+          <p:cNvPr id="2" name="Title 1">
+            <a:extLst>
+              <a:ext uri="{FF2B5EF4-FFF2-40B4-BE49-F238E27FC236}">
+                <a16:creationId xmlns:a16="http://schemas.microsoft.com/office/drawing/2014/main" id="{E89AE448-D75D-1746-B986-D68E978C974D}"/>
+              </a:ext>
+            </a:extLst>
+          </p:cNvPr>
+          <p:cNvSpPr>
+            <a:spLocks noGrp="1"/>
+          </p:cNvSpPr>
+          <p:nvPr>
+            <p:ph type="title"/>
+          </p:nvPr>
+        </p:nvSpPr>
+        <p:spPr/>
+        <p:txBody>
+          <a:bodyPr/>
+          <a:lstStyle/>
+          <a:p>
+            <a:r>
+              <a:rPr lang="en-US" dirty="0"/>
+              <a:t>Algorithm 2: Part I: Split Sky</a:t>
+            </a:r>
+          </a:p>
+        </p:txBody>
+      </p:sp>
+      <p:sp>
+        <p:nvSpPr>
+          <p:cNvPr id="3" name="Content Placeholder 2">
+            <a:extLst>
+              <a:ext uri="{FF2B5EF4-FFF2-40B4-BE49-F238E27FC236}">
+                <a16:creationId xmlns:a16="http://schemas.microsoft.com/office/drawing/2014/main" id="{4F48A269-3FF4-1242-9D39-5E598D1B3EB1}"/>
+              </a:ext>
+            </a:extLst>
+          </p:cNvPr>
+          <p:cNvSpPr>
+            <a:spLocks noGrp="1"/>
+          </p:cNvSpPr>
+          <p:nvPr>
+            <p:ph idx="1"/>
+          </p:nvPr>
+        </p:nvSpPr>
+        <p:spPr>
+          <a:xfrm>
+            <a:off x="838200" y="1690688"/>
+            <a:ext cx="10515600" cy="4351338"/>
+          </a:xfrm>
+        </p:spPr>
+        <p:txBody>
+          <a:bodyPr/>
+          <a:lstStyle/>
+          <a:p>
+            <a:r>
+              <a:rPr lang="en-US" dirty="0"/>
+              <a:t>Create grids of the entire sky</a:t>
+            </a:r>
+          </a:p>
+          <a:p>
+            <a:r>
+              <a:rPr lang="en-US" dirty="0"/>
+              <a:t>Create graphs of each grid</a:t>
+            </a:r>
+          </a:p>
+        </p:txBody>
+      </p:sp>
+    </p:spTree>
+    <p:extLst>
+      <p:ext uri="{BB962C8B-B14F-4D97-AF65-F5344CB8AC3E}">
+        <p14:creationId xmlns:p14="http://schemas.microsoft.com/office/powerpoint/2010/main" val="2461008506"/>
+      </p:ext>
+    </p:extLst>
+  </p:cSld>
+  <p:clrMapOvr>
+    <a:masterClrMapping/>
+  </p:clrMapOvr>
+</p:sld>
+</file>
+
+<file path=ppt/slides/slide12.xml><?xml version="1.0" encoding="utf-8"?>
+<p:sld xmlns:a="http://schemas.openxmlformats.org/drawingml/2006/main" xmlns:r="http://schemas.openxmlformats.org/officeDocument/2006/relationships" xmlns:p="http://schemas.openxmlformats.org/presentationml/2006/main">
+  <p:cSld>
+    <p:spTree>
+      <p:nvGrpSpPr>
+        <p:cNvPr id="1" name=""/>
+        <p:cNvGrpSpPr/>
+        <p:nvPr/>
+      </p:nvGrpSpPr>
+      <p:grpSpPr>
+        <a:xfrm>
+          <a:off x="0" y="0"/>
+          <a:ext cx="0" cy="0"/>
+          <a:chOff x="0" y="0"/>
+          <a:chExt cx="0" cy="0"/>
+        </a:xfrm>
+      </p:grpSpPr>
+      <p:sp>
+        <p:nvSpPr>
+          <p:cNvPr id="2" name="Title 1">
+            <a:extLst>
+              <a:ext uri="{FF2B5EF4-FFF2-40B4-BE49-F238E27FC236}">
+                <a16:creationId xmlns:a16="http://schemas.microsoft.com/office/drawing/2014/main" id="{F592EBEA-5D8C-1C4F-8A61-2E33BCB75363}"/>
+              </a:ext>
+            </a:extLst>
+          </p:cNvPr>
+          <p:cNvSpPr>
+            <a:spLocks noGrp="1"/>
+          </p:cNvSpPr>
+          <p:nvPr>
+            <p:ph type="title"/>
+          </p:nvPr>
+        </p:nvSpPr>
+        <p:spPr/>
+        <p:txBody>
+          <a:bodyPr/>
+          <a:lstStyle/>
+          <a:p>
+            <a:r>
+              <a:rPr lang="en-US" dirty="0"/>
+              <a:t>Algorithm 2: Part II: Random Walk</a:t>
+            </a:r>
+          </a:p>
+        </p:txBody>
+      </p:sp>
+      <p:sp>
+        <p:nvSpPr>
+          <p:cNvPr id="3" name="Content Placeholder 2">
+            <a:extLst>
+              <a:ext uri="{FF2B5EF4-FFF2-40B4-BE49-F238E27FC236}">
+                <a16:creationId xmlns:a16="http://schemas.microsoft.com/office/drawing/2014/main" id="{3FEE85EC-8D55-5043-B524-4AFDDBD74C86}"/>
+              </a:ext>
+            </a:extLst>
+          </p:cNvPr>
+          <p:cNvSpPr>
+            <a:spLocks noGrp="1"/>
+          </p:cNvSpPr>
+          <p:nvPr>
+            <p:ph idx="1"/>
+          </p:nvPr>
+        </p:nvSpPr>
+        <p:spPr/>
+        <p:txBody>
+          <a:bodyPr/>
+          <a:lstStyle/>
+          <a:p>
+            <a:r>
+              <a:rPr lang="en-US" dirty="0"/>
+              <a:t>Random walks on graph to produce gradient</a:t>
+            </a:r>
+          </a:p>
+        </p:txBody>
+      </p:sp>
+    </p:spTree>
+    <p:extLst>
+      <p:ext uri="{BB962C8B-B14F-4D97-AF65-F5344CB8AC3E}">
+        <p14:creationId xmlns:p14="http://schemas.microsoft.com/office/powerpoint/2010/main" val="2795810461"/>
+      </p:ext>
+    </p:extLst>
+  </p:cSld>
+  <p:clrMapOvr>
+    <a:masterClrMapping/>
+  </p:clrMapOvr>
+</p:sld>
+</file>
+
+<file path=ppt/slides/slide13.xml><?xml version="1.0" encoding="utf-8"?>
+<p:sld xmlns:a="http://schemas.openxmlformats.org/drawingml/2006/main" xmlns:r="http://schemas.openxmlformats.org/officeDocument/2006/relationships" xmlns:p="http://schemas.openxmlformats.org/presentationml/2006/main">
+  <p:cSld>
+    <p:spTree>
+      <p:nvGrpSpPr>
+        <p:cNvPr id="1" name=""/>
+        <p:cNvGrpSpPr/>
+        <p:nvPr/>
+      </p:nvGrpSpPr>
+      <p:grpSpPr>
+        <a:xfrm>
+          <a:off x="0" y="0"/>
+          <a:ext cx="0" cy="0"/>
+          <a:chOff x="0" y="0"/>
+          <a:chExt cx="0" cy="0"/>
+        </a:xfrm>
+      </p:grpSpPr>
+      <p:sp>
+        <p:nvSpPr>
+          <p:cNvPr id="2" name="Title 1">
+            <a:extLst>
+              <a:ext uri="{FF2B5EF4-FFF2-40B4-BE49-F238E27FC236}">
+                <a16:creationId xmlns:a16="http://schemas.microsoft.com/office/drawing/2014/main" id="{623441A8-58F5-2843-B3D4-A7975E19CAFB}"/>
+              </a:ext>
+            </a:extLst>
+          </p:cNvPr>
+          <p:cNvSpPr>
+            <a:spLocks noGrp="1"/>
+          </p:cNvSpPr>
+          <p:nvPr>
+            <p:ph type="title"/>
+          </p:nvPr>
+        </p:nvSpPr>
+        <p:spPr/>
+        <p:txBody>
+          <a:bodyPr/>
+          <a:lstStyle/>
+          <a:p>
+            <a:r>
+              <a:rPr lang="en-US" dirty="0"/>
+              <a:t>Algorithm 2: Part III: Watershed</a:t>
+            </a:r>
+          </a:p>
+        </p:txBody>
+      </p:sp>
+      <p:sp>
+        <p:nvSpPr>
+          <p:cNvPr id="3" name="Content Placeholder 2">
+            <a:extLst>
+              <a:ext uri="{FF2B5EF4-FFF2-40B4-BE49-F238E27FC236}">
+                <a16:creationId xmlns:a16="http://schemas.microsoft.com/office/drawing/2014/main" id="{E25C37E5-B605-E04D-A48E-EC15F118270A}"/>
+              </a:ext>
+            </a:extLst>
+          </p:cNvPr>
+          <p:cNvSpPr>
+            <a:spLocks noGrp="1"/>
+          </p:cNvSpPr>
+          <p:nvPr>
+            <p:ph idx="1"/>
+          </p:nvPr>
+        </p:nvSpPr>
+        <p:spPr/>
+        <p:txBody>
+          <a:bodyPr/>
+          <a:lstStyle/>
+          <a:p>
+            <a:r>
+              <a:rPr lang="en-US" dirty="0"/>
+              <a:t>Watershed algorithm to define dividing lines on gradient</a:t>
+            </a:r>
+          </a:p>
+        </p:txBody>
+      </p:sp>
+    </p:spTree>
+    <p:extLst>
+      <p:ext uri="{BB962C8B-B14F-4D97-AF65-F5344CB8AC3E}">
+        <p14:creationId xmlns:p14="http://schemas.microsoft.com/office/powerpoint/2010/main" val="1159738870"/>
+      </p:ext>
+    </p:extLst>
+  </p:cSld>
+  <p:clrMapOvr>
+    <a:masterClrMapping/>
+  </p:clrMapOvr>
+</p:sld>
+</file>
+
+<file path=ppt/slides/slide14.xml><?xml version="1.0" encoding="utf-8"?>
+<p:sld xmlns:a="http://schemas.openxmlformats.org/drawingml/2006/main" xmlns:r="http://schemas.openxmlformats.org/officeDocument/2006/relationships" xmlns:p="http://schemas.openxmlformats.org/presentationml/2006/main">
+  <p:cSld>
+    <p:spTree>
+      <p:nvGrpSpPr>
+        <p:cNvPr id="1" name=""/>
+        <p:cNvGrpSpPr/>
+        <p:nvPr/>
+      </p:nvGrpSpPr>
+      <p:grpSpPr>
+        <a:xfrm>
+          <a:off x="0" y="0"/>
+          <a:ext cx="0" cy="0"/>
+          <a:chOff x="0" y="0"/>
+          <a:chExt cx="0" cy="0"/>
+        </a:xfrm>
+      </p:grpSpPr>
+      <p:sp>
+        <p:nvSpPr>
+          <p:cNvPr id="2" name="Title 1">
+            <a:extLst>
+              <a:ext uri="{FF2B5EF4-FFF2-40B4-BE49-F238E27FC236}">
+                <a16:creationId xmlns:a16="http://schemas.microsoft.com/office/drawing/2014/main" id="{79729BAF-3F0B-9346-ABD0-66C0ED5BFA3E}"/>
+              </a:ext>
+            </a:extLst>
+          </p:cNvPr>
+          <p:cNvSpPr>
+            <a:spLocks noGrp="1"/>
+          </p:cNvSpPr>
+          <p:nvPr>
+            <p:ph type="title"/>
+          </p:nvPr>
+        </p:nvSpPr>
+        <p:spPr/>
+        <p:txBody>
+          <a:bodyPr/>
+          <a:lstStyle/>
+          <a:p>
+            <a:r>
+              <a:rPr lang="en-US" dirty="0"/>
+              <a:t>Approaches and Tools</a:t>
+            </a:r>
+          </a:p>
+        </p:txBody>
+      </p:sp>
+      <p:sp>
+        <p:nvSpPr>
+          <p:cNvPr id="3" name="Content Placeholder 2">
+            <a:extLst>
+              <a:ext uri="{FF2B5EF4-FFF2-40B4-BE49-F238E27FC236}">
+                <a16:creationId xmlns:a16="http://schemas.microsoft.com/office/drawing/2014/main" id="{54CB3805-7A9B-3F4E-A2A7-86DA099532F7}"/>
+              </a:ext>
+            </a:extLst>
+          </p:cNvPr>
+          <p:cNvSpPr>
+            <a:spLocks noGrp="1"/>
+          </p:cNvSpPr>
+          <p:nvPr>
+            <p:ph idx="1"/>
+          </p:nvPr>
+        </p:nvSpPr>
+        <p:spPr/>
+        <p:txBody>
+          <a:bodyPr/>
+          <a:lstStyle/>
+          <a:p>
+            <a:r>
+              <a:rPr lang="en-US" dirty="0"/>
+              <a:t>Spark (clustering)</a:t>
+            </a:r>
+          </a:p>
+          <a:p>
+            <a:r>
+              <a:rPr lang="en-US" dirty="0"/>
+              <a:t>MapReduce (</a:t>
+            </a:r>
+            <a:r>
+              <a:rPr lang="en-US" dirty="0" err="1"/>
+              <a:t>mrjob</a:t>
+            </a:r>
+            <a:r>
+              <a:rPr lang="en-US" dirty="0"/>
+              <a:t>)</a:t>
+            </a:r>
+          </a:p>
+        </p:txBody>
+      </p:sp>
+    </p:spTree>
+    <p:extLst>
+      <p:ext uri="{BB962C8B-B14F-4D97-AF65-F5344CB8AC3E}">
+        <p14:creationId xmlns:p14="http://schemas.microsoft.com/office/powerpoint/2010/main" val="152993560"/>
+      </p:ext>
+    </p:extLst>
+  </p:cSld>
+  <p:clrMapOvr>
+    <a:masterClrMapping/>
+  </p:clrMapOvr>
+</p:sld>
+</file>
+
+<file path=ppt/slides/slide15.xml><?xml version="1.0" encoding="utf-8"?>
+<p:sld xmlns:a="http://schemas.openxmlformats.org/drawingml/2006/main" xmlns:r="http://schemas.openxmlformats.org/officeDocument/2006/relationships" xmlns:p="http://schemas.openxmlformats.org/presentationml/2006/main">
+  <p:cSld>
+    <p:spTree>
+      <p:nvGrpSpPr>
+        <p:cNvPr id="1" name=""/>
+        <p:cNvGrpSpPr/>
+        <p:nvPr/>
+      </p:nvGrpSpPr>
+      <p:grpSpPr>
+        <a:xfrm>
+          <a:off x="0" y="0"/>
+          <a:ext cx="0" cy="0"/>
+          <a:chOff x="0" y="0"/>
+          <a:chExt cx="0" cy="0"/>
+        </a:xfrm>
+      </p:grpSpPr>
+      <p:sp>
+        <p:nvSpPr>
+          <p:cNvPr id="2" name="Title 1">
+            <a:extLst>
+              <a:ext uri="{FF2B5EF4-FFF2-40B4-BE49-F238E27FC236}">
+                <a16:creationId xmlns:a16="http://schemas.microsoft.com/office/drawing/2014/main" id="{95A0EE87-9495-2D4D-A589-A914D9E6A7D4}"/>
+              </a:ext>
+            </a:extLst>
+          </p:cNvPr>
+          <p:cNvSpPr>
+            <a:spLocks noGrp="1"/>
+          </p:cNvSpPr>
+          <p:nvPr>
+            <p:ph type="title"/>
+          </p:nvPr>
+        </p:nvSpPr>
+        <p:spPr/>
+        <p:txBody>
+          <a:bodyPr/>
+          <a:lstStyle/>
+          <a:p>
+            <a:r>
+              <a:rPr lang="en-US" dirty="0"/>
+              <a:t>Runtime examples</a:t>
+            </a:r>
+          </a:p>
+        </p:txBody>
+      </p:sp>
+      <p:sp>
+        <p:nvSpPr>
+          <p:cNvPr id="3" name="Content Placeholder 2">
+            <a:extLst>
+              <a:ext uri="{FF2B5EF4-FFF2-40B4-BE49-F238E27FC236}">
+                <a16:creationId xmlns:a16="http://schemas.microsoft.com/office/drawing/2014/main" id="{A01592A2-392C-E547-AF96-23E692BD2E20}"/>
+              </a:ext>
+            </a:extLst>
+          </p:cNvPr>
+          <p:cNvSpPr>
+            <a:spLocks noGrp="1"/>
+          </p:cNvSpPr>
+          <p:nvPr>
+            <p:ph idx="1"/>
+          </p:nvPr>
+        </p:nvSpPr>
+        <p:spPr/>
+        <p:txBody>
+          <a:bodyPr/>
+          <a:lstStyle/>
+          <a:p>
+            <a:r>
+              <a:rPr lang="en-US" dirty="0"/>
+              <a:t>look how slow it would be without parallelism</a:t>
+            </a:r>
+          </a:p>
+          <a:p>
+            <a:r>
+              <a:rPr lang="en-US" dirty="0"/>
+              <a:t>look how fast it would be</a:t>
+            </a:r>
+          </a:p>
+        </p:txBody>
+      </p:sp>
+    </p:spTree>
+    <p:extLst>
+      <p:ext uri="{BB962C8B-B14F-4D97-AF65-F5344CB8AC3E}">
+        <p14:creationId xmlns:p14="http://schemas.microsoft.com/office/powerpoint/2010/main" val="865616747"/>
+      </p:ext>
+    </p:extLst>
+  </p:cSld>
+  <p:clrMapOvr>
+    <a:masterClrMapping/>
+  </p:clrMapOvr>
+</p:sld>
+</file>
+
+<file path=ppt/slides/slide16.xml><?xml version="1.0" encoding="utf-8"?>
+<p:sld xmlns:a="http://schemas.openxmlformats.org/drawingml/2006/main" xmlns:r="http://schemas.openxmlformats.org/officeDocument/2006/relationships" xmlns:p="http://schemas.openxmlformats.org/presentationml/2006/main">
+  <p:cSld>
+    <p:spTree>
+      <p:nvGrpSpPr>
+        <p:cNvPr id="1" name=""/>
+        <p:cNvGrpSpPr/>
+        <p:nvPr/>
+      </p:nvGrpSpPr>
+      <p:grpSpPr>
+        <a:xfrm>
+          <a:off x="0" y="0"/>
+          <a:ext cx="0" cy="0"/>
+          <a:chOff x="0" y="0"/>
+          <a:chExt cx="0" cy="0"/>
+        </a:xfrm>
+      </p:grpSpPr>
+      <p:sp>
+        <p:nvSpPr>
+          <p:cNvPr id="2" name="Title 1">
+            <a:extLst>
+              <a:ext uri="{FF2B5EF4-FFF2-40B4-BE49-F238E27FC236}">
+                <a16:creationId xmlns:a16="http://schemas.microsoft.com/office/drawing/2014/main" id="{20B41192-4643-1044-99B7-2B8ED46F0D2E}"/>
+              </a:ext>
+            </a:extLst>
+          </p:cNvPr>
+          <p:cNvSpPr>
+            <a:spLocks noGrp="1"/>
+          </p:cNvSpPr>
+          <p:nvPr>
+            <p:ph type="title"/>
+          </p:nvPr>
+        </p:nvSpPr>
+        <p:spPr/>
+        <p:txBody>
+          <a:bodyPr/>
+          <a:lstStyle/>
+          <a:p>
+            <a:r>
+              <a:rPr lang="en-US" dirty="0"/>
+              <a:t>Challenges</a:t>
+            </a:r>
+          </a:p>
+        </p:txBody>
+      </p:sp>
+      <p:sp>
+        <p:nvSpPr>
+          <p:cNvPr id="3" name="Content Placeholder 2">
+            <a:extLst>
+              <a:ext uri="{FF2B5EF4-FFF2-40B4-BE49-F238E27FC236}">
+                <a16:creationId xmlns:a16="http://schemas.microsoft.com/office/drawing/2014/main" id="{AA8B5A31-4A3D-3446-BCD8-0AFCC4934C6A}"/>
+              </a:ext>
+            </a:extLst>
+          </p:cNvPr>
+          <p:cNvSpPr>
+            <a:spLocks noGrp="1"/>
+          </p:cNvSpPr>
+          <p:nvPr>
+            <p:ph idx="1"/>
+          </p:nvPr>
+        </p:nvSpPr>
+        <p:spPr>
+          <a:xfrm>
+            <a:off x="838200" y="1690688"/>
+            <a:ext cx="10515600" cy="4351338"/>
+          </a:xfrm>
+        </p:spPr>
+        <p:txBody>
+          <a:bodyPr/>
+          <a:lstStyle/>
+          <a:p>
+            <a:r>
+              <a:rPr lang="en-US" u="sng" dirty="0"/>
+              <a:t>Problem</a:t>
+            </a:r>
+            <a:r>
+              <a:rPr lang="en-US" dirty="0"/>
+              <a:t>: Graph algorithms without all data in memory; complexity too great for a fully connected graph</a:t>
+            </a:r>
+          </a:p>
+          <a:p>
+            <a:r>
+              <a:rPr lang="en-US" b="1" dirty="0"/>
+              <a:t>Solution: </a:t>
+            </a:r>
+            <a:r>
+              <a:rPr lang="en-US" dirty="0"/>
+              <a:t>Running random sample (Algorithm 1)</a:t>
+            </a:r>
+          </a:p>
+          <a:p>
+            <a:endParaRPr lang="en-US" dirty="0"/>
+          </a:p>
+          <a:p>
+            <a:r>
+              <a:rPr lang="en-US" u="sng" dirty="0"/>
+              <a:t>Problem</a:t>
+            </a:r>
+            <a:r>
+              <a:rPr lang="en-US" dirty="0"/>
+              <a:t>: Entire sky too large for Algorithm 2</a:t>
+            </a:r>
+          </a:p>
+          <a:p>
+            <a:r>
+              <a:rPr lang="en-US" b="1" dirty="0"/>
+              <a:t>Solution</a:t>
+            </a:r>
+            <a:r>
+              <a:rPr lang="en-US" dirty="0"/>
+              <a:t>: Grids and streaming processing</a:t>
+            </a:r>
+          </a:p>
+        </p:txBody>
+      </p:sp>
+    </p:spTree>
+    <p:extLst>
+      <p:ext uri="{BB962C8B-B14F-4D97-AF65-F5344CB8AC3E}">
+        <p14:creationId xmlns:p14="http://schemas.microsoft.com/office/powerpoint/2010/main" val="999213449"/>
+      </p:ext>
+    </p:extLst>
+  </p:cSld>
+  <p:clrMapOvr>
+    <a:masterClrMapping/>
+  </p:clrMapOvr>
+</p:sld>
+</file>
+
+<file path=ppt/slides/slide17.xml><?xml version="1.0" encoding="utf-8"?>
+<p:sld xmlns:a="http://schemas.openxmlformats.org/drawingml/2006/main" xmlns:r="http://schemas.openxmlformats.org/officeDocument/2006/relationships" xmlns:p="http://schemas.openxmlformats.org/presentationml/2006/main">
+  <p:cSld>
+    <p:spTree>
+      <p:nvGrpSpPr>
+        <p:cNvPr id="1" name=""/>
+        <p:cNvGrpSpPr/>
+        <p:nvPr/>
+      </p:nvGrpSpPr>
+      <p:grpSpPr>
+        <a:xfrm>
+          <a:off x="0" y="0"/>
+          <a:ext cx="0" cy="0"/>
+          <a:chOff x="0" y="0"/>
+          <a:chExt cx="0" cy="0"/>
+        </a:xfrm>
+      </p:grpSpPr>
+      <p:sp>
+        <p:nvSpPr>
+          <p:cNvPr id="2" name="Title 1">
+            <a:extLst>
+              <a:ext uri="{FF2B5EF4-FFF2-40B4-BE49-F238E27FC236}">
+                <a16:creationId xmlns:a16="http://schemas.microsoft.com/office/drawing/2014/main" id="{0464526B-B5B0-8F44-8F93-8C79542D7F05}"/>
+              </a:ext>
+            </a:extLst>
+          </p:cNvPr>
+          <p:cNvSpPr>
+            <a:spLocks noGrp="1"/>
+          </p:cNvSpPr>
+          <p:nvPr>
+            <p:ph type="title"/>
+          </p:nvPr>
+        </p:nvSpPr>
+        <p:spPr/>
+        <p:txBody>
+          <a:bodyPr/>
+          <a:lstStyle/>
+          <a:p>
+            <a:r>
+              <a:rPr lang="en-US" dirty="0"/>
+              <a:t>Results</a:t>
+            </a:r>
+          </a:p>
+        </p:txBody>
+      </p:sp>
+      <p:sp>
+        <p:nvSpPr>
+          <p:cNvPr id="3" name="Content Placeholder 2">
+            <a:extLst>
+              <a:ext uri="{FF2B5EF4-FFF2-40B4-BE49-F238E27FC236}">
+                <a16:creationId xmlns:a16="http://schemas.microsoft.com/office/drawing/2014/main" id="{E0C1FFB2-220D-AA4B-8DF9-028A215E642C}"/>
+              </a:ext>
+            </a:extLst>
+          </p:cNvPr>
+          <p:cNvSpPr>
+            <a:spLocks noGrp="1"/>
+          </p:cNvSpPr>
+          <p:nvPr>
+            <p:ph idx="1"/>
+          </p:nvPr>
+        </p:nvSpPr>
+        <p:spPr/>
+        <p:txBody>
+          <a:bodyPr/>
+          <a:lstStyle/>
+          <a:p>
+            <a:endParaRPr lang="en-US" dirty="0"/>
+          </a:p>
+        </p:txBody>
+      </p:sp>
+    </p:spTree>
+    <p:extLst>
+      <p:ext uri="{BB962C8B-B14F-4D97-AF65-F5344CB8AC3E}">
+        <p14:creationId xmlns:p14="http://schemas.microsoft.com/office/powerpoint/2010/main" val="3831315242"/>
+      </p:ext>
+    </p:extLst>
+  </p:cSld>
+  <p:clrMapOvr>
+    <a:masterClrMapping/>
+  </p:clrMapOvr>
+</p:sld>
+</file>
+
+<file path=ppt/slides/slide18.xml><?xml version="1.0" encoding="utf-8"?>
+<p:sld xmlns:a="http://schemas.openxmlformats.org/drawingml/2006/main" xmlns:r="http://schemas.openxmlformats.org/officeDocument/2006/relationships" xmlns:p="http://schemas.openxmlformats.org/presentationml/2006/main">
+  <p:cSld>
+    <p:spTree>
+      <p:nvGrpSpPr>
+        <p:cNvPr id="1" name=""/>
+        <p:cNvGrpSpPr/>
+        <p:nvPr/>
+      </p:nvGrpSpPr>
+      <p:grpSpPr>
+        <a:xfrm>
+          <a:off x="0" y="0"/>
+          <a:ext cx="0" cy="0"/>
+          <a:chOff x="0" y="0"/>
+          <a:chExt cx="0" cy="0"/>
+        </a:xfrm>
+      </p:grpSpPr>
+      <p:sp>
+        <p:nvSpPr>
+          <p:cNvPr id="2" name="Title 1">
+            <a:extLst>
+              <a:ext uri="{FF2B5EF4-FFF2-40B4-BE49-F238E27FC236}">
+                <a16:creationId xmlns:a16="http://schemas.microsoft.com/office/drawing/2014/main" id="{2DDB847E-58ED-FC4B-B1B7-D36A76954B1B}"/>
+              </a:ext>
+            </a:extLst>
+          </p:cNvPr>
+          <p:cNvSpPr>
+            <a:spLocks noGrp="1"/>
+          </p:cNvSpPr>
+          <p:nvPr>
+            <p:ph type="title"/>
+          </p:nvPr>
+        </p:nvSpPr>
+        <p:spPr/>
+        <p:txBody>
+          <a:bodyPr/>
+          <a:lstStyle/>
+          <a:p>
+            <a:r>
+              <a:rPr lang="en-US" dirty="0"/>
+              <a:t>Results</a:t>
+            </a:r>
+          </a:p>
+        </p:txBody>
+      </p:sp>
+      <p:sp>
+        <p:nvSpPr>
+          <p:cNvPr id="3" name="Content Placeholder 2">
+            <a:extLst>
+              <a:ext uri="{FF2B5EF4-FFF2-40B4-BE49-F238E27FC236}">
+                <a16:creationId xmlns:a16="http://schemas.microsoft.com/office/drawing/2014/main" id="{4BC83172-A7BC-6544-B07C-574722DB4F9D}"/>
+              </a:ext>
+            </a:extLst>
+          </p:cNvPr>
+          <p:cNvSpPr>
+            <a:spLocks noGrp="1"/>
+          </p:cNvSpPr>
+          <p:nvPr>
+            <p:ph idx="1"/>
+          </p:nvPr>
+        </p:nvSpPr>
+        <p:spPr/>
+        <p:txBody>
+          <a:bodyPr/>
+          <a:lstStyle/>
+          <a:p>
+            <a:endParaRPr lang="en-US"/>
+          </a:p>
+        </p:txBody>
+      </p:sp>
+    </p:spTree>
+    <p:extLst>
+      <p:ext uri="{BB962C8B-B14F-4D97-AF65-F5344CB8AC3E}">
+        <p14:creationId xmlns:p14="http://schemas.microsoft.com/office/powerpoint/2010/main" val="3015574043"/>
+      </p:ext>
+    </p:extLst>
+  </p:cSld>
+  <p:clrMapOvr>
+    <a:masterClrMapping/>
+  </p:clrMapOvr>
+</p:sld>
+</file>
+
+<file path=ppt/slides/slide19.xml><?xml version="1.0" encoding="utf-8"?>
+<p:sld xmlns:a="http://schemas.openxmlformats.org/drawingml/2006/main" xmlns:r="http://schemas.openxmlformats.org/officeDocument/2006/relationships" xmlns:p="http://schemas.openxmlformats.org/presentationml/2006/main">
+  <p:cSld>
+    <p:spTree>
+      <p:nvGrpSpPr>
+        <p:cNvPr id="1" name=""/>
+        <p:cNvGrpSpPr/>
+        <p:nvPr/>
+      </p:nvGrpSpPr>
+      <p:grpSpPr>
+        <a:xfrm>
+          <a:off x="0" y="0"/>
+          <a:ext cx="0" cy="0"/>
+          <a:chOff x="0" y="0"/>
+          <a:chExt cx="0" cy="0"/>
+        </a:xfrm>
+      </p:grpSpPr>
+      <p:sp>
+        <p:nvSpPr>
+          <p:cNvPr id="2" name="Title 1">
+            <a:extLst>
+              <a:ext uri="{FF2B5EF4-FFF2-40B4-BE49-F238E27FC236}">
+                <a16:creationId xmlns:a16="http://schemas.microsoft.com/office/drawing/2014/main" id="{4F272063-4287-F742-8DA4-21A807AC5DBB}"/>
+              </a:ext>
+            </a:extLst>
+          </p:cNvPr>
+          <p:cNvSpPr>
+            <a:spLocks noGrp="1"/>
+          </p:cNvSpPr>
+          <p:nvPr>
+            <p:ph type="title"/>
+          </p:nvPr>
+        </p:nvSpPr>
+        <p:spPr/>
+        <p:txBody>
+          <a:bodyPr/>
+          <a:lstStyle/>
+          <a:p>
+            <a:r>
+              <a:rPr lang="en-US" dirty="0"/>
+              <a:t>Results</a:t>
+            </a:r>
+          </a:p>
+        </p:txBody>
+      </p:sp>
+      <p:sp>
+        <p:nvSpPr>
+          <p:cNvPr id="3" name="Content Placeholder 2">
+            <a:extLst>
+              <a:ext uri="{FF2B5EF4-FFF2-40B4-BE49-F238E27FC236}">
+                <a16:creationId xmlns:a16="http://schemas.microsoft.com/office/drawing/2014/main" id="{826B193C-6DEB-6743-9367-90B70EC0F894}"/>
+              </a:ext>
+            </a:extLst>
+          </p:cNvPr>
+          <p:cNvSpPr>
+            <a:spLocks noGrp="1"/>
+          </p:cNvSpPr>
+          <p:nvPr>
+            <p:ph idx="1"/>
+          </p:nvPr>
+        </p:nvSpPr>
+        <p:spPr/>
+        <p:txBody>
+          <a:bodyPr/>
+          <a:lstStyle/>
+          <a:p>
+            <a:endParaRPr lang="en-US"/>
+          </a:p>
+        </p:txBody>
+      </p:sp>
+    </p:spTree>
+    <p:extLst>
+      <p:ext uri="{BB962C8B-B14F-4D97-AF65-F5344CB8AC3E}">
+        <p14:creationId xmlns:p14="http://schemas.microsoft.com/office/powerpoint/2010/main" val="4080916077"/>
       </p:ext>
     </p:extLst>
   </p:cSld>
@@ -3507,7 +4496,7 @@
           <a:lstStyle/>
           <a:p>
             <a:r>
-              <a:rPr lang="en-US" dirty="0" smtClean="0">
+              <a:rPr lang="en-US" dirty="0">
                 <a:latin typeface="Gotham" charset="0"/>
                 <a:ea typeface="Gotham" charset="0"/>
                 <a:cs typeface="Gotham" charset="0"/>
@@ -3540,7 +4529,7 @@
           <a:lstStyle/>
           <a:p>
             <a:r>
-              <a:rPr lang="en-US" sz="3200" dirty="0" smtClean="0">
+              <a:rPr lang="en-US" sz="3200" dirty="0">
                 <a:latin typeface="Gotham" charset="0"/>
                 <a:ea typeface="Gotham" charset="0"/>
                 <a:cs typeface="Gotham" charset="0"/>
@@ -3550,7 +4539,7 @@
           </a:p>
           <a:p>
             <a:r>
-              <a:rPr lang="en-US" sz="3200" dirty="0" smtClean="0">
+              <a:rPr lang="en-US" sz="3200" dirty="0">
                 <a:latin typeface="Gotham" charset="0"/>
                 <a:ea typeface="Gotham" charset="0"/>
                 <a:cs typeface="Gotham" charset="0"/>
@@ -3560,7 +4549,7 @@
           </a:p>
           <a:p>
             <a:r>
-              <a:rPr lang="en-US" sz="3200" dirty="0" smtClean="0">
+              <a:rPr lang="en-US" sz="3200" dirty="0">
                 <a:latin typeface="Gotham" charset="0"/>
                 <a:ea typeface="Gotham" charset="0"/>
                 <a:cs typeface="Gotham" charset="0"/>
@@ -3579,6 +4568,1028 @@
     <p:extLst>
       <p:ext uri="{BB962C8B-B14F-4D97-AF65-F5344CB8AC3E}">
         <p14:creationId xmlns:p14="http://schemas.microsoft.com/office/powerpoint/2010/main" val="126209776"/>
+      </p:ext>
+    </p:extLst>
+  </p:cSld>
+  <p:clrMapOvr>
+    <a:masterClrMapping/>
+  </p:clrMapOvr>
+</p:sld>
+</file>
+
+<file path=ppt/slides/slide20.xml><?xml version="1.0" encoding="utf-8"?>
+<p:sld xmlns:a="http://schemas.openxmlformats.org/drawingml/2006/main" xmlns:r="http://schemas.openxmlformats.org/officeDocument/2006/relationships" xmlns:p="http://schemas.openxmlformats.org/presentationml/2006/main">
+  <p:cSld>
+    <p:spTree>
+      <p:nvGrpSpPr>
+        <p:cNvPr id="1" name=""/>
+        <p:cNvGrpSpPr/>
+        <p:nvPr/>
+      </p:nvGrpSpPr>
+      <p:grpSpPr>
+        <a:xfrm>
+          <a:off x="0" y="0"/>
+          <a:ext cx="0" cy="0"/>
+          <a:chOff x="0" y="0"/>
+          <a:chExt cx="0" cy="0"/>
+        </a:xfrm>
+      </p:grpSpPr>
+      <p:sp>
+        <p:nvSpPr>
+          <p:cNvPr id="2" name="Title 1">
+            <a:extLst>
+              <a:ext uri="{FF2B5EF4-FFF2-40B4-BE49-F238E27FC236}">
+                <a16:creationId xmlns:a16="http://schemas.microsoft.com/office/drawing/2014/main" id="{5C8E627F-1086-9646-BA63-11B41BDA20CC}"/>
+              </a:ext>
+            </a:extLst>
+          </p:cNvPr>
+          <p:cNvSpPr>
+            <a:spLocks noGrp="1"/>
+          </p:cNvSpPr>
+          <p:nvPr>
+            <p:ph type="title"/>
+          </p:nvPr>
+        </p:nvSpPr>
+        <p:spPr/>
+        <p:txBody>
+          <a:bodyPr/>
+          <a:lstStyle/>
+          <a:p>
+            <a:r>
+              <a:rPr lang="en-US" dirty="0"/>
+              <a:t>Algorithm 1 Implementation</a:t>
+            </a:r>
+          </a:p>
+        </p:txBody>
+      </p:sp>
+      <p:sp>
+        <p:nvSpPr>
+          <p:cNvPr id="3" name="Content Placeholder 2">
+            <a:extLst>
+              <a:ext uri="{FF2B5EF4-FFF2-40B4-BE49-F238E27FC236}">
+                <a16:creationId xmlns:a16="http://schemas.microsoft.com/office/drawing/2014/main" id="{84DA7F8F-9904-3F41-8916-F4502ADD7692}"/>
+              </a:ext>
+            </a:extLst>
+          </p:cNvPr>
+          <p:cNvSpPr>
+            <a:spLocks noGrp="1"/>
+          </p:cNvSpPr>
+          <p:nvPr>
+            <p:ph sz="half" idx="1"/>
+          </p:nvPr>
+        </p:nvSpPr>
+        <p:spPr/>
+        <p:txBody>
+          <a:bodyPr>
+            <a:normAutofit/>
+          </a:bodyPr>
+          <a:lstStyle/>
+          <a:p>
+            <a:pPr marL="571500" indent="-571500">
+              <a:buFont typeface="+mj-lt"/>
+              <a:buAutoNum type="arabicPeriod"/>
+            </a:pPr>
+            <a:r>
+              <a:rPr lang="en-US" b="1" dirty="0"/>
+              <a:t>Initialize a node list (Map 1)</a:t>
+            </a:r>
+          </a:p>
+          <a:p>
+            <a:pPr marL="571500" indent="-571500">
+              <a:buFont typeface="+mj-lt"/>
+              <a:buAutoNum type="arabicPeriod"/>
+            </a:pPr>
+            <a:endParaRPr lang="en-US" dirty="0"/>
+          </a:p>
+          <a:p>
+            <a:pPr marL="571500" indent="-571500">
+              <a:buFont typeface="+mj-lt"/>
+              <a:buAutoNum type="arabicPeriod"/>
+            </a:pPr>
+            <a:r>
+              <a:rPr lang="en-US" b="1" dirty="0"/>
+              <a:t>for each object: (Map 1)</a:t>
+            </a:r>
+          </a:p>
+          <a:p>
+            <a:pPr marL="971550" lvl="1" indent="-514350">
+              <a:buFont typeface="+mj-lt"/>
+              <a:buAutoNum type="arabicPeriod"/>
+            </a:pPr>
+            <a:r>
+              <a:rPr lang="en-US" sz="2800" dirty="0"/>
+              <a:t>add the object to our node list</a:t>
+            </a:r>
+          </a:p>
+          <a:p>
+            <a:pPr marL="971550" lvl="1" indent="-514350">
+              <a:buFont typeface="+mj-lt"/>
+              <a:buAutoNum type="arabicPeriod"/>
+            </a:pPr>
+            <a:r>
+              <a:rPr lang="en-US" sz="2800" dirty="0"/>
+              <a:t>if the node list is too large: remove nodes at random until the list is size N(P):</a:t>
+            </a:r>
+          </a:p>
+          <a:p>
+            <a:pPr marL="571500" indent="-571500">
+              <a:buFont typeface="+mj-lt"/>
+              <a:buAutoNum type="arabicPeriod"/>
+            </a:pPr>
+            <a:endParaRPr lang="en-US" dirty="0"/>
+          </a:p>
+        </p:txBody>
+      </p:sp>
+      <p:sp>
+        <p:nvSpPr>
+          <p:cNvPr id="4" name="Content Placeholder 3">
+            <a:extLst>
+              <a:ext uri="{FF2B5EF4-FFF2-40B4-BE49-F238E27FC236}">
+                <a16:creationId xmlns:a16="http://schemas.microsoft.com/office/drawing/2014/main" id="{49007518-14F4-DA4D-B379-F12A916A5CD1}"/>
+              </a:ext>
+            </a:extLst>
+          </p:cNvPr>
+          <p:cNvSpPr>
+            <a:spLocks noGrp="1"/>
+          </p:cNvSpPr>
+          <p:nvPr>
+            <p:ph sz="half" idx="2"/>
+          </p:nvPr>
+        </p:nvSpPr>
+        <p:spPr/>
+        <p:txBody>
+          <a:bodyPr>
+            <a:normAutofit/>
+          </a:bodyPr>
+          <a:lstStyle/>
+          <a:p>
+            <a:pPr marL="514350" indent="-514350">
+              <a:buFont typeface="+mj-lt"/>
+              <a:buAutoNum type="arabicPeriod" startAt="3"/>
+            </a:pPr>
+            <a:r>
+              <a:rPr lang="en-US" b="1" dirty="0"/>
+              <a:t>If the node list is </a:t>
+            </a:r>
+            <a:r>
+              <a:rPr lang="en-US" b="1" dirty="0" err="1"/>
+              <a:t>sufficently</a:t>
+            </a:r>
+            <a:r>
+              <a:rPr lang="en-US" b="1" dirty="0"/>
+              <a:t> full (size N(P)):</a:t>
+            </a:r>
+          </a:p>
+          <a:p>
+            <a:pPr marL="971550" lvl="1" indent="-514350">
+              <a:buFont typeface="+mj-lt"/>
+              <a:buAutoNum type="arabicPeriod"/>
+            </a:pPr>
+            <a:r>
+              <a:rPr lang="en-US" sz="2800" dirty="0"/>
+              <a:t>yield the object's id and distance to each node</a:t>
+            </a:r>
+          </a:p>
+          <a:p>
+            <a:pPr marL="514350" indent="-514350">
+              <a:buFont typeface="+mj-lt"/>
+              <a:buAutoNum type="arabicPeriod" startAt="3"/>
+            </a:pPr>
+            <a:endParaRPr lang="en-US" dirty="0"/>
+          </a:p>
+          <a:p>
+            <a:pPr marL="514350" indent="-514350">
+              <a:buFont typeface="+mj-lt"/>
+              <a:buAutoNum type="arabicPeriod" startAt="3"/>
+            </a:pPr>
+            <a:r>
+              <a:rPr lang="en-US" b="1" dirty="0"/>
+              <a:t>For each object (Reduce 1)</a:t>
+            </a:r>
+          </a:p>
+          <a:p>
+            <a:pPr marL="971550" lvl="1" indent="-514350">
+              <a:buFont typeface="+mj-lt"/>
+              <a:buAutoNum type="arabicPeriod"/>
+            </a:pPr>
+            <a:r>
+              <a:rPr lang="en-US" sz="2800" dirty="0"/>
+              <a:t>take K edges (the closest K)</a:t>
+            </a:r>
+          </a:p>
+          <a:p>
+            <a:pPr marL="514350" indent="-514350">
+              <a:buFont typeface="+mj-lt"/>
+              <a:buAutoNum type="arabicPeriod" startAt="3"/>
+            </a:pPr>
+            <a:endParaRPr lang="en-US" dirty="0"/>
+          </a:p>
+        </p:txBody>
+      </p:sp>
+    </p:spTree>
+    <p:extLst>
+      <p:ext uri="{BB962C8B-B14F-4D97-AF65-F5344CB8AC3E}">
+        <p14:creationId xmlns:p14="http://schemas.microsoft.com/office/powerpoint/2010/main" val="2535493048"/>
+      </p:ext>
+    </p:extLst>
+  </p:cSld>
+  <p:clrMapOvr>
+    <a:masterClrMapping/>
+  </p:clrMapOvr>
+</p:sld>
+</file>
+
+<file path=ppt/slides/slide21.xml><?xml version="1.0" encoding="utf-8"?>
+<p:sld xmlns:a="http://schemas.openxmlformats.org/drawingml/2006/main" xmlns:r="http://schemas.openxmlformats.org/officeDocument/2006/relationships" xmlns:p="http://schemas.openxmlformats.org/presentationml/2006/main">
+  <p:cSld>
+    <p:spTree>
+      <p:nvGrpSpPr>
+        <p:cNvPr id="1" name=""/>
+        <p:cNvGrpSpPr/>
+        <p:nvPr/>
+      </p:nvGrpSpPr>
+      <p:grpSpPr>
+        <a:xfrm>
+          <a:off x="0" y="0"/>
+          <a:ext cx="0" cy="0"/>
+          <a:chOff x="0" y="0"/>
+          <a:chExt cx="0" cy="0"/>
+        </a:xfrm>
+      </p:grpSpPr>
+      <p:sp>
+        <p:nvSpPr>
+          <p:cNvPr id="2" name="Title 1">
+            <a:extLst>
+              <a:ext uri="{FF2B5EF4-FFF2-40B4-BE49-F238E27FC236}">
+                <a16:creationId xmlns:a16="http://schemas.microsoft.com/office/drawing/2014/main" id="{DD0FFF85-DFFB-A940-A038-A979F3FF4EC3}"/>
+              </a:ext>
+            </a:extLst>
+          </p:cNvPr>
+          <p:cNvSpPr>
+            <a:spLocks noGrp="1"/>
+          </p:cNvSpPr>
+          <p:nvPr>
+            <p:ph type="title"/>
+          </p:nvPr>
+        </p:nvSpPr>
+        <p:spPr/>
+        <p:txBody>
+          <a:bodyPr/>
+          <a:lstStyle/>
+          <a:p>
+            <a:r>
+              <a:rPr lang="en-US" dirty="0"/>
+              <a:t>Algorithm 1 Implementation (Cont'd)</a:t>
+            </a:r>
+          </a:p>
+        </p:txBody>
+      </p:sp>
+      <p:sp>
+        <p:nvSpPr>
+          <p:cNvPr id="3" name="Content Placeholder 2">
+            <a:extLst>
+              <a:ext uri="{FF2B5EF4-FFF2-40B4-BE49-F238E27FC236}">
+                <a16:creationId xmlns:a16="http://schemas.microsoft.com/office/drawing/2014/main" id="{4F32D251-FE20-3848-B314-94317D5531CE}"/>
+              </a:ext>
+            </a:extLst>
+          </p:cNvPr>
+          <p:cNvSpPr>
+            <a:spLocks noGrp="1"/>
+          </p:cNvSpPr>
+          <p:nvPr>
+            <p:ph sz="half" idx="1"/>
+          </p:nvPr>
+        </p:nvSpPr>
+        <p:spPr/>
+        <p:txBody>
+          <a:bodyPr>
+            <a:normAutofit/>
+          </a:bodyPr>
+          <a:lstStyle/>
+          <a:p>
+            <a:pPr marL="514350" indent="-514350">
+              <a:buFont typeface="+mj-lt"/>
+              <a:buAutoNum type="arabicPeriod" startAt="5"/>
+            </a:pPr>
+            <a:r>
+              <a:rPr lang="en-US" b="1" dirty="0"/>
+              <a:t>For each object (Map 2)</a:t>
+            </a:r>
+          </a:p>
+          <a:p>
+            <a:pPr marL="971550" lvl="1" indent="-514350">
+              <a:buFont typeface="+mj-lt"/>
+              <a:buAutoNum type="arabicPeriod"/>
+            </a:pPr>
+            <a:r>
+              <a:rPr lang="en-US" dirty="0"/>
+              <a:t>Create a density function of distances from the object</a:t>
+            </a:r>
+          </a:p>
+          <a:p>
+            <a:pPr marL="971550" lvl="1" indent="-514350">
+              <a:buFont typeface="+mj-lt"/>
+              <a:buAutoNum type="arabicPeriod"/>
+            </a:pPr>
+            <a:r>
+              <a:rPr lang="en-US" dirty="0"/>
+              <a:t>Fit a spline function along this density curve</a:t>
+            </a:r>
+          </a:p>
+          <a:p>
+            <a:pPr marL="971550" lvl="1" indent="-514350">
+              <a:buFont typeface="+mj-lt"/>
+              <a:buAutoNum type="arabicPeriod"/>
+            </a:pPr>
+            <a:r>
+              <a:rPr lang="en-US" dirty="0"/>
+              <a:t>Find the first saddle point in this spline, usually a local minimum</a:t>
+            </a:r>
+          </a:p>
+          <a:p>
+            <a:pPr marL="971550" lvl="1" indent="-514350">
+              <a:buFont typeface="+mj-lt"/>
+              <a:buAutoNum type="arabicPeriod"/>
+            </a:pPr>
+            <a:r>
+              <a:rPr lang="en-US" dirty="0"/>
+              <a:t>If the first saddle point is less than 1 return the object and its saddle point</a:t>
+            </a:r>
+          </a:p>
+        </p:txBody>
+      </p:sp>
+      <p:sp>
+        <p:nvSpPr>
+          <p:cNvPr id="4" name="Content Placeholder 3">
+            <a:extLst>
+              <a:ext uri="{FF2B5EF4-FFF2-40B4-BE49-F238E27FC236}">
+                <a16:creationId xmlns:a16="http://schemas.microsoft.com/office/drawing/2014/main" id="{E47E5CA4-E913-034B-9C8D-6C1E29A9ADE1}"/>
+              </a:ext>
+            </a:extLst>
+          </p:cNvPr>
+          <p:cNvSpPr>
+            <a:spLocks noGrp="1"/>
+          </p:cNvSpPr>
+          <p:nvPr>
+            <p:ph sz="half" idx="2"/>
+          </p:nvPr>
+        </p:nvSpPr>
+        <p:spPr/>
+        <p:txBody>
+          <a:bodyPr>
+            <a:normAutofit/>
+          </a:bodyPr>
+          <a:lstStyle/>
+          <a:p>
+            <a:endParaRPr lang="en-US"/>
+          </a:p>
+        </p:txBody>
+      </p:sp>
+    </p:spTree>
+    <p:extLst>
+      <p:ext uri="{BB962C8B-B14F-4D97-AF65-F5344CB8AC3E}">
+        <p14:creationId xmlns:p14="http://schemas.microsoft.com/office/powerpoint/2010/main" val="2174808421"/>
+      </p:ext>
+    </p:extLst>
+  </p:cSld>
+  <p:clrMapOvr>
+    <a:masterClrMapping/>
+  </p:clrMapOvr>
+</p:sld>
+</file>
+
+<file path=ppt/slides/slide22.xml><?xml version="1.0" encoding="utf-8"?>
+<p:sld xmlns:a="http://schemas.openxmlformats.org/drawingml/2006/main" xmlns:r="http://schemas.openxmlformats.org/officeDocument/2006/relationships" xmlns:p="http://schemas.openxmlformats.org/presentationml/2006/main">
+  <p:cSld>
+    <p:spTree>
+      <p:nvGrpSpPr>
+        <p:cNvPr id="1" name=""/>
+        <p:cNvGrpSpPr/>
+        <p:nvPr/>
+      </p:nvGrpSpPr>
+      <p:grpSpPr>
+        <a:xfrm>
+          <a:off x="0" y="0"/>
+          <a:ext cx="0" cy="0"/>
+          <a:chOff x="0" y="0"/>
+          <a:chExt cx="0" cy="0"/>
+        </a:xfrm>
+      </p:grpSpPr>
+      <p:sp>
+        <p:nvSpPr>
+          <p:cNvPr id="2" name="Title 1">
+            <a:extLst>
+              <a:ext uri="{FF2B5EF4-FFF2-40B4-BE49-F238E27FC236}">
+                <a16:creationId xmlns:a16="http://schemas.microsoft.com/office/drawing/2014/main" id="{82954907-488D-BD4C-8497-918EBD3FDB5F}"/>
+              </a:ext>
+            </a:extLst>
+          </p:cNvPr>
+          <p:cNvSpPr>
+            <a:spLocks noGrp="1"/>
+          </p:cNvSpPr>
+          <p:nvPr>
+            <p:ph type="title"/>
+          </p:nvPr>
+        </p:nvSpPr>
+        <p:spPr/>
+        <p:txBody>
+          <a:bodyPr/>
+          <a:lstStyle/>
+          <a:p>
+            <a:r>
+              <a:rPr lang="en-US" dirty="0"/>
+              <a:t>Algorithm 1 Runtime</a:t>
+            </a:r>
+          </a:p>
+        </p:txBody>
+      </p:sp>
+      <p:sp>
+        <p:nvSpPr>
+          <p:cNvPr id="5" name="Content Placeholder 4">
+            <a:extLst>
+              <a:ext uri="{FF2B5EF4-FFF2-40B4-BE49-F238E27FC236}">
+                <a16:creationId xmlns:a16="http://schemas.microsoft.com/office/drawing/2014/main" id="{74FB3ED5-2512-B34A-821B-E62AD1FDDA6D}"/>
+              </a:ext>
+            </a:extLst>
+          </p:cNvPr>
+          <p:cNvSpPr>
+            <a:spLocks noGrp="1"/>
+          </p:cNvSpPr>
+          <p:nvPr>
+            <p:ph idx="1"/>
+          </p:nvPr>
+        </p:nvSpPr>
+        <p:spPr>
+          <a:xfrm>
+            <a:off x="838200" y="1811338"/>
+            <a:ext cx="10515600" cy="4351338"/>
+          </a:xfrm>
+        </p:spPr>
+        <p:txBody>
+          <a:bodyPr>
+            <a:normAutofit/>
+          </a:bodyPr>
+          <a:lstStyle/>
+          <a:p>
+            <a:r>
+              <a:rPr lang="en-US" sz="3200" dirty="0"/>
+              <a:t>8 min. 44 sec.</a:t>
+            </a:r>
+          </a:p>
+          <a:p>
+            <a:pPr lvl="1"/>
+            <a:r>
+              <a:rPr lang="en-US" sz="2800" dirty="0"/>
+              <a:t>25 workers with n1-standard-4 specs</a:t>
+            </a:r>
+          </a:p>
+          <a:p>
+            <a:pPr lvl="1"/>
+            <a:r>
+              <a:rPr lang="en-US" sz="2800" dirty="0"/>
+              <a:t>358,169 rows</a:t>
+            </a:r>
+          </a:p>
+        </p:txBody>
+      </p:sp>
+    </p:spTree>
+    <p:extLst>
+      <p:ext uri="{BB962C8B-B14F-4D97-AF65-F5344CB8AC3E}">
+        <p14:creationId xmlns:p14="http://schemas.microsoft.com/office/powerpoint/2010/main" val="3860487657"/>
+      </p:ext>
+    </p:extLst>
+  </p:cSld>
+  <p:clrMapOvr>
+    <a:masterClrMapping/>
+  </p:clrMapOvr>
+</p:sld>
+</file>
+
+<file path=ppt/slides/slide23.xml><?xml version="1.0" encoding="utf-8"?>
+<p:sld xmlns:a="http://schemas.openxmlformats.org/drawingml/2006/main" xmlns:r="http://schemas.openxmlformats.org/officeDocument/2006/relationships" xmlns:p="http://schemas.openxmlformats.org/presentationml/2006/main">
+  <p:cSld>
+    <p:spTree>
+      <p:nvGrpSpPr>
+        <p:cNvPr id="1" name=""/>
+        <p:cNvGrpSpPr/>
+        <p:nvPr/>
+      </p:nvGrpSpPr>
+      <p:grpSpPr>
+        <a:xfrm>
+          <a:off x="0" y="0"/>
+          <a:ext cx="0" cy="0"/>
+          <a:chOff x="0" y="0"/>
+          <a:chExt cx="0" cy="0"/>
+        </a:xfrm>
+      </p:grpSpPr>
+      <p:sp>
+        <p:nvSpPr>
+          <p:cNvPr id="2" name="Title 1">
+            <a:extLst>
+              <a:ext uri="{FF2B5EF4-FFF2-40B4-BE49-F238E27FC236}">
+                <a16:creationId xmlns:a16="http://schemas.microsoft.com/office/drawing/2014/main" id="{F0FBB199-F59D-5340-8956-A3D17A95119B}"/>
+              </a:ext>
+            </a:extLst>
+          </p:cNvPr>
+          <p:cNvSpPr>
+            <a:spLocks noGrp="1"/>
+          </p:cNvSpPr>
+          <p:nvPr>
+            <p:ph type="title"/>
+          </p:nvPr>
+        </p:nvSpPr>
+        <p:spPr/>
+        <p:txBody>
+          <a:bodyPr/>
+          <a:lstStyle/>
+          <a:p>
+            <a:r>
+              <a:rPr lang="en-US" dirty="0"/>
+              <a:t>Algorithm 2 Implementation</a:t>
+            </a:r>
+          </a:p>
+        </p:txBody>
+      </p:sp>
+      <p:sp>
+        <p:nvSpPr>
+          <p:cNvPr id="3" name="Content Placeholder 2">
+            <a:extLst>
+              <a:ext uri="{FF2B5EF4-FFF2-40B4-BE49-F238E27FC236}">
+                <a16:creationId xmlns:a16="http://schemas.microsoft.com/office/drawing/2014/main" id="{D75810C3-B172-924A-AFCB-B9568E68F34F}"/>
+              </a:ext>
+            </a:extLst>
+          </p:cNvPr>
+          <p:cNvSpPr>
+            <a:spLocks noGrp="1"/>
+          </p:cNvSpPr>
+          <p:nvPr>
+            <p:ph sz="half" idx="1"/>
+          </p:nvPr>
+        </p:nvSpPr>
+        <p:spPr/>
+        <p:txBody>
+          <a:bodyPr/>
+          <a:lstStyle/>
+          <a:p>
+            <a:pPr marL="514350" indent="-514350">
+              <a:buFont typeface="+mj-lt"/>
+              <a:buAutoNum type="arabicPeriod"/>
+            </a:pPr>
+            <a:r>
+              <a:rPr lang="en-US" b="1" dirty="0"/>
+              <a:t>Grids:</a:t>
+            </a:r>
+          </a:p>
+          <a:p>
+            <a:pPr marL="971550" lvl="1" indent="-514350">
+              <a:buFont typeface="+mj-lt"/>
+              <a:buAutoNum type="arabicPeriod"/>
+            </a:pPr>
+            <a:r>
+              <a:rPr lang="en-US" dirty="0"/>
+              <a:t>r x c grids -&gt; bite-sized chunks</a:t>
+            </a:r>
+          </a:p>
+          <a:p>
+            <a:pPr marL="514350" indent="-514350">
+              <a:buFont typeface="+mj-lt"/>
+              <a:buAutoNum type="arabicPeriod"/>
+            </a:pPr>
+            <a:r>
+              <a:rPr lang="en-US" b="1" dirty="0"/>
+              <a:t>Output key: grid id</a:t>
+            </a:r>
+          </a:p>
+        </p:txBody>
+      </p:sp>
+      <p:sp>
+        <p:nvSpPr>
+          <p:cNvPr id="4" name="Content Placeholder 3">
+            <a:extLst>
+              <a:ext uri="{FF2B5EF4-FFF2-40B4-BE49-F238E27FC236}">
+                <a16:creationId xmlns:a16="http://schemas.microsoft.com/office/drawing/2014/main" id="{6BC0F224-816F-DE41-ADA3-AE9FDCF9EC1D}"/>
+              </a:ext>
+            </a:extLst>
+          </p:cNvPr>
+          <p:cNvSpPr>
+            <a:spLocks noGrp="1"/>
+          </p:cNvSpPr>
+          <p:nvPr>
+            <p:ph sz="half" idx="2"/>
+          </p:nvPr>
+        </p:nvSpPr>
+        <p:spPr/>
+        <p:txBody>
+          <a:bodyPr/>
+          <a:lstStyle/>
+          <a:p>
+            <a:endParaRPr lang="en-US"/>
+          </a:p>
+        </p:txBody>
+      </p:sp>
+    </p:spTree>
+    <p:extLst>
+      <p:ext uri="{BB962C8B-B14F-4D97-AF65-F5344CB8AC3E}">
+        <p14:creationId xmlns:p14="http://schemas.microsoft.com/office/powerpoint/2010/main" val="1417709322"/>
+      </p:ext>
+    </p:extLst>
+  </p:cSld>
+  <p:clrMapOvr>
+    <a:masterClrMapping/>
+  </p:clrMapOvr>
+</p:sld>
+</file>
+
+<file path=ppt/slides/slide24.xml><?xml version="1.0" encoding="utf-8"?>
+<p:sld xmlns:a="http://schemas.openxmlformats.org/drawingml/2006/main" xmlns:r="http://schemas.openxmlformats.org/officeDocument/2006/relationships" xmlns:p="http://schemas.openxmlformats.org/presentationml/2006/main">
+  <p:cSld>
+    <p:spTree>
+      <p:nvGrpSpPr>
+        <p:cNvPr id="1" name=""/>
+        <p:cNvGrpSpPr/>
+        <p:nvPr/>
+      </p:nvGrpSpPr>
+      <p:grpSpPr>
+        <a:xfrm>
+          <a:off x="0" y="0"/>
+          <a:ext cx="0" cy="0"/>
+          <a:chOff x="0" y="0"/>
+          <a:chExt cx="0" cy="0"/>
+        </a:xfrm>
+      </p:grpSpPr>
+      <p:sp>
+        <p:nvSpPr>
+          <p:cNvPr id="2" name="Title 1">
+            <a:extLst>
+              <a:ext uri="{FF2B5EF4-FFF2-40B4-BE49-F238E27FC236}">
+                <a16:creationId xmlns:a16="http://schemas.microsoft.com/office/drawing/2014/main" id="{F0FBB199-F59D-5340-8956-A3D17A95119B}"/>
+              </a:ext>
+            </a:extLst>
+          </p:cNvPr>
+          <p:cNvSpPr>
+            <a:spLocks noGrp="1"/>
+          </p:cNvSpPr>
+          <p:nvPr>
+            <p:ph type="title"/>
+          </p:nvPr>
+        </p:nvSpPr>
+        <p:spPr/>
+        <p:txBody>
+          <a:bodyPr/>
+          <a:lstStyle/>
+          <a:p>
+            <a:r>
+              <a:rPr lang="en-US" dirty="0"/>
+              <a:t>Algorithm 2 Implementation (Cont'd)</a:t>
+            </a:r>
+          </a:p>
+        </p:txBody>
+      </p:sp>
+      <p:sp>
+        <p:nvSpPr>
+          <p:cNvPr id="3" name="Content Placeholder 2">
+            <a:extLst>
+              <a:ext uri="{FF2B5EF4-FFF2-40B4-BE49-F238E27FC236}">
+                <a16:creationId xmlns:a16="http://schemas.microsoft.com/office/drawing/2014/main" id="{D75810C3-B172-924A-AFCB-B9568E68F34F}"/>
+              </a:ext>
+            </a:extLst>
+          </p:cNvPr>
+          <p:cNvSpPr>
+            <a:spLocks noGrp="1"/>
+          </p:cNvSpPr>
+          <p:nvPr>
+            <p:ph sz="half" idx="1"/>
+          </p:nvPr>
+        </p:nvSpPr>
+        <p:spPr/>
+        <p:txBody>
+          <a:bodyPr/>
+          <a:lstStyle/>
+          <a:p>
+            <a:pPr marL="514350" indent="-514350">
+              <a:buFont typeface="+mj-lt"/>
+              <a:buAutoNum type="arabicPeriod" startAt="3"/>
+            </a:pPr>
+            <a:r>
+              <a:rPr lang="en-US" b="1" dirty="0"/>
+              <a:t>Random Walk</a:t>
+            </a:r>
+          </a:p>
+          <a:p>
+            <a:pPr marL="971550" lvl="1" indent="-514350">
+              <a:buFont typeface="+mj-lt"/>
+              <a:buAutoNum type="arabicPeriod"/>
+            </a:pPr>
+            <a:r>
+              <a:rPr lang="en-US" dirty="0"/>
+              <a:t>Fully connected graphs w/ distance$^{-1}$ as edge weight</a:t>
+            </a:r>
+          </a:p>
+          <a:p>
+            <a:pPr marL="971550" lvl="1" indent="-514350">
+              <a:buFont typeface="+mj-lt"/>
+              <a:buAutoNum type="arabicPeriod"/>
+            </a:pPr>
+            <a:r>
+              <a:rPr lang="en-US" dirty="0"/>
+              <a:t>Random walks on graph -&gt; gradient of re-visit frequency</a:t>
+            </a:r>
+          </a:p>
+        </p:txBody>
+      </p:sp>
+      <p:sp>
+        <p:nvSpPr>
+          <p:cNvPr id="4" name="Content Placeholder 3">
+            <a:extLst>
+              <a:ext uri="{FF2B5EF4-FFF2-40B4-BE49-F238E27FC236}">
+                <a16:creationId xmlns:a16="http://schemas.microsoft.com/office/drawing/2014/main" id="{6BC0F224-816F-DE41-ADA3-AE9FDCF9EC1D}"/>
+              </a:ext>
+            </a:extLst>
+          </p:cNvPr>
+          <p:cNvSpPr>
+            <a:spLocks noGrp="1"/>
+          </p:cNvSpPr>
+          <p:nvPr>
+            <p:ph sz="half" idx="2"/>
+          </p:nvPr>
+        </p:nvSpPr>
+        <p:spPr/>
+        <p:txBody>
+          <a:bodyPr/>
+          <a:lstStyle/>
+          <a:p>
+            <a:endParaRPr lang="en-US"/>
+          </a:p>
+        </p:txBody>
+      </p:sp>
+    </p:spTree>
+    <p:extLst>
+      <p:ext uri="{BB962C8B-B14F-4D97-AF65-F5344CB8AC3E}">
+        <p14:creationId xmlns:p14="http://schemas.microsoft.com/office/powerpoint/2010/main" val="2670781827"/>
+      </p:ext>
+    </p:extLst>
+  </p:cSld>
+  <p:clrMapOvr>
+    <a:masterClrMapping/>
+  </p:clrMapOvr>
+</p:sld>
+</file>
+
+<file path=ppt/slides/slide25.xml><?xml version="1.0" encoding="utf-8"?>
+<p:sld xmlns:a="http://schemas.openxmlformats.org/drawingml/2006/main" xmlns:r="http://schemas.openxmlformats.org/officeDocument/2006/relationships" xmlns:p="http://schemas.openxmlformats.org/presentationml/2006/main">
+  <p:cSld>
+    <p:spTree>
+      <p:nvGrpSpPr>
+        <p:cNvPr id="1" name=""/>
+        <p:cNvGrpSpPr/>
+        <p:nvPr/>
+      </p:nvGrpSpPr>
+      <p:grpSpPr>
+        <a:xfrm>
+          <a:off x="0" y="0"/>
+          <a:ext cx="0" cy="0"/>
+          <a:chOff x="0" y="0"/>
+          <a:chExt cx="0" cy="0"/>
+        </a:xfrm>
+      </p:grpSpPr>
+      <p:sp>
+        <p:nvSpPr>
+          <p:cNvPr id="2" name="Title 1">
+            <a:extLst>
+              <a:ext uri="{FF2B5EF4-FFF2-40B4-BE49-F238E27FC236}">
+                <a16:creationId xmlns:a16="http://schemas.microsoft.com/office/drawing/2014/main" id="{C2664C2B-2CAB-EC4D-912E-8F87F92B1E53}"/>
+              </a:ext>
+            </a:extLst>
+          </p:cNvPr>
+          <p:cNvSpPr>
+            <a:spLocks noGrp="1"/>
+          </p:cNvSpPr>
+          <p:nvPr>
+            <p:ph type="title"/>
+          </p:nvPr>
+        </p:nvSpPr>
+        <p:spPr/>
+        <p:txBody>
+          <a:bodyPr/>
+          <a:lstStyle/>
+          <a:p>
+            <a:r>
+              <a:rPr lang="en-US" dirty="0"/>
+              <a:t>Algorithm 2 Implementation (Cont'd)</a:t>
+            </a:r>
+          </a:p>
+        </p:txBody>
+      </p:sp>
+      <p:sp>
+        <p:nvSpPr>
+          <p:cNvPr id="3" name="Content Placeholder 2">
+            <a:extLst>
+              <a:ext uri="{FF2B5EF4-FFF2-40B4-BE49-F238E27FC236}">
+                <a16:creationId xmlns:a16="http://schemas.microsoft.com/office/drawing/2014/main" id="{11D582FC-3419-2547-B180-B594681DD09A}"/>
+              </a:ext>
+            </a:extLst>
+          </p:cNvPr>
+          <p:cNvSpPr>
+            <a:spLocks noGrp="1"/>
+          </p:cNvSpPr>
+          <p:nvPr>
+            <p:ph sz="half" idx="1"/>
+          </p:nvPr>
+        </p:nvSpPr>
+        <p:spPr/>
+        <p:txBody>
+          <a:bodyPr/>
+          <a:lstStyle/>
+          <a:p>
+            <a:pPr marL="514350" indent="-514350">
+              <a:buFont typeface="+mj-lt"/>
+              <a:buAutoNum type="arabicPeriod" startAt="4"/>
+            </a:pPr>
+            <a:r>
+              <a:rPr lang="en-US" b="1" dirty="0"/>
+              <a:t>Watershed Algorithm:</a:t>
+            </a:r>
+          </a:p>
+          <a:p>
+            <a:pPr marL="971550" lvl="1" indent="-514350">
+              <a:buFont typeface="+mj-lt"/>
+              <a:buAutoNum type="arabicPeriod" startAt="4"/>
+            </a:pPr>
+            <a:r>
+              <a:rPr lang="en-US" dirty="0"/>
+              <a:t>Segmentation of the "image" - </a:t>
+            </a:r>
+            <a:r>
+              <a:rPr lang="en-US" dirty="0" err="1"/>
+              <a:t>i.e</a:t>
+            </a:r>
+            <a:r>
+              <a:rPr lang="en-US" dirty="0"/>
+              <a:t>, gradient</a:t>
+            </a:r>
+          </a:p>
+        </p:txBody>
+      </p:sp>
+      <p:sp>
+        <p:nvSpPr>
+          <p:cNvPr id="4" name="Content Placeholder 3">
+            <a:extLst>
+              <a:ext uri="{FF2B5EF4-FFF2-40B4-BE49-F238E27FC236}">
+                <a16:creationId xmlns:a16="http://schemas.microsoft.com/office/drawing/2014/main" id="{A820558D-32DD-7C42-BE19-31AC0BB7A2D0}"/>
+              </a:ext>
+            </a:extLst>
+          </p:cNvPr>
+          <p:cNvSpPr>
+            <a:spLocks noGrp="1"/>
+          </p:cNvSpPr>
+          <p:nvPr>
+            <p:ph sz="half" idx="2"/>
+          </p:nvPr>
+        </p:nvSpPr>
+        <p:spPr/>
+        <p:txBody>
+          <a:bodyPr/>
+          <a:lstStyle/>
+          <a:p>
+            <a:endParaRPr lang="en-US"/>
+          </a:p>
+        </p:txBody>
+      </p:sp>
+    </p:spTree>
+    <p:extLst>
+      <p:ext uri="{BB962C8B-B14F-4D97-AF65-F5344CB8AC3E}">
+        <p14:creationId xmlns:p14="http://schemas.microsoft.com/office/powerpoint/2010/main" val="1211324572"/>
+      </p:ext>
+    </p:extLst>
+  </p:cSld>
+  <p:clrMapOvr>
+    <a:masterClrMapping/>
+  </p:clrMapOvr>
+</p:sld>
+</file>
+
+<file path=ppt/slides/slide26.xml><?xml version="1.0" encoding="utf-8"?>
+<p:sld xmlns:a="http://schemas.openxmlformats.org/drawingml/2006/main" xmlns:r="http://schemas.openxmlformats.org/officeDocument/2006/relationships" xmlns:p="http://schemas.openxmlformats.org/presentationml/2006/main">
+  <p:cSld>
+    <p:spTree>
+      <p:nvGrpSpPr>
+        <p:cNvPr id="1" name=""/>
+        <p:cNvGrpSpPr/>
+        <p:nvPr/>
+      </p:nvGrpSpPr>
+      <p:grpSpPr>
+        <a:xfrm>
+          <a:off x="0" y="0"/>
+          <a:ext cx="0" cy="0"/>
+          <a:chOff x="0" y="0"/>
+          <a:chExt cx="0" cy="0"/>
+        </a:xfrm>
+      </p:grpSpPr>
+      <p:sp>
+        <p:nvSpPr>
+          <p:cNvPr id="2" name="Title 1">
+            <a:extLst>
+              <a:ext uri="{FF2B5EF4-FFF2-40B4-BE49-F238E27FC236}">
+                <a16:creationId xmlns:a16="http://schemas.microsoft.com/office/drawing/2014/main" id="{55884975-F0BA-4846-A9FC-A0A7528A87A2}"/>
+              </a:ext>
+            </a:extLst>
+          </p:cNvPr>
+          <p:cNvSpPr>
+            <a:spLocks noGrp="1"/>
+          </p:cNvSpPr>
+          <p:nvPr>
+            <p:ph type="title"/>
+          </p:nvPr>
+        </p:nvSpPr>
+        <p:spPr/>
+        <p:txBody>
+          <a:bodyPr>
+            <a:normAutofit/>
+          </a:bodyPr>
+          <a:lstStyle/>
+          <a:p>
+            <a:r>
+              <a:rPr lang="en-US" dirty="0"/>
+              <a:t>Code: https://</a:t>
+            </a:r>
+            <a:r>
+              <a:rPr lang="en-US" dirty="0" err="1"/>
+              <a:t>github.com</a:t>
+            </a:r>
+            <a:r>
+              <a:rPr lang="en-US" dirty="0"/>
+              <a:t>/</a:t>
+            </a:r>
+            <a:r>
+              <a:rPr lang="en-US" dirty="0" err="1"/>
+              <a:t>ibhojwani</a:t>
+            </a:r>
+            <a:r>
+              <a:rPr lang="en-US" dirty="0"/>
+              <a:t>/</a:t>
+            </a:r>
+            <a:r>
+              <a:rPr lang="en-US" dirty="0" err="1"/>
+              <a:t>seip_big_data</a:t>
+            </a:r>
+            <a:endParaRPr lang="en-US" dirty="0"/>
+          </a:p>
+        </p:txBody>
+      </p:sp>
+      <p:sp>
+        <p:nvSpPr>
+          <p:cNvPr id="3" name="Content Placeholder 2">
+            <a:extLst>
+              <a:ext uri="{FF2B5EF4-FFF2-40B4-BE49-F238E27FC236}">
+                <a16:creationId xmlns:a16="http://schemas.microsoft.com/office/drawing/2014/main" id="{53517008-F17A-8F43-93CF-C4004667C496}"/>
+              </a:ext>
+            </a:extLst>
+          </p:cNvPr>
+          <p:cNvSpPr>
+            <a:spLocks noGrp="1"/>
+          </p:cNvSpPr>
+          <p:nvPr>
+            <p:ph sz="half" idx="1"/>
+          </p:nvPr>
+        </p:nvSpPr>
+        <p:spPr/>
+        <p:txBody>
+          <a:bodyPr/>
+          <a:lstStyle/>
+          <a:p>
+            <a:endParaRPr lang="en-US"/>
+          </a:p>
+        </p:txBody>
+      </p:sp>
+      <p:sp>
+        <p:nvSpPr>
+          <p:cNvPr id="4" name="Content Placeholder 3">
+            <a:extLst>
+              <a:ext uri="{FF2B5EF4-FFF2-40B4-BE49-F238E27FC236}">
+                <a16:creationId xmlns:a16="http://schemas.microsoft.com/office/drawing/2014/main" id="{D789BED8-162F-3747-9535-650A4BB8E1E1}"/>
+              </a:ext>
+            </a:extLst>
+          </p:cNvPr>
+          <p:cNvSpPr>
+            <a:spLocks noGrp="1"/>
+          </p:cNvSpPr>
+          <p:nvPr>
+            <p:ph sz="half" idx="2"/>
+          </p:nvPr>
+        </p:nvSpPr>
+        <p:spPr/>
+        <p:txBody>
+          <a:bodyPr/>
+          <a:lstStyle/>
+          <a:p>
+            <a:endParaRPr lang="en-US"/>
+          </a:p>
+        </p:txBody>
+      </p:sp>
+    </p:spTree>
+    <p:extLst>
+      <p:ext uri="{BB962C8B-B14F-4D97-AF65-F5344CB8AC3E}">
+        <p14:creationId xmlns:p14="http://schemas.microsoft.com/office/powerpoint/2010/main" val="1426629781"/>
       </p:ext>
     </p:extLst>
   </p:cSld>
@@ -3621,7 +5632,7 @@
           <a:lstStyle/>
           <a:p>
             <a:r>
-              <a:rPr lang="en-US" dirty="0" smtClean="0">
+              <a:rPr lang="en-US" dirty="0">
                 <a:latin typeface="Gotham" charset="0"/>
                 <a:ea typeface="Gotham" charset="0"/>
                 <a:cs typeface="Gotham" charset="0"/>
@@ -3657,13 +5668,41 @@
               <a:buNone/>
             </a:pPr>
             <a:r>
-              <a:rPr lang="en-US" sz="3200" dirty="0" smtClean="0">
+              <a:rPr lang="en-US" sz="3200" dirty="0">
                 <a:latin typeface="Gotham" charset="0"/>
                 <a:ea typeface="Gotham" charset="0"/>
                 <a:cs typeface="Gotham" charset="0"/>
               </a:rPr>
               <a:t>Excess infrared light could mean: </a:t>
             </a:r>
+          </a:p>
+          <a:p>
+            <a:r>
+              <a:rPr lang="en-US" sz="3200" dirty="0">
+                <a:latin typeface="Gotham" charset="0"/>
+                <a:ea typeface="Gotham" charset="0"/>
+                <a:cs typeface="Gotham" charset="0"/>
+              </a:rPr>
+              <a:t>Young Stellar Objects</a:t>
+            </a:r>
+          </a:p>
+          <a:p>
+            <a:r>
+              <a:rPr lang="en-US" sz="3200" dirty="0">
+                <a:latin typeface="Gotham" charset="0"/>
+                <a:ea typeface="Gotham" charset="0"/>
+                <a:cs typeface="Gotham" charset="0"/>
+              </a:rPr>
+              <a:t>Active Galactic </a:t>
+            </a:r>
+            <a:r>
+              <a:rPr lang="en-US" sz="3200" dirty="0" err="1">
+                <a:latin typeface="Gotham" charset="0"/>
+                <a:ea typeface="Gotham" charset="0"/>
+                <a:cs typeface="Gotham" charset="0"/>
+              </a:rPr>
+              <a:t>Nucleii</a:t>
+            </a:r>
             <a:endParaRPr lang="en-US" sz="3200" dirty="0">
               <a:latin typeface="Gotham" charset="0"/>
               <a:ea typeface="Gotham" charset="0"/>
@@ -3672,40 +5711,7 @@
           </a:p>
           <a:p>
             <a:r>
-              <a:rPr lang="en-US" sz="3200" dirty="0" smtClean="0">
-                <a:latin typeface="Gotham" charset="0"/>
-                <a:ea typeface="Gotham" charset="0"/>
-                <a:cs typeface="Gotham" charset="0"/>
-              </a:rPr>
-              <a:t>Young Stellar Objects</a:t>
-            </a:r>
-          </a:p>
-          <a:p>
-            <a:r>
-              <a:rPr lang="en-US" sz="3200" dirty="0" smtClean="0">
-                <a:latin typeface="Gotham" charset="0"/>
-                <a:ea typeface="Gotham" charset="0"/>
-                <a:cs typeface="Gotham" charset="0"/>
-              </a:rPr>
-              <a:t>Active Galactic </a:t>
-            </a:r>
-            <a:r>
-              <a:rPr lang="en-US" sz="3200" dirty="0" err="1" smtClean="0">
-                <a:latin typeface="Gotham" charset="0"/>
-                <a:ea typeface="Gotham" charset="0"/>
-                <a:cs typeface="Gotham" charset="0"/>
-              </a:rPr>
-              <a:t>Nucleii</a:t>
-            </a:r>
-            <a:endParaRPr lang="en-US" sz="3200" dirty="0">
-              <a:latin typeface="Gotham" charset="0"/>
-              <a:ea typeface="Gotham" charset="0"/>
-              <a:cs typeface="Gotham" charset="0"/>
-            </a:endParaRPr>
-          </a:p>
-          <a:p>
-            <a:r>
-              <a:rPr lang="en-US" sz="3200" dirty="0" smtClean="0">
+              <a:rPr lang="en-US" sz="3200" dirty="0">
                 <a:latin typeface="Gotham" charset="0"/>
                 <a:ea typeface="Gotham" charset="0"/>
                 <a:cs typeface="Gotham" charset="0"/>
@@ -3713,14 +5719,14 @@
               <a:t>Colliding Galaxies</a:t>
             </a:r>
             <a:br>
-              <a:rPr lang="en-US" sz="3200" dirty="0" smtClean="0">
+              <a:rPr lang="en-US" sz="3200" dirty="0">
                 <a:latin typeface="Gotham" charset="0"/>
                 <a:ea typeface="Gotham" charset="0"/>
                 <a:cs typeface="Gotham" charset="0"/>
               </a:rPr>
             </a:br>
             <a:r>
-              <a:rPr lang="en-US" sz="3200" dirty="0" smtClean="0">
+              <a:rPr lang="en-US" sz="3200" dirty="0">
                 <a:latin typeface="Gotham" charset="0"/>
                 <a:ea typeface="Gotham" charset="0"/>
                 <a:cs typeface="Gotham" charset="0"/>
@@ -3781,20 +5787,12 @@
           <a:lstStyle/>
           <a:p>
             <a:r>
-              <a:rPr lang="en-US" dirty="0" smtClean="0">
+              <a:rPr lang="en-US" dirty="0">
                 <a:latin typeface="Gotham" charset="0"/>
                 <a:ea typeface="Gotham" charset="0"/>
                 <a:cs typeface="Gotham" charset="0"/>
               </a:rPr>
-              <a:t>Hypotheses: </a:t>
-            </a:r>
-            <a:r>
-              <a:rPr lang="en-US" dirty="0" smtClean="0">
-                <a:latin typeface="Gotham" charset="0"/>
-                <a:ea typeface="Gotham" charset="0"/>
-                <a:cs typeface="Gotham" charset="0"/>
-              </a:rPr>
-              <a:t>Young Stellar Objects</a:t>
+              <a:t>Hypotheses: Young Stellar Objects</a:t>
             </a:r>
             <a:endParaRPr lang="fr-FR" dirty="0">
               <a:latin typeface="Gotham" charset="0"/>
@@ -3822,7 +5820,7 @@
           <a:lstStyle/>
           <a:p>
             <a:r>
-              <a:rPr lang="en-US" sz="3200" dirty="0" smtClean="0">
+              <a:rPr lang="en-US" sz="3200" dirty="0">
                 <a:latin typeface="Gotham" charset="0"/>
                 <a:ea typeface="Gotham" charset="0"/>
                 <a:cs typeface="Gotham" charset="0"/>
@@ -3832,38 +5830,22 @@
           </a:p>
           <a:p>
             <a:r>
-              <a:rPr lang="en-US" sz="3200" dirty="0" smtClean="0">
+              <a:rPr lang="en-US" sz="3200" dirty="0">
                 <a:latin typeface="Gotham" charset="0"/>
                 <a:ea typeface="Gotham" charset="0"/>
                 <a:cs typeface="Gotham" charset="0"/>
               </a:rPr>
               <a:t>Some notable objects are grouped into interesting structures </a:t>
             </a:r>
-            <a:r>
-              <a:rPr lang="en-US" sz="3200" dirty="0" smtClean="0">
-                <a:latin typeface="Gotham" charset="0"/>
-                <a:ea typeface="Gotham" charset="0"/>
-                <a:cs typeface="Gotham" charset="0"/>
-              </a:rPr>
-              <a:t/>
-            </a:r>
             <a:br>
-              <a:rPr lang="en-US" sz="3200" dirty="0" smtClean="0">
+              <a:rPr lang="en-US" sz="3200" dirty="0">
                 <a:latin typeface="Gotham" charset="0"/>
                 <a:ea typeface="Gotham" charset="0"/>
                 <a:cs typeface="Gotham" charset="0"/>
               </a:rPr>
             </a:br>
-            <a:r>
-              <a:rPr lang="en-US" sz="3200" dirty="0" smtClean="0">
-                <a:latin typeface="Gotham" charset="0"/>
-                <a:ea typeface="Gotham" charset="0"/>
-                <a:cs typeface="Gotham" charset="0"/>
-              </a:rPr>
-              <a:t/>
-            </a:r>
             <a:br>
-              <a:rPr lang="en-US" sz="3200" dirty="0" smtClean="0">
+              <a:rPr lang="en-US" sz="3200" dirty="0">
                 <a:latin typeface="Gotham" charset="0"/>
                 <a:ea typeface="Gotham" charset="0"/>
                 <a:cs typeface="Gotham" charset="0"/>
@@ -3923,7 +5905,7 @@
           <a:lstStyle/>
           <a:p>
             <a:r>
-              <a:rPr lang="en-US" dirty="0" smtClean="0">
+              <a:rPr lang="en-US" dirty="0">
                 <a:latin typeface="Gotham" charset="0"/>
                 <a:ea typeface="Gotham" charset="0"/>
                 <a:cs typeface="Gotham" charset="0"/>
@@ -3956,7 +5938,7 @@
           <a:lstStyle/>
           <a:p>
             <a:r>
-              <a:rPr lang="en-US" sz="3200" dirty="0" smtClean="0">
+              <a:rPr lang="en-US" sz="3200" dirty="0">
                 <a:latin typeface="Gotham" charset="0"/>
                 <a:ea typeface="Gotham" charset="0"/>
                 <a:cs typeface="Gotham" charset="0"/>
@@ -3966,7 +5948,7 @@
           </a:p>
           <a:p>
             <a:r>
-              <a:rPr lang="en-US" sz="3200" dirty="0" smtClean="0">
+              <a:rPr lang="en-US" sz="3200" dirty="0">
                 <a:latin typeface="Gotham" charset="0"/>
                 <a:ea typeface="Gotham" charset="0"/>
                 <a:cs typeface="Gotham" charset="0"/>
@@ -3977,7 +5959,7 @@
           <a:p>
             <a:pPr lvl="1"/>
             <a:r>
-              <a:rPr lang="en-US" dirty="0" smtClean="0">
+              <a:rPr lang="en-US" dirty="0">
                 <a:latin typeface="Gotham" charset="0"/>
                 <a:ea typeface="Gotham" charset="0"/>
                 <a:cs typeface="Gotham" charset="0"/>
@@ -3987,7 +5969,7 @@
           </a:p>
           <a:p>
             <a:r>
-              <a:rPr lang="en-US" sz="3200" dirty="0" smtClean="0">
+              <a:rPr lang="en-US" sz="3200" dirty="0">
                 <a:latin typeface="Gotham" charset="0"/>
                 <a:ea typeface="Gotham" charset="0"/>
                 <a:cs typeface="Gotham" charset="0"/>
@@ -3997,7 +5979,7 @@
           </a:p>
           <a:p>
             <a:r>
-              <a:rPr lang="en-US" sz="3200" dirty="0" smtClean="0">
+              <a:rPr lang="en-US" sz="3200" dirty="0">
                 <a:latin typeface="Gotham" charset="0"/>
                 <a:ea typeface="Gotham" charset="0"/>
                 <a:cs typeface="Gotham" charset="0"/>
@@ -4013,21 +5995,13 @@
                 <a:ea typeface="Gotham" charset="0"/>
                 <a:cs typeface="Gotham" charset="0"/>
               </a:rPr>
-              <a:t>L</a:t>
-            </a:r>
-            <a:r>
-              <a:rPr lang="en-US" dirty="0" smtClean="0">
-                <a:latin typeface="Gotham" charset="0"/>
-                <a:ea typeface="Gotham" charset="0"/>
-                <a:cs typeface="Gotham" charset="0"/>
-              </a:rPr>
-              <a:t>ocation (right ascension, declination)</a:t>
+              <a:t>Location (right ascension, declination)</a:t>
             </a:r>
           </a:p>
           <a:p>
             <a:pPr lvl="1"/>
             <a:r>
-              <a:rPr lang="en-US" dirty="0" smtClean="0">
+              <a:rPr lang="en-US" dirty="0">
                 <a:latin typeface="Gotham" charset="0"/>
                 <a:ea typeface="Gotham" charset="0"/>
                 <a:cs typeface="Gotham" charset="0"/>
@@ -4038,14 +6012,14 @@
           <a:p>
             <a:pPr lvl="1"/>
             <a:r>
-              <a:rPr lang="en-US" dirty="0" err="1" smtClean="0">
+              <a:rPr lang="en-US" dirty="0" err="1">
                 <a:latin typeface="Gotham" charset="0"/>
                 <a:ea typeface="Gotham" charset="0"/>
                 <a:cs typeface="Gotham" charset="0"/>
               </a:rPr>
               <a:t>Colour</a:t>
             </a:r>
-            <a:endParaRPr lang="en-US" dirty="0" smtClean="0">
+            <a:endParaRPr lang="en-US" dirty="0">
               <a:latin typeface="Gotham" charset="0"/>
               <a:ea typeface="Gotham" charset="0"/>
               <a:cs typeface="Gotham" charset="0"/>
@@ -4059,15 +6033,7 @@
                 <a:ea typeface="Gotham" charset="0"/>
                 <a:cs typeface="Gotham" charset="0"/>
               </a:rPr>
-              <a:t>R</a:t>
-            </a:r>
-            <a:r>
-              <a:rPr lang="en-US" dirty="0" smtClean="0">
-                <a:latin typeface="Gotham" charset="0"/>
-                <a:ea typeface="Gotham" charset="0"/>
-                <a:cs typeface="Gotham" charset="0"/>
-              </a:rPr>
-              <a:t>eadings across a number of bands</a:t>
+              <a:t>Readings across a number of bands</a:t>
             </a:r>
             <a:endParaRPr lang="fr-FR" dirty="0">
               <a:latin typeface="Gotham" charset="0"/>
@@ -4087,13 +6053,6 @@
   <p:clrMapOvr>
     <a:masterClrMapping/>
   </p:clrMapOvr>
-  <p:timing>
-    <p:tnLst>
-      <p:par>
-        <p:cTn id="1" dur="indefinite" restart="never" nodeType="tmRoot"/>
-      </p:par>
-    </p:tnLst>
-  </p:timing>
 </p:sld>
 </file>
 
@@ -4132,7 +6091,7 @@
           <a:lstStyle/>
           <a:p>
             <a:r>
-              <a:rPr lang="en-US" sz="4000" dirty="0" smtClean="0">
+              <a:rPr lang="en-US" sz="4000" dirty="0">
                 <a:latin typeface="Gotham" charset="0"/>
                 <a:ea typeface="Gotham" charset="0"/>
                 <a:cs typeface="Gotham" charset="0"/>
@@ -4140,7 +6099,7 @@
               <a:t>Unexpected </a:t>
             </a:r>
             <a:r>
-              <a:rPr lang="en-US" sz="4000" dirty="0" err="1" smtClean="0">
+              <a:rPr lang="en-US" sz="4000" dirty="0" err="1">
                 <a:latin typeface="Gotham" charset="0"/>
                 <a:ea typeface="Gotham" charset="0"/>
                 <a:cs typeface="Gotham" charset="0"/>
@@ -4148,7 +6107,7 @@
               <a:t>Colour</a:t>
             </a:r>
             <a:r>
-              <a:rPr lang="en-US" sz="4000" dirty="0" smtClean="0">
+              <a:rPr lang="en-US" sz="4000" dirty="0">
                 <a:latin typeface="Gotham" charset="0"/>
                 <a:ea typeface="Gotham" charset="0"/>
                 <a:cs typeface="Gotham" charset="0"/>
@@ -4263,7 +6222,7 @@
           <a:lstStyle/>
           <a:p>
             <a:r>
-              <a:rPr lang="en-US" dirty="0" smtClean="0">
+              <a:rPr lang="en-US" dirty="0">
                 <a:latin typeface="Gotham" charset="0"/>
                 <a:ea typeface="Gotham" charset="0"/>
                 <a:cs typeface="Gotham" charset="0"/>
@@ -4271,7 +6230,7 @@
               <a:t>Source: </a:t>
             </a:r>
             <a:r>
-              <a:rPr lang="en-US" dirty="0" err="1" smtClean="0">
+              <a:rPr lang="en-US" dirty="0" err="1">
                 <a:latin typeface="Gotham" charset="0"/>
                 <a:ea typeface="Gotham" charset="0"/>
                 <a:cs typeface="Gotham" charset="0"/>
@@ -4279,7 +6238,7 @@
               <a:t>Gorjian</a:t>
             </a:r>
             <a:r>
-              <a:rPr lang="en-US" dirty="0" smtClean="0">
+              <a:rPr lang="en-US" dirty="0">
                 <a:latin typeface="Gotham" charset="0"/>
                 <a:ea typeface="Gotham" charset="0"/>
                 <a:cs typeface="Gotham" charset="0"/>
@@ -4304,13 +6263,6 @@
   <p:clrMapOvr>
     <a:masterClrMapping/>
   </p:clrMapOvr>
-  <p:timing>
-    <p:tnLst>
-      <p:par>
-        <p:cTn id="1" dur="indefinite" restart="never" nodeType="tmRoot"/>
-      </p:par>
-    </p:tnLst>
-  </p:timing>
 </p:sld>
 </file>
 
@@ -4347,12 +6299,12 @@
           <a:lstStyle/>
           <a:p>
             <a:r>
-              <a:rPr lang="en-US" dirty="0" smtClean="0">
+              <a:rPr lang="en-US" dirty="0">
                 <a:latin typeface="Gotham" charset="0"/>
                 <a:ea typeface="Gotham" charset="0"/>
                 <a:cs typeface="Gotham" charset="0"/>
               </a:rPr>
-              <a:t>Data</a:t>
+              <a:t>Preprocessing with K-Means Classification</a:t>
             </a:r>
             <a:endParaRPr lang="fr-FR" dirty="0">
               <a:latin typeface="Gotham" charset="0"/>
@@ -4362,145 +6314,321 @@
           </a:p>
         </p:txBody>
       </p:sp>
-      <p:sp>
-        <p:nvSpPr>
-          <p:cNvPr id="3" name="Content Placeholder 2"/>
-          <p:cNvSpPr>
-            <a:spLocks noGrp="1"/>
-          </p:cNvSpPr>
-          <p:nvPr>
-            <p:ph idx="1"/>
-          </p:nvPr>
-        </p:nvSpPr>
-        <p:spPr/>
-        <p:txBody>
-          <a:bodyPr>
-            <a:noAutofit/>
-          </a:bodyPr>
-          <a:lstStyle/>
-          <a:p>
-            <a:r>
-              <a:rPr lang="en-US" sz="3200" dirty="0" smtClean="0">
-                <a:latin typeface="Gotham" charset="0"/>
-                <a:ea typeface="Gotham" charset="0"/>
-                <a:cs typeface="Gotham" charset="0"/>
-              </a:rPr>
-              <a:t>NASA/IPAC Infrared Science Archive</a:t>
-            </a:r>
-          </a:p>
-          <a:p>
-            <a:r>
-              <a:rPr lang="en-US" sz="3200" dirty="0" smtClean="0">
-                <a:latin typeface="Gotham" charset="0"/>
-                <a:ea typeface="Gotham" charset="0"/>
-                <a:cs typeface="Gotham" charset="0"/>
-              </a:rPr>
-              <a:t>Wide-field Infrared Survey Explorer (WISE)</a:t>
-            </a:r>
-          </a:p>
-          <a:p>
-            <a:pPr lvl="1"/>
-            <a:r>
-              <a:rPr lang="en-US" dirty="0" smtClean="0">
-                <a:latin typeface="Gotham" charset="0"/>
-                <a:ea typeface="Gotham" charset="0"/>
-                <a:cs typeface="Gotham" charset="0"/>
-              </a:rPr>
-              <a:t>Identifies objects, and readings on the energies they emit</a:t>
-            </a:r>
-          </a:p>
-          <a:p>
-            <a:r>
-              <a:rPr lang="en-US" sz="3200" dirty="0" smtClean="0">
-                <a:latin typeface="Gotham" charset="0"/>
-                <a:ea typeface="Gotham" charset="0"/>
-                <a:cs typeface="Gotham" charset="0"/>
-              </a:rPr>
-              <a:t>800m objects (records),  815 GB</a:t>
-            </a:r>
-          </a:p>
-          <a:p>
-            <a:r>
-              <a:rPr lang="en-US" sz="3200" dirty="0" smtClean="0">
-                <a:latin typeface="Gotham" charset="0"/>
-                <a:ea typeface="Gotham" charset="0"/>
-                <a:cs typeface="Gotham" charset="0"/>
-              </a:rPr>
-              <a:t>Contains: </a:t>
-            </a:r>
-          </a:p>
-          <a:p>
-            <a:pPr lvl="1"/>
-            <a:r>
-              <a:rPr lang="en-US" dirty="0">
-                <a:latin typeface="Gotham" charset="0"/>
-                <a:ea typeface="Gotham" charset="0"/>
-                <a:cs typeface="Gotham" charset="0"/>
-              </a:rPr>
-              <a:t>L</a:t>
-            </a:r>
-            <a:r>
-              <a:rPr lang="en-US" dirty="0" smtClean="0">
-                <a:latin typeface="Gotham" charset="0"/>
-                <a:ea typeface="Gotham" charset="0"/>
-                <a:cs typeface="Gotham" charset="0"/>
-              </a:rPr>
-              <a:t>ocation (right ascension, declination)</a:t>
-            </a:r>
-          </a:p>
-          <a:p>
-            <a:pPr lvl="1"/>
-            <a:r>
-              <a:rPr lang="en-US" dirty="0" smtClean="0">
-                <a:latin typeface="Gotham" charset="0"/>
-                <a:ea typeface="Gotham" charset="0"/>
-                <a:cs typeface="Gotham" charset="0"/>
-              </a:rPr>
-              <a:t>Movement</a:t>
-            </a:r>
-          </a:p>
-          <a:p>
-            <a:pPr lvl="1"/>
-            <a:r>
-              <a:rPr lang="en-US" dirty="0" err="1" smtClean="0">
-                <a:latin typeface="Gotham" charset="0"/>
-                <a:ea typeface="Gotham" charset="0"/>
-                <a:cs typeface="Gotham" charset="0"/>
-              </a:rPr>
-              <a:t>Colour</a:t>
-            </a:r>
-            <a:endParaRPr lang="en-US" dirty="0" smtClean="0">
-              <a:latin typeface="Gotham" charset="0"/>
-              <a:ea typeface="Gotham" charset="0"/>
-              <a:cs typeface="Gotham" charset="0"/>
-            </a:endParaRPr>
-          </a:p>
-          <a:p>
-            <a:pPr lvl="1"/>
-            <a:r>
-              <a:rPr lang="en-US" dirty="0">
-                <a:latin typeface="Gotham" charset="0"/>
-                <a:ea typeface="Gotham" charset="0"/>
-                <a:cs typeface="Gotham" charset="0"/>
-              </a:rPr>
-              <a:t>R</a:t>
-            </a:r>
-            <a:r>
-              <a:rPr lang="en-US" dirty="0" smtClean="0">
-                <a:latin typeface="Gotham" charset="0"/>
-                <a:ea typeface="Gotham" charset="0"/>
-                <a:cs typeface="Gotham" charset="0"/>
-              </a:rPr>
-              <a:t>eadings across a number of bands</a:t>
-            </a:r>
-            <a:endParaRPr lang="fr-FR" dirty="0">
-              <a:latin typeface="Gotham" charset="0"/>
-              <a:ea typeface="Gotham" charset="0"/>
-              <a:cs typeface="Gotham" charset="0"/>
-            </a:endParaRPr>
-          </a:p>
-        </p:txBody>
-      </p:sp>
+      <mc:AlternateContent xmlns:mc="http://schemas.openxmlformats.org/markup-compatibility/2006">
+        <mc:Choice xmlns:a14="http://schemas.microsoft.com/office/drawing/2010/main" Requires="a14">
+          <p:sp>
+            <p:nvSpPr>
+              <p:cNvPr id="3" name="Content Placeholder 2"/>
+              <p:cNvSpPr>
+                <a:spLocks noGrp="1"/>
+              </p:cNvSpPr>
+              <p:nvPr>
+                <p:ph idx="1"/>
+              </p:nvPr>
+            </p:nvSpPr>
+            <p:spPr/>
+            <p:txBody>
+              <a:bodyPr>
+                <a:noAutofit/>
+              </a:bodyPr>
+              <a:lstStyle/>
+              <a:p>
+                <a:r>
+                  <a:rPr lang="fr-FR" dirty="0">
+                    <a:latin typeface="Gotham" charset="0"/>
+                    <a:ea typeface="Gotham" charset="0"/>
+                    <a:cs typeface="Gotham" charset="0"/>
+                  </a:rPr>
+                  <a:t>Canned K-</a:t>
+                </a:r>
+                <a:r>
+                  <a:rPr lang="fr-FR" dirty="0" err="1">
+                    <a:latin typeface="Gotham" charset="0"/>
+                    <a:ea typeface="Gotham" charset="0"/>
+                    <a:cs typeface="Gotham" charset="0"/>
+                  </a:rPr>
+                  <a:t>Means</a:t>
+                </a:r>
+                <a:r>
+                  <a:rPr lang="fr-FR" dirty="0">
+                    <a:latin typeface="Gotham" charset="0"/>
+                    <a:ea typeface="Gotham" charset="0"/>
+                    <a:cs typeface="Gotham" charset="0"/>
+                  </a:rPr>
+                  <a:t> in </a:t>
+                </a:r>
+                <a:r>
+                  <a:rPr lang="fr-FR" dirty="0" err="1">
+                    <a:latin typeface="Gotham" charset="0"/>
+                    <a:ea typeface="Gotham" charset="0"/>
+                    <a:cs typeface="Gotham" charset="0"/>
+                  </a:rPr>
+                  <a:t>Spark</a:t>
+                </a:r>
+                <a:endParaRPr lang="fr-FR" dirty="0">
+                  <a:latin typeface="Gotham" charset="0"/>
+                  <a:ea typeface="Gotham" charset="0"/>
+                  <a:cs typeface="Gotham" charset="0"/>
+                </a:endParaRPr>
+              </a:p>
+              <a:p>
+                <a:r>
+                  <a:rPr lang="fr-FR" dirty="0">
+                    <a:latin typeface="Gotham" charset="0"/>
+                    <a:ea typeface="Gotham" charset="0"/>
+                    <a:cs typeface="Gotham" charset="0"/>
+                  </a:rPr>
+                  <a:t>Split points </a:t>
+                </a:r>
+                <a:r>
+                  <a:rPr lang="fr-FR" dirty="0" err="1">
+                    <a:latin typeface="Gotham" charset="0"/>
+                    <a:ea typeface="Gotham" charset="0"/>
+                    <a:cs typeface="Gotham" charset="0"/>
+                  </a:rPr>
+                  <a:t>into</a:t>
+                </a:r>
+                <a:r>
+                  <a:rPr lang="fr-FR" dirty="0">
+                    <a:latin typeface="Gotham" charset="0"/>
+                    <a:ea typeface="Gotham" charset="0"/>
+                    <a:cs typeface="Gotham" charset="0"/>
+                  </a:rPr>
+                  <a:t> </a:t>
+                </a:r>
+                <a:r>
+                  <a:rPr lang="fr-FR" dirty="0" err="1">
+                    <a:latin typeface="Gotham" charset="0"/>
+                    <a:ea typeface="Gotham" charset="0"/>
+                    <a:cs typeface="Gotham" charset="0"/>
+                  </a:rPr>
+                  <a:t>two</a:t>
+                </a:r>
+                <a:r>
+                  <a:rPr lang="fr-FR" dirty="0">
+                    <a:latin typeface="Gotham" charset="0"/>
+                    <a:ea typeface="Gotham" charset="0"/>
+                    <a:cs typeface="Gotham" charset="0"/>
+                  </a:rPr>
+                  <a:t> groups, ~ N w/in </a:t>
+                </a:r>
+                <a:r>
+                  <a:rPr lang="fr-FR" dirty="0" err="1">
+                    <a:latin typeface="Gotham" charset="0"/>
+                    <a:ea typeface="Gotham" charset="0"/>
+                    <a:cs typeface="Gotham" charset="0"/>
+                  </a:rPr>
+                  <a:t>themselves</a:t>
+                </a:r>
+                <a:endParaRPr lang="fr-FR" dirty="0">
+                  <a:latin typeface="Gotham" charset="0"/>
+                  <a:ea typeface="Gotham" charset="0"/>
+                  <a:cs typeface="Gotham" charset="0"/>
+                </a:endParaRPr>
+              </a:p>
+              <a:p>
+                <a:r>
+                  <a:rPr lang="fr-FR" dirty="0" err="1">
+                    <a:latin typeface="Gotham" charset="0"/>
+                    <a:ea typeface="Gotham" charset="0"/>
+                    <a:cs typeface="Gotham" charset="0"/>
+                  </a:rPr>
+                  <a:t>Within</a:t>
+                </a:r>
+                <a:r>
+                  <a:rPr lang="fr-FR" dirty="0">
+                    <a:latin typeface="Gotham" charset="0"/>
+                    <a:ea typeface="Gotham" charset="0"/>
+                    <a:cs typeface="Gotham" charset="0"/>
+                  </a:rPr>
+                  <a:t> </a:t>
+                </a:r>
+                <a:r>
+                  <a:rPr lang="fr-FR" dirty="0" err="1">
+                    <a:latin typeface="Gotham" charset="0"/>
+                    <a:ea typeface="Gotham" charset="0"/>
+                    <a:cs typeface="Gotham" charset="0"/>
+                  </a:rPr>
+                  <a:t>each</a:t>
+                </a:r>
+                <a:r>
+                  <a:rPr lang="fr-FR" dirty="0">
+                    <a:latin typeface="Gotham" charset="0"/>
+                    <a:ea typeface="Gotham" charset="0"/>
+                    <a:cs typeface="Gotham" charset="0"/>
+                  </a:rPr>
+                  <a:t> group, </a:t>
+                </a:r>
+                <a:r>
+                  <a:rPr lang="fr-FR" dirty="0" err="1">
+                    <a:latin typeface="Gotham" charset="0"/>
+                    <a:ea typeface="Gotham" charset="0"/>
+                    <a:cs typeface="Gotham" charset="0"/>
+                  </a:rPr>
+                  <a:t>take</a:t>
+                </a:r>
+                <a:r>
+                  <a:rPr lang="fr-FR" dirty="0">
+                    <a:latin typeface="Gotham" charset="0"/>
+                    <a:ea typeface="Gotham" charset="0"/>
+                    <a:cs typeface="Gotham" charset="0"/>
+                  </a:rPr>
+                  <a:t> </a:t>
+                </a:r>
+                <a:r>
+                  <a:rPr lang="fr-FR" dirty="0" err="1">
+                    <a:latin typeface="Gotham" charset="0"/>
+                    <a:ea typeface="Gotham" charset="0"/>
+                    <a:cs typeface="Gotham" charset="0"/>
+                  </a:rPr>
+                  <a:t>outliers</a:t>
+                </a:r>
+                <a:r>
+                  <a:rPr lang="fr-FR" dirty="0">
+                    <a:latin typeface="Gotham" charset="0"/>
+                    <a:ea typeface="Gotham" charset="0"/>
+                    <a:cs typeface="Gotham" charset="0"/>
+                  </a:rPr>
+                  <a:t>: </a:t>
+                </a:r>
+                <a14:m>
+                  <m:oMath xmlns:m="http://schemas.openxmlformats.org/officeDocument/2006/math">
+                    <m:sSub>
+                      <m:sSubPr>
+                        <m:ctrlPr>
+                          <a:rPr lang="en-US" b="0" i="1" smtClean="0">
+                            <a:latin typeface="Cambria Math" panose="02040503050406030204" pitchFamily="18" charset="0"/>
+                          </a:rPr>
+                        </m:ctrlPr>
+                      </m:sSubPr>
+                      <m:e>
+                        <m:r>
+                          <a:rPr lang="en-US" b="0" i="1" smtClean="0">
+                            <a:latin typeface="Cambria Math" panose="02040503050406030204" pitchFamily="18" charset="0"/>
+                          </a:rPr>
+                          <m:t>𝑥</m:t>
+                        </m:r>
+                      </m:e>
+                      <m:sub>
+                        <m:r>
+                          <a:rPr lang="en-US" b="0" i="1" smtClean="0">
+                            <a:latin typeface="Cambria Math" panose="02040503050406030204" pitchFamily="18" charset="0"/>
+                          </a:rPr>
+                          <m:t>𝑖</m:t>
+                        </m:r>
+                      </m:sub>
+                    </m:sSub>
+                    <m:r>
+                      <a:rPr lang="en-US" b="0" i="1" smtClean="0">
+                        <a:latin typeface="Cambria Math" panose="02040503050406030204" pitchFamily="18" charset="0"/>
+                      </a:rPr>
+                      <m:t>: </m:t>
+                    </m:r>
+                    <m:sSub>
+                      <m:sSubPr>
+                        <m:ctrlPr>
+                          <a:rPr lang="en-US" i="1">
+                            <a:latin typeface="Cambria Math" panose="02040503050406030204" pitchFamily="18" charset="0"/>
+                          </a:rPr>
+                        </m:ctrlPr>
+                      </m:sSubPr>
+                      <m:e>
+                        <m:r>
+                          <a:rPr lang="en-US" i="1">
+                            <a:latin typeface="Cambria Math" panose="02040503050406030204" pitchFamily="18" charset="0"/>
+                          </a:rPr>
+                          <m:t>𝑥</m:t>
+                        </m:r>
+                      </m:e>
+                      <m:sub>
+                        <m:r>
+                          <a:rPr lang="en-US" i="1">
+                            <a:latin typeface="Cambria Math" panose="02040503050406030204" pitchFamily="18" charset="0"/>
+                          </a:rPr>
+                          <m:t>𝑖</m:t>
+                        </m:r>
+                      </m:sub>
+                    </m:sSub>
+                    <m:r>
+                      <a:rPr lang="en-US" i="1" smtClean="0">
+                        <a:latin typeface="Cambria Math" panose="02040503050406030204" pitchFamily="18" charset="0"/>
+                        <a:ea typeface="Cambria Math" panose="02040503050406030204" pitchFamily="18" charset="0"/>
+                      </a:rPr>
+                      <m:t>≥</m:t>
+                    </m:r>
+                    <m:r>
+                      <a:rPr lang="en-US" b="0" i="1" smtClean="0">
+                        <a:latin typeface="Cambria Math" panose="02040503050406030204" pitchFamily="18" charset="0"/>
+                        <a:ea typeface="Cambria Math" panose="02040503050406030204" pitchFamily="18" charset="0"/>
+                      </a:rPr>
+                      <m:t> </m:t>
+                    </m:r>
+                    <m:r>
+                      <a:rPr lang="en-US" b="0" i="1" smtClean="0">
+                        <a:latin typeface="Cambria Math" panose="02040503050406030204" pitchFamily="18" charset="0"/>
+                        <a:ea typeface="Cambria Math" panose="02040503050406030204" pitchFamily="18" charset="0"/>
+                      </a:rPr>
+                      <m:t>𝜇</m:t>
+                    </m:r>
+                    <m:r>
+                      <a:rPr lang="en-US" b="0" i="1" smtClean="0">
+                        <a:latin typeface="Cambria Math" panose="02040503050406030204" pitchFamily="18" charset="0"/>
+                        <a:ea typeface="Cambria Math" panose="02040503050406030204" pitchFamily="18" charset="0"/>
+                      </a:rPr>
+                      <m:t>±2</m:t>
+                    </m:r>
+                    <m:r>
+                      <a:rPr lang="en-US" b="0" i="1" smtClean="0">
+                        <a:latin typeface="Cambria Math" panose="02040503050406030204" pitchFamily="18" charset="0"/>
+                        <a:ea typeface="Cambria Math" panose="02040503050406030204" pitchFamily="18" charset="0"/>
+                      </a:rPr>
+                      <m:t>𝜎</m:t>
+                    </m:r>
+                  </m:oMath>
+                </a14:m>
+                <a:endParaRPr lang="fr-FR" dirty="0">
+                  <a:latin typeface="Gotham" charset="0"/>
+                  <a:ea typeface="Gotham" charset="0"/>
+                  <a:cs typeface="Gotham" charset="0"/>
+                </a:endParaRPr>
+              </a:p>
+            </p:txBody>
+          </p:sp>
+        </mc:Choice>
+        <mc:Fallback>
+          <p:sp>
+            <p:nvSpPr>
+              <p:cNvPr id="3" name="Content Placeholder 2"/>
+              <p:cNvSpPr>
+                <a:spLocks noGrp="1" noRot="1" noChangeAspect="1" noMove="1" noResize="1" noEditPoints="1" noAdjustHandles="1" noChangeArrowheads="1" noChangeShapeType="1" noTextEdit="1"/>
+              </p:cNvSpPr>
+              <p:nvPr>
+                <p:ph idx="1"/>
+              </p:nvPr>
+            </p:nvSpPr>
+            <p:spPr>
+              <a:blipFill>
+                <a:blip r:embed="rId2"/>
+                <a:stretch>
+                  <a:fillRect l="-965" t="-2632"/>
+                </a:stretch>
+              </a:blipFill>
+            </p:spPr>
+            <p:txBody>
+              <a:bodyPr/>
+              <a:lstStyle/>
+              <a:p>
+                <a:r>
+                  <a:rPr lang="en-US">
+                    <a:noFill/>
+                  </a:rPr>
+                  <a:t> </a:t>
+                </a:r>
+              </a:p>
+            </p:txBody>
+          </p:sp>
+        </mc:Fallback>
+      </mc:AlternateContent>
     </p:spTree>
     <p:extLst>
       <p:ext uri="{BB962C8B-B14F-4D97-AF65-F5344CB8AC3E}">
@@ -4511,13 +6639,264 @@
   <p:clrMapOvr>
     <a:masterClrMapping/>
   </p:clrMapOvr>
-  <p:timing>
-    <p:tnLst>
-      <p:par>
-        <p:cTn id="1" dur="indefinite" restart="never" nodeType="tmRoot"/>
-      </p:par>
-    </p:tnLst>
-  </p:timing>
+</p:sld>
+</file>
+
+<file path=ppt/slides/slide8.xml><?xml version="1.0" encoding="utf-8"?>
+<p:sld xmlns:a="http://schemas.openxmlformats.org/drawingml/2006/main" xmlns:r="http://schemas.openxmlformats.org/officeDocument/2006/relationships" xmlns:p="http://schemas.openxmlformats.org/presentationml/2006/main">
+  <p:cSld>
+    <p:spTree>
+      <p:nvGrpSpPr>
+        <p:cNvPr id="1" name=""/>
+        <p:cNvGrpSpPr/>
+        <p:nvPr/>
+      </p:nvGrpSpPr>
+      <p:grpSpPr>
+        <a:xfrm>
+          <a:off x="0" y="0"/>
+          <a:ext cx="0" cy="0"/>
+          <a:chOff x="0" y="0"/>
+          <a:chExt cx="0" cy="0"/>
+        </a:xfrm>
+      </p:grpSpPr>
+      <p:sp>
+        <p:nvSpPr>
+          <p:cNvPr id="2" name="Title 1">
+            <a:extLst>
+              <a:ext uri="{FF2B5EF4-FFF2-40B4-BE49-F238E27FC236}">
+                <a16:creationId xmlns:a16="http://schemas.microsoft.com/office/drawing/2014/main" id="{D7F4B4BA-BEC6-CD47-BA25-270CC3A493F4}"/>
+              </a:ext>
+            </a:extLst>
+          </p:cNvPr>
+          <p:cNvSpPr>
+            <a:spLocks noGrp="1"/>
+          </p:cNvSpPr>
+          <p:nvPr>
+            <p:ph type="title"/>
+          </p:nvPr>
+        </p:nvSpPr>
+        <p:spPr/>
+        <p:txBody>
+          <a:bodyPr>
+            <a:normAutofit/>
+          </a:bodyPr>
+          <a:lstStyle/>
+          <a:p>
+            <a:r>
+              <a:rPr lang="en-US" sz="4000" dirty="0"/>
+              <a:t>Algorithm 1: Outliers as Nodes, Distances as Edges</a:t>
+            </a:r>
+          </a:p>
+        </p:txBody>
+      </p:sp>
+      <p:sp>
+        <p:nvSpPr>
+          <p:cNvPr id="3" name="Content Placeholder 2">
+            <a:extLst>
+              <a:ext uri="{FF2B5EF4-FFF2-40B4-BE49-F238E27FC236}">
+                <a16:creationId xmlns:a16="http://schemas.microsoft.com/office/drawing/2014/main" id="{0582AD1A-31D6-3848-B142-230EAA22F9D9}"/>
+              </a:ext>
+            </a:extLst>
+          </p:cNvPr>
+          <p:cNvSpPr>
+            <a:spLocks noGrp="1"/>
+          </p:cNvSpPr>
+          <p:nvPr>
+            <p:ph idx="1"/>
+          </p:nvPr>
+        </p:nvSpPr>
+        <p:spPr/>
+        <p:txBody>
+          <a:bodyPr/>
+          <a:lstStyle/>
+          <a:p>
+            <a:r>
+              <a:rPr lang="en-US" dirty="0"/>
+              <a:t>Developed algorithm with parameters N, P, K.</a:t>
+            </a:r>
+          </a:p>
+          <a:p>
+            <a:r>
+              <a:rPr lang="en-US" dirty="0"/>
+              <a:t>Complexity:</a:t>
+            </a:r>
+          </a:p>
+          <a:p>
+            <a:pPr lvl="1"/>
+            <a:r>
+              <a:rPr lang="en-US" dirty="0"/>
+              <a:t>If number of cases &lt; N(P): Does not run</a:t>
+            </a:r>
+          </a:p>
+          <a:p>
+            <a:pPr lvl="1"/>
+            <a:r>
+              <a:rPr lang="en-US" dirty="0"/>
+              <a:t>Otherwise, approximately:</a:t>
+            </a:r>
+          </a:p>
+          <a:p>
+            <a:pPr lvl="2"/>
+            <a:r>
+              <a:rPr lang="en-US" b="1" i="1" dirty="0"/>
+              <a:t>Insert BIG equation here</a:t>
+            </a:r>
+          </a:p>
+          <a:p>
+            <a:pPr lvl="1"/>
+            <a:r>
+              <a:rPr lang="en-US" dirty="0"/>
+              <a:t>Compare to:</a:t>
+            </a:r>
+          </a:p>
+          <a:p>
+            <a:pPr lvl="2"/>
+            <a:r>
+              <a:rPr lang="en-US" b="1" i="1" dirty="0"/>
+              <a:t>Insert size square equation</a:t>
+            </a:r>
+          </a:p>
+        </p:txBody>
+      </p:sp>
+    </p:spTree>
+    <p:extLst>
+      <p:ext uri="{BB962C8B-B14F-4D97-AF65-F5344CB8AC3E}">
+        <p14:creationId xmlns:p14="http://schemas.microsoft.com/office/powerpoint/2010/main" val="1733919659"/>
+      </p:ext>
+    </p:extLst>
+  </p:cSld>
+  <p:clrMapOvr>
+    <a:masterClrMapping/>
+  </p:clrMapOvr>
+</p:sld>
+</file>
+
+<file path=ppt/slides/slide9.xml><?xml version="1.0" encoding="utf-8"?>
+<p:sld xmlns:a="http://schemas.openxmlformats.org/drawingml/2006/main" xmlns:r="http://schemas.openxmlformats.org/officeDocument/2006/relationships" xmlns:p="http://schemas.openxmlformats.org/presentationml/2006/main">
+  <p:cSld>
+    <p:spTree>
+      <p:nvGrpSpPr>
+        <p:cNvPr id="1" name=""/>
+        <p:cNvGrpSpPr/>
+        <p:nvPr/>
+      </p:nvGrpSpPr>
+      <p:grpSpPr>
+        <a:xfrm>
+          <a:off x="0" y="0"/>
+          <a:ext cx="0" cy="0"/>
+          <a:chOff x="0" y="0"/>
+          <a:chExt cx="0" cy="0"/>
+        </a:xfrm>
+      </p:grpSpPr>
+      <p:sp>
+        <p:nvSpPr>
+          <p:cNvPr id="2" name="Title 1"/>
+          <p:cNvSpPr>
+            <a:spLocks noGrp="1"/>
+          </p:cNvSpPr>
+          <p:nvPr>
+            <p:ph type="title"/>
+          </p:nvPr>
+        </p:nvSpPr>
+        <p:spPr>
+          <a:xfrm>
+            <a:off x="746760" y="376555"/>
+            <a:ext cx="10515600" cy="1325563"/>
+          </a:xfrm>
+        </p:spPr>
+        <p:txBody>
+          <a:bodyPr/>
+          <a:lstStyle/>
+          <a:p>
+            <a:r>
+              <a:rPr lang="en-US" dirty="0">
+                <a:latin typeface="Gotham" charset="0"/>
+                <a:ea typeface="Gotham" charset="0"/>
+                <a:cs typeface="Gotham" charset="0"/>
+              </a:rPr>
+              <a:t>Algorithm 1: Distance Density with Fitted Spline</a:t>
+            </a:r>
+            <a:endParaRPr lang="fr-FR" dirty="0">
+              <a:latin typeface="Gotham" charset="0"/>
+              <a:ea typeface="Gotham" charset="0"/>
+              <a:cs typeface="Gotham" charset="0"/>
+            </a:endParaRPr>
+          </a:p>
+        </p:txBody>
+      </p:sp>
+      <p:pic>
+        <p:nvPicPr>
+          <p:cNvPr id="6" name="Content Placeholder 5">
+            <a:extLst>
+              <a:ext uri="{FF2B5EF4-FFF2-40B4-BE49-F238E27FC236}">
+                <a16:creationId xmlns:a16="http://schemas.microsoft.com/office/drawing/2014/main" id="{23C411BC-B6B5-E048-9C85-DA3F22C40D06}"/>
+              </a:ext>
+            </a:extLst>
+          </p:cNvPr>
+          <p:cNvPicPr>
+            <a:picLocks noGrp="1" noChangeAspect="1"/>
+          </p:cNvPicPr>
+          <p:nvPr>
+            <p:ph idx="1"/>
+          </p:nvPr>
+        </p:nvPicPr>
+        <p:blipFill>
+          <a:blip r:embed="rId2"/>
+          <a:stretch>
+            <a:fillRect/>
+          </a:stretch>
+        </p:blipFill>
+        <p:spPr>
+          <a:xfrm>
+            <a:off x="830348" y="1522236"/>
+            <a:ext cx="7215267" cy="4810178"/>
+          </a:xfrm>
+        </p:spPr>
+      </p:pic>
+      <p:sp>
+        <p:nvSpPr>
+          <p:cNvPr id="4" name="Rectangle 3">
+            <a:extLst>
+              <a:ext uri="{FF2B5EF4-FFF2-40B4-BE49-F238E27FC236}">
+                <a16:creationId xmlns:a16="http://schemas.microsoft.com/office/drawing/2014/main" id="{BA27B13F-75E1-E447-86D8-63B35E4FAE2F}"/>
+              </a:ext>
+            </a:extLst>
+          </p:cNvPr>
+          <p:cNvSpPr/>
+          <p:nvPr/>
+        </p:nvSpPr>
+        <p:spPr>
+          <a:xfrm>
+            <a:off x="5108005" y="3244334"/>
+            <a:ext cx="1975990" cy="369332"/>
+          </a:xfrm>
+          <a:prstGeom prst="rect">
+            <a:avLst/>
+          </a:prstGeom>
+        </p:spPr>
+        <p:txBody>
+          <a:bodyPr wrap="none">
+            <a:spAutoFit/>
+          </a:bodyPr>
+          <a:lstStyle/>
+          <a:p>
+            <a:r>
+              <a:rPr lang="en-US" dirty="0"/>
+              <a:t>Algorithm 1 Details</a:t>
+            </a:r>
+          </a:p>
+        </p:txBody>
+      </p:sp>
+    </p:spTree>
+    <p:extLst>
+      <p:ext uri="{BB962C8B-B14F-4D97-AF65-F5344CB8AC3E}">
+        <p14:creationId xmlns:p14="http://schemas.microsoft.com/office/powerpoint/2010/main" val="1297666129"/>
+      </p:ext>
+    </p:extLst>
+  </p:cSld>
+  <p:clrMapOvr>
+    <a:masterClrMapping/>
+  </p:clrMapOvr>
 </p:sld>
 </file>
 

--- a/Presentation.pptx
+++ b/Presentation.pptx
@@ -5,7 +5,7 @@
     <p:sldMasterId id="2147483648" r:id="rId1"/>
   </p:sldMasterIdLst>
   <p:notesMasterIdLst>
-    <p:notesMasterId r:id="rId28"/>
+    <p:notesMasterId r:id="rId25"/>
   </p:notesMasterIdLst>
   <p:sldIdLst>
     <p:sldId id="256" r:id="rId2"/>
@@ -14,26 +14,23 @@
     <p:sldId id="260" r:id="rId5"/>
     <p:sldId id="261" r:id="rId6"/>
     <p:sldId id="262" r:id="rId7"/>
-    <p:sldId id="263" r:id="rId8"/>
-    <p:sldId id="265" r:id="rId9"/>
-    <p:sldId id="264" r:id="rId10"/>
-    <p:sldId id="266" r:id="rId11"/>
-    <p:sldId id="267" r:id="rId12"/>
-    <p:sldId id="268" r:id="rId13"/>
-    <p:sldId id="269" r:id="rId14"/>
-    <p:sldId id="270" r:id="rId15"/>
-    <p:sldId id="271" r:id="rId16"/>
+    <p:sldId id="285" r:id="rId8"/>
+    <p:sldId id="263" r:id="rId9"/>
+    <p:sldId id="265" r:id="rId10"/>
+    <p:sldId id="264" r:id="rId11"/>
+    <p:sldId id="286" r:id="rId12"/>
+    <p:sldId id="267" r:id="rId13"/>
+    <p:sldId id="287" r:id="rId14"/>
+    <p:sldId id="279" r:id="rId15"/>
+    <p:sldId id="289" r:id="rId16"/>
     <p:sldId id="272" r:id="rId17"/>
-    <p:sldId id="273" r:id="rId18"/>
-    <p:sldId id="274" r:id="rId19"/>
-    <p:sldId id="275" r:id="rId20"/>
-    <p:sldId id="277" r:id="rId21"/>
-    <p:sldId id="278" r:id="rId22"/>
-    <p:sldId id="279" r:id="rId23"/>
-    <p:sldId id="280" r:id="rId24"/>
-    <p:sldId id="281" r:id="rId25"/>
-    <p:sldId id="282" r:id="rId26"/>
-    <p:sldId id="283" r:id="rId27"/>
+    <p:sldId id="290" r:id="rId18"/>
+    <p:sldId id="277" r:id="rId19"/>
+    <p:sldId id="278" r:id="rId20"/>
+    <p:sldId id="280" r:id="rId21"/>
+    <p:sldId id="281" r:id="rId22"/>
+    <p:sldId id="282" r:id="rId23"/>
+    <p:sldId id="283" r:id="rId24"/>
   </p:sldIdLst>
   <p:sldSz cx="12192000" cy="6858000"/>
   <p:notesSz cx="6858000" cy="9144000"/>
@@ -488,6 +485,1663 @@
     </a:lvl9pPr>
   </p:notesStyle>
 </p:notesMaster>
+</file>
+
+<file path=ppt/notesSlides/notesSlide1.xml><?xml version="1.0" encoding="utf-8"?>
+<p:notes xmlns:a="http://schemas.openxmlformats.org/drawingml/2006/main" xmlns:r="http://schemas.openxmlformats.org/officeDocument/2006/relationships" xmlns:p="http://schemas.openxmlformats.org/presentationml/2006/main">
+  <p:cSld>
+    <p:spTree>
+      <p:nvGrpSpPr>
+        <p:cNvPr id="1" name=""/>
+        <p:cNvGrpSpPr/>
+        <p:nvPr/>
+      </p:nvGrpSpPr>
+      <p:grpSpPr>
+        <a:xfrm>
+          <a:off x="0" y="0"/>
+          <a:ext cx="0" cy="0"/>
+          <a:chOff x="0" y="0"/>
+          <a:chExt cx="0" cy="0"/>
+        </a:xfrm>
+      </p:grpSpPr>
+      <p:sp>
+        <p:nvSpPr>
+          <p:cNvPr id="2" name="Slide Image Placeholder 1"/>
+          <p:cNvSpPr>
+            <a:spLocks noGrp="1" noRot="1" noChangeAspect="1"/>
+          </p:cNvSpPr>
+          <p:nvPr>
+            <p:ph type="sldImg"/>
+          </p:nvPr>
+        </p:nvSpPr>
+        <p:spPr/>
+      </p:sp>
+      <p:sp>
+        <p:nvSpPr>
+          <p:cNvPr id="3" name="Notes Placeholder 2"/>
+          <p:cNvSpPr>
+            <a:spLocks noGrp="1"/>
+          </p:cNvSpPr>
+          <p:nvPr>
+            <p:ph type="body" idx="1"/>
+          </p:nvPr>
+        </p:nvSpPr>
+        <p:spPr/>
+        <p:txBody>
+          <a:bodyPr/>
+          <a:lstStyle/>
+          <a:p>
+            <a:r>
+              <a:rPr lang="fr-FR" dirty="0" smtClean="0"/>
+              <a:t>Kevin</a:t>
+            </a:r>
+            <a:endParaRPr lang="fr-FR" dirty="0"/>
+          </a:p>
+        </p:txBody>
+      </p:sp>
+      <p:sp>
+        <p:nvSpPr>
+          <p:cNvPr id="4" name="Slide Number Placeholder 3"/>
+          <p:cNvSpPr>
+            <a:spLocks noGrp="1"/>
+          </p:cNvSpPr>
+          <p:nvPr>
+            <p:ph type="sldNum" sz="quarter" idx="10"/>
+          </p:nvPr>
+        </p:nvSpPr>
+        <p:spPr/>
+        <p:txBody>
+          <a:bodyPr/>
+          <a:lstStyle/>
+          <a:p>
+            <a:fld id="{769B6526-6870-A64A-91F0-AFD65F4BD2FC}" type="slidenum">
+              <a:rPr lang="fr-FR" smtClean="0"/>
+              <a:t>1</a:t>
+            </a:fld>
+            <a:endParaRPr lang="fr-FR"/>
+          </a:p>
+        </p:txBody>
+      </p:sp>
+    </p:spTree>
+    <p:extLst>
+      <p:ext uri="{BB962C8B-B14F-4D97-AF65-F5344CB8AC3E}">
+        <p14:creationId xmlns:p14="http://schemas.microsoft.com/office/powerpoint/2010/main" val="244184359"/>
+      </p:ext>
+    </p:extLst>
+  </p:cSld>
+  <p:clrMapOvr>
+    <a:masterClrMapping/>
+  </p:clrMapOvr>
+</p:notes>
+</file>
+
+<file path=ppt/notesSlides/notesSlide10.xml><?xml version="1.0" encoding="utf-8"?>
+<p:notes xmlns:a="http://schemas.openxmlformats.org/drawingml/2006/main" xmlns:r="http://schemas.openxmlformats.org/officeDocument/2006/relationships" xmlns:p="http://schemas.openxmlformats.org/presentationml/2006/main">
+  <p:cSld>
+    <p:spTree>
+      <p:nvGrpSpPr>
+        <p:cNvPr id="1" name=""/>
+        <p:cNvGrpSpPr/>
+        <p:nvPr/>
+      </p:nvGrpSpPr>
+      <p:grpSpPr>
+        <a:xfrm>
+          <a:off x="0" y="0"/>
+          <a:ext cx="0" cy="0"/>
+          <a:chOff x="0" y="0"/>
+          <a:chExt cx="0" cy="0"/>
+        </a:xfrm>
+      </p:grpSpPr>
+      <p:sp>
+        <p:nvSpPr>
+          <p:cNvPr id="2" name="Slide Image Placeholder 1"/>
+          <p:cNvSpPr>
+            <a:spLocks noGrp="1" noRot="1" noChangeAspect="1"/>
+          </p:cNvSpPr>
+          <p:nvPr>
+            <p:ph type="sldImg"/>
+          </p:nvPr>
+        </p:nvSpPr>
+        <p:spPr/>
+      </p:sp>
+      <p:sp>
+        <p:nvSpPr>
+          <p:cNvPr id="3" name="Notes Placeholder 2"/>
+          <p:cNvSpPr>
+            <a:spLocks noGrp="1"/>
+          </p:cNvSpPr>
+          <p:nvPr>
+            <p:ph type="body" idx="1"/>
+          </p:nvPr>
+        </p:nvSpPr>
+        <p:spPr/>
+        <p:txBody>
+          <a:bodyPr/>
+          <a:lstStyle/>
+          <a:p>
+            <a:r>
+              <a:rPr lang="fr-FR" dirty="0" smtClean="0"/>
+              <a:t>Sasha</a:t>
+            </a:r>
+            <a:endParaRPr lang="fr-FR" dirty="0"/>
+          </a:p>
+        </p:txBody>
+      </p:sp>
+      <p:sp>
+        <p:nvSpPr>
+          <p:cNvPr id="4" name="Slide Number Placeholder 3"/>
+          <p:cNvSpPr>
+            <a:spLocks noGrp="1"/>
+          </p:cNvSpPr>
+          <p:nvPr>
+            <p:ph type="sldNum" sz="quarter" idx="10"/>
+          </p:nvPr>
+        </p:nvSpPr>
+        <p:spPr/>
+        <p:txBody>
+          <a:bodyPr/>
+          <a:lstStyle/>
+          <a:p>
+            <a:fld id="{769B6526-6870-A64A-91F0-AFD65F4BD2FC}" type="slidenum">
+              <a:rPr lang="fr-FR" smtClean="0"/>
+              <a:t>12</a:t>
+            </a:fld>
+            <a:endParaRPr lang="fr-FR"/>
+          </a:p>
+        </p:txBody>
+      </p:sp>
+    </p:spTree>
+    <p:extLst>
+      <p:ext uri="{BB962C8B-B14F-4D97-AF65-F5344CB8AC3E}">
+        <p14:creationId xmlns:p14="http://schemas.microsoft.com/office/powerpoint/2010/main" val="1711234071"/>
+      </p:ext>
+    </p:extLst>
+  </p:cSld>
+  <p:clrMapOvr>
+    <a:masterClrMapping/>
+  </p:clrMapOvr>
+</p:notes>
+</file>
+
+<file path=ppt/notesSlides/notesSlide11.xml><?xml version="1.0" encoding="utf-8"?>
+<p:notes xmlns:a="http://schemas.openxmlformats.org/drawingml/2006/main" xmlns:r="http://schemas.openxmlformats.org/officeDocument/2006/relationships" xmlns:p="http://schemas.openxmlformats.org/presentationml/2006/main">
+  <p:cSld>
+    <p:spTree>
+      <p:nvGrpSpPr>
+        <p:cNvPr id="1" name=""/>
+        <p:cNvGrpSpPr/>
+        <p:nvPr/>
+      </p:nvGrpSpPr>
+      <p:grpSpPr>
+        <a:xfrm>
+          <a:off x="0" y="0"/>
+          <a:ext cx="0" cy="0"/>
+          <a:chOff x="0" y="0"/>
+          <a:chExt cx="0" cy="0"/>
+        </a:xfrm>
+      </p:grpSpPr>
+      <p:sp>
+        <p:nvSpPr>
+          <p:cNvPr id="2" name="Slide Image Placeholder 1"/>
+          <p:cNvSpPr>
+            <a:spLocks noGrp="1" noRot="1" noChangeAspect="1"/>
+          </p:cNvSpPr>
+          <p:nvPr>
+            <p:ph type="sldImg"/>
+          </p:nvPr>
+        </p:nvSpPr>
+        <p:spPr/>
+      </p:sp>
+      <p:sp>
+        <p:nvSpPr>
+          <p:cNvPr id="3" name="Notes Placeholder 2"/>
+          <p:cNvSpPr>
+            <a:spLocks noGrp="1"/>
+          </p:cNvSpPr>
+          <p:nvPr>
+            <p:ph type="body" idx="1"/>
+          </p:nvPr>
+        </p:nvSpPr>
+        <p:spPr/>
+        <p:txBody>
+          <a:bodyPr/>
+          <a:lstStyle/>
+          <a:p>
+            <a:r>
+              <a:rPr lang="fr-FR" dirty="0" smtClean="0"/>
+              <a:t>Sasha</a:t>
+            </a:r>
+            <a:endParaRPr lang="fr-FR" dirty="0"/>
+          </a:p>
+        </p:txBody>
+      </p:sp>
+      <p:sp>
+        <p:nvSpPr>
+          <p:cNvPr id="4" name="Slide Number Placeholder 3"/>
+          <p:cNvSpPr>
+            <a:spLocks noGrp="1"/>
+          </p:cNvSpPr>
+          <p:nvPr>
+            <p:ph type="sldNum" sz="quarter" idx="10"/>
+          </p:nvPr>
+        </p:nvSpPr>
+        <p:spPr/>
+        <p:txBody>
+          <a:bodyPr/>
+          <a:lstStyle/>
+          <a:p>
+            <a:fld id="{769B6526-6870-A64A-91F0-AFD65F4BD2FC}" type="slidenum">
+              <a:rPr lang="fr-FR" smtClean="0"/>
+              <a:t>13</a:t>
+            </a:fld>
+            <a:endParaRPr lang="fr-FR"/>
+          </a:p>
+        </p:txBody>
+      </p:sp>
+    </p:spTree>
+    <p:extLst>
+      <p:ext uri="{BB962C8B-B14F-4D97-AF65-F5344CB8AC3E}">
+        <p14:creationId xmlns:p14="http://schemas.microsoft.com/office/powerpoint/2010/main" val="1783246007"/>
+      </p:ext>
+    </p:extLst>
+  </p:cSld>
+  <p:clrMapOvr>
+    <a:masterClrMapping/>
+  </p:clrMapOvr>
+</p:notes>
+</file>
+
+<file path=ppt/notesSlides/notesSlide12.xml><?xml version="1.0" encoding="utf-8"?>
+<p:notes xmlns:a="http://schemas.openxmlformats.org/drawingml/2006/main" xmlns:r="http://schemas.openxmlformats.org/officeDocument/2006/relationships" xmlns:p="http://schemas.openxmlformats.org/presentationml/2006/main">
+  <p:cSld>
+    <p:spTree>
+      <p:nvGrpSpPr>
+        <p:cNvPr id="1" name=""/>
+        <p:cNvGrpSpPr/>
+        <p:nvPr/>
+      </p:nvGrpSpPr>
+      <p:grpSpPr>
+        <a:xfrm>
+          <a:off x="0" y="0"/>
+          <a:ext cx="0" cy="0"/>
+          <a:chOff x="0" y="0"/>
+          <a:chExt cx="0" cy="0"/>
+        </a:xfrm>
+      </p:grpSpPr>
+      <p:sp>
+        <p:nvSpPr>
+          <p:cNvPr id="2" name="Slide Image Placeholder 1"/>
+          <p:cNvSpPr>
+            <a:spLocks noGrp="1" noRot="1" noChangeAspect="1"/>
+          </p:cNvSpPr>
+          <p:nvPr>
+            <p:ph type="sldImg"/>
+          </p:nvPr>
+        </p:nvSpPr>
+        <p:spPr/>
+      </p:sp>
+      <p:sp>
+        <p:nvSpPr>
+          <p:cNvPr id="3" name="Notes Placeholder 2"/>
+          <p:cNvSpPr>
+            <a:spLocks noGrp="1"/>
+          </p:cNvSpPr>
+          <p:nvPr>
+            <p:ph type="body" idx="1"/>
+          </p:nvPr>
+        </p:nvSpPr>
+        <p:spPr/>
+        <p:txBody>
+          <a:bodyPr/>
+          <a:lstStyle/>
+          <a:p>
+            <a:r>
+              <a:rPr lang="fr-FR" dirty="0" smtClean="0"/>
+              <a:t>Tyler</a:t>
+            </a:r>
+            <a:endParaRPr lang="fr-FR" dirty="0"/>
+          </a:p>
+        </p:txBody>
+      </p:sp>
+      <p:sp>
+        <p:nvSpPr>
+          <p:cNvPr id="4" name="Slide Number Placeholder 3"/>
+          <p:cNvSpPr>
+            <a:spLocks noGrp="1"/>
+          </p:cNvSpPr>
+          <p:nvPr>
+            <p:ph type="sldNum" sz="quarter" idx="10"/>
+          </p:nvPr>
+        </p:nvSpPr>
+        <p:spPr/>
+        <p:txBody>
+          <a:bodyPr/>
+          <a:lstStyle/>
+          <a:p>
+            <a:fld id="{769B6526-6870-A64A-91F0-AFD65F4BD2FC}" type="slidenum">
+              <a:rPr lang="fr-FR" smtClean="0"/>
+              <a:t>14</a:t>
+            </a:fld>
+            <a:endParaRPr lang="fr-FR"/>
+          </a:p>
+        </p:txBody>
+      </p:sp>
+    </p:spTree>
+    <p:extLst>
+      <p:ext uri="{BB962C8B-B14F-4D97-AF65-F5344CB8AC3E}">
+        <p14:creationId xmlns:p14="http://schemas.microsoft.com/office/powerpoint/2010/main" val="420552624"/>
+      </p:ext>
+    </p:extLst>
+  </p:cSld>
+  <p:clrMapOvr>
+    <a:masterClrMapping/>
+  </p:clrMapOvr>
+</p:notes>
+</file>
+
+<file path=ppt/notesSlides/notesSlide13.xml><?xml version="1.0" encoding="utf-8"?>
+<p:notes xmlns:a="http://schemas.openxmlformats.org/drawingml/2006/main" xmlns:r="http://schemas.openxmlformats.org/officeDocument/2006/relationships" xmlns:p="http://schemas.openxmlformats.org/presentationml/2006/main">
+  <p:cSld>
+    <p:spTree>
+      <p:nvGrpSpPr>
+        <p:cNvPr id="1" name=""/>
+        <p:cNvGrpSpPr/>
+        <p:nvPr/>
+      </p:nvGrpSpPr>
+      <p:grpSpPr>
+        <a:xfrm>
+          <a:off x="0" y="0"/>
+          <a:ext cx="0" cy="0"/>
+          <a:chOff x="0" y="0"/>
+          <a:chExt cx="0" cy="0"/>
+        </a:xfrm>
+      </p:grpSpPr>
+      <p:sp>
+        <p:nvSpPr>
+          <p:cNvPr id="2" name="Slide Image Placeholder 1"/>
+          <p:cNvSpPr>
+            <a:spLocks noGrp="1" noRot="1" noChangeAspect="1"/>
+          </p:cNvSpPr>
+          <p:nvPr>
+            <p:ph type="sldImg"/>
+          </p:nvPr>
+        </p:nvSpPr>
+        <p:spPr/>
+      </p:sp>
+      <p:sp>
+        <p:nvSpPr>
+          <p:cNvPr id="3" name="Notes Placeholder 2"/>
+          <p:cNvSpPr>
+            <a:spLocks noGrp="1"/>
+          </p:cNvSpPr>
+          <p:nvPr>
+            <p:ph type="body" idx="1"/>
+          </p:nvPr>
+        </p:nvSpPr>
+        <p:spPr/>
+        <p:txBody>
+          <a:bodyPr/>
+          <a:lstStyle/>
+          <a:p>
+            <a:r>
+              <a:rPr lang="fr-FR" sz="2000" dirty="0" smtClean="0"/>
+              <a:t>Tyler</a:t>
+            </a:r>
+          </a:p>
+          <a:p>
+            <a:endParaRPr lang="fr-FR" sz="2000" dirty="0" smtClean="0"/>
+          </a:p>
+          <a:p>
+            <a:r>
+              <a:rPr lang="fr-FR" sz="2000" dirty="0" err="1" smtClean="0"/>
+              <a:t>Extrapolate</a:t>
+            </a:r>
+            <a:r>
+              <a:rPr lang="fr-FR" sz="2000" baseline="0" dirty="0" smtClean="0"/>
+              <a:t> </a:t>
+            </a:r>
+            <a:r>
+              <a:rPr lang="fr-FR" sz="2000" baseline="0" dirty="0" err="1" smtClean="0"/>
+              <a:t>Algorithm</a:t>
+            </a:r>
+            <a:r>
+              <a:rPr lang="fr-FR" sz="2000" baseline="0" dirty="0" smtClean="0"/>
+              <a:t> I  </a:t>
+            </a:r>
+            <a:r>
+              <a:rPr lang="fr-FR" sz="2000" baseline="0" dirty="0" err="1" smtClean="0"/>
+              <a:t>Runtimes</a:t>
+            </a:r>
+            <a:r>
+              <a:rPr lang="fr-FR" sz="2000" baseline="0" dirty="0" smtClean="0"/>
+              <a:t>: for 800 mil </a:t>
+            </a:r>
+            <a:r>
+              <a:rPr lang="fr-FR" sz="2000" baseline="0" dirty="0" err="1" smtClean="0"/>
+              <a:t>rows</a:t>
+            </a:r>
+            <a:r>
+              <a:rPr lang="fr-FR" sz="2000" baseline="0" dirty="0" smtClean="0"/>
+              <a:t> -&gt; ~2054.7 </a:t>
+            </a:r>
+            <a:r>
+              <a:rPr lang="fr-FR" sz="2000" baseline="0" dirty="0" err="1" smtClean="0"/>
+              <a:t>hours</a:t>
+            </a:r>
+            <a:endParaRPr lang="fr-FR" sz="2000" baseline="0" dirty="0" smtClean="0"/>
+          </a:p>
+          <a:p>
+            <a:pPr marL="0" marR="0" indent="0" algn="l" defTabSz="914400" rtl="0" eaLnBrk="1" fontAlgn="auto" latinLnBrk="0" hangingPunct="1">
+              <a:lnSpc>
+                <a:spcPct val="100000"/>
+              </a:lnSpc>
+              <a:spcBef>
+                <a:spcPts val="0"/>
+              </a:spcBef>
+              <a:spcAft>
+                <a:spcPts val="0"/>
+              </a:spcAft>
+              <a:buClrTx/>
+              <a:buSzTx/>
+              <a:buFontTx/>
+              <a:buNone/>
+              <a:tabLst/>
+              <a:defRPr/>
+            </a:pPr>
+            <a:r>
+              <a:rPr lang="fr-FR" sz="2000" dirty="0" err="1" smtClean="0"/>
+              <a:t>Extrapolate</a:t>
+            </a:r>
+            <a:r>
+              <a:rPr lang="fr-FR" sz="2000" baseline="0" dirty="0" smtClean="0"/>
+              <a:t> </a:t>
+            </a:r>
+            <a:r>
+              <a:rPr lang="fr-FR" sz="2000" baseline="0" dirty="0" err="1" smtClean="0"/>
+              <a:t>Algorithm</a:t>
+            </a:r>
+            <a:r>
+              <a:rPr lang="fr-FR" sz="2000" baseline="0" dirty="0" smtClean="0"/>
+              <a:t> I  </a:t>
+            </a:r>
+            <a:r>
+              <a:rPr lang="fr-FR" sz="2000" baseline="0" dirty="0" err="1" smtClean="0"/>
+              <a:t>Runtimes</a:t>
+            </a:r>
+            <a:r>
+              <a:rPr lang="fr-FR" sz="2000" baseline="0" dirty="0" smtClean="0"/>
+              <a:t>: for 800 mil </a:t>
+            </a:r>
+            <a:r>
+              <a:rPr lang="fr-FR" sz="2000" baseline="0" dirty="0" err="1" smtClean="0"/>
+              <a:t>rows</a:t>
+            </a:r>
+            <a:r>
+              <a:rPr lang="fr-FR" sz="2000" baseline="0" dirty="0" smtClean="0"/>
+              <a:t> -&gt; ~767.2 </a:t>
+            </a:r>
+            <a:r>
+              <a:rPr lang="fr-FR" sz="2000" baseline="0" dirty="0" err="1" smtClean="0"/>
+              <a:t>hours</a:t>
+            </a:r>
+            <a:endParaRPr lang="fr-FR" sz="2000" baseline="0" dirty="0" smtClean="0"/>
+          </a:p>
+          <a:p>
+            <a:endParaRPr lang="fr-FR" dirty="0"/>
+          </a:p>
+        </p:txBody>
+      </p:sp>
+      <p:sp>
+        <p:nvSpPr>
+          <p:cNvPr id="4" name="Slide Number Placeholder 3"/>
+          <p:cNvSpPr>
+            <a:spLocks noGrp="1"/>
+          </p:cNvSpPr>
+          <p:nvPr>
+            <p:ph type="sldNum" sz="quarter" idx="10"/>
+          </p:nvPr>
+        </p:nvSpPr>
+        <p:spPr/>
+        <p:txBody>
+          <a:bodyPr/>
+          <a:lstStyle/>
+          <a:p>
+            <a:fld id="{769B6526-6870-A64A-91F0-AFD65F4BD2FC}" type="slidenum">
+              <a:rPr lang="fr-FR" smtClean="0"/>
+              <a:t>15</a:t>
+            </a:fld>
+            <a:endParaRPr lang="fr-FR"/>
+          </a:p>
+        </p:txBody>
+      </p:sp>
+    </p:spTree>
+    <p:extLst>
+      <p:ext uri="{BB962C8B-B14F-4D97-AF65-F5344CB8AC3E}">
+        <p14:creationId xmlns:p14="http://schemas.microsoft.com/office/powerpoint/2010/main" val="1887227257"/>
+      </p:ext>
+    </p:extLst>
+  </p:cSld>
+  <p:clrMapOvr>
+    <a:masterClrMapping/>
+  </p:clrMapOvr>
+</p:notes>
+</file>
+
+<file path=ppt/notesSlides/notesSlide14.xml><?xml version="1.0" encoding="utf-8"?>
+<p:notes xmlns:a="http://schemas.openxmlformats.org/drawingml/2006/main" xmlns:r="http://schemas.openxmlformats.org/officeDocument/2006/relationships" xmlns:p="http://schemas.openxmlformats.org/presentationml/2006/main">
+  <p:cSld>
+    <p:spTree>
+      <p:nvGrpSpPr>
+        <p:cNvPr id="1" name=""/>
+        <p:cNvGrpSpPr/>
+        <p:nvPr/>
+      </p:nvGrpSpPr>
+      <p:grpSpPr>
+        <a:xfrm>
+          <a:off x="0" y="0"/>
+          <a:ext cx="0" cy="0"/>
+          <a:chOff x="0" y="0"/>
+          <a:chExt cx="0" cy="0"/>
+        </a:xfrm>
+      </p:grpSpPr>
+      <p:sp>
+        <p:nvSpPr>
+          <p:cNvPr id="2" name="Slide Image Placeholder 1"/>
+          <p:cNvSpPr>
+            <a:spLocks noGrp="1" noRot="1" noChangeAspect="1"/>
+          </p:cNvSpPr>
+          <p:nvPr>
+            <p:ph type="sldImg"/>
+          </p:nvPr>
+        </p:nvSpPr>
+        <p:spPr/>
+      </p:sp>
+      <p:sp>
+        <p:nvSpPr>
+          <p:cNvPr id="3" name="Notes Placeholder 2"/>
+          <p:cNvSpPr>
+            <a:spLocks noGrp="1"/>
+          </p:cNvSpPr>
+          <p:nvPr>
+            <p:ph type="body" idx="1"/>
+          </p:nvPr>
+        </p:nvSpPr>
+        <p:spPr/>
+        <p:txBody>
+          <a:bodyPr/>
+          <a:lstStyle/>
+          <a:p>
+            <a:r>
+              <a:rPr lang="fr-FR" dirty="0" smtClean="0"/>
+              <a:t>Tyler</a:t>
+            </a:r>
+            <a:endParaRPr lang="fr-FR" dirty="0"/>
+          </a:p>
+        </p:txBody>
+      </p:sp>
+      <p:sp>
+        <p:nvSpPr>
+          <p:cNvPr id="4" name="Slide Number Placeholder 3"/>
+          <p:cNvSpPr>
+            <a:spLocks noGrp="1"/>
+          </p:cNvSpPr>
+          <p:nvPr>
+            <p:ph type="sldNum" sz="quarter" idx="10"/>
+          </p:nvPr>
+        </p:nvSpPr>
+        <p:spPr/>
+        <p:txBody>
+          <a:bodyPr/>
+          <a:lstStyle/>
+          <a:p>
+            <a:fld id="{769B6526-6870-A64A-91F0-AFD65F4BD2FC}" type="slidenum">
+              <a:rPr lang="fr-FR" smtClean="0"/>
+              <a:t>16</a:t>
+            </a:fld>
+            <a:endParaRPr lang="fr-FR"/>
+          </a:p>
+        </p:txBody>
+      </p:sp>
+    </p:spTree>
+    <p:extLst>
+      <p:ext uri="{BB962C8B-B14F-4D97-AF65-F5344CB8AC3E}">
+        <p14:creationId xmlns:p14="http://schemas.microsoft.com/office/powerpoint/2010/main" val="1223352850"/>
+      </p:ext>
+    </p:extLst>
+  </p:cSld>
+  <p:clrMapOvr>
+    <a:masterClrMapping/>
+  </p:clrMapOvr>
+</p:notes>
+</file>
+
+<file path=ppt/notesSlides/notesSlide2.xml><?xml version="1.0" encoding="utf-8"?>
+<p:notes xmlns:a="http://schemas.openxmlformats.org/drawingml/2006/main" xmlns:r="http://schemas.openxmlformats.org/officeDocument/2006/relationships" xmlns:p="http://schemas.openxmlformats.org/presentationml/2006/main">
+  <p:cSld>
+    <p:spTree>
+      <p:nvGrpSpPr>
+        <p:cNvPr id="1" name=""/>
+        <p:cNvGrpSpPr/>
+        <p:nvPr/>
+      </p:nvGrpSpPr>
+      <p:grpSpPr>
+        <a:xfrm>
+          <a:off x="0" y="0"/>
+          <a:ext cx="0" cy="0"/>
+          <a:chOff x="0" y="0"/>
+          <a:chExt cx="0" cy="0"/>
+        </a:xfrm>
+      </p:grpSpPr>
+      <p:sp>
+        <p:nvSpPr>
+          <p:cNvPr id="2" name="Slide Image Placeholder 1"/>
+          <p:cNvSpPr>
+            <a:spLocks noGrp="1" noRot="1" noChangeAspect="1"/>
+          </p:cNvSpPr>
+          <p:nvPr>
+            <p:ph type="sldImg"/>
+          </p:nvPr>
+        </p:nvSpPr>
+        <p:spPr/>
+      </p:sp>
+      <p:sp>
+        <p:nvSpPr>
+          <p:cNvPr id="3" name="Notes Placeholder 2"/>
+          <p:cNvSpPr>
+            <a:spLocks noGrp="1"/>
+          </p:cNvSpPr>
+          <p:nvPr>
+            <p:ph type="body" idx="1"/>
+          </p:nvPr>
+        </p:nvSpPr>
+        <p:spPr/>
+        <p:txBody>
+          <a:bodyPr/>
+          <a:lstStyle/>
+          <a:p>
+            <a:r>
+              <a:rPr lang="fr-FR" dirty="0" smtClean="0"/>
+              <a:t>Kevin</a:t>
+            </a:r>
+          </a:p>
+          <a:p>
+            <a:endParaRPr lang="fr-FR" dirty="0" smtClean="0"/>
+          </a:p>
+          <a:p>
+            <a:r>
+              <a:rPr lang="fr-FR" dirty="0" smtClean="0"/>
+              <a:t>- A </a:t>
+            </a:r>
+            <a:r>
+              <a:rPr lang="fr-FR" dirty="0" err="1" smtClean="0"/>
+              <a:t>whole</a:t>
+            </a:r>
+            <a:r>
+              <a:rPr lang="fr-FR" dirty="0" smtClean="0"/>
+              <a:t> lot of data</a:t>
+            </a:r>
+            <a:r>
+              <a:rPr lang="fr-FR" baseline="0" dirty="0" smtClean="0"/>
+              <a:t> </a:t>
+            </a:r>
+            <a:r>
+              <a:rPr lang="fr-FR" baseline="0" dirty="0" err="1" smtClean="0"/>
+              <a:t>without</a:t>
+            </a:r>
+            <a:r>
+              <a:rPr lang="fr-FR" baseline="0" dirty="0" smtClean="0"/>
+              <a:t> </a:t>
+            </a:r>
+            <a:r>
+              <a:rPr lang="fr-FR" baseline="0" dirty="0" err="1" smtClean="0"/>
+              <a:t>any</a:t>
+            </a:r>
+            <a:r>
+              <a:rPr lang="fr-FR" baseline="0" dirty="0" smtClean="0"/>
+              <a:t> good </a:t>
+            </a:r>
+            <a:r>
+              <a:rPr lang="fr-FR" baseline="0" dirty="0" err="1" smtClean="0"/>
+              <a:t>way</a:t>
+            </a:r>
+            <a:r>
+              <a:rPr lang="fr-FR" baseline="0" dirty="0" smtClean="0"/>
+              <a:t> of </a:t>
+            </a:r>
+            <a:r>
+              <a:rPr lang="fr-FR" baseline="0" dirty="0" err="1" smtClean="0"/>
+              <a:t>parsing</a:t>
+            </a:r>
+            <a:r>
+              <a:rPr lang="fr-FR" baseline="0" dirty="0" smtClean="0"/>
+              <a:t> </a:t>
+            </a:r>
+            <a:r>
+              <a:rPr lang="fr-FR" baseline="0" dirty="0" err="1" smtClean="0"/>
+              <a:t>through</a:t>
+            </a:r>
+            <a:r>
+              <a:rPr lang="fr-FR" baseline="0" dirty="0" smtClean="0"/>
+              <a:t> </a:t>
+            </a:r>
+            <a:r>
+              <a:rPr lang="fr-FR" baseline="0" dirty="0" err="1" smtClean="0"/>
+              <a:t>it</a:t>
+            </a:r>
+            <a:r>
+              <a:rPr lang="fr-FR" baseline="0" dirty="0" smtClean="0"/>
+              <a:t> all</a:t>
+            </a:r>
+          </a:p>
+          <a:p>
+            <a:r>
+              <a:rPr lang="fr-FR" baseline="0" dirty="0" smtClean="0"/>
+              <a:t>- </a:t>
+            </a:r>
+            <a:r>
+              <a:rPr lang="fr-FR" baseline="0" dirty="0" err="1" smtClean="0"/>
+              <a:t>Currently</a:t>
+            </a:r>
+            <a:r>
+              <a:rPr lang="fr-FR" baseline="0" dirty="0" smtClean="0"/>
+              <a:t> and </a:t>
+            </a:r>
+            <a:r>
+              <a:rPr lang="fr-FR" baseline="0" dirty="0" err="1" smtClean="0"/>
+              <a:t>unsolved</a:t>
+            </a:r>
+            <a:r>
+              <a:rPr lang="fr-FR" baseline="0" dirty="0" smtClean="0"/>
+              <a:t> </a:t>
+            </a:r>
+            <a:r>
+              <a:rPr lang="fr-FR" baseline="0" dirty="0" err="1" smtClean="0"/>
+              <a:t>problem</a:t>
+            </a:r>
+            <a:endParaRPr lang="fr-FR" baseline="0" dirty="0" smtClean="0"/>
+          </a:p>
+          <a:p>
+            <a:r>
+              <a:rPr lang="fr-FR" baseline="0" dirty="0" smtClean="0"/>
+              <a:t>- And </a:t>
+            </a:r>
+            <a:r>
+              <a:rPr lang="fr-FR" baseline="0" dirty="0" err="1" smtClean="0"/>
+              <a:t>so</a:t>
+            </a:r>
+            <a:r>
+              <a:rPr lang="fr-FR" baseline="0" dirty="0" smtClean="0"/>
+              <a:t>, </a:t>
+            </a:r>
+            <a:r>
+              <a:rPr lang="fr-FR" baseline="0" dirty="0" err="1" smtClean="0"/>
+              <a:t>we</a:t>
+            </a:r>
+            <a:r>
+              <a:rPr lang="fr-FR" baseline="0" dirty="0" smtClean="0"/>
+              <a:t> have the </a:t>
+            </a:r>
+            <a:r>
+              <a:rPr lang="fr-FR" baseline="0" dirty="0" err="1" smtClean="0"/>
+              <a:t>following</a:t>
+            </a:r>
+            <a:r>
+              <a:rPr lang="fr-FR" baseline="0" dirty="0" smtClean="0"/>
+              <a:t> goals...</a:t>
+            </a:r>
+            <a:endParaRPr lang="fr-FR" dirty="0" smtClean="0"/>
+          </a:p>
+        </p:txBody>
+      </p:sp>
+      <p:sp>
+        <p:nvSpPr>
+          <p:cNvPr id="4" name="Slide Number Placeholder 3"/>
+          <p:cNvSpPr>
+            <a:spLocks noGrp="1"/>
+          </p:cNvSpPr>
+          <p:nvPr>
+            <p:ph type="sldNum" sz="quarter" idx="10"/>
+          </p:nvPr>
+        </p:nvSpPr>
+        <p:spPr/>
+        <p:txBody>
+          <a:bodyPr/>
+          <a:lstStyle/>
+          <a:p>
+            <a:fld id="{769B6526-6870-A64A-91F0-AFD65F4BD2FC}" type="slidenum">
+              <a:rPr lang="fr-FR" smtClean="0"/>
+              <a:t>2</a:t>
+            </a:fld>
+            <a:endParaRPr lang="fr-FR"/>
+          </a:p>
+        </p:txBody>
+      </p:sp>
+    </p:spTree>
+    <p:extLst>
+      <p:ext uri="{BB962C8B-B14F-4D97-AF65-F5344CB8AC3E}">
+        <p14:creationId xmlns:p14="http://schemas.microsoft.com/office/powerpoint/2010/main" val="1933035152"/>
+      </p:ext>
+    </p:extLst>
+  </p:cSld>
+  <p:clrMapOvr>
+    <a:masterClrMapping/>
+  </p:clrMapOvr>
+</p:notes>
+</file>
+
+<file path=ppt/notesSlides/notesSlide3.xml><?xml version="1.0" encoding="utf-8"?>
+<p:notes xmlns:a="http://schemas.openxmlformats.org/drawingml/2006/main" xmlns:r="http://schemas.openxmlformats.org/officeDocument/2006/relationships" xmlns:p="http://schemas.openxmlformats.org/presentationml/2006/main">
+  <p:cSld>
+    <p:spTree>
+      <p:nvGrpSpPr>
+        <p:cNvPr id="1" name=""/>
+        <p:cNvGrpSpPr/>
+        <p:nvPr/>
+      </p:nvGrpSpPr>
+      <p:grpSpPr>
+        <a:xfrm>
+          <a:off x="0" y="0"/>
+          <a:ext cx="0" cy="0"/>
+          <a:chOff x="0" y="0"/>
+          <a:chExt cx="0" cy="0"/>
+        </a:xfrm>
+      </p:grpSpPr>
+      <p:sp>
+        <p:nvSpPr>
+          <p:cNvPr id="2" name="Slide Image Placeholder 1"/>
+          <p:cNvSpPr>
+            <a:spLocks noGrp="1" noRot="1" noChangeAspect="1"/>
+          </p:cNvSpPr>
+          <p:nvPr>
+            <p:ph type="sldImg"/>
+          </p:nvPr>
+        </p:nvSpPr>
+        <p:spPr/>
+      </p:sp>
+      <p:sp>
+        <p:nvSpPr>
+          <p:cNvPr id="3" name="Notes Placeholder 2"/>
+          <p:cNvSpPr>
+            <a:spLocks noGrp="1"/>
+          </p:cNvSpPr>
+          <p:nvPr>
+            <p:ph type="body" idx="1"/>
+          </p:nvPr>
+        </p:nvSpPr>
+        <p:spPr/>
+        <p:txBody>
+          <a:bodyPr/>
+          <a:lstStyle/>
+          <a:p>
+            <a:r>
+              <a:rPr lang="fr-FR" dirty="0" smtClean="0"/>
+              <a:t>Kevin</a:t>
+            </a:r>
+          </a:p>
+          <a:p>
+            <a:r>
+              <a:rPr lang="fr-FR" dirty="0" smtClean="0"/>
+              <a:t>- Young </a:t>
+            </a:r>
+            <a:r>
+              <a:rPr lang="fr-FR" dirty="0" err="1" smtClean="0"/>
+              <a:t>Stellar</a:t>
+            </a:r>
+            <a:r>
+              <a:rPr lang="fr-FR" dirty="0" smtClean="0"/>
+              <a:t> </a:t>
+            </a:r>
+            <a:r>
+              <a:rPr lang="fr-FR" dirty="0" err="1" smtClean="0"/>
+              <a:t>Objects</a:t>
+            </a:r>
+            <a:r>
+              <a:rPr lang="fr-FR" dirty="0" smtClean="0"/>
+              <a:t>: stars in </a:t>
+            </a:r>
+            <a:r>
+              <a:rPr lang="fr-FR" dirty="0" err="1" smtClean="0"/>
+              <a:t>early</a:t>
+            </a:r>
+            <a:r>
+              <a:rPr lang="fr-FR" dirty="0" smtClean="0"/>
+              <a:t> stages of </a:t>
+            </a:r>
+            <a:r>
+              <a:rPr lang="fr-FR" dirty="0" err="1" smtClean="0"/>
+              <a:t>evolution</a:t>
+            </a:r>
+            <a:r>
+              <a:rPr lang="fr-FR" dirty="0" smtClean="0"/>
+              <a:t>,</a:t>
+            </a:r>
+            <a:r>
+              <a:rPr lang="fr-FR" baseline="0" dirty="0" smtClean="0"/>
+              <a:t> </a:t>
+            </a:r>
+            <a:r>
+              <a:rPr lang="fr-FR" baseline="0" dirty="0" err="1" smtClean="0"/>
+              <a:t>protostars</a:t>
+            </a:r>
+            <a:r>
+              <a:rPr lang="fr-FR" baseline="0" dirty="0" smtClean="0"/>
+              <a:t> and </a:t>
+            </a:r>
+            <a:r>
+              <a:rPr lang="fr-FR" baseline="0" dirty="0" err="1" smtClean="0"/>
+              <a:t>pre</a:t>
+            </a:r>
+            <a:r>
+              <a:rPr lang="fr-FR" baseline="0" dirty="0" smtClean="0"/>
+              <a:t> main </a:t>
+            </a:r>
+            <a:r>
+              <a:rPr lang="fr-FR" baseline="0" dirty="0" err="1" smtClean="0"/>
+              <a:t>sequence</a:t>
+            </a:r>
+            <a:r>
+              <a:rPr lang="fr-FR" baseline="0" dirty="0" smtClean="0"/>
+              <a:t> stars. (For </a:t>
+            </a:r>
+            <a:r>
+              <a:rPr lang="fr-FR" baseline="0" dirty="0" err="1" smtClean="0"/>
+              <a:t>reference</a:t>
+            </a:r>
+            <a:r>
+              <a:rPr lang="fr-FR" baseline="0" dirty="0" smtClean="0"/>
+              <a:t>, </a:t>
+            </a:r>
+            <a:r>
+              <a:rPr lang="fr-FR" baseline="0" dirty="0" err="1" smtClean="0"/>
+              <a:t>our</a:t>
+            </a:r>
+            <a:r>
+              <a:rPr lang="fr-FR" baseline="0" dirty="0" smtClean="0"/>
+              <a:t> Sun </a:t>
+            </a:r>
+            <a:r>
+              <a:rPr lang="fr-FR" baseline="0" dirty="0" err="1" smtClean="0"/>
+              <a:t>is</a:t>
+            </a:r>
+            <a:r>
+              <a:rPr lang="fr-FR" baseline="0" dirty="0" smtClean="0"/>
+              <a:t> a main </a:t>
+            </a:r>
+            <a:r>
+              <a:rPr lang="fr-FR" baseline="0" dirty="0" err="1" smtClean="0"/>
+              <a:t>sequence</a:t>
+            </a:r>
+            <a:r>
+              <a:rPr lang="fr-FR" baseline="0" dirty="0" smtClean="0"/>
+              <a:t> star) -&gt; </a:t>
+            </a:r>
+            <a:r>
+              <a:rPr lang="fr-FR" baseline="0" dirty="0" err="1" smtClean="0"/>
+              <a:t>infrared</a:t>
+            </a:r>
+            <a:r>
+              <a:rPr lang="fr-FR" baseline="0" dirty="0" smtClean="0"/>
+              <a:t> light </a:t>
+            </a:r>
+            <a:r>
+              <a:rPr lang="fr-FR" baseline="0" dirty="0" err="1" smtClean="0"/>
+              <a:t>means</a:t>
+            </a:r>
+            <a:r>
+              <a:rPr lang="fr-FR" baseline="0" dirty="0" smtClean="0"/>
+              <a:t> a </a:t>
+            </a:r>
+            <a:r>
+              <a:rPr lang="fr-FR" baseline="0" dirty="0" err="1" smtClean="0"/>
+              <a:t>younger</a:t>
+            </a:r>
+            <a:r>
+              <a:rPr lang="fr-FR" baseline="0" dirty="0" smtClean="0"/>
+              <a:t> star</a:t>
+            </a:r>
+          </a:p>
+          <a:p>
+            <a:endParaRPr lang="fr-FR" baseline="0" dirty="0" smtClean="0"/>
+          </a:p>
+          <a:p>
+            <a:r>
+              <a:rPr lang="fr-FR" baseline="0" dirty="0" smtClean="0"/>
+              <a:t>- Active </a:t>
+            </a:r>
+            <a:r>
+              <a:rPr lang="fr-FR" baseline="0" dirty="0" err="1" smtClean="0"/>
+              <a:t>Galactic</a:t>
+            </a:r>
+            <a:r>
+              <a:rPr lang="fr-FR" baseline="0" dirty="0" smtClean="0"/>
+              <a:t> </a:t>
+            </a:r>
+            <a:r>
+              <a:rPr lang="fr-FR" baseline="0" dirty="0" err="1" smtClean="0"/>
+              <a:t>Nucleii</a:t>
+            </a:r>
+            <a:r>
+              <a:rPr lang="fr-FR" baseline="0" dirty="0" smtClean="0"/>
+              <a:t> - </a:t>
+            </a:r>
+            <a:r>
+              <a:rPr lang="fr-FR" baseline="0" dirty="0" err="1" smtClean="0"/>
+              <a:t>region</a:t>
+            </a:r>
+            <a:r>
+              <a:rPr lang="fr-FR" baseline="0" dirty="0" smtClean="0"/>
+              <a:t> at center of </a:t>
+            </a:r>
+            <a:r>
+              <a:rPr lang="fr-FR" baseline="0" dirty="0" err="1" smtClean="0"/>
+              <a:t>galaxy</a:t>
+            </a:r>
+            <a:r>
+              <a:rPr lang="fr-FR" baseline="0" dirty="0" smtClean="0"/>
+              <a:t> </a:t>
+            </a:r>
+            <a:r>
+              <a:rPr lang="fr-FR" baseline="0" dirty="0" err="1" smtClean="0"/>
+              <a:t>that</a:t>
+            </a:r>
+            <a:r>
+              <a:rPr lang="fr-FR" baseline="0" dirty="0" smtClean="0"/>
+              <a:t> has </a:t>
+            </a:r>
+            <a:r>
+              <a:rPr lang="fr-FR" baseline="0" dirty="0" err="1" smtClean="0"/>
+              <a:t>much</a:t>
+            </a:r>
+            <a:r>
+              <a:rPr lang="fr-FR" baseline="0" dirty="0" smtClean="0"/>
+              <a:t> </a:t>
+            </a:r>
+            <a:r>
+              <a:rPr lang="fr-FR" baseline="0" dirty="0" err="1" smtClean="0"/>
+              <a:t>higher</a:t>
+            </a:r>
+            <a:r>
+              <a:rPr lang="fr-FR" baseline="0" dirty="0" smtClean="0"/>
+              <a:t> </a:t>
+            </a:r>
+            <a:r>
+              <a:rPr lang="fr-FR" baseline="0" dirty="0" err="1" smtClean="0"/>
+              <a:t>than</a:t>
+            </a:r>
+            <a:r>
+              <a:rPr lang="fr-FR" baseline="0" dirty="0" smtClean="0"/>
+              <a:t> normal </a:t>
+            </a:r>
+            <a:r>
+              <a:rPr lang="fr-FR" baseline="0" dirty="0" err="1" smtClean="0"/>
+              <a:t>luminosity</a:t>
+            </a:r>
+            <a:endParaRPr lang="fr-FR" dirty="0" smtClean="0"/>
+          </a:p>
+        </p:txBody>
+      </p:sp>
+      <p:sp>
+        <p:nvSpPr>
+          <p:cNvPr id="4" name="Slide Number Placeholder 3"/>
+          <p:cNvSpPr>
+            <a:spLocks noGrp="1"/>
+          </p:cNvSpPr>
+          <p:nvPr>
+            <p:ph type="sldNum" sz="quarter" idx="10"/>
+          </p:nvPr>
+        </p:nvSpPr>
+        <p:spPr/>
+        <p:txBody>
+          <a:bodyPr/>
+          <a:lstStyle/>
+          <a:p>
+            <a:fld id="{769B6526-6870-A64A-91F0-AFD65F4BD2FC}" type="slidenum">
+              <a:rPr lang="fr-FR" smtClean="0"/>
+              <a:t>3</a:t>
+            </a:fld>
+            <a:endParaRPr lang="fr-FR"/>
+          </a:p>
+        </p:txBody>
+      </p:sp>
+    </p:spTree>
+    <p:extLst>
+      <p:ext uri="{BB962C8B-B14F-4D97-AF65-F5344CB8AC3E}">
+        <p14:creationId xmlns:p14="http://schemas.microsoft.com/office/powerpoint/2010/main" val="1873808217"/>
+      </p:ext>
+    </p:extLst>
+  </p:cSld>
+  <p:clrMapOvr>
+    <a:masterClrMapping/>
+  </p:clrMapOvr>
+</p:notes>
+</file>
+
+<file path=ppt/notesSlides/notesSlide4.xml><?xml version="1.0" encoding="utf-8"?>
+<p:notes xmlns:a="http://schemas.openxmlformats.org/drawingml/2006/main" xmlns:r="http://schemas.openxmlformats.org/officeDocument/2006/relationships" xmlns:p="http://schemas.openxmlformats.org/presentationml/2006/main">
+  <p:cSld>
+    <p:spTree>
+      <p:nvGrpSpPr>
+        <p:cNvPr id="1" name=""/>
+        <p:cNvGrpSpPr/>
+        <p:nvPr/>
+      </p:nvGrpSpPr>
+      <p:grpSpPr>
+        <a:xfrm>
+          <a:off x="0" y="0"/>
+          <a:ext cx="0" cy="0"/>
+          <a:chOff x="0" y="0"/>
+          <a:chExt cx="0" cy="0"/>
+        </a:xfrm>
+      </p:grpSpPr>
+      <p:sp>
+        <p:nvSpPr>
+          <p:cNvPr id="2" name="Slide Image Placeholder 1"/>
+          <p:cNvSpPr>
+            <a:spLocks noGrp="1" noRot="1" noChangeAspect="1"/>
+          </p:cNvSpPr>
+          <p:nvPr>
+            <p:ph type="sldImg"/>
+          </p:nvPr>
+        </p:nvSpPr>
+        <p:spPr/>
+      </p:sp>
+      <p:sp>
+        <p:nvSpPr>
+          <p:cNvPr id="3" name="Notes Placeholder 2"/>
+          <p:cNvSpPr>
+            <a:spLocks noGrp="1"/>
+          </p:cNvSpPr>
+          <p:nvPr>
+            <p:ph type="body" idx="1"/>
+          </p:nvPr>
+        </p:nvSpPr>
+        <p:spPr/>
+        <p:txBody>
+          <a:bodyPr/>
+          <a:lstStyle/>
+          <a:p>
+            <a:r>
+              <a:rPr lang="fr-FR" dirty="0" smtClean="0"/>
+              <a:t>Kevin</a:t>
+            </a:r>
+            <a:endParaRPr lang="fr-FR" dirty="0"/>
+          </a:p>
+        </p:txBody>
+      </p:sp>
+      <p:sp>
+        <p:nvSpPr>
+          <p:cNvPr id="4" name="Slide Number Placeholder 3"/>
+          <p:cNvSpPr>
+            <a:spLocks noGrp="1"/>
+          </p:cNvSpPr>
+          <p:nvPr>
+            <p:ph type="sldNum" sz="quarter" idx="10"/>
+          </p:nvPr>
+        </p:nvSpPr>
+        <p:spPr/>
+        <p:txBody>
+          <a:bodyPr/>
+          <a:lstStyle/>
+          <a:p>
+            <a:fld id="{769B6526-6870-A64A-91F0-AFD65F4BD2FC}" type="slidenum">
+              <a:rPr lang="fr-FR" smtClean="0"/>
+              <a:t>4</a:t>
+            </a:fld>
+            <a:endParaRPr lang="fr-FR"/>
+          </a:p>
+        </p:txBody>
+      </p:sp>
+    </p:spTree>
+    <p:extLst>
+      <p:ext uri="{BB962C8B-B14F-4D97-AF65-F5344CB8AC3E}">
+        <p14:creationId xmlns:p14="http://schemas.microsoft.com/office/powerpoint/2010/main" val="1591075844"/>
+      </p:ext>
+    </p:extLst>
+  </p:cSld>
+  <p:clrMapOvr>
+    <a:masterClrMapping/>
+  </p:clrMapOvr>
+</p:notes>
+</file>
+
+<file path=ppt/notesSlides/notesSlide5.xml><?xml version="1.0" encoding="utf-8"?>
+<p:notes xmlns:a="http://schemas.openxmlformats.org/drawingml/2006/main" xmlns:r="http://schemas.openxmlformats.org/officeDocument/2006/relationships" xmlns:p="http://schemas.openxmlformats.org/presentationml/2006/main">
+  <p:cSld>
+    <p:spTree>
+      <p:nvGrpSpPr>
+        <p:cNvPr id="1" name=""/>
+        <p:cNvGrpSpPr/>
+        <p:nvPr/>
+      </p:nvGrpSpPr>
+      <p:grpSpPr>
+        <a:xfrm>
+          <a:off x="0" y="0"/>
+          <a:ext cx="0" cy="0"/>
+          <a:chOff x="0" y="0"/>
+          <a:chExt cx="0" cy="0"/>
+        </a:xfrm>
+      </p:grpSpPr>
+      <p:sp>
+        <p:nvSpPr>
+          <p:cNvPr id="2" name="Slide Image Placeholder 1"/>
+          <p:cNvSpPr>
+            <a:spLocks noGrp="1" noRot="1" noChangeAspect="1"/>
+          </p:cNvSpPr>
+          <p:nvPr>
+            <p:ph type="sldImg"/>
+          </p:nvPr>
+        </p:nvSpPr>
+        <p:spPr/>
+      </p:sp>
+      <p:sp>
+        <p:nvSpPr>
+          <p:cNvPr id="3" name="Notes Placeholder 2"/>
+          <p:cNvSpPr>
+            <a:spLocks noGrp="1"/>
+          </p:cNvSpPr>
+          <p:nvPr>
+            <p:ph type="body" idx="1"/>
+          </p:nvPr>
+        </p:nvSpPr>
+        <p:spPr/>
+        <p:txBody>
+          <a:bodyPr/>
+          <a:lstStyle/>
+          <a:p>
+            <a:r>
+              <a:rPr lang="fr-FR" dirty="0" err="1" smtClean="0"/>
+              <a:t>Ishaan</a:t>
+            </a:r>
+            <a:endParaRPr lang="fr-FR" dirty="0"/>
+          </a:p>
+        </p:txBody>
+      </p:sp>
+      <p:sp>
+        <p:nvSpPr>
+          <p:cNvPr id="4" name="Slide Number Placeholder 3"/>
+          <p:cNvSpPr>
+            <a:spLocks noGrp="1"/>
+          </p:cNvSpPr>
+          <p:nvPr>
+            <p:ph type="sldNum" sz="quarter" idx="10"/>
+          </p:nvPr>
+        </p:nvSpPr>
+        <p:spPr/>
+        <p:txBody>
+          <a:bodyPr/>
+          <a:lstStyle/>
+          <a:p>
+            <a:fld id="{769B6526-6870-A64A-91F0-AFD65F4BD2FC}" type="slidenum">
+              <a:rPr lang="fr-FR" smtClean="0"/>
+              <a:t>5</a:t>
+            </a:fld>
+            <a:endParaRPr lang="fr-FR"/>
+          </a:p>
+        </p:txBody>
+      </p:sp>
+    </p:spTree>
+    <p:extLst>
+      <p:ext uri="{BB962C8B-B14F-4D97-AF65-F5344CB8AC3E}">
+        <p14:creationId xmlns:p14="http://schemas.microsoft.com/office/powerpoint/2010/main" val="404842784"/>
+      </p:ext>
+    </p:extLst>
+  </p:cSld>
+  <p:clrMapOvr>
+    <a:masterClrMapping/>
+  </p:clrMapOvr>
+</p:notes>
+</file>
+
+<file path=ppt/notesSlides/notesSlide6.xml><?xml version="1.0" encoding="utf-8"?>
+<p:notes xmlns:a="http://schemas.openxmlformats.org/drawingml/2006/main" xmlns:r="http://schemas.openxmlformats.org/officeDocument/2006/relationships" xmlns:p="http://schemas.openxmlformats.org/presentationml/2006/main">
+  <p:cSld>
+    <p:spTree>
+      <p:nvGrpSpPr>
+        <p:cNvPr id="1" name=""/>
+        <p:cNvGrpSpPr/>
+        <p:nvPr/>
+      </p:nvGrpSpPr>
+      <p:grpSpPr>
+        <a:xfrm>
+          <a:off x="0" y="0"/>
+          <a:ext cx="0" cy="0"/>
+          <a:chOff x="0" y="0"/>
+          <a:chExt cx="0" cy="0"/>
+        </a:xfrm>
+      </p:grpSpPr>
+      <p:sp>
+        <p:nvSpPr>
+          <p:cNvPr id="2" name="Slide Image Placeholder 1"/>
+          <p:cNvSpPr>
+            <a:spLocks noGrp="1" noRot="1" noChangeAspect="1"/>
+          </p:cNvSpPr>
+          <p:nvPr>
+            <p:ph type="sldImg"/>
+          </p:nvPr>
+        </p:nvSpPr>
+        <p:spPr/>
+      </p:sp>
+      <p:sp>
+        <p:nvSpPr>
+          <p:cNvPr id="3" name="Notes Placeholder 2"/>
+          <p:cNvSpPr>
+            <a:spLocks noGrp="1"/>
+          </p:cNvSpPr>
+          <p:nvPr>
+            <p:ph type="body" idx="1"/>
+          </p:nvPr>
+        </p:nvSpPr>
+        <p:spPr/>
+        <p:txBody>
+          <a:bodyPr/>
+          <a:lstStyle/>
+          <a:p>
+            <a:r>
+              <a:rPr lang="fr-FR" dirty="0" err="1" smtClean="0"/>
+              <a:t>Ishaan</a:t>
+            </a:r>
+            <a:endParaRPr lang="fr-FR" dirty="0"/>
+          </a:p>
+        </p:txBody>
+      </p:sp>
+      <p:sp>
+        <p:nvSpPr>
+          <p:cNvPr id="4" name="Slide Number Placeholder 3"/>
+          <p:cNvSpPr>
+            <a:spLocks noGrp="1"/>
+          </p:cNvSpPr>
+          <p:nvPr>
+            <p:ph type="sldNum" sz="quarter" idx="10"/>
+          </p:nvPr>
+        </p:nvSpPr>
+        <p:spPr/>
+        <p:txBody>
+          <a:bodyPr/>
+          <a:lstStyle/>
+          <a:p>
+            <a:fld id="{769B6526-6870-A64A-91F0-AFD65F4BD2FC}" type="slidenum">
+              <a:rPr lang="fr-FR" smtClean="0"/>
+              <a:t>6</a:t>
+            </a:fld>
+            <a:endParaRPr lang="fr-FR"/>
+          </a:p>
+        </p:txBody>
+      </p:sp>
+    </p:spTree>
+    <p:extLst>
+      <p:ext uri="{BB962C8B-B14F-4D97-AF65-F5344CB8AC3E}">
+        <p14:creationId xmlns:p14="http://schemas.microsoft.com/office/powerpoint/2010/main" val="1819465024"/>
+      </p:ext>
+    </p:extLst>
+  </p:cSld>
+  <p:clrMapOvr>
+    <a:masterClrMapping/>
+  </p:clrMapOvr>
+</p:notes>
+</file>
+
+<file path=ppt/notesSlides/notesSlide7.xml><?xml version="1.0" encoding="utf-8"?>
+<p:notes xmlns:a="http://schemas.openxmlformats.org/drawingml/2006/main" xmlns:r="http://schemas.openxmlformats.org/officeDocument/2006/relationships" xmlns:p="http://schemas.openxmlformats.org/presentationml/2006/main">
+  <p:cSld>
+    <p:spTree>
+      <p:nvGrpSpPr>
+        <p:cNvPr id="1" name=""/>
+        <p:cNvGrpSpPr/>
+        <p:nvPr/>
+      </p:nvGrpSpPr>
+      <p:grpSpPr>
+        <a:xfrm>
+          <a:off x="0" y="0"/>
+          <a:ext cx="0" cy="0"/>
+          <a:chOff x="0" y="0"/>
+          <a:chExt cx="0" cy="0"/>
+        </a:xfrm>
+      </p:grpSpPr>
+      <p:sp>
+        <p:nvSpPr>
+          <p:cNvPr id="2" name="Slide Image Placeholder 1"/>
+          <p:cNvSpPr>
+            <a:spLocks noGrp="1" noRot="1" noChangeAspect="1"/>
+          </p:cNvSpPr>
+          <p:nvPr>
+            <p:ph type="sldImg"/>
+          </p:nvPr>
+        </p:nvSpPr>
+        <p:spPr/>
+      </p:sp>
+      <p:sp>
+        <p:nvSpPr>
+          <p:cNvPr id="3" name="Notes Placeholder 2"/>
+          <p:cNvSpPr>
+            <a:spLocks noGrp="1"/>
+          </p:cNvSpPr>
+          <p:nvPr>
+            <p:ph type="body" idx="1"/>
+          </p:nvPr>
+        </p:nvSpPr>
+        <p:spPr/>
+        <p:txBody>
+          <a:bodyPr/>
+          <a:lstStyle/>
+          <a:p>
+            <a:r>
+              <a:rPr lang="fr-FR" dirty="0" err="1" smtClean="0"/>
+              <a:t>Ishaan</a:t>
+            </a:r>
+            <a:endParaRPr lang="fr-FR" dirty="0"/>
+          </a:p>
+        </p:txBody>
+      </p:sp>
+      <p:sp>
+        <p:nvSpPr>
+          <p:cNvPr id="4" name="Slide Number Placeholder 3"/>
+          <p:cNvSpPr>
+            <a:spLocks noGrp="1"/>
+          </p:cNvSpPr>
+          <p:nvPr>
+            <p:ph type="sldNum" sz="quarter" idx="10"/>
+          </p:nvPr>
+        </p:nvSpPr>
+        <p:spPr/>
+        <p:txBody>
+          <a:bodyPr/>
+          <a:lstStyle/>
+          <a:p>
+            <a:fld id="{769B6526-6870-A64A-91F0-AFD65F4BD2FC}" type="slidenum">
+              <a:rPr lang="fr-FR" smtClean="0"/>
+              <a:t>8</a:t>
+            </a:fld>
+            <a:endParaRPr lang="fr-FR"/>
+          </a:p>
+        </p:txBody>
+      </p:sp>
+    </p:spTree>
+    <p:extLst>
+      <p:ext uri="{BB962C8B-B14F-4D97-AF65-F5344CB8AC3E}">
+        <p14:creationId xmlns:p14="http://schemas.microsoft.com/office/powerpoint/2010/main" val="742186312"/>
+      </p:ext>
+    </p:extLst>
+  </p:cSld>
+  <p:clrMapOvr>
+    <a:masterClrMapping/>
+  </p:clrMapOvr>
+</p:notes>
+</file>
+
+<file path=ppt/notesSlides/notesSlide8.xml><?xml version="1.0" encoding="utf-8"?>
+<p:notes xmlns:a="http://schemas.openxmlformats.org/drawingml/2006/main" xmlns:r="http://schemas.openxmlformats.org/officeDocument/2006/relationships" xmlns:p="http://schemas.openxmlformats.org/presentationml/2006/main">
+  <p:cSld>
+    <p:spTree>
+      <p:nvGrpSpPr>
+        <p:cNvPr id="1" name=""/>
+        <p:cNvGrpSpPr/>
+        <p:nvPr/>
+      </p:nvGrpSpPr>
+      <p:grpSpPr>
+        <a:xfrm>
+          <a:off x="0" y="0"/>
+          <a:ext cx="0" cy="0"/>
+          <a:chOff x="0" y="0"/>
+          <a:chExt cx="0" cy="0"/>
+        </a:xfrm>
+      </p:grpSpPr>
+      <p:sp>
+        <p:nvSpPr>
+          <p:cNvPr id="2" name="Slide Image Placeholder 1"/>
+          <p:cNvSpPr>
+            <a:spLocks noGrp="1" noRot="1" noChangeAspect="1"/>
+          </p:cNvSpPr>
+          <p:nvPr>
+            <p:ph type="sldImg"/>
+          </p:nvPr>
+        </p:nvSpPr>
+        <p:spPr/>
+      </p:sp>
+      <p:sp>
+        <p:nvSpPr>
+          <p:cNvPr id="3" name="Notes Placeholder 2"/>
+          <p:cNvSpPr>
+            <a:spLocks noGrp="1"/>
+          </p:cNvSpPr>
+          <p:nvPr>
+            <p:ph type="body" idx="1"/>
+          </p:nvPr>
+        </p:nvSpPr>
+        <p:spPr/>
+        <p:txBody>
+          <a:bodyPr/>
+          <a:lstStyle/>
+          <a:p>
+            <a:r>
+              <a:rPr lang="fr-FR" dirty="0" smtClean="0"/>
+              <a:t>Tyler</a:t>
+            </a:r>
+            <a:endParaRPr lang="fr-FR" dirty="0"/>
+          </a:p>
+        </p:txBody>
+      </p:sp>
+      <p:sp>
+        <p:nvSpPr>
+          <p:cNvPr id="4" name="Slide Number Placeholder 3"/>
+          <p:cNvSpPr>
+            <a:spLocks noGrp="1"/>
+          </p:cNvSpPr>
+          <p:nvPr>
+            <p:ph type="sldNum" sz="quarter" idx="10"/>
+          </p:nvPr>
+        </p:nvSpPr>
+        <p:spPr/>
+        <p:txBody>
+          <a:bodyPr/>
+          <a:lstStyle/>
+          <a:p>
+            <a:fld id="{769B6526-6870-A64A-91F0-AFD65F4BD2FC}" type="slidenum">
+              <a:rPr lang="fr-FR" smtClean="0"/>
+              <a:t>9</a:t>
+            </a:fld>
+            <a:endParaRPr lang="fr-FR"/>
+          </a:p>
+        </p:txBody>
+      </p:sp>
+    </p:spTree>
+    <p:extLst>
+      <p:ext uri="{BB962C8B-B14F-4D97-AF65-F5344CB8AC3E}">
+        <p14:creationId xmlns:p14="http://schemas.microsoft.com/office/powerpoint/2010/main" val="445999838"/>
+      </p:ext>
+    </p:extLst>
+  </p:cSld>
+  <p:clrMapOvr>
+    <a:masterClrMapping/>
+  </p:clrMapOvr>
+</p:notes>
+</file>
+
+<file path=ppt/notesSlides/notesSlide9.xml><?xml version="1.0" encoding="utf-8"?>
+<p:notes xmlns:a="http://schemas.openxmlformats.org/drawingml/2006/main" xmlns:r="http://schemas.openxmlformats.org/officeDocument/2006/relationships" xmlns:p="http://schemas.openxmlformats.org/presentationml/2006/main">
+  <p:cSld>
+    <p:spTree>
+      <p:nvGrpSpPr>
+        <p:cNvPr id="1" name=""/>
+        <p:cNvGrpSpPr/>
+        <p:nvPr/>
+      </p:nvGrpSpPr>
+      <p:grpSpPr>
+        <a:xfrm>
+          <a:off x="0" y="0"/>
+          <a:ext cx="0" cy="0"/>
+          <a:chOff x="0" y="0"/>
+          <a:chExt cx="0" cy="0"/>
+        </a:xfrm>
+      </p:grpSpPr>
+      <p:sp>
+        <p:nvSpPr>
+          <p:cNvPr id="2" name="Slide Image Placeholder 1"/>
+          <p:cNvSpPr>
+            <a:spLocks noGrp="1" noRot="1" noChangeAspect="1"/>
+          </p:cNvSpPr>
+          <p:nvPr>
+            <p:ph type="sldImg"/>
+          </p:nvPr>
+        </p:nvSpPr>
+        <p:spPr/>
+      </p:sp>
+      <p:sp>
+        <p:nvSpPr>
+          <p:cNvPr id="3" name="Notes Placeholder 2"/>
+          <p:cNvSpPr>
+            <a:spLocks noGrp="1"/>
+          </p:cNvSpPr>
+          <p:nvPr>
+            <p:ph type="body" idx="1"/>
+          </p:nvPr>
+        </p:nvSpPr>
+        <p:spPr/>
+        <p:txBody>
+          <a:bodyPr/>
+          <a:lstStyle/>
+          <a:p>
+            <a:r>
+              <a:rPr lang="fr-FR" dirty="0" smtClean="0"/>
+              <a:t>Tyler</a:t>
+            </a:r>
+            <a:endParaRPr lang="fr-FR" dirty="0"/>
+          </a:p>
+        </p:txBody>
+      </p:sp>
+      <p:sp>
+        <p:nvSpPr>
+          <p:cNvPr id="4" name="Slide Number Placeholder 3"/>
+          <p:cNvSpPr>
+            <a:spLocks noGrp="1"/>
+          </p:cNvSpPr>
+          <p:nvPr>
+            <p:ph type="sldNum" sz="quarter" idx="10"/>
+          </p:nvPr>
+        </p:nvSpPr>
+        <p:spPr/>
+        <p:txBody>
+          <a:bodyPr/>
+          <a:lstStyle/>
+          <a:p>
+            <a:fld id="{769B6526-6870-A64A-91F0-AFD65F4BD2FC}" type="slidenum">
+              <a:rPr lang="fr-FR" smtClean="0"/>
+              <a:t>10</a:t>
+            </a:fld>
+            <a:endParaRPr lang="fr-FR"/>
+          </a:p>
+        </p:txBody>
+      </p:sp>
+    </p:spTree>
+    <p:extLst>
+      <p:ext uri="{BB962C8B-B14F-4D97-AF65-F5344CB8AC3E}">
+        <p14:creationId xmlns:p14="http://schemas.microsoft.com/office/powerpoint/2010/main" val="1354933569"/>
+      </p:ext>
+    </p:extLst>
+  </p:cSld>
+  <p:clrMapOvr>
+    <a:masterClrMapping/>
+  </p:clrMapOvr>
+</p:notes>
 </file>
 
 <file path=ppt/slideLayouts/slideLayout1.xml><?xml version="1.0" encoding="utf-8"?>
@@ -3495,6 +5149,13 @@
   <p:clrMapOvr>
     <a:masterClrMapping/>
   </p:clrMapOvr>
+  <p:timing>
+    <p:tnLst>
+      <p:par>
+        <p:cTn id="1" dur="indefinite" restart="never" nodeType="tmRoot"/>
+      </p:par>
+    </p:tnLst>
+  </p:timing>
 </p:sld>
 </file>
 
@@ -3532,20 +5193,49 @@
           </a:xfrm>
         </p:spPr>
         <p:txBody>
-          <a:bodyPr>
-            <a:normAutofit/>
-          </a:bodyPr>
+          <a:bodyPr/>
           <a:lstStyle/>
           <a:p>
             <a:r>
-              <a:rPr lang="en-US" sz="4000" dirty="0">
-                <a:latin typeface="Gotham" charset="0"/>
-                <a:ea typeface="Gotham" charset="0"/>
-                <a:cs typeface="Gotham" charset="0"/>
-              </a:rPr>
-              <a:t>Algorithm 2: Split Sky, Random Walk, Watershed</a:t>
-            </a:r>
-            <a:endParaRPr lang="fr-FR" sz="4000" dirty="0">
+              <a:rPr lang="en-US" dirty="0">
+                <a:latin typeface="Gotham" charset="0"/>
+                <a:ea typeface="Gotham" charset="0"/>
+                <a:cs typeface="Gotham" charset="0"/>
+              </a:rPr>
+              <a:t>Algorithm </a:t>
+            </a:r>
+            <a:r>
+              <a:rPr lang="en-US" dirty="0" smtClean="0">
+                <a:latin typeface="Gotham" charset="0"/>
+                <a:ea typeface="Gotham" charset="0"/>
+                <a:cs typeface="Gotham" charset="0"/>
+              </a:rPr>
+              <a:t>I: </a:t>
+            </a:r>
+            <a:br>
+              <a:rPr lang="en-US" dirty="0" smtClean="0">
+                <a:latin typeface="Gotham" charset="0"/>
+                <a:ea typeface="Gotham" charset="0"/>
+                <a:cs typeface="Gotham" charset="0"/>
+              </a:rPr>
+            </a:br>
+            <a:r>
+              <a:rPr lang="en-US" dirty="0" smtClean="0">
+                <a:latin typeface="Gotham" charset="0"/>
+                <a:ea typeface="Gotham" charset="0"/>
+                <a:cs typeface="Gotham" charset="0"/>
+              </a:rPr>
+              <a:t>Distance </a:t>
+            </a:r>
+            <a:r>
+              <a:rPr lang="en-US" dirty="0">
+                <a:latin typeface="Gotham" charset="0"/>
+                <a:ea typeface="Gotham" charset="0"/>
+                <a:cs typeface="Gotham" charset="0"/>
+              </a:rPr>
+              <a:t>Density with Fitted Spline</a:t>
+            </a:r>
+            <a:endParaRPr lang="fr-FR" dirty="0">
               <a:latin typeface="Gotham" charset="0"/>
               <a:ea typeface="Gotham" charset="0"/>
               <a:cs typeface="Gotham" charset="0"/>
@@ -3553,75 +5243,52 @@
           </a:p>
         </p:txBody>
       </p:sp>
-      <p:sp>
-        <p:nvSpPr>
-          <p:cNvPr id="4" name="Rectangle 3">
+      <p:pic>
+        <p:nvPicPr>
+          <p:cNvPr id="6" name="Content Placeholder 5">
             <a:extLst>
               <a:ext uri="{FF2B5EF4-FFF2-40B4-BE49-F238E27FC236}">
-                <a16:creationId xmlns:a16="http://schemas.microsoft.com/office/drawing/2014/main" id="{BA27B13F-75E1-E447-86D8-63B35E4FAE2F}"/>
+                <a16:creationId xmlns:a16="http://schemas.microsoft.com/office/drawing/2014/main" xmlns="" id="{23C411BC-B6B5-E048-9C85-DA3F22C40D06}"/>
               </a:ext>
             </a:extLst>
           </p:cNvPr>
-          <p:cNvSpPr/>
-          <p:nvPr/>
-        </p:nvSpPr>
+          <p:cNvPicPr>
+            <a:picLocks noGrp="1" noChangeAspect="1"/>
+          </p:cNvPicPr>
+          <p:nvPr>
+            <p:ph idx="1"/>
+          </p:nvPr>
+        </p:nvPicPr>
+        <p:blipFill>
+          <a:blip r:embed="rId3"/>
+          <a:stretch>
+            <a:fillRect/>
+          </a:stretch>
+        </p:blipFill>
         <p:spPr>
           <a:xfrm>
-            <a:off x="5108005" y="3244334"/>
-            <a:ext cx="1975990" cy="369332"/>
+            <a:off x="2547042" y="1702118"/>
+            <a:ext cx="7097916" cy="4731944"/>
           </a:xfrm>
-          <a:prstGeom prst="rect">
-            <a:avLst/>
-          </a:prstGeom>
         </p:spPr>
-        <p:txBody>
-          <a:bodyPr wrap="none">
-            <a:spAutoFit/>
-          </a:bodyPr>
-          <a:lstStyle/>
-          <a:p>
-            <a:r>
-              <a:rPr lang="en-US" dirty="0"/>
-              <a:t>Algorithm 1 Details</a:t>
-            </a:r>
-          </a:p>
-        </p:txBody>
-      </p:sp>
-      <p:sp>
-        <p:nvSpPr>
-          <p:cNvPr id="5" name="Content Placeholder 4">
-            <a:extLst>
-              <a:ext uri="{FF2B5EF4-FFF2-40B4-BE49-F238E27FC236}">
-                <a16:creationId xmlns:a16="http://schemas.microsoft.com/office/drawing/2014/main" id="{747FE272-2039-BF46-974A-1C7770F03244}"/>
-              </a:ext>
-            </a:extLst>
-          </p:cNvPr>
-          <p:cNvSpPr>
-            <a:spLocks noGrp="1"/>
-          </p:cNvSpPr>
-          <p:nvPr>
-            <p:ph idx="1"/>
-          </p:nvPr>
-        </p:nvSpPr>
-        <p:spPr/>
-        <p:txBody>
-          <a:bodyPr/>
-          <a:lstStyle/>
-          <a:p>
-            <a:endParaRPr lang="en-US"/>
-          </a:p>
-        </p:txBody>
-      </p:sp>
+      </p:pic>
     </p:spTree>
     <p:extLst>
       <p:ext uri="{BB962C8B-B14F-4D97-AF65-F5344CB8AC3E}">
-        <p14:creationId xmlns:p14="http://schemas.microsoft.com/office/powerpoint/2010/main" val="2802129582"/>
+        <p14:creationId xmlns:p14="http://schemas.microsoft.com/office/powerpoint/2010/main" val="1297666129"/>
       </p:ext>
     </p:extLst>
   </p:cSld>
   <p:clrMapOvr>
     <a:masterClrMapping/>
   </p:clrMapOvr>
+  <p:timing>
+    <p:tnLst>
+      <p:par>
+        <p:cTn id="1" dur="indefinite" restart="never" nodeType="tmRoot"/>
+      </p:par>
+    </p:tnLst>
+  </p:timing>
 </p:sld>
 </file>
 
@@ -3644,81 +5311,89 @@
       </p:grpSpPr>
       <p:sp>
         <p:nvSpPr>
-          <p:cNvPr id="2" name="Title 1">
-            <a:extLst>
-              <a:ext uri="{FF2B5EF4-FFF2-40B4-BE49-F238E27FC236}">
-                <a16:creationId xmlns:a16="http://schemas.microsoft.com/office/drawing/2014/main" id="{E89AE448-D75D-1746-B986-D68E978C974D}"/>
-              </a:ext>
-            </a:extLst>
-          </p:cNvPr>
+          <p:cNvPr id="2" name="Title 1"/>
           <p:cNvSpPr>
             <a:spLocks noGrp="1"/>
           </p:cNvSpPr>
           <p:nvPr>
             <p:ph type="title"/>
-          </p:nvPr>
-        </p:nvSpPr>
-        <p:spPr/>
-        <p:txBody>
-          <a:bodyPr/>
-          <a:lstStyle/>
-          <a:p>
-            <a:r>
-              <a:rPr lang="en-US" dirty="0"/>
-              <a:t>Algorithm 2: Part I: Split Sky</a:t>
-            </a:r>
-          </a:p>
-        </p:txBody>
-      </p:sp>
-      <p:sp>
-        <p:nvSpPr>
-          <p:cNvPr id="3" name="Content Placeholder 2">
-            <a:extLst>
-              <a:ext uri="{FF2B5EF4-FFF2-40B4-BE49-F238E27FC236}">
-                <a16:creationId xmlns:a16="http://schemas.microsoft.com/office/drawing/2014/main" id="{4F48A269-3FF4-1242-9D39-5E598D1B3EB1}"/>
-              </a:ext>
-            </a:extLst>
-          </p:cNvPr>
-          <p:cNvSpPr>
-            <a:spLocks noGrp="1"/>
-          </p:cNvSpPr>
-          <p:nvPr>
-            <p:ph idx="1"/>
           </p:nvPr>
         </p:nvSpPr>
         <p:spPr>
           <a:xfrm>
-            <a:off x="838200" y="1690688"/>
-            <a:ext cx="10515600" cy="4351338"/>
+            <a:off x="831850" y="1730521"/>
+            <a:ext cx="10515600" cy="1791998"/>
           </a:xfrm>
         </p:spPr>
         <p:txBody>
-          <a:bodyPr/>
+          <a:bodyPr>
+            <a:noAutofit/>
+          </a:bodyPr>
           <a:lstStyle/>
           <a:p>
-            <a:r>
-              <a:rPr lang="en-US" dirty="0"/>
-              <a:t>Create grids of the entire sky</a:t>
-            </a:r>
-          </a:p>
-          <a:p>
-            <a:r>
-              <a:rPr lang="en-US" dirty="0"/>
-              <a:t>Create graphs of each grid</a:t>
-            </a:r>
+            <a:pPr algn="ctr">
+              <a:lnSpc>
+                <a:spcPct val="100000"/>
+              </a:lnSpc>
+            </a:pPr>
+            <a:r>
+              <a:rPr lang="en-US" sz="4400" dirty="0" smtClean="0">
+                <a:latin typeface="Gotham" charset="0"/>
+                <a:ea typeface="Gotham" charset="0"/>
+                <a:cs typeface="Gotham" charset="0"/>
+              </a:rPr>
+              <a:t>Algorithm II</a:t>
+            </a:r>
+            <a:endParaRPr lang="fr-FR" sz="4400" dirty="0">
+              <a:latin typeface="Gotham" charset="0"/>
+              <a:ea typeface="Gotham" charset="0"/>
+              <a:cs typeface="Gotham" charset="0"/>
+            </a:endParaRPr>
+          </a:p>
+        </p:txBody>
+      </p:sp>
+      <p:sp>
+        <p:nvSpPr>
+          <p:cNvPr id="3" name="Subtitle 2"/>
+          <p:cNvSpPr>
+            <a:spLocks noGrp="1"/>
+          </p:cNvSpPr>
+          <p:nvPr>
+            <p:ph type="body" idx="1"/>
+          </p:nvPr>
+        </p:nvSpPr>
+        <p:spPr/>
+        <p:txBody>
+          <a:bodyPr>
+            <a:normAutofit/>
+          </a:bodyPr>
+          <a:lstStyle/>
+          <a:p>
+            <a:endParaRPr lang="fr-FR" dirty="0">
+              <a:latin typeface="Gotham" charset="0"/>
+              <a:ea typeface="Gotham" charset="0"/>
+              <a:cs typeface="Gotham" charset="0"/>
+            </a:endParaRPr>
           </a:p>
         </p:txBody>
       </p:sp>
     </p:spTree>
     <p:extLst>
       <p:ext uri="{BB962C8B-B14F-4D97-AF65-F5344CB8AC3E}">
-        <p14:creationId xmlns:p14="http://schemas.microsoft.com/office/powerpoint/2010/main" val="2461008506"/>
+        <p14:creationId xmlns:p14="http://schemas.microsoft.com/office/powerpoint/2010/main" val="875843336"/>
       </p:ext>
     </p:extLst>
   </p:cSld>
   <p:clrMapOvr>
     <a:masterClrMapping/>
   </p:clrMapOvr>
+  <p:timing>
+    <p:tnLst>
+      <p:par>
+        <p:cTn id="1" dur="indefinite" restart="never" nodeType="tmRoot"/>
+      </p:par>
+    </p:tnLst>
+  </p:timing>
 </p:sld>
 </file>
 
@@ -3744,7 +5419,7 @@
           <p:cNvPr id="2" name="Title 1">
             <a:extLst>
               <a:ext uri="{FF2B5EF4-FFF2-40B4-BE49-F238E27FC236}">
-                <a16:creationId xmlns:a16="http://schemas.microsoft.com/office/drawing/2014/main" id="{F592EBEA-5D8C-1C4F-8A61-2E33BCB75363}"/>
+                <a16:creationId xmlns:a16="http://schemas.microsoft.com/office/drawing/2014/main" xmlns="" id="{E89AE448-D75D-1746-B986-D68E978C974D}"/>
               </a:ext>
             </a:extLst>
           </p:cNvPr>
@@ -3761,9 +5436,26 @@
           <a:lstStyle/>
           <a:p>
             <a:r>
-              <a:rPr lang="en-US" dirty="0"/>
-              <a:t>Algorithm 2: Part II: Random Walk</a:t>
-            </a:r>
+              <a:rPr lang="en-US" dirty="0">
+                <a:latin typeface="Gotham" charset="0"/>
+                <a:ea typeface="Gotham" charset="0"/>
+                <a:cs typeface="Gotham" charset="0"/>
+              </a:rPr>
+              <a:t>Algorithm </a:t>
+            </a:r>
+            <a:r>
+              <a:rPr lang="en-US" dirty="0">
+                <a:latin typeface="Gotham" charset="0"/>
+                <a:ea typeface="Gotham" charset="0"/>
+                <a:cs typeface="Gotham" charset="0"/>
+              </a:rPr>
+              <a:t>II (MapReduce)</a:t>
+            </a:r>
+            <a:endParaRPr lang="en-US" dirty="0">
+              <a:latin typeface="Gotham" charset="0"/>
+              <a:ea typeface="Gotham" charset="0"/>
+              <a:cs typeface="Gotham" charset="0"/>
+            </a:endParaRPr>
           </a:p>
         </p:txBody>
       </p:sp>
@@ -3772,7 +5464,7 @@
           <p:cNvPr id="3" name="Content Placeholder 2">
             <a:extLst>
               <a:ext uri="{FF2B5EF4-FFF2-40B4-BE49-F238E27FC236}">
-                <a16:creationId xmlns:a16="http://schemas.microsoft.com/office/drawing/2014/main" id="{3FEE85EC-8D55-5043-B524-4AFDDBD74C86}"/>
+                <a16:creationId xmlns:a16="http://schemas.microsoft.com/office/drawing/2014/main" xmlns="" id="{4F48A269-3FF4-1242-9D39-5E598D1B3EB1}"/>
               </a:ext>
             </a:extLst>
           </p:cNvPr>
@@ -3783,28 +5475,3296 @@
             <p:ph idx="1"/>
           </p:nvPr>
         </p:nvSpPr>
-        <p:spPr/>
+        <p:spPr>
+          <a:xfrm>
+            <a:off x="838200" y="1690688"/>
+            <a:ext cx="10515600" cy="4351338"/>
+          </a:xfrm>
+        </p:spPr>
         <p:txBody>
           <a:bodyPr/>
           <a:lstStyle/>
           <a:p>
             <a:r>
-              <a:rPr lang="en-US" dirty="0"/>
-              <a:t>Random walks on graph to produce gradient</a:t>
-            </a:r>
-          </a:p>
-        </p:txBody>
-      </p:sp>
+              <a:rPr lang="en-US" dirty="0">
+                <a:latin typeface="Gotham" charset="0"/>
+                <a:ea typeface="Gotham" charset="0"/>
+                <a:cs typeface="Gotham" charset="0"/>
+              </a:rPr>
+              <a:t>Step 1: Split </a:t>
+            </a:r>
+            <a:r>
+              <a:rPr lang="en-US" dirty="0" smtClean="0">
+                <a:latin typeface="Gotham" charset="0"/>
+                <a:ea typeface="Gotham" charset="0"/>
+                <a:cs typeface="Gotham" charset="0"/>
+              </a:rPr>
+              <a:t>Sky (</a:t>
+            </a:r>
+            <a:r>
+              <a:rPr lang="en-US" dirty="0" err="1" smtClean="0">
+                <a:latin typeface="Gotham" charset="0"/>
+                <a:ea typeface="Gotham" charset="0"/>
+                <a:cs typeface="Gotham" charset="0"/>
+              </a:rPr>
+              <a:t>Dataproc</a:t>
+            </a:r>
+            <a:r>
+              <a:rPr lang="en-US" dirty="0" smtClean="0">
+                <a:latin typeface="Gotham" charset="0"/>
+                <a:ea typeface="Gotham" charset="0"/>
+                <a:cs typeface="Gotham" charset="0"/>
+              </a:rPr>
+              <a:t> Implementation in Progress)</a:t>
+            </a:r>
+            <a:endParaRPr lang="en-US" dirty="0">
+              <a:latin typeface="Gotham" charset="0"/>
+              <a:ea typeface="Gotham" charset="0"/>
+              <a:cs typeface="Gotham" charset="0"/>
+            </a:endParaRPr>
+          </a:p>
+          <a:p>
+            <a:pPr lvl="1"/>
+            <a:r>
+              <a:rPr lang="en-US" dirty="0" smtClean="0">
+                <a:latin typeface="Gotham" charset="0"/>
+                <a:ea typeface="Gotham" charset="0"/>
+                <a:cs typeface="Gotham" charset="0"/>
+              </a:rPr>
+              <a:t>Create </a:t>
+            </a:r>
+            <a:r>
+              <a:rPr lang="en-US" dirty="0">
+                <a:latin typeface="Gotham" charset="0"/>
+                <a:ea typeface="Gotham" charset="0"/>
+                <a:cs typeface="Gotham" charset="0"/>
+              </a:rPr>
+              <a:t>grids of the entire sky</a:t>
+            </a:r>
+          </a:p>
+          <a:p>
+            <a:pPr lvl="1"/>
+            <a:r>
+              <a:rPr lang="en-US" dirty="0">
+                <a:latin typeface="Gotham" charset="0"/>
+                <a:ea typeface="Gotham" charset="0"/>
+                <a:cs typeface="Gotham" charset="0"/>
+              </a:rPr>
+              <a:t>Create graphs of each </a:t>
+            </a:r>
+            <a:r>
+              <a:rPr lang="en-US" dirty="0" smtClean="0">
+                <a:latin typeface="Gotham" charset="0"/>
+                <a:ea typeface="Gotham" charset="0"/>
+                <a:cs typeface="Gotham" charset="0"/>
+              </a:rPr>
+              <a:t>grid</a:t>
+            </a:r>
+          </a:p>
+        </p:txBody>
+      </p:sp>
+      <p:pic>
+        <p:nvPicPr>
+          <p:cNvPr id="4" name="Content Placeholder 3"/>
+          <p:cNvPicPr>
+            <a:picLocks noChangeAspect="1"/>
+          </p:cNvPicPr>
+          <p:nvPr/>
+        </p:nvPicPr>
+        <p:blipFill>
+          <a:blip r:embed="rId3">
+            <a:extLst>
+              <a:ext uri="{28A0092B-C50C-407E-A947-70E740481C1C}">
+                <a14:useLocalDpi xmlns:a14="http://schemas.microsoft.com/office/drawing/2010/main" val="0"/>
+              </a:ext>
+            </a:extLst>
+          </a:blip>
+          <a:stretch>
+            <a:fillRect/>
+          </a:stretch>
+        </p:blipFill>
+        <p:spPr>
+          <a:xfrm>
+            <a:off x="3283529" y="3016253"/>
+            <a:ext cx="5531965" cy="3108849"/>
+          </a:xfrm>
+          <a:prstGeom prst="rect">
+            <a:avLst/>
+          </a:prstGeom>
+        </p:spPr>
+      </p:pic>
+      <p:graphicFrame>
+        <p:nvGraphicFramePr>
+          <p:cNvPr id="5" name="Table 4"/>
+          <p:cNvGraphicFramePr>
+            <a:graphicFrameLocks noGrp="1"/>
+          </p:cNvGraphicFramePr>
+          <p:nvPr>
+            <p:extLst>
+              <p:ext uri="{D42A27DB-BD31-4B8C-83A1-F6EECF244321}">
+                <p14:modId xmlns:p14="http://schemas.microsoft.com/office/powerpoint/2010/main" val="309991589"/>
+              </p:ext>
+            </p:extLst>
+          </p:nvPr>
+        </p:nvGraphicFramePr>
+        <p:xfrm>
+          <a:off x="3283529" y="3016251"/>
+          <a:ext cx="5531966" cy="3108852"/>
+        </p:xfrm>
+        <a:graphic>
+          <a:graphicData uri="http://schemas.openxmlformats.org/drawingml/2006/table">
+            <a:tbl>
+              <a:tblPr bandRow="1">
+                <a:tableStyleId>{8799B23B-EC83-4686-B30A-512413B5E67A}</a:tableStyleId>
+              </a:tblPr>
+              <a:tblGrid>
+                <a:gridCol w="502906"/>
+                <a:gridCol w="502906"/>
+                <a:gridCol w="502906"/>
+                <a:gridCol w="502906"/>
+                <a:gridCol w="502906"/>
+                <a:gridCol w="502906"/>
+                <a:gridCol w="502906"/>
+                <a:gridCol w="502906"/>
+                <a:gridCol w="502906"/>
+                <a:gridCol w="502906"/>
+                <a:gridCol w="502906"/>
+              </a:tblGrid>
+              <a:tr h="518142">
+                <a:tc>
+                  <a:txBody>
+                    <a:bodyPr/>
+                    <a:lstStyle/>
+                    <a:p>
+                      <a:endParaRPr lang="fr-FR" sz="1700" dirty="0"/>
+                    </a:p>
+                  </a:txBody>
+                  <a:tcPr marL="86142" marR="86142" marT="43071" marB="43071">
+                    <a:lnL w="19050" cap="flat" cmpd="sng" algn="ctr">
+                      <a:solidFill>
+                        <a:schemeClr val="bg1"/>
+                      </a:solidFill>
+                      <a:prstDash val="solid"/>
+                      <a:round/>
+                      <a:headEnd type="none" w="med" len="med"/>
+                      <a:tailEnd type="none" w="med" len="med"/>
+                    </a:lnL>
+                    <a:lnR w="19050" cap="flat" cmpd="sng" algn="ctr">
+                      <a:solidFill>
+                        <a:schemeClr val="bg1"/>
+                      </a:solidFill>
+                      <a:prstDash val="solid"/>
+                      <a:round/>
+                      <a:headEnd type="none" w="med" len="med"/>
+                      <a:tailEnd type="none" w="med" len="med"/>
+                    </a:lnR>
+                    <a:lnT w="19050" cap="flat" cmpd="sng" algn="ctr">
+                      <a:solidFill>
+                        <a:schemeClr val="bg1"/>
+                      </a:solidFill>
+                      <a:prstDash val="solid"/>
+                      <a:round/>
+                      <a:headEnd type="none" w="med" len="med"/>
+                      <a:tailEnd type="none" w="med" len="med"/>
+                    </a:lnT>
+                    <a:lnB w="19050" cap="flat" cmpd="sng" algn="ctr">
+                      <a:solidFill>
+                        <a:schemeClr val="bg1"/>
+                      </a:solidFill>
+                      <a:prstDash val="solid"/>
+                      <a:round/>
+                      <a:headEnd type="none" w="med" len="med"/>
+                      <a:tailEnd type="none" w="med" len="med"/>
+                    </a:lnB>
+                  </a:tcPr>
+                </a:tc>
+                <a:tc>
+                  <a:txBody>
+                    <a:bodyPr/>
+                    <a:lstStyle/>
+                    <a:p>
+                      <a:endParaRPr lang="fr-FR" sz="1700" dirty="0"/>
+                    </a:p>
+                  </a:txBody>
+                  <a:tcPr marL="86142" marR="86142" marT="43071" marB="43071">
+                    <a:lnL w="19050" cap="flat" cmpd="sng" algn="ctr">
+                      <a:solidFill>
+                        <a:schemeClr val="bg1"/>
+                      </a:solidFill>
+                      <a:prstDash val="solid"/>
+                      <a:round/>
+                      <a:headEnd type="none" w="med" len="med"/>
+                      <a:tailEnd type="none" w="med" len="med"/>
+                    </a:lnL>
+                    <a:lnR w="19050" cap="flat" cmpd="sng" algn="ctr">
+                      <a:solidFill>
+                        <a:schemeClr val="bg1"/>
+                      </a:solidFill>
+                      <a:prstDash val="solid"/>
+                      <a:round/>
+                      <a:headEnd type="none" w="med" len="med"/>
+                      <a:tailEnd type="none" w="med" len="med"/>
+                    </a:lnR>
+                    <a:lnT w="19050" cap="flat" cmpd="sng" algn="ctr">
+                      <a:solidFill>
+                        <a:schemeClr val="bg1"/>
+                      </a:solidFill>
+                      <a:prstDash val="solid"/>
+                      <a:round/>
+                      <a:headEnd type="none" w="med" len="med"/>
+                      <a:tailEnd type="none" w="med" len="med"/>
+                    </a:lnT>
+                    <a:lnB w="19050" cap="flat" cmpd="sng" algn="ctr">
+                      <a:solidFill>
+                        <a:schemeClr val="bg1"/>
+                      </a:solidFill>
+                      <a:prstDash val="solid"/>
+                      <a:round/>
+                      <a:headEnd type="none" w="med" len="med"/>
+                      <a:tailEnd type="none" w="med" len="med"/>
+                    </a:lnB>
+                  </a:tcPr>
+                </a:tc>
+                <a:tc>
+                  <a:txBody>
+                    <a:bodyPr/>
+                    <a:lstStyle/>
+                    <a:p>
+                      <a:endParaRPr lang="fr-FR" sz="1700" dirty="0"/>
+                    </a:p>
+                  </a:txBody>
+                  <a:tcPr marL="86142" marR="86142" marT="43071" marB="43071">
+                    <a:lnL w="19050" cap="flat" cmpd="sng" algn="ctr">
+                      <a:solidFill>
+                        <a:schemeClr val="bg1"/>
+                      </a:solidFill>
+                      <a:prstDash val="solid"/>
+                      <a:round/>
+                      <a:headEnd type="none" w="med" len="med"/>
+                      <a:tailEnd type="none" w="med" len="med"/>
+                    </a:lnL>
+                    <a:lnR w="19050" cap="flat" cmpd="sng" algn="ctr">
+                      <a:solidFill>
+                        <a:schemeClr val="bg1"/>
+                      </a:solidFill>
+                      <a:prstDash val="solid"/>
+                      <a:round/>
+                      <a:headEnd type="none" w="med" len="med"/>
+                      <a:tailEnd type="none" w="med" len="med"/>
+                    </a:lnR>
+                    <a:lnT w="19050" cap="flat" cmpd="sng" algn="ctr">
+                      <a:solidFill>
+                        <a:schemeClr val="bg1"/>
+                      </a:solidFill>
+                      <a:prstDash val="solid"/>
+                      <a:round/>
+                      <a:headEnd type="none" w="med" len="med"/>
+                      <a:tailEnd type="none" w="med" len="med"/>
+                    </a:lnT>
+                    <a:lnB w="19050" cap="flat" cmpd="sng" algn="ctr">
+                      <a:solidFill>
+                        <a:schemeClr val="bg1"/>
+                      </a:solidFill>
+                      <a:prstDash val="solid"/>
+                      <a:round/>
+                      <a:headEnd type="none" w="med" len="med"/>
+                      <a:tailEnd type="none" w="med" len="med"/>
+                    </a:lnB>
+                  </a:tcPr>
+                </a:tc>
+                <a:tc>
+                  <a:txBody>
+                    <a:bodyPr/>
+                    <a:lstStyle/>
+                    <a:p>
+                      <a:endParaRPr lang="fr-FR" sz="1700" dirty="0"/>
+                    </a:p>
+                  </a:txBody>
+                  <a:tcPr marL="86142" marR="86142" marT="43071" marB="43071">
+                    <a:lnL w="19050" cap="flat" cmpd="sng" algn="ctr">
+                      <a:solidFill>
+                        <a:schemeClr val="bg1"/>
+                      </a:solidFill>
+                      <a:prstDash val="solid"/>
+                      <a:round/>
+                      <a:headEnd type="none" w="med" len="med"/>
+                      <a:tailEnd type="none" w="med" len="med"/>
+                    </a:lnL>
+                    <a:lnR w="19050" cap="flat" cmpd="sng" algn="ctr">
+                      <a:solidFill>
+                        <a:schemeClr val="bg1"/>
+                      </a:solidFill>
+                      <a:prstDash val="solid"/>
+                      <a:round/>
+                      <a:headEnd type="none" w="med" len="med"/>
+                      <a:tailEnd type="none" w="med" len="med"/>
+                    </a:lnR>
+                    <a:lnT w="19050" cap="flat" cmpd="sng" algn="ctr">
+                      <a:solidFill>
+                        <a:schemeClr val="bg1"/>
+                      </a:solidFill>
+                      <a:prstDash val="solid"/>
+                      <a:round/>
+                      <a:headEnd type="none" w="med" len="med"/>
+                      <a:tailEnd type="none" w="med" len="med"/>
+                    </a:lnT>
+                    <a:lnB w="19050" cap="flat" cmpd="sng" algn="ctr">
+                      <a:solidFill>
+                        <a:schemeClr val="bg1"/>
+                      </a:solidFill>
+                      <a:prstDash val="solid"/>
+                      <a:round/>
+                      <a:headEnd type="none" w="med" len="med"/>
+                      <a:tailEnd type="none" w="med" len="med"/>
+                    </a:lnB>
+                  </a:tcPr>
+                </a:tc>
+                <a:tc>
+                  <a:txBody>
+                    <a:bodyPr/>
+                    <a:lstStyle/>
+                    <a:p>
+                      <a:endParaRPr lang="fr-FR" sz="1700" dirty="0"/>
+                    </a:p>
+                  </a:txBody>
+                  <a:tcPr marL="86142" marR="86142" marT="43071" marB="43071">
+                    <a:lnL w="19050" cap="flat" cmpd="sng" algn="ctr">
+                      <a:solidFill>
+                        <a:schemeClr val="bg1"/>
+                      </a:solidFill>
+                      <a:prstDash val="solid"/>
+                      <a:round/>
+                      <a:headEnd type="none" w="med" len="med"/>
+                      <a:tailEnd type="none" w="med" len="med"/>
+                    </a:lnL>
+                    <a:lnR w="19050" cap="flat" cmpd="sng" algn="ctr">
+                      <a:solidFill>
+                        <a:schemeClr val="bg1"/>
+                      </a:solidFill>
+                      <a:prstDash val="solid"/>
+                      <a:round/>
+                      <a:headEnd type="none" w="med" len="med"/>
+                      <a:tailEnd type="none" w="med" len="med"/>
+                    </a:lnR>
+                    <a:lnT w="19050" cap="flat" cmpd="sng" algn="ctr">
+                      <a:solidFill>
+                        <a:schemeClr val="bg1"/>
+                      </a:solidFill>
+                      <a:prstDash val="solid"/>
+                      <a:round/>
+                      <a:headEnd type="none" w="med" len="med"/>
+                      <a:tailEnd type="none" w="med" len="med"/>
+                    </a:lnT>
+                    <a:lnB w="19050" cap="flat" cmpd="sng" algn="ctr">
+                      <a:solidFill>
+                        <a:schemeClr val="bg1"/>
+                      </a:solidFill>
+                      <a:prstDash val="solid"/>
+                      <a:round/>
+                      <a:headEnd type="none" w="med" len="med"/>
+                      <a:tailEnd type="none" w="med" len="med"/>
+                    </a:lnB>
+                  </a:tcPr>
+                </a:tc>
+                <a:tc>
+                  <a:txBody>
+                    <a:bodyPr/>
+                    <a:lstStyle/>
+                    <a:p>
+                      <a:endParaRPr lang="fr-FR" sz="1700" dirty="0"/>
+                    </a:p>
+                  </a:txBody>
+                  <a:tcPr marL="86142" marR="86142" marT="43071" marB="43071">
+                    <a:lnL w="19050" cap="flat" cmpd="sng" algn="ctr">
+                      <a:solidFill>
+                        <a:schemeClr val="bg1"/>
+                      </a:solidFill>
+                      <a:prstDash val="solid"/>
+                      <a:round/>
+                      <a:headEnd type="none" w="med" len="med"/>
+                      <a:tailEnd type="none" w="med" len="med"/>
+                    </a:lnL>
+                    <a:lnR w="19050" cap="flat" cmpd="sng" algn="ctr">
+                      <a:solidFill>
+                        <a:schemeClr val="bg1"/>
+                      </a:solidFill>
+                      <a:prstDash val="solid"/>
+                      <a:round/>
+                      <a:headEnd type="none" w="med" len="med"/>
+                      <a:tailEnd type="none" w="med" len="med"/>
+                    </a:lnR>
+                    <a:lnT w="19050" cap="flat" cmpd="sng" algn="ctr">
+                      <a:solidFill>
+                        <a:schemeClr val="bg1"/>
+                      </a:solidFill>
+                      <a:prstDash val="solid"/>
+                      <a:round/>
+                      <a:headEnd type="none" w="med" len="med"/>
+                      <a:tailEnd type="none" w="med" len="med"/>
+                    </a:lnT>
+                    <a:lnB w="19050" cap="flat" cmpd="sng" algn="ctr">
+                      <a:solidFill>
+                        <a:schemeClr val="bg1"/>
+                      </a:solidFill>
+                      <a:prstDash val="solid"/>
+                      <a:round/>
+                      <a:headEnd type="none" w="med" len="med"/>
+                      <a:tailEnd type="none" w="med" len="med"/>
+                    </a:lnB>
+                  </a:tcPr>
+                </a:tc>
+                <a:tc>
+                  <a:txBody>
+                    <a:bodyPr/>
+                    <a:lstStyle/>
+                    <a:p>
+                      <a:endParaRPr lang="fr-FR" sz="1700"/>
+                    </a:p>
+                  </a:txBody>
+                  <a:tcPr marL="86142" marR="86142" marT="43071" marB="43071">
+                    <a:lnL w="19050" cap="flat" cmpd="sng" algn="ctr">
+                      <a:solidFill>
+                        <a:schemeClr val="bg1"/>
+                      </a:solidFill>
+                      <a:prstDash val="solid"/>
+                      <a:round/>
+                      <a:headEnd type="none" w="med" len="med"/>
+                      <a:tailEnd type="none" w="med" len="med"/>
+                    </a:lnL>
+                    <a:lnR w="19050" cap="flat" cmpd="sng" algn="ctr">
+                      <a:solidFill>
+                        <a:schemeClr val="bg1"/>
+                      </a:solidFill>
+                      <a:prstDash val="solid"/>
+                      <a:round/>
+                      <a:headEnd type="none" w="med" len="med"/>
+                      <a:tailEnd type="none" w="med" len="med"/>
+                    </a:lnR>
+                    <a:lnT w="19050" cap="flat" cmpd="sng" algn="ctr">
+                      <a:solidFill>
+                        <a:schemeClr val="bg1"/>
+                      </a:solidFill>
+                      <a:prstDash val="solid"/>
+                      <a:round/>
+                      <a:headEnd type="none" w="med" len="med"/>
+                      <a:tailEnd type="none" w="med" len="med"/>
+                    </a:lnT>
+                    <a:lnB w="19050" cap="flat" cmpd="sng" algn="ctr">
+                      <a:solidFill>
+                        <a:schemeClr val="bg1"/>
+                      </a:solidFill>
+                      <a:prstDash val="solid"/>
+                      <a:round/>
+                      <a:headEnd type="none" w="med" len="med"/>
+                      <a:tailEnd type="none" w="med" len="med"/>
+                    </a:lnB>
+                  </a:tcPr>
+                </a:tc>
+                <a:tc>
+                  <a:txBody>
+                    <a:bodyPr/>
+                    <a:lstStyle/>
+                    <a:p>
+                      <a:endParaRPr lang="fr-FR" sz="1700" dirty="0"/>
+                    </a:p>
+                  </a:txBody>
+                  <a:tcPr marL="86142" marR="86142" marT="43071" marB="43071">
+                    <a:lnL w="19050" cap="flat" cmpd="sng" algn="ctr">
+                      <a:solidFill>
+                        <a:schemeClr val="bg1"/>
+                      </a:solidFill>
+                      <a:prstDash val="solid"/>
+                      <a:round/>
+                      <a:headEnd type="none" w="med" len="med"/>
+                      <a:tailEnd type="none" w="med" len="med"/>
+                    </a:lnL>
+                    <a:lnR w="19050" cap="flat" cmpd="sng" algn="ctr">
+                      <a:solidFill>
+                        <a:schemeClr val="bg1"/>
+                      </a:solidFill>
+                      <a:prstDash val="solid"/>
+                      <a:round/>
+                      <a:headEnd type="none" w="med" len="med"/>
+                      <a:tailEnd type="none" w="med" len="med"/>
+                    </a:lnR>
+                    <a:lnT w="19050" cap="flat" cmpd="sng" algn="ctr">
+                      <a:solidFill>
+                        <a:schemeClr val="bg1"/>
+                      </a:solidFill>
+                      <a:prstDash val="solid"/>
+                      <a:round/>
+                      <a:headEnd type="none" w="med" len="med"/>
+                      <a:tailEnd type="none" w="med" len="med"/>
+                    </a:lnT>
+                    <a:lnB w="19050" cap="flat" cmpd="sng" algn="ctr">
+                      <a:solidFill>
+                        <a:schemeClr val="bg1"/>
+                      </a:solidFill>
+                      <a:prstDash val="solid"/>
+                      <a:round/>
+                      <a:headEnd type="none" w="med" len="med"/>
+                      <a:tailEnd type="none" w="med" len="med"/>
+                    </a:lnB>
+                  </a:tcPr>
+                </a:tc>
+                <a:tc>
+                  <a:txBody>
+                    <a:bodyPr/>
+                    <a:lstStyle/>
+                    <a:p>
+                      <a:endParaRPr lang="fr-FR" sz="1700"/>
+                    </a:p>
+                  </a:txBody>
+                  <a:tcPr marL="86142" marR="86142" marT="43071" marB="43071">
+                    <a:lnL w="19050" cap="flat" cmpd="sng" algn="ctr">
+                      <a:solidFill>
+                        <a:schemeClr val="bg1"/>
+                      </a:solidFill>
+                      <a:prstDash val="solid"/>
+                      <a:round/>
+                      <a:headEnd type="none" w="med" len="med"/>
+                      <a:tailEnd type="none" w="med" len="med"/>
+                    </a:lnL>
+                    <a:lnR w="19050" cap="flat" cmpd="sng" algn="ctr">
+                      <a:solidFill>
+                        <a:schemeClr val="bg1"/>
+                      </a:solidFill>
+                      <a:prstDash val="solid"/>
+                      <a:round/>
+                      <a:headEnd type="none" w="med" len="med"/>
+                      <a:tailEnd type="none" w="med" len="med"/>
+                    </a:lnR>
+                    <a:lnT w="19050" cap="flat" cmpd="sng" algn="ctr">
+                      <a:solidFill>
+                        <a:schemeClr val="bg1"/>
+                      </a:solidFill>
+                      <a:prstDash val="solid"/>
+                      <a:round/>
+                      <a:headEnd type="none" w="med" len="med"/>
+                      <a:tailEnd type="none" w="med" len="med"/>
+                    </a:lnT>
+                    <a:lnB w="19050" cap="flat" cmpd="sng" algn="ctr">
+                      <a:solidFill>
+                        <a:schemeClr val="bg1"/>
+                      </a:solidFill>
+                      <a:prstDash val="solid"/>
+                      <a:round/>
+                      <a:headEnd type="none" w="med" len="med"/>
+                      <a:tailEnd type="none" w="med" len="med"/>
+                    </a:lnB>
+                  </a:tcPr>
+                </a:tc>
+                <a:tc>
+                  <a:txBody>
+                    <a:bodyPr/>
+                    <a:lstStyle/>
+                    <a:p>
+                      <a:endParaRPr lang="fr-FR" sz="1700" dirty="0"/>
+                    </a:p>
+                  </a:txBody>
+                  <a:tcPr marL="86142" marR="86142" marT="43071" marB="43071">
+                    <a:lnL w="19050" cap="flat" cmpd="sng" algn="ctr">
+                      <a:solidFill>
+                        <a:schemeClr val="bg1"/>
+                      </a:solidFill>
+                      <a:prstDash val="solid"/>
+                      <a:round/>
+                      <a:headEnd type="none" w="med" len="med"/>
+                      <a:tailEnd type="none" w="med" len="med"/>
+                    </a:lnL>
+                    <a:lnR w="19050" cap="flat" cmpd="sng" algn="ctr">
+                      <a:solidFill>
+                        <a:schemeClr val="bg1"/>
+                      </a:solidFill>
+                      <a:prstDash val="solid"/>
+                      <a:round/>
+                      <a:headEnd type="none" w="med" len="med"/>
+                      <a:tailEnd type="none" w="med" len="med"/>
+                    </a:lnR>
+                    <a:lnT w="19050" cap="flat" cmpd="sng" algn="ctr">
+                      <a:solidFill>
+                        <a:schemeClr val="bg1"/>
+                      </a:solidFill>
+                      <a:prstDash val="solid"/>
+                      <a:round/>
+                      <a:headEnd type="none" w="med" len="med"/>
+                      <a:tailEnd type="none" w="med" len="med"/>
+                    </a:lnT>
+                    <a:lnB w="19050" cap="flat" cmpd="sng" algn="ctr">
+                      <a:solidFill>
+                        <a:schemeClr val="bg1"/>
+                      </a:solidFill>
+                      <a:prstDash val="solid"/>
+                      <a:round/>
+                      <a:headEnd type="none" w="med" len="med"/>
+                      <a:tailEnd type="none" w="med" len="med"/>
+                    </a:lnB>
+                  </a:tcPr>
+                </a:tc>
+                <a:tc>
+                  <a:txBody>
+                    <a:bodyPr/>
+                    <a:lstStyle/>
+                    <a:p>
+                      <a:endParaRPr lang="fr-FR" sz="1700"/>
+                    </a:p>
+                  </a:txBody>
+                  <a:tcPr marL="86142" marR="86142" marT="43071" marB="43071">
+                    <a:lnL w="19050" cap="flat" cmpd="sng" algn="ctr">
+                      <a:solidFill>
+                        <a:schemeClr val="bg1"/>
+                      </a:solidFill>
+                      <a:prstDash val="solid"/>
+                      <a:round/>
+                      <a:headEnd type="none" w="med" len="med"/>
+                      <a:tailEnd type="none" w="med" len="med"/>
+                    </a:lnL>
+                    <a:lnR w="19050" cap="flat" cmpd="sng" algn="ctr">
+                      <a:solidFill>
+                        <a:schemeClr val="bg1"/>
+                      </a:solidFill>
+                      <a:prstDash val="solid"/>
+                      <a:round/>
+                      <a:headEnd type="none" w="med" len="med"/>
+                      <a:tailEnd type="none" w="med" len="med"/>
+                    </a:lnR>
+                    <a:lnT w="19050" cap="flat" cmpd="sng" algn="ctr">
+                      <a:solidFill>
+                        <a:schemeClr val="bg1"/>
+                      </a:solidFill>
+                      <a:prstDash val="solid"/>
+                      <a:round/>
+                      <a:headEnd type="none" w="med" len="med"/>
+                      <a:tailEnd type="none" w="med" len="med"/>
+                    </a:lnT>
+                    <a:lnB w="19050" cap="flat" cmpd="sng" algn="ctr">
+                      <a:solidFill>
+                        <a:schemeClr val="bg1"/>
+                      </a:solidFill>
+                      <a:prstDash val="solid"/>
+                      <a:round/>
+                      <a:headEnd type="none" w="med" len="med"/>
+                      <a:tailEnd type="none" w="med" len="med"/>
+                    </a:lnB>
+                  </a:tcPr>
+                </a:tc>
+              </a:tr>
+              <a:tr h="518142">
+                <a:tc>
+                  <a:txBody>
+                    <a:bodyPr/>
+                    <a:lstStyle/>
+                    <a:p>
+                      <a:endParaRPr lang="fr-FR" sz="1700" dirty="0"/>
+                    </a:p>
+                  </a:txBody>
+                  <a:tcPr marL="86142" marR="86142" marT="43071" marB="43071">
+                    <a:lnL w="19050" cap="flat" cmpd="sng" algn="ctr">
+                      <a:solidFill>
+                        <a:schemeClr val="bg1"/>
+                      </a:solidFill>
+                      <a:prstDash val="solid"/>
+                      <a:round/>
+                      <a:headEnd type="none" w="med" len="med"/>
+                      <a:tailEnd type="none" w="med" len="med"/>
+                    </a:lnL>
+                    <a:lnR w="19050" cap="flat" cmpd="sng" algn="ctr">
+                      <a:solidFill>
+                        <a:schemeClr val="bg1"/>
+                      </a:solidFill>
+                      <a:prstDash val="solid"/>
+                      <a:round/>
+                      <a:headEnd type="none" w="med" len="med"/>
+                      <a:tailEnd type="none" w="med" len="med"/>
+                    </a:lnR>
+                    <a:lnT w="19050" cap="flat" cmpd="sng" algn="ctr">
+                      <a:solidFill>
+                        <a:schemeClr val="bg1"/>
+                      </a:solidFill>
+                      <a:prstDash val="solid"/>
+                      <a:round/>
+                      <a:headEnd type="none" w="med" len="med"/>
+                      <a:tailEnd type="none" w="med" len="med"/>
+                    </a:lnT>
+                    <a:lnB w="19050" cap="flat" cmpd="sng" algn="ctr">
+                      <a:solidFill>
+                        <a:schemeClr val="bg1"/>
+                      </a:solidFill>
+                      <a:prstDash val="solid"/>
+                      <a:round/>
+                      <a:headEnd type="none" w="med" len="med"/>
+                      <a:tailEnd type="none" w="med" len="med"/>
+                    </a:lnB>
+                  </a:tcPr>
+                </a:tc>
+                <a:tc>
+                  <a:txBody>
+                    <a:bodyPr/>
+                    <a:lstStyle/>
+                    <a:p>
+                      <a:endParaRPr lang="fr-FR" sz="1700" dirty="0"/>
+                    </a:p>
+                  </a:txBody>
+                  <a:tcPr marL="86142" marR="86142" marT="43071" marB="43071">
+                    <a:lnL w="19050" cap="flat" cmpd="sng" algn="ctr">
+                      <a:solidFill>
+                        <a:schemeClr val="bg1"/>
+                      </a:solidFill>
+                      <a:prstDash val="solid"/>
+                      <a:round/>
+                      <a:headEnd type="none" w="med" len="med"/>
+                      <a:tailEnd type="none" w="med" len="med"/>
+                    </a:lnL>
+                    <a:lnR w="19050" cap="flat" cmpd="sng" algn="ctr">
+                      <a:solidFill>
+                        <a:schemeClr val="bg1"/>
+                      </a:solidFill>
+                      <a:prstDash val="solid"/>
+                      <a:round/>
+                      <a:headEnd type="none" w="med" len="med"/>
+                      <a:tailEnd type="none" w="med" len="med"/>
+                    </a:lnR>
+                    <a:lnT w="19050" cap="flat" cmpd="sng" algn="ctr">
+                      <a:solidFill>
+                        <a:schemeClr val="bg1"/>
+                      </a:solidFill>
+                      <a:prstDash val="solid"/>
+                      <a:round/>
+                      <a:headEnd type="none" w="med" len="med"/>
+                      <a:tailEnd type="none" w="med" len="med"/>
+                    </a:lnT>
+                    <a:lnB w="19050" cap="flat" cmpd="sng" algn="ctr">
+                      <a:solidFill>
+                        <a:schemeClr val="bg1"/>
+                      </a:solidFill>
+                      <a:prstDash val="solid"/>
+                      <a:round/>
+                      <a:headEnd type="none" w="med" len="med"/>
+                      <a:tailEnd type="none" w="med" len="med"/>
+                    </a:lnB>
+                  </a:tcPr>
+                </a:tc>
+                <a:tc>
+                  <a:txBody>
+                    <a:bodyPr/>
+                    <a:lstStyle/>
+                    <a:p>
+                      <a:endParaRPr lang="fr-FR" sz="1700"/>
+                    </a:p>
+                  </a:txBody>
+                  <a:tcPr marL="86142" marR="86142" marT="43071" marB="43071">
+                    <a:lnL w="19050" cap="flat" cmpd="sng" algn="ctr">
+                      <a:solidFill>
+                        <a:schemeClr val="bg1"/>
+                      </a:solidFill>
+                      <a:prstDash val="solid"/>
+                      <a:round/>
+                      <a:headEnd type="none" w="med" len="med"/>
+                      <a:tailEnd type="none" w="med" len="med"/>
+                    </a:lnL>
+                    <a:lnR w="19050" cap="flat" cmpd="sng" algn="ctr">
+                      <a:solidFill>
+                        <a:schemeClr val="bg1"/>
+                      </a:solidFill>
+                      <a:prstDash val="solid"/>
+                      <a:round/>
+                      <a:headEnd type="none" w="med" len="med"/>
+                      <a:tailEnd type="none" w="med" len="med"/>
+                    </a:lnR>
+                    <a:lnT w="19050" cap="flat" cmpd="sng" algn="ctr">
+                      <a:solidFill>
+                        <a:schemeClr val="bg1"/>
+                      </a:solidFill>
+                      <a:prstDash val="solid"/>
+                      <a:round/>
+                      <a:headEnd type="none" w="med" len="med"/>
+                      <a:tailEnd type="none" w="med" len="med"/>
+                    </a:lnT>
+                    <a:lnB w="19050" cap="flat" cmpd="sng" algn="ctr">
+                      <a:solidFill>
+                        <a:schemeClr val="bg1"/>
+                      </a:solidFill>
+                      <a:prstDash val="solid"/>
+                      <a:round/>
+                      <a:headEnd type="none" w="med" len="med"/>
+                      <a:tailEnd type="none" w="med" len="med"/>
+                    </a:lnB>
+                  </a:tcPr>
+                </a:tc>
+                <a:tc>
+                  <a:txBody>
+                    <a:bodyPr/>
+                    <a:lstStyle/>
+                    <a:p>
+                      <a:endParaRPr lang="fr-FR" sz="1700"/>
+                    </a:p>
+                  </a:txBody>
+                  <a:tcPr marL="86142" marR="86142" marT="43071" marB="43071">
+                    <a:lnL w="19050" cap="flat" cmpd="sng" algn="ctr">
+                      <a:solidFill>
+                        <a:schemeClr val="bg1"/>
+                      </a:solidFill>
+                      <a:prstDash val="solid"/>
+                      <a:round/>
+                      <a:headEnd type="none" w="med" len="med"/>
+                      <a:tailEnd type="none" w="med" len="med"/>
+                    </a:lnL>
+                    <a:lnR w="19050" cap="flat" cmpd="sng" algn="ctr">
+                      <a:solidFill>
+                        <a:schemeClr val="bg1"/>
+                      </a:solidFill>
+                      <a:prstDash val="solid"/>
+                      <a:round/>
+                      <a:headEnd type="none" w="med" len="med"/>
+                      <a:tailEnd type="none" w="med" len="med"/>
+                    </a:lnR>
+                    <a:lnT w="19050" cap="flat" cmpd="sng" algn="ctr">
+                      <a:solidFill>
+                        <a:schemeClr val="bg1"/>
+                      </a:solidFill>
+                      <a:prstDash val="solid"/>
+                      <a:round/>
+                      <a:headEnd type="none" w="med" len="med"/>
+                      <a:tailEnd type="none" w="med" len="med"/>
+                    </a:lnT>
+                    <a:lnB w="19050" cap="flat" cmpd="sng" algn="ctr">
+                      <a:solidFill>
+                        <a:schemeClr val="bg1"/>
+                      </a:solidFill>
+                      <a:prstDash val="solid"/>
+                      <a:round/>
+                      <a:headEnd type="none" w="med" len="med"/>
+                      <a:tailEnd type="none" w="med" len="med"/>
+                    </a:lnB>
+                  </a:tcPr>
+                </a:tc>
+                <a:tc>
+                  <a:txBody>
+                    <a:bodyPr/>
+                    <a:lstStyle/>
+                    <a:p>
+                      <a:endParaRPr lang="fr-FR" sz="1700"/>
+                    </a:p>
+                  </a:txBody>
+                  <a:tcPr marL="86142" marR="86142" marT="43071" marB="43071">
+                    <a:lnL w="19050" cap="flat" cmpd="sng" algn="ctr">
+                      <a:solidFill>
+                        <a:schemeClr val="bg1"/>
+                      </a:solidFill>
+                      <a:prstDash val="solid"/>
+                      <a:round/>
+                      <a:headEnd type="none" w="med" len="med"/>
+                      <a:tailEnd type="none" w="med" len="med"/>
+                    </a:lnL>
+                    <a:lnR w="19050" cap="flat" cmpd="sng" algn="ctr">
+                      <a:solidFill>
+                        <a:schemeClr val="bg1"/>
+                      </a:solidFill>
+                      <a:prstDash val="solid"/>
+                      <a:round/>
+                      <a:headEnd type="none" w="med" len="med"/>
+                      <a:tailEnd type="none" w="med" len="med"/>
+                    </a:lnR>
+                    <a:lnT w="19050" cap="flat" cmpd="sng" algn="ctr">
+                      <a:solidFill>
+                        <a:schemeClr val="bg1"/>
+                      </a:solidFill>
+                      <a:prstDash val="solid"/>
+                      <a:round/>
+                      <a:headEnd type="none" w="med" len="med"/>
+                      <a:tailEnd type="none" w="med" len="med"/>
+                    </a:lnT>
+                    <a:lnB w="19050" cap="flat" cmpd="sng" algn="ctr">
+                      <a:solidFill>
+                        <a:schemeClr val="bg1"/>
+                      </a:solidFill>
+                      <a:prstDash val="solid"/>
+                      <a:round/>
+                      <a:headEnd type="none" w="med" len="med"/>
+                      <a:tailEnd type="none" w="med" len="med"/>
+                    </a:lnB>
+                  </a:tcPr>
+                </a:tc>
+                <a:tc>
+                  <a:txBody>
+                    <a:bodyPr/>
+                    <a:lstStyle/>
+                    <a:p>
+                      <a:endParaRPr lang="fr-FR" sz="1700" dirty="0"/>
+                    </a:p>
+                  </a:txBody>
+                  <a:tcPr marL="86142" marR="86142" marT="43071" marB="43071">
+                    <a:lnL w="19050" cap="flat" cmpd="sng" algn="ctr">
+                      <a:solidFill>
+                        <a:schemeClr val="bg1"/>
+                      </a:solidFill>
+                      <a:prstDash val="solid"/>
+                      <a:round/>
+                      <a:headEnd type="none" w="med" len="med"/>
+                      <a:tailEnd type="none" w="med" len="med"/>
+                    </a:lnL>
+                    <a:lnR w="19050" cap="flat" cmpd="sng" algn="ctr">
+                      <a:solidFill>
+                        <a:schemeClr val="bg1"/>
+                      </a:solidFill>
+                      <a:prstDash val="solid"/>
+                      <a:round/>
+                      <a:headEnd type="none" w="med" len="med"/>
+                      <a:tailEnd type="none" w="med" len="med"/>
+                    </a:lnR>
+                    <a:lnT w="19050" cap="flat" cmpd="sng" algn="ctr">
+                      <a:solidFill>
+                        <a:schemeClr val="bg1"/>
+                      </a:solidFill>
+                      <a:prstDash val="solid"/>
+                      <a:round/>
+                      <a:headEnd type="none" w="med" len="med"/>
+                      <a:tailEnd type="none" w="med" len="med"/>
+                    </a:lnT>
+                    <a:lnB w="19050" cap="flat" cmpd="sng" algn="ctr">
+                      <a:solidFill>
+                        <a:schemeClr val="bg1"/>
+                      </a:solidFill>
+                      <a:prstDash val="solid"/>
+                      <a:round/>
+                      <a:headEnd type="none" w="med" len="med"/>
+                      <a:tailEnd type="none" w="med" len="med"/>
+                    </a:lnB>
+                  </a:tcPr>
+                </a:tc>
+                <a:tc>
+                  <a:txBody>
+                    <a:bodyPr/>
+                    <a:lstStyle/>
+                    <a:p>
+                      <a:endParaRPr lang="fr-FR" sz="1700" dirty="0"/>
+                    </a:p>
+                  </a:txBody>
+                  <a:tcPr marL="86142" marR="86142" marT="43071" marB="43071">
+                    <a:lnL w="19050" cap="flat" cmpd="sng" algn="ctr">
+                      <a:solidFill>
+                        <a:schemeClr val="bg1"/>
+                      </a:solidFill>
+                      <a:prstDash val="solid"/>
+                      <a:round/>
+                      <a:headEnd type="none" w="med" len="med"/>
+                      <a:tailEnd type="none" w="med" len="med"/>
+                    </a:lnL>
+                    <a:lnR w="19050" cap="flat" cmpd="sng" algn="ctr">
+                      <a:solidFill>
+                        <a:schemeClr val="bg1"/>
+                      </a:solidFill>
+                      <a:prstDash val="solid"/>
+                      <a:round/>
+                      <a:headEnd type="none" w="med" len="med"/>
+                      <a:tailEnd type="none" w="med" len="med"/>
+                    </a:lnR>
+                    <a:lnT w="19050" cap="flat" cmpd="sng" algn="ctr">
+                      <a:solidFill>
+                        <a:schemeClr val="bg1"/>
+                      </a:solidFill>
+                      <a:prstDash val="solid"/>
+                      <a:round/>
+                      <a:headEnd type="none" w="med" len="med"/>
+                      <a:tailEnd type="none" w="med" len="med"/>
+                    </a:lnT>
+                    <a:lnB w="19050" cap="flat" cmpd="sng" algn="ctr">
+                      <a:solidFill>
+                        <a:schemeClr val="bg1"/>
+                      </a:solidFill>
+                      <a:prstDash val="solid"/>
+                      <a:round/>
+                      <a:headEnd type="none" w="med" len="med"/>
+                      <a:tailEnd type="none" w="med" len="med"/>
+                    </a:lnB>
+                  </a:tcPr>
+                </a:tc>
+                <a:tc>
+                  <a:txBody>
+                    <a:bodyPr/>
+                    <a:lstStyle/>
+                    <a:p>
+                      <a:endParaRPr lang="fr-FR" sz="1700" dirty="0"/>
+                    </a:p>
+                  </a:txBody>
+                  <a:tcPr marL="86142" marR="86142" marT="43071" marB="43071">
+                    <a:lnL w="19050" cap="flat" cmpd="sng" algn="ctr">
+                      <a:solidFill>
+                        <a:schemeClr val="bg1"/>
+                      </a:solidFill>
+                      <a:prstDash val="solid"/>
+                      <a:round/>
+                      <a:headEnd type="none" w="med" len="med"/>
+                      <a:tailEnd type="none" w="med" len="med"/>
+                    </a:lnL>
+                    <a:lnR w="19050" cap="flat" cmpd="sng" algn="ctr">
+                      <a:solidFill>
+                        <a:schemeClr val="bg1"/>
+                      </a:solidFill>
+                      <a:prstDash val="solid"/>
+                      <a:round/>
+                      <a:headEnd type="none" w="med" len="med"/>
+                      <a:tailEnd type="none" w="med" len="med"/>
+                    </a:lnR>
+                    <a:lnT w="19050" cap="flat" cmpd="sng" algn="ctr">
+                      <a:solidFill>
+                        <a:schemeClr val="bg1"/>
+                      </a:solidFill>
+                      <a:prstDash val="solid"/>
+                      <a:round/>
+                      <a:headEnd type="none" w="med" len="med"/>
+                      <a:tailEnd type="none" w="med" len="med"/>
+                    </a:lnT>
+                    <a:lnB w="19050" cap="flat" cmpd="sng" algn="ctr">
+                      <a:solidFill>
+                        <a:schemeClr val="bg1"/>
+                      </a:solidFill>
+                      <a:prstDash val="solid"/>
+                      <a:round/>
+                      <a:headEnd type="none" w="med" len="med"/>
+                      <a:tailEnd type="none" w="med" len="med"/>
+                    </a:lnB>
+                  </a:tcPr>
+                </a:tc>
+                <a:tc>
+                  <a:txBody>
+                    <a:bodyPr/>
+                    <a:lstStyle/>
+                    <a:p>
+                      <a:endParaRPr lang="fr-FR" sz="1700" dirty="0"/>
+                    </a:p>
+                  </a:txBody>
+                  <a:tcPr marL="86142" marR="86142" marT="43071" marB="43071">
+                    <a:lnL w="19050" cap="flat" cmpd="sng" algn="ctr">
+                      <a:solidFill>
+                        <a:schemeClr val="bg1"/>
+                      </a:solidFill>
+                      <a:prstDash val="solid"/>
+                      <a:round/>
+                      <a:headEnd type="none" w="med" len="med"/>
+                      <a:tailEnd type="none" w="med" len="med"/>
+                    </a:lnL>
+                    <a:lnR w="19050" cap="flat" cmpd="sng" algn="ctr">
+                      <a:solidFill>
+                        <a:schemeClr val="bg1"/>
+                      </a:solidFill>
+                      <a:prstDash val="solid"/>
+                      <a:round/>
+                      <a:headEnd type="none" w="med" len="med"/>
+                      <a:tailEnd type="none" w="med" len="med"/>
+                    </a:lnR>
+                    <a:lnT w="19050" cap="flat" cmpd="sng" algn="ctr">
+                      <a:solidFill>
+                        <a:schemeClr val="bg1"/>
+                      </a:solidFill>
+                      <a:prstDash val="solid"/>
+                      <a:round/>
+                      <a:headEnd type="none" w="med" len="med"/>
+                      <a:tailEnd type="none" w="med" len="med"/>
+                    </a:lnT>
+                    <a:lnB w="19050" cap="flat" cmpd="sng" algn="ctr">
+                      <a:solidFill>
+                        <a:schemeClr val="bg1"/>
+                      </a:solidFill>
+                      <a:prstDash val="solid"/>
+                      <a:round/>
+                      <a:headEnd type="none" w="med" len="med"/>
+                      <a:tailEnd type="none" w="med" len="med"/>
+                    </a:lnB>
+                  </a:tcPr>
+                </a:tc>
+                <a:tc>
+                  <a:txBody>
+                    <a:bodyPr/>
+                    <a:lstStyle/>
+                    <a:p>
+                      <a:endParaRPr lang="fr-FR" sz="1700" dirty="0"/>
+                    </a:p>
+                  </a:txBody>
+                  <a:tcPr marL="86142" marR="86142" marT="43071" marB="43071">
+                    <a:lnL w="19050" cap="flat" cmpd="sng" algn="ctr">
+                      <a:solidFill>
+                        <a:schemeClr val="bg1"/>
+                      </a:solidFill>
+                      <a:prstDash val="solid"/>
+                      <a:round/>
+                      <a:headEnd type="none" w="med" len="med"/>
+                      <a:tailEnd type="none" w="med" len="med"/>
+                    </a:lnL>
+                    <a:lnR w="19050" cap="flat" cmpd="sng" algn="ctr">
+                      <a:solidFill>
+                        <a:schemeClr val="bg1"/>
+                      </a:solidFill>
+                      <a:prstDash val="solid"/>
+                      <a:round/>
+                      <a:headEnd type="none" w="med" len="med"/>
+                      <a:tailEnd type="none" w="med" len="med"/>
+                    </a:lnR>
+                    <a:lnT w="19050" cap="flat" cmpd="sng" algn="ctr">
+                      <a:solidFill>
+                        <a:schemeClr val="bg1"/>
+                      </a:solidFill>
+                      <a:prstDash val="solid"/>
+                      <a:round/>
+                      <a:headEnd type="none" w="med" len="med"/>
+                      <a:tailEnd type="none" w="med" len="med"/>
+                    </a:lnT>
+                    <a:lnB w="19050" cap="flat" cmpd="sng" algn="ctr">
+                      <a:solidFill>
+                        <a:schemeClr val="bg1"/>
+                      </a:solidFill>
+                      <a:prstDash val="solid"/>
+                      <a:round/>
+                      <a:headEnd type="none" w="med" len="med"/>
+                      <a:tailEnd type="none" w="med" len="med"/>
+                    </a:lnB>
+                  </a:tcPr>
+                </a:tc>
+                <a:tc>
+                  <a:txBody>
+                    <a:bodyPr/>
+                    <a:lstStyle/>
+                    <a:p>
+                      <a:endParaRPr lang="fr-FR" sz="1700" dirty="0"/>
+                    </a:p>
+                  </a:txBody>
+                  <a:tcPr marL="86142" marR="86142" marT="43071" marB="43071">
+                    <a:lnL w="19050" cap="flat" cmpd="sng" algn="ctr">
+                      <a:solidFill>
+                        <a:schemeClr val="bg1"/>
+                      </a:solidFill>
+                      <a:prstDash val="solid"/>
+                      <a:round/>
+                      <a:headEnd type="none" w="med" len="med"/>
+                      <a:tailEnd type="none" w="med" len="med"/>
+                    </a:lnL>
+                    <a:lnR w="19050" cap="flat" cmpd="sng" algn="ctr">
+                      <a:solidFill>
+                        <a:schemeClr val="bg1"/>
+                      </a:solidFill>
+                      <a:prstDash val="solid"/>
+                      <a:round/>
+                      <a:headEnd type="none" w="med" len="med"/>
+                      <a:tailEnd type="none" w="med" len="med"/>
+                    </a:lnR>
+                    <a:lnT w="19050" cap="flat" cmpd="sng" algn="ctr">
+                      <a:solidFill>
+                        <a:schemeClr val="bg1"/>
+                      </a:solidFill>
+                      <a:prstDash val="solid"/>
+                      <a:round/>
+                      <a:headEnd type="none" w="med" len="med"/>
+                      <a:tailEnd type="none" w="med" len="med"/>
+                    </a:lnT>
+                    <a:lnB w="19050" cap="flat" cmpd="sng" algn="ctr">
+                      <a:solidFill>
+                        <a:schemeClr val="bg1"/>
+                      </a:solidFill>
+                      <a:prstDash val="solid"/>
+                      <a:round/>
+                      <a:headEnd type="none" w="med" len="med"/>
+                      <a:tailEnd type="none" w="med" len="med"/>
+                    </a:lnB>
+                  </a:tcPr>
+                </a:tc>
+              </a:tr>
+              <a:tr h="518142">
+                <a:tc>
+                  <a:txBody>
+                    <a:bodyPr/>
+                    <a:lstStyle/>
+                    <a:p>
+                      <a:endParaRPr lang="fr-FR" sz="1700" dirty="0"/>
+                    </a:p>
+                  </a:txBody>
+                  <a:tcPr marL="86142" marR="86142" marT="43071" marB="43071">
+                    <a:lnL w="19050" cap="flat" cmpd="sng" algn="ctr">
+                      <a:solidFill>
+                        <a:schemeClr val="bg1"/>
+                      </a:solidFill>
+                      <a:prstDash val="solid"/>
+                      <a:round/>
+                      <a:headEnd type="none" w="med" len="med"/>
+                      <a:tailEnd type="none" w="med" len="med"/>
+                    </a:lnL>
+                    <a:lnR w="19050" cap="flat" cmpd="sng" algn="ctr">
+                      <a:solidFill>
+                        <a:schemeClr val="bg1"/>
+                      </a:solidFill>
+                      <a:prstDash val="solid"/>
+                      <a:round/>
+                      <a:headEnd type="none" w="med" len="med"/>
+                      <a:tailEnd type="none" w="med" len="med"/>
+                    </a:lnR>
+                    <a:lnT w="19050" cap="flat" cmpd="sng" algn="ctr">
+                      <a:solidFill>
+                        <a:schemeClr val="bg1"/>
+                      </a:solidFill>
+                      <a:prstDash val="solid"/>
+                      <a:round/>
+                      <a:headEnd type="none" w="med" len="med"/>
+                      <a:tailEnd type="none" w="med" len="med"/>
+                    </a:lnT>
+                    <a:lnB w="19050" cap="flat" cmpd="sng" algn="ctr">
+                      <a:solidFill>
+                        <a:schemeClr val="bg1"/>
+                      </a:solidFill>
+                      <a:prstDash val="solid"/>
+                      <a:round/>
+                      <a:headEnd type="none" w="med" len="med"/>
+                      <a:tailEnd type="none" w="med" len="med"/>
+                    </a:lnB>
+                  </a:tcPr>
+                </a:tc>
+                <a:tc>
+                  <a:txBody>
+                    <a:bodyPr/>
+                    <a:lstStyle/>
+                    <a:p>
+                      <a:endParaRPr lang="fr-FR" sz="1700" dirty="0"/>
+                    </a:p>
+                  </a:txBody>
+                  <a:tcPr marL="86142" marR="86142" marT="43071" marB="43071">
+                    <a:lnL w="19050" cap="flat" cmpd="sng" algn="ctr">
+                      <a:solidFill>
+                        <a:schemeClr val="bg1"/>
+                      </a:solidFill>
+                      <a:prstDash val="solid"/>
+                      <a:round/>
+                      <a:headEnd type="none" w="med" len="med"/>
+                      <a:tailEnd type="none" w="med" len="med"/>
+                    </a:lnL>
+                    <a:lnR w="19050" cap="flat" cmpd="sng" algn="ctr">
+                      <a:solidFill>
+                        <a:schemeClr val="bg1"/>
+                      </a:solidFill>
+                      <a:prstDash val="solid"/>
+                      <a:round/>
+                      <a:headEnd type="none" w="med" len="med"/>
+                      <a:tailEnd type="none" w="med" len="med"/>
+                    </a:lnR>
+                    <a:lnT w="19050" cap="flat" cmpd="sng" algn="ctr">
+                      <a:solidFill>
+                        <a:schemeClr val="bg1"/>
+                      </a:solidFill>
+                      <a:prstDash val="solid"/>
+                      <a:round/>
+                      <a:headEnd type="none" w="med" len="med"/>
+                      <a:tailEnd type="none" w="med" len="med"/>
+                    </a:lnT>
+                    <a:lnB w="19050" cap="flat" cmpd="sng" algn="ctr">
+                      <a:solidFill>
+                        <a:schemeClr val="bg1"/>
+                      </a:solidFill>
+                      <a:prstDash val="solid"/>
+                      <a:round/>
+                      <a:headEnd type="none" w="med" len="med"/>
+                      <a:tailEnd type="none" w="med" len="med"/>
+                    </a:lnB>
+                  </a:tcPr>
+                </a:tc>
+                <a:tc>
+                  <a:txBody>
+                    <a:bodyPr/>
+                    <a:lstStyle/>
+                    <a:p>
+                      <a:endParaRPr lang="fr-FR" sz="1700"/>
+                    </a:p>
+                  </a:txBody>
+                  <a:tcPr marL="86142" marR="86142" marT="43071" marB="43071">
+                    <a:lnL w="19050" cap="flat" cmpd="sng" algn="ctr">
+                      <a:solidFill>
+                        <a:schemeClr val="bg1"/>
+                      </a:solidFill>
+                      <a:prstDash val="solid"/>
+                      <a:round/>
+                      <a:headEnd type="none" w="med" len="med"/>
+                      <a:tailEnd type="none" w="med" len="med"/>
+                    </a:lnL>
+                    <a:lnR w="19050" cap="flat" cmpd="sng" algn="ctr">
+                      <a:solidFill>
+                        <a:schemeClr val="bg1"/>
+                      </a:solidFill>
+                      <a:prstDash val="solid"/>
+                      <a:round/>
+                      <a:headEnd type="none" w="med" len="med"/>
+                      <a:tailEnd type="none" w="med" len="med"/>
+                    </a:lnR>
+                    <a:lnT w="19050" cap="flat" cmpd="sng" algn="ctr">
+                      <a:solidFill>
+                        <a:schemeClr val="bg1"/>
+                      </a:solidFill>
+                      <a:prstDash val="solid"/>
+                      <a:round/>
+                      <a:headEnd type="none" w="med" len="med"/>
+                      <a:tailEnd type="none" w="med" len="med"/>
+                    </a:lnT>
+                    <a:lnB w="19050" cap="flat" cmpd="sng" algn="ctr">
+                      <a:solidFill>
+                        <a:schemeClr val="bg1"/>
+                      </a:solidFill>
+                      <a:prstDash val="solid"/>
+                      <a:round/>
+                      <a:headEnd type="none" w="med" len="med"/>
+                      <a:tailEnd type="none" w="med" len="med"/>
+                    </a:lnB>
+                  </a:tcPr>
+                </a:tc>
+                <a:tc>
+                  <a:txBody>
+                    <a:bodyPr/>
+                    <a:lstStyle/>
+                    <a:p>
+                      <a:endParaRPr lang="fr-FR" sz="1700"/>
+                    </a:p>
+                  </a:txBody>
+                  <a:tcPr marL="86142" marR="86142" marT="43071" marB="43071">
+                    <a:lnL w="19050" cap="flat" cmpd="sng" algn="ctr">
+                      <a:solidFill>
+                        <a:schemeClr val="bg1"/>
+                      </a:solidFill>
+                      <a:prstDash val="solid"/>
+                      <a:round/>
+                      <a:headEnd type="none" w="med" len="med"/>
+                      <a:tailEnd type="none" w="med" len="med"/>
+                    </a:lnL>
+                    <a:lnR w="19050" cap="flat" cmpd="sng" algn="ctr">
+                      <a:solidFill>
+                        <a:schemeClr val="bg1"/>
+                      </a:solidFill>
+                      <a:prstDash val="solid"/>
+                      <a:round/>
+                      <a:headEnd type="none" w="med" len="med"/>
+                      <a:tailEnd type="none" w="med" len="med"/>
+                    </a:lnR>
+                    <a:lnT w="19050" cap="flat" cmpd="sng" algn="ctr">
+                      <a:solidFill>
+                        <a:schemeClr val="bg1"/>
+                      </a:solidFill>
+                      <a:prstDash val="solid"/>
+                      <a:round/>
+                      <a:headEnd type="none" w="med" len="med"/>
+                      <a:tailEnd type="none" w="med" len="med"/>
+                    </a:lnT>
+                    <a:lnB w="19050" cap="flat" cmpd="sng" algn="ctr">
+                      <a:solidFill>
+                        <a:schemeClr val="bg1"/>
+                      </a:solidFill>
+                      <a:prstDash val="solid"/>
+                      <a:round/>
+                      <a:headEnd type="none" w="med" len="med"/>
+                      <a:tailEnd type="none" w="med" len="med"/>
+                    </a:lnB>
+                  </a:tcPr>
+                </a:tc>
+                <a:tc>
+                  <a:txBody>
+                    <a:bodyPr/>
+                    <a:lstStyle/>
+                    <a:p>
+                      <a:endParaRPr lang="fr-FR" sz="1700"/>
+                    </a:p>
+                  </a:txBody>
+                  <a:tcPr marL="86142" marR="86142" marT="43071" marB="43071">
+                    <a:lnL w="19050" cap="flat" cmpd="sng" algn="ctr">
+                      <a:solidFill>
+                        <a:schemeClr val="bg1"/>
+                      </a:solidFill>
+                      <a:prstDash val="solid"/>
+                      <a:round/>
+                      <a:headEnd type="none" w="med" len="med"/>
+                      <a:tailEnd type="none" w="med" len="med"/>
+                    </a:lnL>
+                    <a:lnR w="19050" cap="flat" cmpd="sng" algn="ctr">
+                      <a:solidFill>
+                        <a:schemeClr val="bg1"/>
+                      </a:solidFill>
+                      <a:prstDash val="solid"/>
+                      <a:round/>
+                      <a:headEnd type="none" w="med" len="med"/>
+                      <a:tailEnd type="none" w="med" len="med"/>
+                    </a:lnR>
+                    <a:lnT w="19050" cap="flat" cmpd="sng" algn="ctr">
+                      <a:solidFill>
+                        <a:schemeClr val="bg1"/>
+                      </a:solidFill>
+                      <a:prstDash val="solid"/>
+                      <a:round/>
+                      <a:headEnd type="none" w="med" len="med"/>
+                      <a:tailEnd type="none" w="med" len="med"/>
+                    </a:lnT>
+                    <a:lnB w="19050" cap="flat" cmpd="sng" algn="ctr">
+                      <a:solidFill>
+                        <a:schemeClr val="bg1"/>
+                      </a:solidFill>
+                      <a:prstDash val="solid"/>
+                      <a:round/>
+                      <a:headEnd type="none" w="med" len="med"/>
+                      <a:tailEnd type="none" w="med" len="med"/>
+                    </a:lnB>
+                  </a:tcPr>
+                </a:tc>
+                <a:tc>
+                  <a:txBody>
+                    <a:bodyPr/>
+                    <a:lstStyle/>
+                    <a:p>
+                      <a:endParaRPr lang="fr-FR" sz="1700" dirty="0"/>
+                    </a:p>
+                  </a:txBody>
+                  <a:tcPr marL="86142" marR="86142" marT="43071" marB="43071">
+                    <a:lnL w="19050" cap="flat" cmpd="sng" algn="ctr">
+                      <a:solidFill>
+                        <a:schemeClr val="bg1"/>
+                      </a:solidFill>
+                      <a:prstDash val="solid"/>
+                      <a:round/>
+                      <a:headEnd type="none" w="med" len="med"/>
+                      <a:tailEnd type="none" w="med" len="med"/>
+                    </a:lnL>
+                    <a:lnR w="19050" cap="flat" cmpd="sng" algn="ctr">
+                      <a:solidFill>
+                        <a:schemeClr val="bg1"/>
+                      </a:solidFill>
+                      <a:prstDash val="solid"/>
+                      <a:round/>
+                      <a:headEnd type="none" w="med" len="med"/>
+                      <a:tailEnd type="none" w="med" len="med"/>
+                    </a:lnR>
+                    <a:lnT w="19050" cap="flat" cmpd="sng" algn="ctr">
+                      <a:solidFill>
+                        <a:schemeClr val="bg1"/>
+                      </a:solidFill>
+                      <a:prstDash val="solid"/>
+                      <a:round/>
+                      <a:headEnd type="none" w="med" len="med"/>
+                      <a:tailEnd type="none" w="med" len="med"/>
+                    </a:lnT>
+                    <a:lnB w="19050" cap="flat" cmpd="sng" algn="ctr">
+                      <a:solidFill>
+                        <a:schemeClr val="bg1"/>
+                      </a:solidFill>
+                      <a:prstDash val="solid"/>
+                      <a:round/>
+                      <a:headEnd type="none" w="med" len="med"/>
+                      <a:tailEnd type="none" w="med" len="med"/>
+                    </a:lnB>
+                  </a:tcPr>
+                </a:tc>
+                <a:tc>
+                  <a:txBody>
+                    <a:bodyPr/>
+                    <a:lstStyle/>
+                    <a:p>
+                      <a:endParaRPr lang="fr-FR" sz="1700"/>
+                    </a:p>
+                  </a:txBody>
+                  <a:tcPr marL="86142" marR="86142" marT="43071" marB="43071">
+                    <a:lnL w="19050" cap="flat" cmpd="sng" algn="ctr">
+                      <a:solidFill>
+                        <a:schemeClr val="bg1"/>
+                      </a:solidFill>
+                      <a:prstDash val="solid"/>
+                      <a:round/>
+                      <a:headEnd type="none" w="med" len="med"/>
+                      <a:tailEnd type="none" w="med" len="med"/>
+                    </a:lnL>
+                    <a:lnR w="19050" cap="flat" cmpd="sng" algn="ctr">
+                      <a:solidFill>
+                        <a:schemeClr val="bg1"/>
+                      </a:solidFill>
+                      <a:prstDash val="solid"/>
+                      <a:round/>
+                      <a:headEnd type="none" w="med" len="med"/>
+                      <a:tailEnd type="none" w="med" len="med"/>
+                    </a:lnR>
+                    <a:lnT w="19050" cap="flat" cmpd="sng" algn="ctr">
+                      <a:solidFill>
+                        <a:schemeClr val="bg1"/>
+                      </a:solidFill>
+                      <a:prstDash val="solid"/>
+                      <a:round/>
+                      <a:headEnd type="none" w="med" len="med"/>
+                      <a:tailEnd type="none" w="med" len="med"/>
+                    </a:lnT>
+                    <a:lnB w="19050" cap="flat" cmpd="sng" algn="ctr">
+                      <a:solidFill>
+                        <a:schemeClr val="bg1"/>
+                      </a:solidFill>
+                      <a:prstDash val="solid"/>
+                      <a:round/>
+                      <a:headEnd type="none" w="med" len="med"/>
+                      <a:tailEnd type="none" w="med" len="med"/>
+                    </a:lnB>
+                  </a:tcPr>
+                </a:tc>
+                <a:tc>
+                  <a:txBody>
+                    <a:bodyPr/>
+                    <a:lstStyle/>
+                    <a:p>
+                      <a:endParaRPr lang="fr-FR" sz="1700" dirty="0"/>
+                    </a:p>
+                  </a:txBody>
+                  <a:tcPr marL="86142" marR="86142" marT="43071" marB="43071">
+                    <a:lnL w="19050" cap="flat" cmpd="sng" algn="ctr">
+                      <a:solidFill>
+                        <a:schemeClr val="bg1"/>
+                      </a:solidFill>
+                      <a:prstDash val="solid"/>
+                      <a:round/>
+                      <a:headEnd type="none" w="med" len="med"/>
+                      <a:tailEnd type="none" w="med" len="med"/>
+                    </a:lnL>
+                    <a:lnR w="19050" cap="flat" cmpd="sng" algn="ctr">
+                      <a:solidFill>
+                        <a:schemeClr val="bg1"/>
+                      </a:solidFill>
+                      <a:prstDash val="solid"/>
+                      <a:round/>
+                      <a:headEnd type="none" w="med" len="med"/>
+                      <a:tailEnd type="none" w="med" len="med"/>
+                    </a:lnR>
+                    <a:lnT w="19050" cap="flat" cmpd="sng" algn="ctr">
+                      <a:solidFill>
+                        <a:schemeClr val="bg1"/>
+                      </a:solidFill>
+                      <a:prstDash val="solid"/>
+                      <a:round/>
+                      <a:headEnd type="none" w="med" len="med"/>
+                      <a:tailEnd type="none" w="med" len="med"/>
+                    </a:lnT>
+                    <a:lnB w="19050" cap="flat" cmpd="sng" algn="ctr">
+                      <a:solidFill>
+                        <a:schemeClr val="bg1"/>
+                      </a:solidFill>
+                      <a:prstDash val="solid"/>
+                      <a:round/>
+                      <a:headEnd type="none" w="med" len="med"/>
+                      <a:tailEnd type="none" w="med" len="med"/>
+                    </a:lnB>
+                  </a:tcPr>
+                </a:tc>
+                <a:tc>
+                  <a:txBody>
+                    <a:bodyPr/>
+                    <a:lstStyle/>
+                    <a:p>
+                      <a:endParaRPr lang="fr-FR" sz="1700" dirty="0"/>
+                    </a:p>
+                  </a:txBody>
+                  <a:tcPr marL="86142" marR="86142" marT="43071" marB="43071">
+                    <a:lnL w="19050" cap="flat" cmpd="sng" algn="ctr">
+                      <a:solidFill>
+                        <a:schemeClr val="bg1"/>
+                      </a:solidFill>
+                      <a:prstDash val="solid"/>
+                      <a:round/>
+                      <a:headEnd type="none" w="med" len="med"/>
+                      <a:tailEnd type="none" w="med" len="med"/>
+                    </a:lnL>
+                    <a:lnR w="19050" cap="flat" cmpd="sng" algn="ctr">
+                      <a:solidFill>
+                        <a:schemeClr val="bg1"/>
+                      </a:solidFill>
+                      <a:prstDash val="solid"/>
+                      <a:round/>
+                      <a:headEnd type="none" w="med" len="med"/>
+                      <a:tailEnd type="none" w="med" len="med"/>
+                    </a:lnR>
+                    <a:lnT w="19050" cap="flat" cmpd="sng" algn="ctr">
+                      <a:solidFill>
+                        <a:schemeClr val="bg1"/>
+                      </a:solidFill>
+                      <a:prstDash val="solid"/>
+                      <a:round/>
+                      <a:headEnd type="none" w="med" len="med"/>
+                      <a:tailEnd type="none" w="med" len="med"/>
+                    </a:lnT>
+                    <a:lnB w="19050" cap="flat" cmpd="sng" algn="ctr">
+                      <a:solidFill>
+                        <a:schemeClr val="bg1"/>
+                      </a:solidFill>
+                      <a:prstDash val="solid"/>
+                      <a:round/>
+                      <a:headEnd type="none" w="med" len="med"/>
+                      <a:tailEnd type="none" w="med" len="med"/>
+                    </a:lnB>
+                  </a:tcPr>
+                </a:tc>
+                <a:tc>
+                  <a:txBody>
+                    <a:bodyPr/>
+                    <a:lstStyle/>
+                    <a:p>
+                      <a:endParaRPr lang="fr-FR" sz="1700"/>
+                    </a:p>
+                  </a:txBody>
+                  <a:tcPr marL="86142" marR="86142" marT="43071" marB="43071">
+                    <a:lnL w="19050" cap="flat" cmpd="sng" algn="ctr">
+                      <a:solidFill>
+                        <a:schemeClr val="bg1"/>
+                      </a:solidFill>
+                      <a:prstDash val="solid"/>
+                      <a:round/>
+                      <a:headEnd type="none" w="med" len="med"/>
+                      <a:tailEnd type="none" w="med" len="med"/>
+                    </a:lnL>
+                    <a:lnR w="19050" cap="flat" cmpd="sng" algn="ctr">
+                      <a:solidFill>
+                        <a:schemeClr val="bg1"/>
+                      </a:solidFill>
+                      <a:prstDash val="solid"/>
+                      <a:round/>
+                      <a:headEnd type="none" w="med" len="med"/>
+                      <a:tailEnd type="none" w="med" len="med"/>
+                    </a:lnR>
+                    <a:lnT w="19050" cap="flat" cmpd="sng" algn="ctr">
+                      <a:solidFill>
+                        <a:schemeClr val="bg1"/>
+                      </a:solidFill>
+                      <a:prstDash val="solid"/>
+                      <a:round/>
+                      <a:headEnd type="none" w="med" len="med"/>
+                      <a:tailEnd type="none" w="med" len="med"/>
+                    </a:lnT>
+                    <a:lnB w="19050" cap="flat" cmpd="sng" algn="ctr">
+                      <a:solidFill>
+                        <a:schemeClr val="bg1"/>
+                      </a:solidFill>
+                      <a:prstDash val="solid"/>
+                      <a:round/>
+                      <a:headEnd type="none" w="med" len="med"/>
+                      <a:tailEnd type="none" w="med" len="med"/>
+                    </a:lnB>
+                  </a:tcPr>
+                </a:tc>
+                <a:tc>
+                  <a:txBody>
+                    <a:bodyPr/>
+                    <a:lstStyle/>
+                    <a:p>
+                      <a:endParaRPr lang="fr-FR" sz="1700"/>
+                    </a:p>
+                  </a:txBody>
+                  <a:tcPr marL="86142" marR="86142" marT="43071" marB="43071">
+                    <a:lnL w="19050" cap="flat" cmpd="sng" algn="ctr">
+                      <a:solidFill>
+                        <a:schemeClr val="bg1"/>
+                      </a:solidFill>
+                      <a:prstDash val="solid"/>
+                      <a:round/>
+                      <a:headEnd type="none" w="med" len="med"/>
+                      <a:tailEnd type="none" w="med" len="med"/>
+                    </a:lnL>
+                    <a:lnR w="19050" cap="flat" cmpd="sng" algn="ctr">
+                      <a:solidFill>
+                        <a:schemeClr val="bg1"/>
+                      </a:solidFill>
+                      <a:prstDash val="solid"/>
+                      <a:round/>
+                      <a:headEnd type="none" w="med" len="med"/>
+                      <a:tailEnd type="none" w="med" len="med"/>
+                    </a:lnR>
+                    <a:lnT w="19050" cap="flat" cmpd="sng" algn="ctr">
+                      <a:solidFill>
+                        <a:schemeClr val="bg1"/>
+                      </a:solidFill>
+                      <a:prstDash val="solid"/>
+                      <a:round/>
+                      <a:headEnd type="none" w="med" len="med"/>
+                      <a:tailEnd type="none" w="med" len="med"/>
+                    </a:lnT>
+                    <a:lnB w="19050" cap="flat" cmpd="sng" algn="ctr">
+                      <a:solidFill>
+                        <a:schemeClr val="bg1"/>
+                      </a:solidFill>
+                      <a:prstDash val="solid"/>
+                      <a:round/>
+                      <a:headEnd type="none" w="med" len="med"/>
+                      <a:tailEnd type="none" w="med" len="med"/>
+                    </a:lnB>
+                  </a:tcPr>
+                </a:tc>
+              </a:tr>
+              <a:tr h="518142">
+                <a:tc>
+                  <a:txBody>
+                    <a:bodyPr/>
+                    <a:lstStyle/>
+                    <a:p>
+                      <a:endParaRPr lang="fr-FR" sz="1700"/>
+                    </a:p>
+                  </a:txBody>
+                  <a:tcPr marL="86142" marR="86142" marT="43071" marB="43071">
+                    <a:lnL w="19050" cap="flat" cmpd="sng" algn="ctr">
+                      <a:solidFill>
+                        <a:schemeClr val="bg1"/>
+                      </a:solidFill>
+                      <a:prstDash val="solid"/>
+                      <a:round/>
+                      <a:headEnd type="none" w="med" len="med"/>
+                      <a:tailEnd type="none" w="med" len="med"/>
+                    </a:lnL>
+                    <a:lnR w="19050" cap="flat" cmpd="sng" algn="ctr">
+                      <a:solidFill>
+                        <a:schemeClr val="bg1"/>
+                      </a:solidFill>
+                      <a:prstDash val="solid"/>
+                      <a:round/>
+                      <a:headEnd type="none" w="med" len="med"/>
+                      <a:tailEnd type="none" w="med" len="med"/>
+                    </a:lnR>
+                    <a:lnT w="19050" cap="flat" cmpd="sng" algn="ctr">
+                      <a:solidFill>
+                        <a:schemeClr val="bg1"/>
+                      </a:solidFill>
+                      <a:prstDash val="solid"/>
+                      <a:round/>
+                      <a:headEnd type="none" w="med" len="med"/>
+                      <a:tailEnd type="none" w="med" len="med"/>
+                    </a:lnT>
+                    <a:lnB w="19050" cap="flat" cmpd="sng" algn="ctr">
+                      <a:solidFill>
+                        <a:schemeClr val="bg1"/>
+                      </a:solidFill>
+                      <a:prstDash val="solid"/>
+                      <a:round/>
+                      <a:headEnd type="none" w="med" len="med"/>
+                      <a:tailEnd type="none" w="med" len="med"/>
+                    </a:lnB>
+                  </a:tcPr>
+                </a:tc>
+                <a:tc>
+                  <a:txBody>
+                    <a:bodyPr/>
+                    <a:lstStyle/>
+                    <a:p>
+                      <a:endParaRPr lang="fr-FR" sz="1700"/>
+                    </a:p>
+                  </a:txBody>
+                  <a:tcPr marL="86142" marR="86142" marT="43071" marB="43071">
+                    <a:lnL w="19050" cap="flat" cmpd="sng" algn="ctr">
+                      <a:solidFill>
+                        <a:schemeClr val="bg1"/>
+                      </a:solidFill>
+                      <a:prstDash val="solid"/>
+                      <a:round/>
+                      <a:headEnd type="none" w="med" len="med"/>
+                      <a:tailEnd type="none" w="med" len="med"/>
+                    </a:lnL>
+                    <a:lnR w="19050" cap="flat" cmpd="sng" algn="ctr">
+                      <a:solidFill>
+                        <a:schemeClr val="bg1"/>
+                      </a:solidFill>
+                      <a:prstDash val="solid"/>
+                      <a:round/>
+                      <a:headEnd type="none" w="med" len="med"/>
+                      <a:tailEnd type="none" w="med" len="med"/>
+                    </a:lnR>
+                    <a:lnT w="19050" cap="flat" cmpd="sng" algn="ctr">
+                      <a:solidFill>
+                        <a:schemeClr val="bg1"/>
+                      </a:solidFill>
+                      <a:prstDash val="solid"/>
+                      <a:round/>
+                      <a:headEnd type="none" w="med" len="med"/>
+                      <a:tailEnd type="none" w="med" len="med"/>
+                    </a:lnT>
+                    <a:lnB w="19050" cap="flat" cmpd="sng" algn="ctr">
+                      <a:solidFill>
+                        <a:schemeClr val="bg1"/>
+                      </a:solidFill>
+                      <a:prstDash val="solid"/>
+                      <a:round/>
+                      <a:headEnd type="none" w="med" len="med"/>
+                      <a:tailEnd type="none" w="med" len="med"/>
+                    </a:lnB>
+                  </a:tcPr>
+                </a:tc>
+                <a:tc>
+                  <a:txBody>
+                    <a:bodyPr/>
+                    <a:lstStyle/>
+                    <a:p>
+                      <a:endParaRPr lang="fr-FR" sz="1700"/>
+                    </a:p>
+                  </a:txBody>
+                  <a:tcPr marL="86142" marR="86142" marT="43071" marB="43071">
+                    <a:lnL w="19050" cap="flat" cmpd="sng" algn="ctr">
+                      <a:solidFill>
+                        <a:schemeClr val="bg1"/>
+                      </a:solidFill>
+                      <a:prstDash val="solid"/>
+                      <a:round/>
+                      <a:headEnd type="none" w="med" len="med"/>
+                      <a:tailEnd type="none" w="med" len="med"/>
+                    </a:lnL>
+                    <a:lnR w="19050" cap="flat" cmpd="sng" algn="ctr">
+                      <a:solidFill>
+                        <a:schemeClr val="bg1"/>
+                      </a:solidFill>
+                      <a:prstDash val="solid"/>
+                      <a:round/>
+                      <a:headEnd type="none" w="med" len="med"/>
+                      <a:tailEnd type="none" w="med" len="med"/>
+                    </a:lnR>
+                    <a:lnT w="19050" cap="flat" cmpd="sng" algn="ctr">
+                      <a:solidFill>
+                        <a:schemeClr val="bg1"/>
+                      </a:solidFill>
+                      <a:prstDash val="solid"/>
+                      <a:round/>
+                      <a:headEnd type="none" w="med" len="med"/>
+                      <a:tailEnd type="none" w="med" len="med"/>
+                    </a:lnT>
+                    <a:lnB w="19050" cap="flat" cmpd="sng" algn="ctr">
+                      <a:solidFill>
+                        <a:schemeClr val="bg1"/>
+                      </a:solidFill>
+                      <a:prstDash val="solid"/>
+                      <a:round/>
+                      <a:headEnd type="none" w="med" len="med"/>
+                      <a:tailEnd type="none" w="med" len="med"/>
+                    </a:lnB>
+                  </a:tcPr>
+                </a:tc>
+                <a:tc>
+                  <a:txBody>
+                    <a:bodyPr/>
+                    <a:lstStyle/>
+                    <a:p>
+                      <a:endParaRPr lang="fr-FR" sz="1700"/>
+                    </a:p>
+                  </a:txBody>
+                  <a:tcPr marL="86142" marR="86142" marT="43071" marB="43071">
+                    <a:lnL w="19050" cap="flat" cmpd="sng" algn="ctr">
+                      <a:solidFill>
+                        <a:schemeClr val="bg1"/>
+                      </a:solidFill>
+                      <a:prstDash val="solid"/>
+                      <a:round/>
+                      <a:headEnd type="none" w="med" len="med"/>
+                      <a:tailEnd type="none" w="med" len="med"/>
+                    </a:lnL>
+                    <a:lnR w="19050" cap="flat" cmpd="sng" algn="ctr">
+                      <a:solidFill>
+                        <a:schemeClr val="bg1"/>
+                      </a:solidFill>
+                      <a:prstDash val="solid"/>
+                      <a:round/>
+                      <a:headEnd type="none" w="med" len="med"/>
+                      <a:tailEnd type="none" w="med" len="med"/>
+                    </a:lnR>
+                    <a:lnT w="19050" cap="flat" cmpd="sng" algn="ctr">
+                      <a:solidFill>
+                        <a:schemeClr val="bg1"/>
+                      </a:solidFill>
+                      <a:prstDash val="solid"/>
+                      <a:round/>
+                      <a:headEnd type="none" w="med" len="med"/>
+                      <a:tailEnd type="none" w="med" len="med"/>
+                    </a:lnT>
+                    <a:lnB w="19050" cap="flat" cmpd="sng" algn="ctr">
+                      <a:solidFill>
+                        <a:schemeClr val="bg1"/>
+                      </a:solidFill>
+                      <a:prstDash val="solid"/>
+                      <a:round/>
+                      <a:headEnd type="none" w="med" len="med"/>
+                      <a:tailEnd type="none" w="med" len="med"/>
+                    </a:lnB>
+                  </a:tcPr>
+                </a:tc>
+                <a:tc>
+                  <a:txBody>
+                    <a:bodyPr/>
+                    <a:lstStyle/>
+                    <a:p>
+                      <a:endParaRPr lang="fr-FR" sz="1700"/>
+                    </a:p>
+                  </a:txBody>
+                  <a:tcPr marL="86142" marR="86142" marT="43071" marB="43071">
+                    <a:lnL w="19050" cap="flat" cmpd="sng" algn="ctr">
+                      <a:solidFill>
+                        <a:schemeClr val="bg1"/>
+                      </a:solidFill>
+                      <a:prstDash val="solid"/>
+                      <a:round/>
+                      <a:headEnd type="none" w="med" len="med"/>
+                      <a:tailEnd type="none" w="med" len="med"/>
+                    </a:lnL>
+                    <a:lnR w="19050" cap="flat" cmpd="sng" algn="ctr">
+                      <a:solidFill>
+                        <a:schemeClr val="bg1"/>
+                      </a:solidFill>
+                      <a:prstDash val="solid"/>
+                      <a:round/>
+                      <a:headEnd type="none" w="med" len="med"/>
+                      <a:tailEnd type="none" w="med" len="med"/>
+                    </a:lnR>
+                    <a:lnT w="19050" cap="flat" cmpd="sng" algn="ctr">
+                      <a:solidFill>
+                        <a:schemeClr val="bg1"/>
+                      </a:solidFill>
+                      <a:prstDash val="solid"/>
+                      <a:round/>
+                      <a:headEnd type="none" w="med" len="med"/>
+                      <a:tailEnd type="none" w="med" len="med"/>
+                    </a:lnT>
+                    <a:lnB w="19050" cap="flat" cmpd="sng" algn="ctr">
+                      <a:solidFill>
+                        <a:schemeClr val="bg1"/>
+                      </a:solidFill>
+                      <a:prstDash val="solid"/>
+                      <a:round/>
+                      <a:headEnd type="none" w="med" len="med"/>
+                      <a:tailEnd type="none" w="med" len="med"/>
+                    </a:lnB>
+                  </a:tcPr>
+                </a:tc>
+                <a:tc>
+                  <a:txBody>
+                    <a:bodyPr/>
+                    <a:lstStyle/>
+                    <a:p>
+                      <a:endParaRPr lang="fr-FR" sz="1700"/>
+                    </a:p>
+                  </a:txBody>
+                  <a:tcPr marL="86142" marR="86142" marT="43071" marB="43071">
+                    <a:lnL w="19050" cap="flat" cmpd="sng" algn="ctr">
+                      <a:solidFill>
+                        <a:schemeClr val="bg1"/>
+                      </a:solidFill>
+                      <a:prstDash val="solid"/>
+                      <a:round/>
+                      <a:headEnd type="none" w="med" len="med"/>
+                      <a:tailEnd type="none" w="med" len="med"/>
+                    </a:lnL>
+                    <a:lnR w="19050" cap="flat" cmpd="sng" algn="ctr">
+                      <a:solidFill>
+                        <a:schemeClr val="bg1"/>
+                      </a:solidFill>
+                      <a:prstDash val="solid"/>
+                      <a:round/>
+                      <a:headEnd type="none" w="med" len="med"/>
+                      <a:tailEnd type="none" w="med" len="med"/>
+                    </a:lnR>
+                    <a:lnT w="19050" cap="flat" cmpd="sng" algn="ctr">
+                      <a:solidFill>
+                        <a:schemeClr val="bg1"/>
+                      </a:solidFill>
+                      <a:prstDash val="solid"/>
+                      <a:round/>
+                      <a:headEnd type="none" w="med" len="med"/>
+                      <a:tailEnd type="none" w="med" len="med"/>
+                    </a:lnT>
+                    <a:lnB w="19050" cap="flat" cmpd="sng" algn="ctr">
+                      <a:solidFill>
+                        <a:schemeClr val="bg1"/>
+                      </a:solidFill>
+                      <a:prstDash val="solid"/>
+                      <a:round/>
+                      <a:headEnd type="none" w="med" len="med"/>
+                      <a:tailEnd type="none" w="med" len="med"/>
+                    </a:lnB>
+                  </a:tcPr>
+                </a:tc>
+                <a:tc>
+                  <a:txBody>
+                    <a:bodyPr/>
+                    <a:lstStyle/>
+                    <a:p>
+                      <a:endParaRPr lang="fr-FR" sz="1700"/>
+                    </a:p>
+                  </a:txBody>
+                  <a:tcPr marL="86142" marR="86142" marT="43071" marB="43071">
+                    <a:lnL w="19050" cap="flat" cmpd="sng" algn="ctr">
+                      <a:solidFill>
+                        <a:schemeClr val="bg1"/>
+                      </a:solidFill>
+                      <a:prstDash val="solid"/>
+                      <a:round/>
+                      <a:headEnd type="none" w="med" len="med"/>
+                      <a:tailEnd type="none" w="med" len="med"/>
+                    </a:lnL>
+                    <a:lnR w="19050" cap="flat" cmpd="sng" algn="ctr">
+                      <a:solidFill>
+                        <a:schemeClr val="bg1"/>
+                      </a:solidFill>
+                      <a:prstDash val="solid"/>
+                      <a:round/>
+                      <a:headEnd type="none" w="med" len="med"/>
+                      <a:tailEnd type="none" w="med" len="med"/>
+                    </a:lnR>
+                    <a:lnT w="19050" cap="flat" cmpd="sng" algn="ctr">
+                      <a:solidFill>
+                        <a:schemeClr val="bg1"/>
+                      </a:solidFill>
+                      <a:prstDash val="solid"/>
+                      <a:round/>
+                      <a:headEnd type="none" w="med" len="med"/>
+                      <a:tailEnd type="none" w="med" len="med"/>
+                    </a:lnT>
+                    <a:lnB w="19050" cap="flat" cmpd="sng" algn="ctr">
+                      <a:solidFill>
+                        <a:schemeClr val="bg1"/>
+                      </a:solidFill>
+                      <a:prstDash val="solid"/>
+                      <a:round/>
+                      <a:headEnd type="none" w="med" len="med"/>
+                      <a:tailEnd type="none" w="med" len="med"/>
+                    </a:lnB>
+                  </a:tcPr>
+                </a:tc>
+                <a:tc>
+                  <a:txBody>
+                    <a:bodyPr/>
+                    <a:lstStyle/>
+                    <a:p>
+                      <a:endParaRPr lang="fr-FR" sz="1700"/>
+                    </a:p>
+                  </a:txBody>
+                  <a:tcPr marL="86142" marR="86142" marT="43071" marB="43071">
+                    <a:lnL w="19050" cap="flat" cmpd="sng" algn="ctr">
+                      <a:solidFill>
+                        <a:schemeClr val="bg1"/>
+                      </a:solidFill>
+                      <a:prstDash val="solid"/>
+                      <a:round/>
+                      <a:headEnd type="none" w="med" len="med"/>
+                      <a:tailEnd type="none" w="med" len="med"/>
+                    </a:lnL>
+                    <a:lnR w="19050" cap="flat" cmpd="sng" algn="ctr">
+                      <a:solidFill>
+                        <a:schemeClr val="bg1"/>
+                      </a:solidFill>
+                      <a:prstDash val="solid"/>
+                      <a:round/>
+                      <a:headEnd type="none" w="med" len="med"/>
+                      <a:tailEnd type="none" w="med" len="med"/>
+                    </a:lnR>
+                    <a:lnT w="19050" cap="flat" cmpd="sng" algn="ctr">
+                      <a:solidFill>
+                        <a:schemeClr val="bg1"/>
+                      </a:solidFill>
+                      <a:prstDash val="solid"/>
+                      <a:round/>
+                      <a:headEnd type="none" w="med" len="med"/>
+                      <a:tailEnd type="none" w="med" len="med"/>
+                    </a:lnT>
+                    <a:lnB w="19050" cap="flat" cmpd="sng" algn="ctr">
+                      <a:solidFill>
+                        <a:schemeClr val="bg1"/>
+                      </a:solidFill>
+                      <a:prstDash val="solid"/>
+                      <a:round/>
+                      <a:headEnd type="none" w="med" len="med"/>
+                      <a:tailEnd type="none" w="med" len="med"/>
+                    </a:lnB>
+                  </a:tcPr>
+                </a:tc>
+                <a:tc>
+                  <a:txBody>
+                    <a:bodyPr/>
+                    <a:lstStyle/>
+                    <a:p>
+                      <a:endParaRPr lang="fr-FR" sz="1700"/>
+                    </a:p>
+                  </a:txBody>
+                  <a:tcPr marL="86142" marR="86142" marT="43071" marB="43071">
+                    <a:lnL w="19050" cap="flat" cmpd="sng" algn="ctr">
+                      <a:solidFill>
+                        <a:schemeClr val="bg1"/>
+                      </a:solidFill>
+                      <a:prstDash val="solid"/>
+                      <a:round/>
+                      <a:headEnd type="none" w="med" len="med"/>
+                      <a:tailEnd type="none" w="med" len="med"/>
+                    </a:lnL>
+                    <a:lnR w="19050" cap="flat" cmpd="sng" algn="ctr">
+                      <a:solidFill>
+                        <a:schemeClr val="bg1"/>
+                      </a:solidFill>
+                      <a:prstDash val="solid"/>
+                      <a:round/>
+                      <a:headEnd type="none" w="med" len="med"/>
+                      <a:tailEnd type="none" w="med" len="med"/>
+                    </a:lnR>
+                    <a:lnT w="19050" cap="flat" cmpd="sng" algn="ctr">
+                      <a:solidFill>
+                        <a:schemeClr val="bg1"/>
+                      </a:solidFill>
+                      <a:prstDash val="solid"/>
+                      <a:round/>
+                      <a:headEnd type="none" w="med" len="med"/>
+                      <a:tailEnd type="none" w="med" len="med"/>
+                    </a:lnT>
+                    <a:lnB w="19050" cap="flat" cmpd="sng" algn="ctr">
+                      <a:solidFill>
+                        <a:schemeClr val="bg1"/>
+                      </a:solidFill>
+                      <a:prstDash val="solid"/>
+                      <a:round/>
+                      <a:headEnd type="none" w="med" len="med"/>
+                      <a:tailEnd type="none" w="med" len="med"/>
+                    </a:lnB>
+                  </a:tcPr>
+                </a:tc>
+                <a:tc>
+                  <a:txBody>
+                    <a:bodyPr/>
+                    <a:lstStyle/>
+                    <a:p>
+                      <a:endParaRPr lang="fr-FR" sz="1700"/>
+                    </a:p>
+                  </a:txBody>
+                  <a:tcPr marL="86142" marR="86142" marT="43071" marB="43071">
+                    <a:lnL w="19050" cap="flat" cmpd="sng" algn="ctr">
+                      <a:solidFill>
+                        <a:schemeClr val="bg1"/>
+                      </a:solidFill>
+                      <a:prstDash val="solid"/>
+                      <a:round/>
+                      <a:headEnd type="none" w="med" len="med"/>
+                      <a:tailEnd type="none" w="med" len="med"/>
+                    </a:lnL>
+                    <a:lnR w="19050" cap="flat" cmpd="sng" algn="ctr">
+                      <a:solidFill>
+                        <a:schemeClr val="bg1"/>
+                      </a:solidFill>
+                      <a:prstDash val="solid"/>
+                      <a:round/>
+                      <a:headEnd type="none" w="med" len="med"/>
+                      <a:tailEnd type="none" w="med" len="med"/>
+                    </a:lnR>
+                    <a:lnT w="19050" cap="flat" cmpd="sng" algn="ctr">
+                      <a:solidFill>
+                        <a:schemeClr val="bg1"/>
+                      </a:solidFill>
+                      <a:prstDash val="solid"/>
+                      <a:round/>
+                      <a:headEnd type="none" w="med" len="med"/>
+                      <a:tailEnd type="none" w="med" len="med"/>
+                    </a:lnT>
+                    <a:lnB w="19050" cap="flat" cmpd="sng" algn="ctr">
+                      <a:solidFill>
+                        <a:schemeClr val="bg1"/>
+                      </a:solidFill>
+                      <a:prstDash val="solid"/>
+                      <a:round/>
+                      <a:headEnd type="none" w="med" len="med"/>
+                      <a:tailEnd type="none" w="med" len="med"/>
+                    </a:lnB>
+                  </a:tcPr>
+                </a:tc>
+                <a:tc>
+                  <a:txBody>
+                    <a:bodyPr/>
+                    <a:lstStyle/>
+                    <a:p>
+                      <a:endParaRPr lang="fr-FR" sz="1700"/>
+                    </a:p>
+                  </a:txBody>
+                  <a:tcPr marL="86142" marR="86142" marT="43071" marB="43071">
+                    <a:lnL w="19050" cap="flat" cmpd="sng" algn="ctr">
+                      <a:solidFill>
+                        <a:schemeClr val="bg1"/>
+                      </a:solidFill>
+                      <a:prstDash val="solid"/>
+                      <a:round/>
+                      <a:headEnd type="none" w="med" len="med"/>
+                      <a:tailEnd type="none" w="med" len="med"/>
+                    </a:lnL>
+                    <a:lnR w="19050" cap="flat" cmpd="sng" algn="ctr">
+                      <a:solidFill>
+                        <a:schemeClr val="bg1"/>
+                      </a:solidFill>
+                      <a:prstDash val="solid"/>
+                      <a:round/>
+                      <a:headEnd type="none" w="med" len="med"/>
+                      <a:tailEnd type="none" w="med" len="med"/>
+                    </a:lnR>
+                    <a:lnT w="19050" cap="flat" cmpd="sng" algn="ctr">
+                      <a:solidFill>
+                        <a:schemeClr val="bg1"/>
+                      </a:solidFill>
+                      <a:prstDash val="solid"/>
+                      <a:round/>
+                      <a:headEnd type="none" w="med" len="med"/>
+                      <a:tailEnd type="none" w="med" len="med"/>
+                    </a:lnT>
+                    <a:lnB w="19050" cap="flat" cmpd="sng" algn="ctr">
+                      <a:solidFill>
+                        <a:schemeClr val="bg1"/>
+                      </a:solidFill>
+                      <a:prstDash val="solid"/>
+                      <a:round/>
+                      <a:headEnd type="none" w="med" len="med"/>
+                      <a:tailEnd type="none" w="med" len="med"/>
+                    </a:lnB>
+                  </a:tcPr>
+                </a:tc>
+              </a:tr>
+              <a:tr h="518142">
+                <a:tc>
+                  <a:txBody>
+                    <a:bodyPr/>
+                    <a:lstStyle/>
+                    <a:p>
+                      <a:endParaRPr lang="fr-FR" sz="1700"/>
+                    </a:p>
+                  </a:txBody>
+                  <a:tcPr marL="86142" marR="86142" marT="43071" marB="43071">
+                    <a:lnL w="19050" cap="flat" cmpd="sng" algn="ctr">
+                      <a:solidFill>
+                        <a:schemeClr val="bg1"/>
+                      </a:solidFill>
+                      <a:prstDash val="solid"/>
+                      <a:round/>
+                      <a:headEnd type="none" w="med" len="med"/>
+                      <a:tailEnd type="none" w="med" len="med"/>
+                    </a:lnL>
+                    <a:lnR w="19050" cap="flat" cmpd="sng" algn="ctr">
+                      <a:solidFill>
+                        <a:schemeClr val="bg1"/>
+                      </a:solidFill>
+                      <a:prstDash val="solid"/>
+                      <a:round/>
+                      <a:headEnd type="none" w="med" len="med"/>
+                      <a:tailEnd type="none" w="med" len="med"/>
+                    </a:lnR>
+                    <a:lnT w="19050" cap="flat" cmpd="sng" algn="ctr">
+                      <a:solidFill>
+                        <a:schemeClr val="bg1"/>
+                      </a:solidFill>
+                      <a:prstDash val="solid"/>
+                      <a:round/>
+                      <a:headEnd type="none" w="med" len="med"/>
+                      <a:tailEnd type="none" w="med" len="med"/>
+                    </a:lnT>
+                    <a:lnB w="19050" cap="flat" cmpd="sng" algn="ctr">
+                      <a:solidFill>
+                        <a:schemeClr val="bg1"/>
+                      </a:solidFill>
+                      <a:prstDash val="solid"/>
+                      <a:round/>
+                      <a:headEnd type="none" w="med" len="med"/>
+                      <a:tailEnd type="none" w="med" len="med"/>
+                    </a:lnB>
+                  </a:tcPr>
+                </a:tc>
+                <a:tc>
+                  <a:txBody>
+                    <a:bodyPr/>
+                    <a:lstStyle/>
+                    <a:p>
+                      <a:endParaRPr lang="fr-FR" sz="1700"/>
+                    </a:p>
+                  </a:txBody>
+                  <a:tcPr marL="86142" marR="86142" marT="43071" marB="43071">
+                    <a:lnL w="19050" cap="flat" cmpd="sng" algn="ctr">
+                      <a:solidFill>
+                        <a:schemeClr val="bg1"/>
+                      </a:solidFill>
+                      <a:prstDash val="solid"/>
+                      <a:round/>
+                      <a:headEnd type="none" w="med" len="med"/>
+                      <a:tailEnd type="none" w="med" len="med"/>
+                    </a:lnL>
+                    <a:lnR w="19050" cap="flat" cmpd="sng" algn="ctr">
+                      <a:solidFill>
+                        <a:schemeClr val="bg1"/>
+                      </a:solidFill>
+                      <a:prstDash val="solid"/>
+                      <a:round/>
+                      <a:headEnd type="none" w="med" len="med"/>
+                      <a:tailEnd type="none" w="med" len="med"/>
+                    </a:lnR>
+                    <a:lnT w="19050" cap="flat" cmpd="sng" algn="ctr">
+                      <a:solidFill>
+                        <a:schemeClr val="bg1"/>
+                      </a:solidFill>
+                      <a:prstDash val="solid"/>
+                      <a:round/>
+                      <a:headEnd type="none" w="med" len="med"/>
+                      <a:tailEnd type="none" w="med" len="med"/>
+                    </a:lnT>
+                    <a:lnB w="19050" cap="flat" cmpd="sng" algn="ctr">
+                      <a:solidFill>
+                        <a:schemeClr val="bg1"/>
+                      </a:solidFill>
+                      <a:prstDash val="solid"/>
+                      <a:round/>
+                      <a:headEnd type="none" w="med" len="med"/>
+                      <a:tailEnd type="none" w="med" len="med"/>
+                    </a:lnB>
+                  </a:tcPr>
+                </a:tc>
+                <a:tc>
+                  <a:txBody>
+                    <a:bodyPr/>
+                    <a:lstStyle/>
+                    <a:p>
+                      <a:endParaRPr lang="fr-FR" sz="1700"/>
+                    </a:p>
+                  </a:txBody>
+                  <a:tcPr marL="86142" marR="86142" marT="43071" marB="43071">
+                    <a:lnL w="19050" cap="flat" cmpd="sng" algn="ctr">
+                      <a:solidFill>
+                        <a:schemeClr val="bg1"/>
+                      </a:solidFill>
+                      <a:prstDash val="solid"/>
+                      <a:round/>
+                      <a:headEnd type="none" w="med" len="med"/>
+                      <a:tailEnd type="none" w="med" len="med"/>
+                    </a:lnL>
+                    <a:lnR w="19050" cap="flat" cmpd="sng" algn="ctr">
+                      <a:solidFill>
+                        <a:schemeClr val="bg1"/>
+                      </a:solidFill>
+                      <a:prstDash val="solid"/>
+                      <a:round/>
+                      <a:headEnd type="none" w="med" len="med"/>
+                      <a:tailEnd type="none" w="med" len="med"/>
+                    </a:lnR>
+                    <a:lnT w="19050" cap="flat" cmpd="sng" algn="ctr">
+                      <a:solidFill>
+                        <a:schemeClr val="bg1"/>
+                      </a:solidFill>
+                      <a:prstDash val="solid"/>
+                      <a:round/>
+                      <a:headEnd type="none" w="med" len="med"/>
+                      <a:tailEnd type="none" w="med" len="med"/>
+                    </a:lnT>
+                    <a:lnB w="19050" cap="flat" cmpd="sng" algn="ctr">
+                      <a:solidFill>
+                        <a:schemeClr val="bg1"/>
+                      </a:solidFill>
+                      <a:prstDash val="solid"/>
+                      <a:round/>
+                      <a:headEnd type="none" w="med" len="med"/>
+                      <a:tailEnd type="none" w="med" len="med"/>
+                    </a:lnB>
+                  </a:tcPr>
+                </a:tc>
+                <a:tc>
+                  <a:txBody>
+                    <a:bodyPr/>
+                    <a:lstStyle/>
+                    <a:p>
+                      <a:endParaRPr lang="fr-FR" sz="1700"/>
+                    </a:p>
+                  </a:txBody>
+                  <a:tcPr marL="86142" marR="86142" marT="43071" marB="43071">
+                    <a:lnL w="19050" cap="flat" cmpd="sng" algn="ctr">
+                      <a:solidFill>
+                        <a:schemeClr val="bg1"/>
+                      </a:solidFill>
+                      <a:prstDash val="solid"/>
+                      <a:round/>
+                      <a:headEnd type="none" w="med" len="med"/>
+                      <a:tailEnd type="none" w="med" len="med"/>
+                    </a:lnL>
+                    <a:lnR w="19050" cap="flat" cmpd="sng" algn="ctr">
+                      <a:solidFill>
+                        <a:schemeClr val="bg1"/>
+                      </a:solidFill>
+                      <a:prstDash val="solid"/>
+                      <a:round/>
+                      <a:headEnd type="none" w="med" len="med"/>
+                      <a:tailEnd type="none" w="med" len="med"/>
+                    </a:lnR>
+                    <a:lnT w="19050" cap="flat" cmpd="sng" algn="ctr">
+                      <a:solidFill>
+                        <a:schemeClr val="bg1"/>
+                      </a:solidFill>
+                      <a:prstDash val="solid"/>
+                      <a:round/>
+                      <a:headEnd type="none" w="med" len="med"/>
+                      <a:tailEnd type="none" w="med" len="med"/>
+                    </a:lnT>
+                    <a:lnB w="19050" cap="flat" cmpd="sng" algn="ctr">
+                      <a:solidFill>
+                        <a:schemeClr val="bg1"/>
+                      </a:solidFill>
+                      <a:prstDash val="solid"/>
+                      <a:round/>
+                      <a:headEnd type="none" w="med" len="med"/>
+                      <a:tailEnd type="none" w="med" len="med"/>
+                    </a:lnB>
+                  </a:tcPr>
+                </a:tc>
+                <a:tc>
+                  <a:txBody>
+                    <a:bodyPr/>
+                    <a:lstStyle/>
+                    <a:p>
+                      <a:endParaRPr lang="fr-FR" sz="1700"/>
+                    </a:p>
+                  </a:txBody>
+                  <a:tcPr marL="86142" marR="86142" marT="43071" marB="43071">
+                    <a:lnL w="19050" cap="flat" cmpd="sng" algn="ctr">
+                      <a:solidFill>
+                        <a:schemeClr val="bg1"/>
+                      </a:solidFill>
+                      <a:prstDash val="solid"/>
+                      <a:round/>
+                      <a:headEnd type="none" w="med" len="med"/>
+                      <a:tailEnd type="none" w="med" len="med"/>
+                    </a:lnL>
+                    <a:lnR w="19050" cap="flat" cmpd="sng" algn="ctr">
+                      <a:solidFill>
+                        <a:schemeClr val="bg1"/>
+                      </a:solidFill>
+                      <a:prstDash val="solid"/>
+                      <a:round/>
+                      <a:headEnd type="none" w="med" len="med"/>
+                      <a:tailEnd type="none" w="med" len="med"/>
+                    </a:lnR>
+                    <a:lnT w="19050" cap="flat" cmpd="sng" algn="ctr">
+                      <a:solidFill>
+                        <a:schemeClr val="bg1"/>
+                      </a:solidFill>
+                      <a:prstDash val="solid"/>
+                      <a:round/>
+                      <a:headEnd type="none" w="med" len="med"/>
+                      <a:tailEnd type="none" w="med" len="med"/>
+                    </a:lnT>
+                    <a:lnB w="19050" cap="flat" cmpd="sng" algn="ctr">
+                      <a:solidFill>
+                        <a:schemeClr val="bg1"/>
+                      </a:solidFill>
+                      <a:prstDash val="solid"/>
+                      <a:round/>
+                      <a:headEnd type="none" w="med" len="med"/>
+                      <a:tailEnd type="none" w="med" len="med"/>
+                    </a:lnB>
+                  </a:tcPr>
+                </a:tc>
+                <a:tc>
+                  <a:txBody>
+                    <a:bodyPr/>
+                    <a:lstStyle/>
+                    <a:p>
+                      <a:endParaRPr lang="fr-FR" sz="1700"/>
+                    </a:p>
+                  </a:txBody>
+                  <a:tcPr marL="86142" marR="86142" marT="43071" marB="43071">
+                    <a:lnL w="19050" cap="flat" cmpd="sng" algn="ctr">
+                      <a:solidFill>
+                        <a:schemeClr val="bg1"/>
+                      </a:solidFill>
+                      <a:prstDash val="solid"/>
+                      <a:round/>
+                      <a:headEnd type="none" w="med" len="med"/>
+                      <a:tailEnd type="none" w="med" len="med"/>
+                    </a:lnL>
+                    <a:lnR w="19050" cap="flat" cmpd="sng" algn="ctr">
+                      <a:solidFill>
+                        <a:schemeClr val="bg1"/>
+                      </a:solidFill>
+                      <a:prstDash val="solid"/>
+                      <a:round/>
+                      <a:headEnd type="none" w="med" len="med"/>
+                      <a:tailEnd type="none" w="med" len="med"/>
+                    </a:lnR>
+                    <a:lnT w="19050" cap="flat" cmpd="sng" algn="ctr">
+                      <a:solidFill>
+                        <a:schemeClr val="bg1"/>
+                      </a:solidFill>
+                      <a:prstDash val="solid"/>
+                      <a:round/>
+                      <a:headEnd type="none" w="med" len="med"/>
+                      <a:tailEnd type="none" w="med" len="med"/>
+                    </a:lnT>
+                    <a:lnB w="19050" cap="flat" cmpd="sng" algn="ctr">
+                      <a:solidFill>
+                        <a:schemeClr val="bg1"/>
+                      </a:solidFill>
+                      <a:prstDash val="solid"/>
+                      <a:round/>
+                      <a:headEnd type="none" w="med" len="med"/>
+                      <a:tailEnd type="none" w="med" len="med"/>
+                    </a:lnB>
+                  </a:tcPr>
+                </a:tc>
+                <a:tc>
+                  <a:txBody>
+                    <a:bodyPr/>
+                    <a:lstStyle/>
+                    <a:p>
+                      <a:endParaRPr lang="fr-FR" sz="1700"/>
+                    </a:p>
+                  </a:txBody>
+                  <a:tcPr marL="86142" marR="86142" marT="43071" marB="43071">
+                    <a:lnL w="19050" cap="flat" cmpd="sng" algn="ctr">
+                      <a:solidFill>
+                        <a:schemeClr val="bg1"/>
+                      </a:solidFill>
+                      <a:prstDash val="solid"/>
+                      <a:round/>
+                      <a:headEnd type="none" w="med" len="med"/>
+                      <a:tailEnd type="none" w="med" len="med"/>
+                    </a:lnL>
+                    <a:lnR w="19050" cap="flat" cmpd="sng" algn="ctr">
+                      <a:solidFill>
+                        <a:schemeClr val="bg1"/>
+                      </a:solidFill>
+                      <a:prstDash val="solid"/>
+                      <a:round/>
+                      <a:headEnd type="none" w="med" len="med"/>
+                      <a:tailEnd type="none" w="med" len="med"/>
+                    </a:lnR>
+                    <a:lnT w="19050" cap="flat" cmpd="sng" algn="ctr">
+                      <a:solidFill>
+                        <a:schemeClr val="bg1"/>
+                      </a:solidFill>
+                      <a:prstDash val="solid"/>
+                      <a:round/>
+                      <a:headEnd type="none" w="med" len="med"/>
+                      <a:tailEnd type="none" w="med" len="med"/>
+                    </a:lnT>
+                    <a:lnB w="19050" cap="flat" cmpd="sng" algn="ctr">
+                      <a:solidFill>
+                        <a:schemeClr val="bg1"/>
+                      </a:solidFill>
+                      <a:prstDash val="solid"/>
+                      <a:round/>
+                      <a:headEnd type="none" w="med" len="med"/>
+                      <a:tailEnd type="none" w="med" len="med"/>
+                    </a:lnB>
+                  </a:tcPr>
+                </a:tc>
+                <a:tc>
+                  <a:txBody>
+                    <a:bodyPr/>
+                    <a:lstStyle/>
+                    <a:p>
+                      <a:endParaRPr lang="fr-FR" sz="1700" dirty="0"/>
+                    </a:p>
+                  </a:txBody>
+                  <a:tcPr marL="86142" marR="86142" marT="43071" marB="43071">
+                    <a:lnL w="19050" cap="flat" cmpd="sng" algn="ctr">
+                      <a:solidFill>
+                        <a:schemeClr val="bg1"/>
+                      </a:solidFill>
+                      <a:prstDash val="solid"/>
+                      <a:round/>
+                      <a:headEnd type="none" w="med" len="med"/>
+                      <a:tailEnd type="none" w="med" len="med"/>
+                    </a:lnL>
+                    <a:lnR w="19050" cap="flat" cmpd="sng" algn="ctr">
+                      <a:solidFill>
+                        <a:schemeClr val="bg1"/>
+                      </a:solidFill>
+                      <a:prstDash val="solid"/>
+                      <a:round/>
+                      <a:headEnd type="none" w="med" len="med"/>
+                      <a:tailEnd type="none" w="med" len="med"/>
+                    </a:lnR>
+                    <a:lnT w="19050" cap="flat" cmpd="sng" algn="ctr">
+                      <a:solidFill>
+                        <a:schemeClr val="bg1"/>
+                      </a:solidFill>
+                      <a:prstDash val="solid"/>
+                      <a:round/>
+                      <a:headEnd type="none" w="med" len="med"/>
+                      <a:tailEnd type="none" w="med" len="med"/>
+                    </a:lnT>
+                    <a:lnB w="19050" cap="flat" cmpd="sng" algn="ctr">
+                      <a:solidFill>
+                        <a:schemeClr val="bg1"/>
+                      </a:solidFill>
+                      <a:prstDash val="solid"/>
+                      <a:round/>
+                      <a:headEnd type="none" w="med" len="med"/>
+                      <a:tailEnd type="none" w="med" len="med"/>
+                    </a:lnB>
+                  </a:tcPr>
+                </a:tc>
+                <a:tc>
+                  <a:txBody>
+                    <a:bodyPr/>
+                    <a:lstStyle/>
+                    <a:p>
+                      <a:endParaRPr lang="fr-FR" sz="1700"/>
+                    </a:p>
+                  </a:txBody>
+                  <a:tcPr marL="86142" marR="86142" marT="43071" marB="43071">
+                    <a:lnL w="19050" cap="flat" cmpd="sng" algn="ctr">
+                      <a:solidFill>
+                        <a:schemeClr val="bg1"/>
+                      </a:solidFill>
+                      <a:prstDash val="solid"/>
+                      <a:round/>
+                      <a:headEnd type="none" w="med" len="med"/>
+                      <a:tailEnd type="none" w="med" len="med"/>
+                    </a:lnL>
+                    <a:lnR w="19050" cap="flat" cmpd="sng" algn="ctr">
+                      <a:solidFill>
+                        <a:schemeClr val="bg1"/>
+                      </a:solidFill>
+                      <a:prstDash val="solid"/>
+                      <a:round/>
+                      <a:headEnd type="none" w="med" len="med"/>
+                      <a:tailEnd type="none" w="med" len="med"/>
+                    </a:lnR>
+                    <a:lnT w="19050" cap="flat" cmpd="sng" algn="ctr">
+                      <a:solidFill>
+                        <a:schemeClr val="bg1"/>
+                      </a:solidFill>
+                      <a:prstDash val="solid"/>
+                      <a:round/>
+                      <a:headEnd type="none" w="med" len="med"/>
+                      <a:tailEnd type="none" w="med" len="med"/>
+                    </a:lnT>
+                    <a:lnB w="19050" cap="flat" cmpd="sng" algn="ctr">
+                      <a:solidFill>
+                        <a:schemeClr val="bg1"/>
+                      </a:solidFill>
+                      <a:prstDash val="solid"/>
+                      <a:round/>
+                      <a:headEnd type="none" w="med" len="med"/>
+                      <a:tailEnd type="none" w="med" len="med"/>
+                    </a:lnB>
+                  </a:tcPr>
+                </a:tc>
+                <a:tc>
+                  <a:txBody>
+                    <a:bodyPr/>
+                    <a:lstStyle/>
+                    <a:p>
+                      <a:endParaRPr lang="fr-FR" sz="1700" dirty="0"/>
+                    </a:p>
+                  </a:txBody>
+                  <a:tcPr marL="86142" marR="86142" marT="43071" marB="43071">
+                    <a:lnL w="19050" cap="flat" cmpd="sng" algn="ctr">
+                      <a:solidFill>
+                        <a:schemeClr val="bg1"/>
+                      </a:solidFill>
+                      <a:prstDash val="solid"/>
+                      <a:round/>
+                      <a:headEnd type="none" w="med" len="med"/>
+                      <a:tailEnd type="none" w="med" len="med"/>
+                    </a:lnL>
+                    <a:lnR w="19050" cap="flat" cmpd="sng" algn="ctr">
+                      <a:solidFill>
+                        <a:schemeClr val="bg1"/>
+                      </a:solidFill>
+                      <a:prstDash val="solid"/>
+                      <a:round/>
+                      <a:headEnd type="none" w="med" len="med"/>
+                      <a:tailEnd type="none" w="med" len="med"/>
+                    </a:lnR>
+                    <a:lnT w="19050" cap="flat" cmpd="sng" algn="ctr">
+                      <a:solidFill>
+                        <a:schemeClr val="bg1"/>
+                      </a:solidFill>
+                      <a:prstDash val="solid"/>
+                      <a:round/>
+                      <a:headEnd type="none" w="med" len="med"/>
+                      <a:tailEnd type="none" w="med" len="med"/>
+                    </a:lnT>
+                    <a:lnB w="19050" cap="flat" cmpd="sng" algn="ctr">
+                      <a:solidFill>
+                        <a:schemeClr val="bg1"/>
+                      </a:solidFill>
+                      <a:prstDash val="solid"/>
+                      <a:round/>
+                      <a:headEnd type="none" w="med" len="med"/>
+                      <a:tailEnd type="none" w="med" len="med"/>
+                    </a:lnB>
+                  </a:tcPr>
+                </a:tc>
+                <a:tc>
+                  <a:txBody>
+                    <a:bodyPr/>
+                    <a:lstStyle/>
+                    <a:p>
+                      <a:endParaRPr lang="fr-FR" sz="1700"/>
+                    </a:p>
+                  </a:txBody>
+                  <a:tcPr marL="86142" marR="86142" marT="43071" marB="43071">
+                    <a:lnL w="19050" cap="flat" cmpd="sng" algn="ctr">
+                      <a:solidFill>
+                        <a:schemeClr val="bg1"/>
+                      </a:solidFill>
+                      <a:prstDash val="solid"/>
+                      <a:round/>
+                      <a:headEnd type="none" w="med" len="med"/>
+                      <a:tailEnd type="none" w="med" len="med"/>
+                    </a:lnL>
+                    <a:lnR w="19050" cap="flat" cmpd="sng" algn="ctr">
+                      <a:solidFill>
+                        <a:schemeClr val="bg1"/>
+                      </a:solidFill>
+                      <a:prstDash val="solid"/>
+                      <a:round/>
+                      <a:headEnd type="none" w="med" len="med"/>
+                      <a:tailEnd type="none" w="med" len="med"/>
+                    </a:lnR>
+                    <a:lnT w="19050" cap="flat" cmpd="sng" algn="ctr">
+                      <a:solidFill>
+                        <a:schemeClr val="bg1"/>
+                      </a:solidFill>
+                      <a:prstDash val="solid"/>
+                      <a:round/>
+                      <a:headEnd type="none" w="med" len="med"/>
+                      <a:tailEnd type="none" w="med" len="med"/>
+                    </a:lnT>
+                    <a:lnB w="19050" cap="flat" cmpd="sng" algn="ctr">
+                      <a:solidFill>
+                        <a:schemeClr val="bg1"/>
+                      </a:solidFill>
+                      <a:prstDash val="solid"/>
+                      <a:round/>
+                      <a:headEnd type="none" w="med" len="med"/>
+                      <a:tailEnd type="none" w="med" len="med"/>
+                    </a:lnB>
+                  </a:tcPr>
+                </a:tc>
+              </a:tr>
+              <a:tr h="518142">
+                <a:tc>
+                  <a:txBody>
+                    <a:bodyPr/>
+                    <a:lstStyle/>
+                    <a:p>
+                      <a:endParaRPr lang="fr-FR" sz="1700"/>
+                    </a:p>
+                  </a:txBody>
+                  <a:tcPr marL="86142" marR="86142" marT="43071" marB="43071">
+                    <a:lnL w="19050" cap="flat" cmpd="sng" algn="ctr">
+                      <a:solidFill>
+                        <a:schemeClr val="bg1"/>
+                      </a:solidFill>
+                      <a:prstDash val="solid"/>
+                      <a:round/>
+                      <a:headEnd type="none" w="med" len="med"/>
+                      <a:tailEnd type="none" w="med" len="med"/>
+                    </a:lnL>
+                    <a:lnR w="19050" cap="flat" cmpd="sng" algn="ctr">
+                      <a:solidFill>
+                        <a:schemeClr val="bg1"/>
+                      </a:solidFill>
+                      <a:prstDash val="solid"/>
+                      <a:round/>
+                      <a:headEnd type="none" w="med" len="med"/>
+                      <a:tailEnd type="none" w="med" len="med"/>
+                    </a:lnR>
+                    <a:lnT w="19050" cap="flat" cmpd="sng" algn="ctr">
+                      <a:solidFill>
+                        <a:schemeClr val="bg1"/>
+                      </a:solidFill>
+                      <a:prstDash val="solid"/>
+                      <a:round/>
+                      <a:headEnd type="none" w="med" len="med"/>
+                      <a:tailEnd type="none" w="med" len="med"/>
+                    </a:lnT>
+                    <a:lnB w="19050" cap="flat" cmpd="sng" algn="ctr">
+                      <a:solidFill>
+                        <a:schemeClr val="bg1"/>
+                      </a:solidFill>
+                      <a:prstDash val="solid"/>
+                      <a:round/>
+                      <a:headEnd type="none" w="med" len="med"/>
+                      <a:tailEnd type="none" w="med" len="med"/>
+                    </a:lnB>
+                  </a:tcPr>
+                </a:tc>
+                <a:tc>
+                  <a:txBody>
+                    <a:bodyPr/>
+                    <a:lstStyle/>
+                    <a:p>
+                      <a:endParaRPr lang="fr-FR" sz="1700"/>
+                    </a:p>
+                  </a:txBody>
+                  <a:tcPr marL="86142" marR="86142" marT="43071" marB="43071">
+                    <a:lnL w="19050" cap="flat" cmpd="sng" algn="ctr">
+                      <a:solidFill>
+                        <a:schemeClr val="bg1"/>
+                      </a:solidFill>
+                      <a:prstDash val="solid"/>
+                      <a:round/>
+                      <a:headEnd type="none" w="med" len="med"/>
+                      <a:tailEnd type="none" w="med" len="med"/>
+                    </a:lnL>
+                    <a:lnR w="19050" cap="flat" cmpd="sng" algn="ctr">
+                      <a:solidFill>
+                        <a:schemeClr val="bg1"/>
+                      </a:solidFill>
+                      <a:prstDash val="solid"/>
+                      <a:round/>
+                      <a:headEnd type="none" w="med" len="med"/>
+                      <a:tailEnd type="none" w="med" len="med"/>
+                    </a:lnR>
+                    <a:lnT w="19050" cap="flat" cmpd="sng" algn="ctr">
+                      <a:solidFill>
+                        <a:schemeClr val="bg1"/>
+                      </a:solidFill>
+                      <a:prstDash val="solid"/>
+                      <a:round/>
+                      <a:headEnd type="none" w="med" len="med"/>
+                      <a:tailEnd type="none" w="med" len="med"/>
+                    </a:lnT>
+                    <a:lnB w="19050" cap="flat" cmpd="sng" algn="ctr">
+                      <a:solidFill>
+                        <a:schemeClr val="bg1"/>
+                      </a:solidFill>
+                      <a:prstDash val="solid"/>
+                      <a:round/>
+                      <a:headEnd type="none" w="med" len="med"/>
+                      <a:tailEnd type="none" w="med" len="med"/>
+                    </a:lnB>
+                  </a:tcPr>
+                </a:tc>
+                <a:tc>
+                  <a:txBody>
+                    <a:bodyPr/>
+                    <a:lstStyle/>
+                    <a:p>
+                      <a:endParaRPr lang="fr-FR" sz="1700"/>
+                    </a:p>
+                  </a:txBody>
+                  <a:tcPr marL="86142" marR="86142" marT="43071" marB="43071">
+                    <a:lnL w="19050" cap="flat" cmpd="sng" algn="ctr">
+                      <a:solidFill>
+                        <a:schemeClr val="bg1"/>
+                      </a:solidFill>
+                      <a:prstDash val="solid"/>
+                      <a:round/>
+                      <a:headEnd type="none" w="med" len="med"/>
+                      <a:tailEnd type="none" w="med" len="med"/>
+                    </a:lnL>
+                    <a:lnR w="19050" cap="flat" cmpd="sng" algn="ctr">
+                      <a:solidFill>
+                        <a:schemeClr val="bg1"/>
+                      </a:solidFill>
+                      <a:prstDash val="solid"/>
+                      <a:round/>
+                      <a:headEnd type="none" w="med" len="med"/>
+                      <a:tailEnd type="none" w="med" len="med"/>
+                    </a:lnR>
+                    <a:lnT w="19050" cap="flat" cmpd="sng" algn="ctr">
+                      <a:solidFill>
+                        <a:schemeClr val="bg1"/>
+                      </a:solidFill>
+                      <a:prstDash val="solid"/>
+                      <a:round/>
+                      <a:headEnd type="none" w="med" len="med"/>
+                      <a:tailEnd type="none" w="med" len="med"/>
+                    </a:lnT>
+                    <a:lnB w="19050" cap="flat" cmpd="sng" algn="ctr">
+                      <a:solidFill>
+                        <a:schemeClr val="bg1"/>
+                      </a:solidFill>
+                      <a:prstDash val="solid"/>
+                      <a:round/>
+                      <a:headEnd type="none" w="med" len="med"/>
+                      <a:tailEnd type="none" w="med" len="med"/>
+                    </a:lnB>
+                  </a:tcPr>
+                </a:tc>
+                <a:tc>
+                  <a:txBody>
+                    <a:bodyPr/>
+                    <a:lstStyle/>
+                    <a:p>
+                      <a:endParaRPr lang="fr-FR" sz="1700"/>
+                    </a:p>
+                  </a:txBody>
+                  <a:tcPr marL="86142" marR="86142" marT="43071" marB="43071">
+                    <a:lnL w="19050" cap="flat" cmpd="sng" algn="ctr">
+                      <a:solidFill>
+                        <a:schemeClr val="bg1"/>
+                      </a:solidFill>
+                      <a:prstDash val="solid"/>
+                      <a:round/>
+                      <a:headEnd type="none" w="med" len="med"/>
+                      <a:tailEnd type="none" w="med" len="med"/>
+                    </a:lnL>
+                    <a:lnR w="19050" cap="flat" cmpd="sng" algn="ctr">
+                      <a:solidFill>
+                        <a:schemeClr val="bg1"/>
+                      </a:solidFill>
+                      <a:prstDash val="solid"/>
+                      <a:round/>
+                      <a:headEnd type="none" w="med" len="med"/>
+                      <a:tailEnd type="none" w="med" len="med"/>
+                    </a:lnR>
+                    <a:lnT w="19050" cap="flat" cmpd="sng" algn="ctr">
+                      <a:solidFill>
+                        <a:schemeClr val="bg1"/>
+                      </a:solidFill>
+                      <a:prstDash val="solid"/>
+                      <a:round/>
+                      <a:headEnd type="none" w="med" len="med"/>
+                      <a:tailEnd type="none" w="med" len="med"/>
+                    </a:lnT>
+                    <a:lnB w="19050" cap="flat" cmpd="sng" algn="ctr">
+                      <a:solidFill>
+                        <a:schemeClr val="bg1"/>
+                      </a:solidFill>
+                      <a:prstDash val="solid"/>
+                      <a:round/>
+                      <a:headEnd type="none" w="med" len="med"/>
+                      <a:tailEnd type="none" w="med" len="med"/>
+                    </a:lnB>
+                  </a:tcPr>
+                </a:tc>
+                <a:tc>
+                  <a:txBody>
+                    <a:bodyPr/>
+                    <a:lstStyle/>
+                    <a:p>
+                      <a:endParaRPr lang="fr-FR" sz="1700"/>
+                    </a:p>
+                  </a:txBody>
+                  <a:tcPr marL="86142" marR="86142" marT="43071" marB="43071">
+                    <a:lnL w="19050" cap="flat" cmpd="sng" algn="ctr">
+                      <a:solidFill>
+                        <a:schemeClr val="bg1"/>
+                      </a:solidFill>
+                      <a:prstDash val="solid"/>
+                      <a:round/>
+                      <a:headEnd type="none" w="med" len="med"/>
+                      <a:tailEnd type="none" w="med" len="med"/>
+                    </a:lnL>
+                    <a:lnR w="19050" cap="flat" cmpd="sng" algn="ctr">
+                      <a:solidFill>
+                        <a:schemeClr val="bg1"/>
+                      </a:solidFill>
+                      <a:prstDash val="solid"/>
+                      <a:round/>
+                      <a:headEnd type="none" w="med" len="med"/>
+                      <a:tailEnd type="none" w="med" len="med"/>
+                    </a:lnR>
+                    <a:lnT w="19050" cap="flat" cmpd="sng" algn="ctr">
+                      <a:solidFill>
+                        <a:schemeClr val="bg1"/>
+                      </a:solidFill>
+                      <a:prstDash val="solid"/>
+                      <a:round/>
+                      <a:headEnd type="none" w="med" len="med"/>
+                      <a:tailEnd type="none" w="med" len="med"/>
+                    </a:lnT>
+                    <a:lnB w="19050" cap="flat" cmpd="sng" algn="ctr">
+                      <a:solidFill>
+                        <a:schemeClr val="bg1"/>
+                      </a:solidFill>
+                      <a:prstDash val="solid"/>
+                      <a:round/>
+                      <a:headEnd type="none" w="med" len="med"/>
+                      <a:tailEnd type="none" w="med" len="med"/>
+                    </a:lnB>
+                  </a:tcPr>
+                </a:tc>
+                <a:tc>
+                  <a:txBody>
+                    <a:bodyPr/>
+                    <a:lstStyle/>
+                    <a:p>
+                      <a:endParaRPr lang="fr-FR" sz="1700" dirty="0"/>
+                    </a:p>
+                  </a:txBody>
+                  <a:tcPr marL="86142" marR="86142" marT="43071" marB="43071">
+                    <a:lnL w="19050" cap="flat" cmpd="sng" algn="ctr">
+                      <a:solidFill>
+                        <a:schemeClr val="bg1"/>
+                      </a:solidFill>
+                      <a:prstDash val="solid"/>
+                      <a:round/>
+                      <a:headEnd type="none" w="med" len="med"/>
+                      <a:tailEnd type="none" w="med" len="med"/>
+                    </a:lnL>
+                    <a:lnR w="19050" cap="flat" cmpd="sng" algn="ctr">
+                      <a:solidFill>
+                        <a:schemeClr val="bg1"/>
+                      </a:solidFill>
+                      <a:prstDash val="solid"/>
+                      <a:round/>
+                      <a:headEnd type="none" w="med" len="med"/>
+                      <a:tailEnd type="none" w="med" len="med"/>
+                    </a:lnR>
+                    <a:lnT w="19050" cap="flat" cmpd="sng" algn="ctr">
+                      <a:solidFill>
+                        <a:schemeClr val="bg1"/>
+                      </a:solidFill>
+                      <a:prstDash val="solid"/>
+                      <a:round/>
+                      <a:headEnd type="none" w="med" len="med"/>
+                      <a:tailEnd type="none" w="med" len="med"/>
+                    </a:lnT>
+                    <a:lnB w="19050" cap="flat" cmpd="sng" algn="ctr">
+                      <a:solidFill>
+                        <a:schemeClr val="bg1"/>
+                      </a:solidFill>
+                      <a:prstDash val="solid"/>
+                      <a:round/>
+                      <a:headEnd type="none" w="med" len="med"/>
+                      <a:tailEnd type="none" w="med" len="med"/>
+                    </a:lnB>
+                  </a:tcPr>
+                </a:tc>
+                <a:tc>
+                  <a:txBody>
+                    <a:bodyPr/>
+                    <a:lstStyle/>
+                    <a:p>
+                      <a:endParaRPr lang="fr-FR" sz="1700"/>
+                    </a:p>
+                  </a:txBody>
+                  <a:tcPr marL="86142" marR="86142" marT="43071" marB="43071">
+                    <a:lnL w="19050" cap="flat" cmpd="sng" algn="ctr">
+                      <a:solidFill>
+                        <a:schemeClr val="bg1"/>
+                      </a:solidFill>
+                      <a:prstDash val="solid"/>
+                      <a:round/>
+                      <a:headEnd type="none" w="med" len="med"/>
+                      <a:tailEnd type="none" w="med" len="med"/>
+                    </a:lnL>
+                    <a:lnR w="19050" cap="flat" cmpd="sng" algn="ctr">
+                      <a:solidFill>
+                        <a:schemeClr val="bg1"/>
+                      </a:solidFill>
+                      <a:prstDash val="solid"/>
+                      <a:round/>
+                      <a:headEnd type="none" w="med" len="med"/>
+                      <a:tailEnd type="none" w="med" len="med"/>
+                    </a:lnR>
+                    <a:lnT w="19050" cap="flat" cmpd="sng" algn="ctr">
+                      <a:solidFill>
+                        <a:schemeClr val="bg1"/>
+                      </a:solidFill>
+                      <a:prstDash val="solid"/>
+                      <a:round/>
+                      <a:headEnd type="none" w="med" len="med"/>
+                      <a:tailEnd type="none" w="med" len="med"/>
+                    </a:lnT>
+                    <a:lnB w="19050" cap="flat" cmpd="sng" algn="ctr">
+                      <a:solidFill>
+                        <a:schemeClr val="bg1"/>
+                      </a:solidFill>
+                      <a:prstDash val="solid"/>
+                      <a:round/>
+                      <a:headEnd type="none" w="med" len="med"/>
+                      <a:tailEnd type="none" w="med" len="med"/>
+                    </a:lnB>
+                  </a:tcPr>
+                </a:tc>
+                <a:tc>
+                  <a:txBody>
+                    <a:bodyPr/>
+                    <a:lstStyle/>
+                    <a:p>
+                      <a:endParaRPr lang="fr-FR" sz="1700" dirty="0"/>
+                    </a:p>
+                  </a:txBody>
+                  <a:tcPr marL="86142" marR="86142" marT="43071" marB="43071">
+                    <a:lnL w="19050" cap="flat" cmpd="sng" algn="ctr">
+                      <a:solidFill>
+                        <a:schemeClr val="bg1"/>
+                      </a:solidFill>
+                      <a:prstDash val="solid"/>
+                      <a:round/>
+                      <a:headEnd type="none" w="med" len="med"/>
+                      <a:tailEnd type="none" w="med" len="med"/>
+                    </a:lnL>
+                    <a:lnR w="19050" cap="flat" cmpd="sng" algn="ctr">
+                      <a:solidFill>
+                        <a:schemeClr val="bg1"/>
+                      </a:solidFill>
+                      <a:prstDash val="solid"/>
+                      <a:round/>
+                      <a:headEnd type="none" w="med" len="med"/>
+                      <a:tailEnd type="none" w="med" len="med"/>
+                    </a:lnR>
+                    <a:lnT w="19050" cap="flat" cmpd="sng" algn="ctr">
+                      <a:solidFill>
+                        <a:schemeClr val="bg1"/>
+                      </a:solidFill>
+                      <a:prstDash val="solid"/>
+                      <a:round/>
+                      <a:headEnd type="none" w="med" len="med"/>
+                      <a:tailEnd type="none" w="med" len="med"/>
+                    </a:lnT>
+                    <a:lnB w="19050" cap="flat" cmpd="sng" algn="ctr">
+                      <a:solidFill>
+                        <a:schemeClr val="bg1"/>
+                      </a:solidFill>
+                      <a:prstDash val="solid"/>
+                      <a:round/>
+                      <a:headEnd type="none" w="med" len="med"/>
+                      <a:tailEnd type="none" w="med" len="med"/>
+                    </a:lnB>
+                  </a:tcPr>
+                </a:tc>
+                <a:tc>
+                  <a:txBody>
+                    <a:bodyPr/>
+                    <a:lstStyle/>
+                    <a:p>
+                      <a:endParaRPr lang="fr-FR" sz="1700"/>
+                    </a:p>
+                  </a:txBody>
+                  <a:tcPr marL="86142" marR="86142" marT="43071" marB="43071">
+                    <a:lnL w="19050" cap="flat" cmpd="sng" algn="ctr">
+                      <a:solidFill>
+                        <a:schemeClr val="bg1"/>
+                      </a:solidFill>
+                      <a:prstDash val="solid"/>
+                      <a:round/>
+                      <a:headEnd type="none" w="med" len="med"/>
+                      <a:tailEnd type="none" w="med" len="med"/>
+                    </a:lnL>
+                    <a:lnR w="19050" cap="flat" cmpd="sng" algn="ctr">
+                      <a:solidFill>
+                        <a:schemeClr val="bg1"/>
+                      </a:solidFill>
+                      <a:prstDash val="solid"/>
+                      <a:round/>
+                      <a:headEnd type="none" w="med" len="med"/>
+                      <a:tailEnd type="none" w="med" len="med"/>
+                    </a:lnR>
+                    <a:lnT w="19050" cap="flat" cmpd="sng" algn="ctr">
+                      <a:solidFill>
+                        <a:schemeClr val="bg1"/>
+                      </a:solidFill>
+                      <a:prstDash val="solid"/>
+                      <a:round/>
+                      <a:headEnd type="none" w="med" len="med"/>
+                      <a:tailEnd type="none" w="med" len="med"/>
+                    </a:lnT>
+                    <a:lnB w="19050" cap="flat" cmpd="sng" algn="ctr">
+                      <a:solidFill>
+                        <a:schemeClr val="bg1"/>
+                      </a:solidFill>
+                      <a:prstDash val="solid"/>
+                      <a:round/>
+                      <a:headEnd type="none" w="med" len="med"/>
+                      <a:tailEnd type="none" w="med" len="med"/>
+                    </a:lnB>
+                  </a:tcPr>
+                </a:tc>
+                <a:tc>
+                  <a:txBody>
+                    <a:bodyPr/>
+                    <a:lstStyle/>
+                    <a:p>
+                      <a:endParaRPr lang="fr-FR" sz="1700" dirty="0"/>
+                    </a:p>
+                  </a:txBody>
+                  <a:tcPr marL="86142" marR="86142" marT="43071" marB="43071">
+                    <a:lnL w="19050" cap="flat" cmpd="sng" algn="ctr">
+                      <a:solidFill>
+                        <a:schemeClr val="bg1"/>
+                      </a:solidFill>
+                      <a:prstDash val="solid"/>
+                      <a:round/>
+                      <a:headEnd type="none" w="med" len="med"/>
+                      <a:tailEnd type="none" w="med" len="med"/>
+                    </a:lnL>
+                    <a:lnR w="19050" cap="flat" cmpd="sng" algn="ctr">
+                      <a:solidFill>
+                        <a:schemeClr val="bg1"/>
+                      </a:solidFill>
+                      <a:prstDash val="solid"/>
+                      <a:round/>
+                      <a:headEnd type="none" w="med" len="med"/>
+                      <a:tailEnd type="none" w="med" len="med"/>
+                    </a:lnR>
+                    <a:lnT w="19050" cap="flat" cmpd="sng" algn="ctr">
+                      <a:solidFill>
+                        <a:schemeClr val="bg1"/>
+                      </a:solidFill>
+                      <a:prstDash val="solid"/>
+                      <a:round/>
+                      <a:headEnd type="none" w="med" len="med"/>
+                      <a:tailEnd type="none" w="med" len="med"/>
+                    </a:lnT>
+                    <a:lnB w="19050" cap="flat" cmpd="sng" algn="ctr">
+                      <a:solidFill>
+                        <a:schemeClr val="bg1"/>
+                      </a:solidFill>
+                      <a:prstDash val="solid"/>
+                      <a:round/>
+                      <a:headEnd type="none" w="med" len="med"/>
+                      <a:tailEnd type="none" w="med" len="med"/>
+                    </a:lnB>
+                  </a:tcPr>
+                </a:tc>
+                <a:tc>
+                  <a:txBody>
+                    <a:bodyPr/>
+                    <a:lstStyle/>
+                    <a:p>
+                      <a:endParaRPr lang="fr-FR" sz="1700" dirty="0"/>
+                    </a:p>
+                  </a:txBody>
+                  <a:tcPr marL="86142" marR="86142" marT="43071" marB="43071">
+                    <a:lnL w="19050" cap="flat" cmpd="sng" algn="ctr">
+                      <a:solidFill>
+                        <a:schemeClr val="bg1"/>
+                      </a:solidFill>
+                      <a:prstDash val="solid"/>
+                      <a:round/>
+                      <a:headEnd type="none" w="med" len="med"/>
+                      <a:tailEnd type="none" w="med" len="med"/>
+                    </a:lnL>
+                    <a:lnR w="19050" cap="flat" cmpd="sng" algn="ctr">
+                      <a:solidFill>
+                        <a:schemeClr val="bg1"/>
+                      </a:solidFill>
+                      <a:prstDash val="solid"/>
+                      <a:round/>
+                      <a:headEnd type="none" w="med" len="med"/>
+                      <a:tailEnd type="none" w="med" len="med"/>
+                    </a:lnR>
+                    <a:lnT w="19050" cap="flat" cmpd="sng" algn="ctr">
+                      <a:solidFill>
+                        <a:schemeClr val="bg1"/>
+                      </a:solidFill>
+                      <a:prstDash val="solid"/>
+                      <a:round/>
+                      <a:headEnd type="none" w="med" len="med"/>
+                      <a:tailEnd type="none" w="med" len="med"/>
+                    </a:lnT>
+                    <a:lnB w="19050" cap="flat" cmpd="sng" algn="ctr">
+                      <a:solidFill>
+                        <a:schemeClr val="bg1"/>
+                      </a:solidFill>
+                      <a:prstDash val="solid"/>
+                      <a:round/>
+                      <a:headEnd type="none" w="med" len="med"/>
+                      <a:tailEnd type="none" w="med" len="med"/>
+                    </a:lnB>
+                  </a:tcPr>
+                </a:tc>
+              </a:tr>
+            </a:tbl>
+          </a:graphicData>
+        </a:graphic>
+      </p:graphicFrame>
     </p:spTree>
     <p:extLst>
       <p:ext uri="{BB962C8B-B14F-4D97-AF65-F5344CB8AC3E}">
-        <p14:creationId xmlns:p14="http://schemas.microsoft.com/office/powerpoint/2010/main" val="2795810461"/>
+        <p14:creationId xmlns:p14="http://schemas.microsoft.com/office/powerpoint/2010/main" val="2461008506"/>
       </p:ext>
     </p:extLst>
   </p:cSld>
   <p:clrMapOvr>
     <a:masterClrMapping/>
   </p:clrMapOvr>
+  <p:timing>
+    <p:tnLst>
+      <p:par>
+        <p:cTn id="1" dur="indefinite" restart="never" nodeType="tmRoot"/>
+      </p:par>
+    </p:tnLst>
+  </p:timing>
 </p:sld>
 </file>
 
@@ -3830,7 +8790,7 @@
           <p:cNvPr id="2" name="Title 1">
             <a:extLst>
               <a:ext uri="{FF2B5EF4-FFF2-40B4-BE49-F238E27FC236}">
-                <a16:creationId xmlns:a16="http://schemas.microsoft.com/office/drawing/2014/main" id="{623441A8-58F5-2843-B3D4-A7975E19CAFB}"/>
+                <a16:creationId xmlns:a16="http://schemas.microsoft.com/office/drawing/2014/main" xmlns="" id="{E89AE448-D75D-1746-B986-D68E978C974D}"/>
               </a:ext>
             </a:extLst>
           </p:cNvPr>
@@ -3847,9 +8807,26 @@
           <a:lstStyle/>
           <a:p>
             <a:r>
-              <a:rPr lang="en-US" dirty="0"/>
-              <a:t>Algorithm 2: Part III: Watershed</a:t>
-            </a:r>
+              <a:rPr lang="en-US" dirty="0">
+                <a:latin typeface="Gotham" charset="0"/>
+                <a:ea typeface="Gotham" charset="0"/>
+                <a:cs typeface="Gotham" charset="0"/>
+              </a:rPr>
+              <a:t>Algorithm </a:t>
+            </a:r>
+            <a:r>
+              <a:rPr lang="en-US" dirty="0" smtClean="0">
+                <a:latin typeface="Gotham" charset="0"/>
+                <a:ea typeface="Gotham" charset="0"/>
+                <a:cs typeface="Gotham" charset="0"/>
+              </a:rPr>
+              <a:t>II (MapReduce)</a:t>
+            </a:r>
+            <a:endParaRPr lang="en-US" dirty="0">
+              <a:latin typeface="Gotham" charset="0"/>
+              <a:ea typeface="Gotham" charset="0"/>
+              <a:cs typeface="Gotham" charset="0"/>
+            </a:endParaRPr>
           </a:p>
         </p:txBody>
       </p:sp>
@@ -3858,7 +8835,7 @@
           <p:cNvPr id="3" name="Content Placeholder 2">
             <a:extLst>
               <a:ext uri="{FF2B5EF4-FFF2-40B4-BE49-F238E27FC236}">
-                <a16:creationId xmlns:a16="http://schemas.microsoft.com/office/drawing/2014/main" id="{E25C37E5-B605-E04D-A48E-EC15F118270A}"/>
+                <a16:creationId xmlns:a16="http://schemas.microsoft.com/office/drawing/2014/main" xmlns="" id="{4F48A269-3FF4-1242-9D39-5E598D1B3EB1}"/>
               </a:ext>
             </a:extLst>
           </p:cNvPr>
@@ -3866,31 +8843,204 @@
             <a:spLocks noGrp="1"/>
           </p:cNvSpPr>
           <p:nvPr>
-            <p:ph idx="1"/>
-          </p:nvPr>
-        </p:nvSpPr>
-        <p:spPr/>
-        <p:txBody>
-          <a:bodyPr/>
+            <p:ph sz="half" idx="1"/>
+          </p:nvPr>
+        </p:nvSpPr>
+        <p:spPr>
+          <a:xfrm>
+            <a:off x="838200" y="1825625"/>
+            <a:ext cx="6248400" cy="4351338"/>
+          </a:xfrm>
+        </p:spPr>
+        <p:txBody>
+          <a:bodyPr>
+            <a:normAutofit/>
+          </a:bodyPr>
           <a:lstStyle/>
           <a:p>
             <a:r>
-              <a:rPr lang="en-US" dirty="0"/>
-              <a:t>Watershed algorithm to define dividing lines on gradient</a:t>
-            </a:r>
-          </a:p>
-        </p:txBody>
-      </p:sp>
+              <a:rPr lang="en-US" dirty="0" smtClean="0">
+                <a:latin typeface="Gotham" charset="0"/>
+                <a:ea typeface="Gotham" charset="0"/>
+                <a:cs typeface="Gotham" charset="0"/>
+              </a:rPr>
+              <a:t>Step 1: Split Sky (</a:t>
+            </a:r>
+            <a:r>
+              <a:rPr lang="en-US" dirty="0" err="1" smtClean="0">
+                <a:latin typeface="Gotham" charset="0"/>
+                <a:ea typeface="Gotham" charset="0"/>
+                <a:cs typeface="Gotham" charset="0"/>
+              </a:rPr>
+              <a:t>Dataproc</a:t>
+            </a:r>
+            <a:r>
+              <a:rPr lang="en-US" dirty="0" smtClean="0">
+                <a:latin typeface="Gotham" charset="0"/>
+                <a:ea typeface="Gotham" charset="0"/>
+                <a:cs typeface="Gotham" charset="0"/>
+              </a:rPr>
+              <a:t> Implementation in Progress)</a:t>
+            </a:r>
+          </a:p>
+          <a:p>
+            <a:pPr lvl="1"/>
+            <a:r>
+              <a:rPr lang="en-US" dirty="0" smtClean="0">
+                <a:latin typeface="Gotham" charset="0"/>
+                <a:ea typeface="Gotham" charset="0"/>
+                <a:cs typeface="Gotham" charset="0"/>
+              </a:rPr>
+              <a:t>Create grids of the entire sky</a:t>
+            </a:r>
+          </a:p>
+          <a:p>
+            <a:pPr lvl="1"/>
+            <a:r>
+              <a:rPr lang="en-US" dirty="0" smtClean="0">
+                <a:latin typeface="Gotham" charset="0"/>
+                <a:ea typeface="Gotham" charset="0"/>
+                <a:cs typeface="Gotham" charset="0"/>
+              </a:rPr>
+              <a:t>Create graphs of each grid</a:t>
+            </a:r>
+          </a:p>
+          <a:p>
+            <a:r>
+              <a:rPr lang="en-US" dirty="0" smtClean="0">
+                <a:latin typeface="Gotham" charset="0"/>
+                <a:ea typeface="Gotham" charset="0"/>
+                <a:cs typeface="Gotham" charset="0"/>
+              </a:rPr>
+              <a:t>Step 2: </a:t>
+            </a:r>
+            <a:r>
+              <a:rPr lang="en-US" dirty="0">
+                <a:latin typeface="Gotham" charset="0"/>
+                <a:ea typeface="Gotham" charset="0"/>
+                <a:cs typeface="Gotham" charset="0"/>
+              </a:rPr>
+              <a:t>Random </a:t>
+            </a:r>
+            <a:r>
+              <a:rPr lang="en-US" dirty="0" smtClean="0">
+                <a:latin typeface="Gotham" charset="0"/>
+                <a:ea typeface="Gotham" charset="0"/>
+                <a:cs typeface="Gotham" charset="0"/>
+              </a:rPr>
+              <a:t>Walk </a:t>
+            </a:r>
+          </a:p>
+          <a:p>
+            <a:r>
+              <a:rPr lang="en-US" dirty="0" smtClean="0">
+                <a:latin typeface="Gotham" charset="0"/>
+                <a:ea typeface="Gotham" charset="0"/>
+                <a:cs typeface="Gotham" charset="0"/>
+              </a:rPr>
+              <a:t>(</a:t>
+            </a:r>
+            <a:r>
+              <a:rPr lang="en-US" dirty="0" err="1">
+                <a:latin typeface="Gotham" charset="0"/>
+                <a:ea typeface="Gotham" charset="0"/>
+                <a:cs typeface="Gotham" charset="0"/>
+              </a:rPr>
+              <a:t>Dataproc</a:t>
+            </a:r>
+            <a:r>
+              <a:rPr lang="en-US" dirty="0">
+                <a:latin typeface="Gotham" charset="0"/>
+                <a:ea typeface="Gotham" charset="0"/>
+                <a:cs typeface="Gotham" charset="0"/>
+              </a:rPr>
+              <a:t> </a:t>
+            </a:r>
+            <a:r>
+              <a:rPr lang="en-US" dirty="0" smtClean="0">
+                <a:latin typeface="Gotham" charset="0"/>
+                <a:ea typeface="Gotham" charset="0"/>
+                <a:cs typeface="Gotham" charset="0"/>
+              </a:rPr>
+              <a:t>in </a:t>
+            </a:r>
+            <a:r>
+              <a:rPr lang="en-US" dirty="0">
+                <a:latin typeface="Gotham" charset="0"/>
+                <a:ea typeface="Gotham" charset="0"/>
+                <a:cs typeface="Gotham" charset="0"/>
+              </a:rPr>
+              <a:t>Progress)</a:t>
+            </a:r>
+            <a:endParaRPr lang="en-US" dirty="0" smtClean="0">
+              <a:latin typeface="Gotham" charset="0"/>
+              <a:ea typeface="Gotham" charset="0"/>
+              <a:cs typeface="Gotham" charset="0"/>
+            </a:endParaRPr>
+          </a:p>
+          <a:p>
+            <a:r>
+              <a:rPr lang="en-US" dirty="0" smtClean="0">
+                <a:latin typeface="Gotham" charset="0"/>
+                <a:ea typeface="Gotham" charset="0"/>
+                <a:cs typeface="Gotham" charset="0"/>
+              </a:rPr>
+              <a:t>Step 3: Find Probabilistic Clusters (Coding In Progress)</a:t>
+            </a:r>
+            <a:endParaRPr lang="en-US" dirty="0">
+              <a:latin typeface="Gotham" charset="0"/>
+              <a:ea typeface="Gotham" charset="0"/>
+              <a:cs typeface="Gotham" charset="0"/>
+            </a:endParaRPr>
+          </a:p>
+        </p:txBody>
+      </p:sp>
+      <p:pic>
+        <p:nvPicPr>
+          <p:cNvPr id="5" name="Picture 4"/>
+          <p:cNvPicPr>
+            <a:picLocks noChangeAspect="1"/>
+          </p:cNvPicPr>
+          <p:nvPr/>
+        </p:nvPicPr>
+        <p:blipFill rotWithShape="1">
+          <a:blip r:embed="rId3">
+            <a:extLst>
+              <a:ext uri="{28A0092B-C50C-407E-A947-70E740481C1C}">
+                <a14:useLocalDpi xmlns:a14="http://schemas.microsoft.com/office/drawing/2010/main" val="0"/>
+              </a:ext>
+            </a:extLst>
+          </a:blip>
+          <a:srcRect l="15657" r="14141"/>
+          <a:stretch/>
+        </p:blipFill>
+        <p:spPr>
+          <a:xfrm>
+            <a:off x="7377546" y="1690688"/>
+            <a:ext cx="4270664" cy="4055630"/>
+          </a:xfrm>
+          <a:prstGeom prst="rect">
+            <a:avLst/>
+          </a:prstGeom>
+        </p:spPr>
+      </p:pic>
     </p:spTree>
     <p:extLst>
       <p:ext uri="{BB962C8B-B14F-4D97-AF65-F5344CB8AC3E}">
-        <p14:creationId xmlns:p14="http://schemas.microsoft.com/office/powerpoint/2010/main" val="1159738870"/>
+        <p14:creationId xmlns:p14="http://schemas.microsoft.com/office/powerpoint/2010/main" val="937217776"/>
       </p:ext>
     </p:extLst>
   </p:cSld>
   <p:clrMapOvr>
     <a:masterClrMapping/>
   </p:clrMapOvr>
+  <p:timing>
+    <p:tnLst>
+      <p:par>
+        <p:cTn id="1" dur="indefinite" restart="never" nodeType="tmRoot"/>
+      </p:par>
+    </p:tnLst>
+  </p:timing>
 </p:sld>
 </file>
 
@@ -3916,7 +9066,7 @@
           <p:cNvPr id="2" name="Title 1">
             <a:extLst>
               <a:ext uri="{FF2B5EF4-FFF2-40B4-BE49-F238E27FC236}">
-                <a16:creationId xmlns:a16="http://schemas.microsoft.com/office/drawing/2014/main" id="{79729BAF-3F0B-9346-ABD0-66C0ED5BFA3E}"/>
+                <a16:creationId xmlns:a16="http://schemas.microsoft.com/office/drawing/2014/main" xmlns="" id="{82954907-488D-BD4C-8497-918EBD3FDB5F}"/>
               </a:ext>
             </a:extLst>
           </p:cNvPr>
@@ -3933,18 +9083,68 @@
           <a:lstStyle/>
           <a:p>
             <a:r>
-              <a:rPr lang="en-US" dirty="0"/>
-              <a:t>Approaches and Tools</a:t>
-            </a:r>
-          </a:p>
-        </p:txBody>
-      </p:sp>
-      <p:sp>
-        <p:nvSpPr>
-          <p:cNvPr id="3" name="Content Placeholder 2">
+              <a:rPr lang="en-US" dirty="0" smtClean="0">
+                <a:latin typeface="Gotham" charset="0"/>
+                <a:ea typeface="Gotham" charset="0"/>
+                <a:cs typeface="Gotham" charset="0"/>
+              </a:rPr>
+              <a:t>Runtime Comparison</a:t>
+            </a:r>
+            <a:endParaRPr lang="en-US" dirty="0">
+              <a:latin typeface="Gotham" charset="0"/>
+              <a:ea typeface="Gotham" charset="0"/>
+              <a:cs typeface="Gotham" charset="0"/>
+            </a:endParaRPr>
+          </a:p>
+        </p:txBody>
+      </p:sp>
+      <p:sp>
+        <p:nvSpPr>
+          <p:cNvPr id="4" name="Text Placeholder 3"/>
+          <p:cNvSpPr>
+            <a:spLocks noGrp="1"/>
+          </p:cNvSpPr>
+          <p:nvPr>
+            <p:ph type="body" idx="1"/>
+          </p:nvPr>
+        </p:nvSpPr>
+        <p:spPr/>
+        <p:txBody>
+          <a:bodyPr>
+            <a:normAutofit/>
+          </a:bodyPr>
+          <a:lstStyle/>
+          <a:p>
+            <a:r>
+              <a:rPr lang="fr-FR" sz="2800" dirty="0" err="1" smtClean="0">
+                <a:latin typeface="Gotham" charset="0"/>
+                <a:ea typeface="Gotham" charset="0"/>
+                <a:cs typeface="Gotham" charset="0"/>
+              </a:rPr>
+              <a:t>Algorithm</a:t>
+            </a:r>
+            <a:r>
+              <a:rPr lang="fr-FR" sz="2800" dirty="0" smtClean="0">
+                <a:latin typeface="Gotham" charset="0"/>
+                <a:ea typeface="Gotham" charset="0"/>
+                <a:cs typeface="Gotham" charset="0"/>
+              </a:rPr>
+              <a:t> I</a:t>
+            </a:r>
+            <a:endParaRPr lang="fr-FR" sz="2800" dirty="0">
+              <a:latin typeface="Gotham" charset="0"/>
+              <a:ea typeface="Gotham" charset="0"/>
+              <a:cs typeface="Gotham" charset="0"/>
+            </a:endParaRPr>
+          </a:p>
+        </p:txBody>
+      </p:sp>
+      <p:sp>
+        <p:nvSpPr>
+          <p:cNvPr id="5" name="Content Placeholder 4">
             <a:extLst>
               <a:ext uri="{FF2B5EF4-FFF2-40B4-BE49-F238E27FC236}">
-                <a16:creationId xmlns:a16="http://schemas.microsoft.com/office/drawing/2014/main" id="{54CB3805-7A9B-3F4E-A2A7-86DA099532F7}"/>
+                <a16:creationId xmlns:a16="http://schemas.microsoft.com/office/drawing/2014/main" xmlns="" id="{74FB3ED5-2512-B34A-821B-E62AD1FDDA6D}"/>
               </a:ext>
             </a:extLst>
           </p:cNvPr>
@@ -3952,45 +9152,282 @@
             <a:spLocks noGrp="1"/>
           </p:cNvSpPr>
           <p:nvPr>
-            <p:ph idx="1"/>
+            <p:ph sz="half" idx="2"/>
           </p:nvPr>
         </p:nvSpPr>
         <p:spPr/>
         <p:txBody>
-          <a:bodyPr/>
+          <a:bodyPr>
+            <a:normAutofit/>
+          </a:bodyPr>
           <a:lstStyle/>
           <a:p>
             <a:r>
-              <a:rPr lang="en-US" dirty="0"/>
-              <a:t>Spark (clustering)</a:t>
-            </a:r>
-          </a:p>
-          <a:p>
-            <a:r>
-              <a:rPr lang="en-US" dirty="0"/>
-              <a:t>MapReduce (</a:t>
-            </a:r>
-            <a:r>
-              <a:rPr lang="en-US" dirty="0" err="1"/>
-              <a:t>mrjob</a:t>
-            </a:r>
-            <a:r>
-              <a:rPr lang="en-US" dirty="0"/>
+              <a:rPr lang="en-US" sz="2000" dirty="0" smtClean="0">
+                <a:latin typeface="Gotham" charset="0"/>
+                <a:ea typeface="Gotham" charset="0"/>
+                <a:cs typeface="Gotham" charset="0"/>
+              </a:rPr>
+              <a:t>Local:</a:t>
+            </a:r>
+          </a:p>
+          <a:p>
+            <a:endParaRPr lang="en-US" sz="2000" dirty="0" smtClean="0">
+              <a:latin typeface="Gotham" charset="0"/>
+              <a:ea typeface="Gotham" charset="0"/>
+              <a:cs typeface="Gotham" charset="0"/>
+            </a:endParaRPr>
+          </a:p>
+          <a:p>
+            <a:r>
+              <a:rPr lang="en-US" sz="2000" dirty="0" err="1" smtClean="0">
+                <a:latin typeface="Gotham" charset="0"/>
+                <a:ea typeface="Gotham" charset="0"/>
+                <a:cs typeface="Gotham" charset="0"/>
+              </a:rPr>
+              <a:t>Dataproc</a:t>
+            </a:r>
+            <a:r>
+              <a:rPr lang="en-US" sz="2000" dirty="0" smtClean="0">
+                <a:latin typeface="Gotham" charset="0"/>
+                <a:ea typeface="Gotham" charset="0"/>
+                <a:cs typeface="Gotham" charset="0"/>
+              </a:rPr>
+              <a:t>:</a:t>
+            </a:r>
+            <a:endParaRPr lang="en-US" sz="2000" dirty="0" smtClean="0">
+              <a:latin typeface="Gotham" charset="0"/>
+              <a:ea typeface="Gotham" charset="0"/>
+              <a:cs typeface="Gotham" charset="0"/>
+            </a:endParaRPr>
+          </a:p>
+          <a:p>
+            <a:pPr lvl="1"/>
+            <a:r>
+              <a:rPr lang="en-US" sz="2000" dirty="0" smtClean="0">
+                <a:latin typeface="Gotham" charset="0"/>
+                <a:ea typeface="Gotham" charset="0"/>
+                <a:cs typeface="Gotham" charset="0"/>
+              </a:rPr>
+              <a:t>8 </a:t>
+            </a:r>
+            <a:r>
+              <a:rPr lang="en-US" sz="2000" dirty="0">
+                <a:latin typeface="Gotham" charset="0"/>
+                <a:ea typeface="Gotham" charset="0"/>
+                <a:cs typeface="Gotham" charset="0"/>
+              </a:rPr>
+              <a:t>min. 44 sec.</a:t>
+            </a:r>
+          </a:p>
+          <a:p>
+            <a:pPr lvl="2"/>
+            <a:r>
+              <a:rPr lang="en-US" dirty="0">
+                <a:latin typeface="Gotham" charset="0"/>
+                <a:ea typeface="Gotham" charset="0"/>
+                <a:cs typeface="Gotham" charset="0"/>
+              </a:rPr>
+              <a:t>25 workers with n1-standard-4 specs</a:t>
+            </a:r>
+          </a:p>
+          <a:p>
+            <a:pPr lvl="2"/>
+            <a:r>
+              <a:rPr lang="en-US" dirty="0">
+                <a:latin typeface="Gotham" charset="0"/>
+                <a:ea typeface="Gotham" charset="0"/>
+                <a:cs typeface="Gotham" charset="0"/>
+              </a:rPr>
+              <a:t>358,169 </a:t>
+            </a:r>
+            <a:r>
+              <a:rPr lang="en-US" dirty="0" smtClean="0">
+                <a:latin typeface="Gotham" charset="0"/>
+                <a:ea typeface="Gotham" charset="0"/>
+                <a:cs typeface="Gotham" charset="0"/>
+              </a:rPr>
+              <a:t>rows</a:t>
+            </a:r>
+          </a:p>
+        </p:txBody>
+      </p:sp>
+      <p:sp>
+        <p:nvSpPr>
+          <p:cNvPr id="6" name="Text Placeholder 5"/>
+          <p:cNvSpPr>
+            <a:spLocks noGrp="1"/>
+          </p:cNvSpPr>
+          <p:nvPr>
+            <p:ph type="body" sz="quarter" idx="3"/>
+          </p:nvPr>
+        </p:nvSpPr>
+        <p:spPr>
+          <a:xfrm>
+            <a:off x="6172199" y="1681163"/>
+            <a:ext cx="5569527" cy="823912"/>
+          </a:xfrm>
+        </p:spPr>
+        <p:txBody>
+          <a:bodyPr>
+            <a:normAutofit/>
+          </a:bodyPr>
+          <a:lstStyle/>
+          <a:p>
+            <a:r>
+              <a:rPr lang="fr-FR" sz="2800" dirty="0" err="1">
+                <a:latin typeface="Gotham" charset="0"/>
+                <a:ea typeface="Gotham" charset="0"/>
+                <a:cs typeface="Gotham" charset="0"/>
+              </a:rPr>
+              <a:t>Algorithm</a:t>
+            </a:r>
+            <a:r>
+              <a:rPr lang="fr-FR" sz="2800" dirty="0">
+                <a:latin typeface="Gotham" charset="0"/>
+                <a:ea typeface="Gotham" charset="0"/>
+                <a:cs typeface="Gotham" charset="0"/>
+              </a:rPr>
+              <a:t> </a:t>
+            </a:r>
+            <a:r>
+              <a:rPr lang="fr-FR" sz="2800" dirty="0" smtClean="0">
+                <a:latin typeface="Gotham" charset="0"/>
+                <a:ea typeface="Gotham" charset="0"/>
+                <a:cs typeface="Gotham" charset="0"/>
+              </a:rPr>
+              <a:t>II (</a:t>
+            </a:r>
+            <a:r>
+              <a:rPr lang="fr-FR" sz="2800" dirty="0" err="1" smtClean="0">
+                <a:latin typeface="Gotham" charset="0"/>
+                <a:ea typeface="Gotham" charset="0"/>
+                <a:cs typeface="Gotham" charset="0"/>
+              </a:rPr>
+              <a:t>RandomWalk</a:t>
+            </a:r>
+            <a:r>
+              <a:rPr lang="fr-FR" sz="2800" dirty="0" smtClean="0">
+                <a:latin typeface="Gotham" charset="0"/>
+                <a:ea typeface="Gotham" charset="0"/>
+                <a:cs typeface="Gotham" charset="0"/>
+              </a:rPr>
               <a:t>)</a:t>
             </a:r>
+            <a:endParaRPr lang="fr-FR" sz="2800" dirty="0">
+              <a:latin typeface="Gotham" charset="0"/>
+              <a:ea typeface="Gotham" charset="0"/>
+              <a:cs typeface="Gotham" charset="0"/>
+            </a:endParaRPr>
+          </a:p>
+        </p:txBody>
+      </p:sp>
+      <p:sp>
+        <p:nvSpPr>
+          <p:cNvPr id="7" name="Content Placeholder 6"/>
+          <p:cNvSpPr>
+            <a:spLocks noGrp="1"/>
+          </p:cNvSpPr>
+          <p:nvPr>
+            <p:ph sz="quarter" idx="4"/>
+          </p:nvPr>
+        </p:nvSpPr>
+        <p:spPr/>
+        <p:txBody>
+          <a:bodyPr>
+            <a:normAutofit/>
+          </a:bodyPr>
+          <a:lstStyle/>
+          <a:p>
+            <a:r>
+              <a:rPr lang="en-US" sz="2000" dirty="0">
+                <a:latin typeface="Gotham" charset="0"/>
+                <a:ea typeface="Gotham" charset="0"/>
+                <a:cs typeface="Gotham" charset="0"/>
+              </a:rPr>
+              <a:t>Local:</a:t>
+            </a:r>
+          </a:p>
+          <a:p>
+            <a:pPr lvl="1"/>
+            <a:r>
+              <a:rPr lang="en-US" sz="2000" dirty="0" smtClean="0">
+                <a:latin typeface="Gotham" charset="0"/>
+                <a:ea typeface="Gotham" charset="0"/>
+                <a:cs typeface="Gotham" charset="0"/>
+              </a:rPr>
+              <a:t>16 min. 9 sec.</a:t>
+            </a:r>
+          </a:p>
+          <a:p>
+            <a:pPr lvl="1"/>
+            <a:r>
+              <a:rPr lang="en-US" sz="2000" dirty="0" smtClean="0">
+                <a:latin typeface="Gotham" charset="0"/>
+                <a:ea typeface="Gotham" charset="0"/>
+                <a:cs typeface="Gotham" charset="0"/>
+              </a:rPr>
+              <a:t>365,601 rows</a:t>
+            </a:r>
+            <a:endParaRPr lang="en-US" sz="2000" dirty="0">
+              <a:latin typeface="Gotham" charset="0"/>
+              <a:ea typeface="Gotham" charset="0"/>
+              <a:cs typeface="Gotham" charset="0"/>
+            </a:endParaRPr>
+          </a:p>
+          <a:p>
+            <a:r>
+              <a:rPr lang="en-US" sz="2000" dirty="0" err="1">
+                <a:latin typeface="Gotham" charset="0"/>
+                <a:ea typeface="Gotham" charset="0"/>
+                <a:cs typeface="Gotham" charset="0"/>
+              </a:rPr>
+              <a:t>Dataproc</a:t>
+            </a:r>
+            <a:r>
+              <a:rPr lang="en-US" sz="2000" dirty="0">
+                <a:latin typeface="Gotham" charset="0"/>
+                <a:ea typeface="Gotham" charset="0"/>
+                <a:cs typeface="Gotham" charset="0"/>
+              </a:rPr>
+              <a:t>:</a:t>
+            </a:r>
+          </a:p>
+          <a:p>
+            <a:pPr lvl="1"/>
+            <a:r>
+              <a:rPr lang="en-US" sz="2000" dirty="0" smtClean="0">
+                <a:latin typeface="Gotham" charset="0"/>
+                <a:ea typeface="Gotham" charset="0"/>
+                <a:cs typeface="Gotham" charset="0"/>
+              </a:rPr>
+              <a:t>In Progress</a:t>
+            </a:r>
+            <a:endParaRPr lang="en-US" sz="2000" dirty="0">
+              <a:latin typeface="Gotham" charset="0"/>
+              <a:ea typeface="Gotham" charset="0"/>
+              <a:cs typeface="Gotham" charset="0"/>
+            </a:endParaRPr>
           </a:p>
         </p:txBody>
       </p:sp>
     </p:spTree>
     <p:extLst>
       <p:ext uri="{BB962C8B-B14F-4D97-AF65-F5344CB8AC3E}">
-        <p14:creationId xmlns:p14="http://schemas.microsoft.com/office/powerpoint/2010/main" val="152993560"/>
+        <p14:creationId xmlns:p14="http://schemas.microsoft.com/office/powerpoint/2010/main" val="3860487657"/>
       </p:ext>
     </p:extLst>
   </p:cSld>
   <p:clrMapOvr>
     <a:masterClrMapping/>
   </p:clrMapOvr>
+  <p:timing>
+    <p:tnLst>
+      <p:par>
+        <p:cTn id="1" dur="indefinite" restart="never" nodeType="tmRoot"/>
+      </p:par>
+    </p:tnLst>
+  </p:timing>
 </p:sld>
 </file>
 
@@ -4016,7 +9453,7 @@
           <p:cNvPr id="2" name="Title 1">
             <a:extLst>
               <a:ext uri="{FF2B5EF4-FFF2-40B4-BE49-F238E27FC236}">
-                <a16:creationId xmlns:a16="http://schemas.microsoft.com/office/drawing/2014/main" id="{95A0EE87-9495-2D4D-A589-A914D9E6A7D4}"/>
+                <a16:creationId xmlns:a16="http://schemas.microsoft.com/office/drawing/2014/main" xmlns="" id="{82954907-488D-BD4C-8497-918EBD3FDB5F}"/>
               </a:ext>
             </a:extLst>
           </p:cNvPr>
@@ -4033,56 +9470,209 @@
           <a:lstStyle/>
           <a:p>
             <a:r>
-              <a:rPr lang="en-US" dirty="0"/>
-              <a:t>Runtime examples</a:t>
-            </a:r>
-          </a:p>
-        </p:txBody>
-      </p:sp>
-      <p:sp>
-        <p:nvSpPr>
-          <p:cNvPr id="3" name="Content Placeholder 2">
+              <a:rPr lang="en-US" dirty="0" smtClean="0">
+                <a:latin typeface="Gotham" charset="0"/>
+                <a:ea typeface="Gotham" charset="0"/>
+                <a:cs typeface="Gotham" charset="0"/>
+              </a:rPr>
+              <a:t>Runtime Comparison</a:t>
+            </a:r>
+            <a:endParaRPr lang="en-US" dirty="0">
+              <a:latin typeface="Gotham" charset="0"/>
+              <a:ea typeface="Gotham" charset="0"/>
+              <a:cs typeface="Gotham" charset="0"/>
+            </a:endParaRPr>
+          </a:p>
+        </p:txBody>
+      </p:sp>
+      <p:sp>
+        <p:nvSpPr>
+          <p:cNvPr id="4" name="Text Placeholder 3"/>
+          <p:cNvSpPr>
+            <a:spLocks noGrp="1"/>
+          </p:cNvSpPr>
+          <p:nvPr>
+            <p:ph type="body" idx="1"/>
+          </p:nvPr>
+        </p:nvSpPr>
+        <p:spPr/>
+        <p:txBody>
+          <a:bodyPr>
+            <a:normAutofit/>
+          </a:bodyPr>
+          <a:lstStyle/>
+          <a:p>
+            <a:r>
+              <a:rPr lang="fr-FR" sz="2800" dirty="0" err="1" smtClean="0">
+                <a:latin typeface="Gotham" charset="0"/>
+                <a:ea typeface="Gotham" charset="0"/>
+                <a:cs typeface="Gotham" charset="0"/>
+              </a:rPr>
+              <a:t>Algorithm</a:t>
+            </a:r>
+            <a:r>
+              <a:rPr lang="fr-FR" sz="2800" dirty="0" smtClean="0">
+                <a:latin typeface="Gotham" charset="0"/>
+                <a:ea typeface="Gotham" charset="0"/>
+                <a:cs typeface="Gotham" charset="0"/>
+              </a:rPr>
+              <a:t> I</a:t>
+            </a:r>
+            <a:endParaRPr lang="fr-FR" sz="2800" dirty="0">
+              <a:latin typeface="Gotham" charset="0"/>
+              <a:ea typeface="Gotham" charset="0"/>
+              <a:cs typeface="Gotham" charset="0"/>
+            </a:endParaRPr>
+          </a:p>
+        </p:txBody>
+      </p:sp>
+      <p:sp>
+        <p:nvSpPr>
+          <p:cNvPr id="6" name="Text Placeholder 5"/>
+          <p:cNvSpPr>
+            <a:spLocks noGrp="1"/>
+          </p:cNvSpPr>
+          <p:nvPr>
+            <p:ph type="body" sz="quarter" idx="3"/>
+          </p:nvPr>
+        </p:nvSpPr>
+        <p:spPr>
+          <a:xfrm>
+            <a:off x="6172199" y="1681163"/>
+            <a:ext cx="5569527" cy="823912"/>
+          </a:xfrm>
+        </p:spPr>
+        <p:txBody>
+          <a:bodyPr>
+            <a:normAutofit/>
+          </a:bodyPr>
+          <a:lstStyle/>
+          <a:p>
+            <a:r>
+              <a:rPr lang="fr-FR" sz="2800" dirty="0" err="1">
+                <a:latin typeface="Gotham" charset="0"/>
+                <a:ea typeface="Gotham" charset="0"/>
+                <a:cs typeface="Gotham" charset="0"/>
+              </a:rPr>
+              <a:t>Algorithm</a:t>
+            </a:r>
+            <a:r>
+              <a:rPr lang="fr-FR" sz="2800" dirty="0">
+                <a:latin typeface="Gotham" charset="0"/>
+                <a:ea typeface="Gotham" charset="0"/>
+                <a:cs typeface="Gotham" charset="0"/>
+              </a:rPr>
+              <a:t> </a:t>
+            </a:r>
+            <a:r>
+              <a:rPr lang="fr-FR" sz="2800" dirty="0" smtClean="0">
+                <a:latin typeface="Gotham" charset="0"/>
+                <a:ea typeface="Gotham" charset="0"/>
+                <a:cs typeface="Gotham" charset="0"/>
+              </a:rPr>
+              <a:t>II (</a:t>
+            </a:r>
+            <a:r>
+              <a:rPr lang="fr-FR" sz="2800" dirty="0" err="1" smtClean="0">
+                <a:latin typeface="Gotham" charset="0"/>
+                <a:ea typeface="Gotham" charset="0"/>
+                <a:cs typeface="Gotham" charset="0"/>
+              </a:rPr>
+              <a:t>RandomWalk</a:t>
+            </a:r>
+            <a:r>
+              <a:rPr lang="fr-FR" sz="2800" dirty="0" smtClean="0">
+                <a:latin typeface="Gotham" charset="0"/>
+                <a:ea typeface="Gotham" charset="0"/>
+                <a:cs typeface="Gotham" charset="0"/>
+              </a:rPr>
+              <a:t>)</a:t>
+            </a:r>
+            <a:endParaRPr lang="fr-FR" sz="2800" dirty="0">
+              <a:latin typeface="Gotham" charset="0"/>
+              <a:ea typeface="Gotham" charset="0"/>
+              <a:cs typeface="Gotham" charset="0"/>
+            </a:endParaRPr>
+          </a:p>
+        </p:txBody>
+      </p:sp>
+      <p:pic>
+        <p:nvPicPr>
+          <p:cNvPr id="13" name="Picture 12"/>
+          <p:cNvPicPr>
+            <a:picLocks noChangeAspect="1"/>
+          </p:cNvPicPr>
+          <p:nvPr/>
+        </p:nvPicPr>
+        <p:blipFill>
+          <a:blip r:embed="rId3">
             <a:extLst>
-              <a:ext uri="{FF2B5EF4-FFF2-40B4-BE49-F238E27FC236}">
-                <a16:creationId xmlns:a16="http://schemas.microsoft.com/office/drawing/2014/main" id="{A01592A2-392C-E547-AF96-23E692BD2E20}"/>
+              <a:ext uri="{28A0092B-C50C-407E-A947-70E740481C1C}">
+                <a14:useLocalDpi xmlns:a14="http://schemas.microsoft.com/office/drawing/2010/main" val="0"/>
               </a:ext>
             </a:extLst>
-          </p:cNvPr>
-          <p:cNvSpPr>
-            <a:spLocks noGrp="1"/>
-          </p:cNvSpPr>
-          <p:nvPr>
-            <p:ph idx="1"/>
-          </p:nvPr>
-        </p:nvSpPr>
-        <p:spPr/>
-        <p:txBody>
-          <a:bodyPr/>
-          <a:lstStyle/>
-          <a:p>
-            <a:r>
-              <a:rPr lang="en-US" dirty="0"/>
-              <a:t>look how slow it would be without parallelism</a:t>
-            </a:r>
-          </a:p>
-          <a:p>
-            <a:r>
-              <a:rPr lang="en-US" dirty="0"/>
-              <a:t>look how fast it would be</a:t>
-            </a:r>
-          </a:p>
-        </p:txBody>
-      </p:sp>
+          </a:blip>
+          <a:stretch>
+            <a:fillRect/>
+          </a:stretch>
+        </p:blipFill>
+        <p:spPr>
+          <a:xfrm>
+            <a:off x="349827" y="2805546"/>
+            <a:ext cx="4909704" cy="3273136"/>
+          </a:xfrm>
+          <a:prstGeom prst="rect">
+            <a:avLst/>
+          </a:prstGeom>
+        </p:spPr>
+      </p:pic>
+      <p:pic>
+        <p:nvPicPr>
+          <p:cNvPr id="14" name="Picture 13"/>
+          <p:cNvPicPr>
+            <a:picLocks noChangeAspect="1"/>
+          </p:cNvPicPr>
+          <p:nvPr/>
+        </p:nvPicPr>
+        <p:blipFill>
+          <a:blip r:embed="rId4">
+            <a:extLst>
+              <a:ext uri="{28A0092B-C50C-407E-A947-70E740481C1C}">
+                <a14:useLocalDpi xmlns:a14="http://schemas.microsoft.com/office/drawing/2010/main" val="0"/>
+              </a:ext>
+            </a:extLst>
+          </a:blip>
+          <a:stretch>
+            <a:fillRect/>
+          </a:stretch>
+        </p:blipFill>
+        <p:spPr>
+          <a:xfrm>
+            <a:off x="6421581" y="2805546"/>
+            <a:ext cx="4734791" cy="3156527"/>
+          </a:xfrm>
+          <a:prstGeom prst="rect">
+            <a:avLst/>
+          </a:prstGeom>
+        </p:spPr>
+      </p:pic>
     </p:spTree>
     <p:extLst>
       <p:ext uri="{BB962C8B-B14F-4D97-AF65-F5344CB8AC3E}">
-        <p14:creationId xmlns:p14="http://schemas.microsoft.com/office/powerpoint/2010/main" val="865616747"/>
+        <p14:creationId xmlns:p14="http://schemas.microsoft.com/office/powerpoint/2010/main" val="41638719"/>
       </p:ext>
     </p:extLst>
   </p:cSld>
   <p:clrMapOvr>
     <a:masterClrMapping/>
   </p:clrMapOvr>
+  <p:timing>
+    <p:tnLst>
+      <p:par>
+        <p:cTn id="1" dur="indefinite" restart="never" nodeType="tmRoot"/>
+      </p:par>
+    </p:tnLst>
+  </p:timing>
 </p:sld>
 </file>
 
@@ -4108,7 +9698,7 @@
           <p:cNvPr id="2" name="Title 1">
             <a:extLst>
               <a:ext uri="{FF2B5EF4-FFF2-40B4-BE49-F238E27FC236}">
-                <a16:creationId xmlns:a16="http://schemas.microsoft.com/office/drawing/2014/main" id="{20B41192-4643-1044-99B7-2B8ED46F0D2E}"/>
+                <a16:creationId xmlns:a16="http://schemas.microsoft.com/office/drawing/2014/main" xmlns="" id="{20B41192-4643-1044-99B7-2B8ED46F0D2E}"/>
               </a:ext>
             </a:extLst>
           </p:cNvPr>
@@ -4125,7 +9715,11 @@
           <a:lstStyle/>
           <a:p>
             <a:r>
-              <a:rPr lang="en-US" dirty="0"/>
+              <a:rPr lang="en-US" dirty="0">
+                <a:latin typeface="Gotham" charset="0"/>
+                <a:ea typeface="Gotham" charset="0"/>
+                <a:cs typeface="Gotham" charset="0"/>
+              </a:rPr>
               <a:t>Challenges</a:t>
             </a:r>
           </a:p>
@@ -4136,7 +9730,7 @@
           <p:cNvPr id="3" name="Content Placeholder 2">
             <a:extLst>
               <a:ext uri="{FF2B5EF4-FFF2-40B4-BE49-F238E27FC236}">
-                <a16:creationId xmlns:a16="http://schemas.microsoft.com/office/drawing/2014/main" id="{AA8B5A31-4A3D-3446-BCD8-0AFCC4934C6A}"/>
+                <a16:creationId xmlns:a16="http://schemas.microsoft.com/office/drawing/2014/main" xmlns="" id="{AA8B5A31-4A3D-3446-BCD8-0AFCC4934C6A}"/>
               </a:ext>
             </a:extLst>
           </p:cNvPr>
@@ -4158,46 +9752,149 @@
           <a:lstStyle/>
           <a:p>
             <a:r>
-              <a:rPr lang="en-US" u="sng" dirty="0"/>
-              <a:t>Problem</a:t>
-            </a:r>
-            <a:r>
-              <a:rPr lang="en-US" dirty="0"/>
-              <a:t>: Graph algorithms without all data in memory; complexity too great for a fully connected graph</a:t>
-            </a:r>
-          </a:p>
-          <a:p>
-            <a:r>
-              <a:rPr lang="en-US" b="1" dirty="0"/>
-              <a:t>Solution: </a:t>
-            </a:r>
-            <a:r>
-              <a:rPr lang="en-US" dirty="0"/>
-              <a:t>Running random sample (Algorithm 1)</a:t>
-            </a:r>
-          </a:p>
-          <a:p>
-            <a:endParaRPr lang="en-US" dirty="0"/>
-          </a:p>
-          <a:p>
-            <a:r>
-              <a:rPr lang="en-US" u="sng" dirty="0"/>
-              <a:t>Problem</a:t>
-            </a:r>
-            <a:r>
-              <a:rPr lang="en-US" dirty="0"/>
-              <a:t>: Entire sky too large for Algorithm 2</a:t>
-            </a:r>
-          </a:p>
-          <a:p>
-            <a:r>
-              <a:rPr lang="en-US" b="1" dirty="0"/>
-              <a:t>Solution</a:t>
-            </a:r>
-            <a:r>
-              <a:rPr lang="en-US" dirty="0"/>
-              <a:t>: Grids and streaming processing</a:t>
-            </a:r>
+              <a:rPr lang="en-US" b="1" dirty="0" smtClean="0">
+                <a:latin typeface="Gotham" charset="0"/>
+                <a:ea typeface="Gotham" charset="0"/>
+                <a:cs typeface="Gotham" charset="0"/>
+              </a:rPr>
+              <a:t>Problems:</a:t>
+            </a:r>
+          </a:p>
+          <a:p>
+            <a:pPr lvl="1"/>
+            <a:r>
+              <a:rPr lang="en-US" dirty="0" smtClean="0">
+                <a:latin typeface="Gotham" charset="0"/>
+                <a:ea typeface="Gotham" charset="0"/>
+                <a:cs typeface="Gotham" charset="0"/>
+              </a:rPr>
+              <a:t>Graph </a:t>
+            </a:r>
+            <a:r>
+              <a:rPr lang="en-US" dirty="0">
+                <a:latin typeface="Gotham" charset="0"/>
+                <a:ea typeface="Gotham" charset="0"/>
+                <a:cs typeface="Gotham" charset="0"/>
+              </a:rPr>
+              <a:t>algorithms without all data in </a:t>
+            </a:r>
+            <a:r>
+              <a:rPr lang="en-US" dirty="0" smtClean="0">
+                <a:latin typeface="Gotham" charset="0"/>
+                <a:ea typeface="Gotham" charset="0"/>
+                <a:cs typeface="Gotham" charset="0"/>
+              </a:rPr>
+              <a:t>memory (sky is too large)</a:t>
+            </a:r>
+          </a:p>
+          <a:p>
+            <a:pPr lvl="1"/>
+            <a:r>
+              <a:rPr lang="en-US" dirty="0">
+                <a:latin typeface="Gotham" charset="0"/>
+                <a:ea typeface="Gotham" charset="0"/>
+                <a:cs typeface="Gotham" charset="0"/>
+              </a:rPr>
+              <a:t>C</a:t>
+            </a:r>
+            <a:r>
+              <a:rPr lang="en-US" dirty="0" smtClean="0">
+                <a:latin typeface="Gotham" charset="0"/>
+                <a:ea typeface="Gotham" charset="0"/>
+                <a:cs typeface="Gotham" charset="0"/>
+              </a:rPr>
+              <a:t>omplexity </a:t>
+            </a:r>
+            <a:r>
+              <a:rPr lang="en-US" dirty="0">
+                <a:latin typeface="Gotham" charset="0"/>
+                <a:ea typeface="Gotham" charset="0"/>
+                <a:cs typeface="Gotham" charset="0"/>
+              </a:rPr>
+              <a:t>too great for a fully connected graph</a:t>
+            </a:r>
+          </a:p>
+          <a:p>
+            <a:r>
+              <a:rPr lang="en-US" b="1" dirty="0" smtClean="0">
+                <a:latin typeface="Gotham" charset="0"/>
+                <a:ea typeface="Gotham" charset="0"/>
+                <a:cs typeface="Gotham" charset="0"/>
+              </a:rPr>
+              <a:t>Solutions</a:t>
+            </a:r>
+            <a:r>
+              <a:rPr lang="en-US" dirty="0" smtClean="0">
+                <a:latin typeface="Gotham" charset="0"/>
+                <a:ea typeface="Gotham" charset="0"/>
+                <a:cs typeface="Gotham" charset="0"/>
+              </a:rPr>
+              <a:t>:</a:t>
+            </a:r>
+          </a:p>
+          <a:p>
+            <a:pPr lvl="1"/>
+            <a:r>
+              <a:rPr lang="en-US" dirty="0" smtClean="0">
+                <a:latin typeface="Gotham" charset="0"/>
+                <a:ea typeface="Gotham" charset="0"/>
+                <a:cs typeface="Gotham" charset="0"/>
+              </a:rPr>
+              <a:t>Running </a:t>
+            </a:r>
+            <a:r>
+              <a:rPr lang="en-US" dirty="0">
+                <a:latin typeface="Gotham" charset="0"/>
+                <a:ea typeface="Gotham" charset="0"/>
+                <a:cs typeface="Gotham" charset="0"/>
+              </a:rPr>
+              <a:t>random sample </a:t>
+            </a:r>
+            <a:r>
+              <a:rPr lang="en-US" dirty="0" smtClean="0">
+                <a:latin typeface="Gotham" charset="0"/>
+                <a:ea typeface="Gotham" charset="0"/>
+                <a:cs typeface="Gotham" charset="0"/>
+              </a:rPr>
+              <a:t>(Algorithm I)</a:t>
+            </a:r>
+            <a:endParaRPr lang="en-US" dirty="0">
+              <a:latin typeface="Gotham" charset="0"/>
+              <a:ea typeface="Gotham" charset="0"/>
+              <a:cs typeface="Gotham" charset="0"/>
+            </a:endParaRPr>
+          </a:p>
+          <a:p>
+            <a:pPr lvl="1"/>
+            <a:r>
+              <a:rPr lang="en-US" dirty="0" smtClean="0">
+                <a:latin typeface="Gotham" charset="0"/>
+                <a:ea typeface="Gotham" charset="0"/>
+                <a:cs typeface="Gotham" charset="0"/>
+              </a:rPr>
+              <a:t>Grids </a:t>
+            </a:r>
+            <a:r>
+              <a:rPr lang="en-US" dirty="0">
+                <a:latin typeface="Gotham" charset="0"/>
+                <a:ea typeface="Gotham" charset="0"/>
+                <a:cs typeface="Gotham" charset="0"/>
+              </a:rPr>
+              <a:t>and streaming </a:t>
+            </a:r>
+            <a:r>
+              <a:rPr lang="en-US" dirty="0" smtClean="0">
+                <a:latin typeface="Gotham" charset="0"/>
+                <a:ea typeface="Gotham" charset="0"/>
+                <a:cs typeface="Gotham" charset="0"/>
+              </a:rPr>
+              <a:t>processing (Algorithm II)</a:t>
+            </a:r>
+            <a:endParaRPr lang="en-US" dirty="0">
+              <a:latin typeface="Gotham" charset="0"/>
+              <a:ea typeface="Gotham" charset="0"/>
+              <a:cs typeface="Gotham" charset="0"/>
+            </a:endParaRPr>
           </a:p>
         </p:txBody>
       </p:sp>
@@ -4211,12 +9908,27 @@
   <p:clrMapOvr>
     <a:masterClrMapping/>
   </p:clrMapOvr>
+  <p:timing>
+    <p:tnLst>
+      <p:par>
+        <p:cTn id="1" dur="indefinite" restart="never" nodeType="tmRoot"/>
+      </p:par>
+    </p:tnLst>
+  </p:timing>
 </p:sld>
 </file>
 
 <file path=ppt/slides/slide17.xml><?xml version="1.0" encoding="utf-8"?>
 <p:sld xmlns:a="http://schemas.openxmlformats.org/drawingml/2006/main" xmlns:r="http://schemas.openxmlformats.org/officeDocument/2006/relationships" xmlns:p="http://schemas.openxmlformats.org/presentationml/2006/main">
   <p:cSld>
+    <p:bg>
+      <p:bgPr>
+        <a:solidFill>
+          <a:schemeClr val="tx1"/>
+        </a:solidFill>
+        <a:effectLst/>
+      </p:bgPr>
+    </p:bg>
     <p:spTree>
       <p:nvGrpSpPr>
         <p:cNvPr id="1" name=""/>
@@ -4231,69 +9943,23 @@
           <a:chExt cx="0" cy="0"/>
         </a:xfrm>
       </p:grpSpPr>
-      <p:sp>
-        <p:nvSpPr>
-          <p:cNvPr id="2" name="Title 1">
-            <a:extLst>
-              <a:ext uri="{FF2B5EF4-FFF2-40B4-BE49-F238E27FC236}">
-                <a16:creationId xmlns:a16="http://schemas.microsoft.com/office/drawing/2014/main" id="{0464526B-B5B0-8F44-8F93-8C79542D7F05}"/>
-              </a:ext>
-            </a:extLst>
-          </p:cNvPr>
-          <p:cNvSpPr>
-            <a:spLocks noGrp="1"/>
-          </p:cNvSpPr>
-          <p:nvPr>
-            <p:ph type="title"/>
-          </p:nvPr>
-        </p:nvSpPr>
-        <p:spPr/>
-        <p:txBody>
-          <a:bodyPr/>
-          <a:lstStyle/>
-          <a:p>
-            <a:r>
-              <a:rPr lang="en-US" dirty="0"/>
-              <a:t>Results</a:t>
-            </a:r>
-          </a:p>
-        </p:txBody>
-      </p:sp>
-      <p:sp>
-        <p:nvSpPr>
-          <p:cNvPr id="3" name="Content Placeholder 2">
-            <a:extLst>
-              <a:ext uri="{FF2B5EF4-FFF2-40B4-BE49-F238E27FC236}">
-                <a16:creationId xmlns:a16="http://schemas.microsoft.com/office/drawing/2014/main" id="{E0C1FFB2-220D-AA4B-8DF9-028A215E642C}"/>
-              </a:ext>
-            </a:extLst>
-          </p:cNvPr>
-          <p:cNvSpPr>
-            <a:spLocks noGrp="1"/>
-          </p:cNvSpPr>
-          <p:nvPr>
-            <p:ph idx="1"/>
-          </p:nvPr>
-        </p:nvSpPr>
-        <p:spPr/>
-        <p:txBody>
-          <a:bodyPr/>
-          <a:lstStyle/>
-          <a:p>
-            <a:endParaRPr lang="en-US" dirty="0"/>
-          </a:p>
-        </p:txBody>
-      </p:sp>
     </p:spTree>
     <p:extLst>
       <p:ext uri="{BB962C8B-B14F-4D97-AF65-F5344CB8AC3E}">
-        <p14:creationId xmlns:p14="http://schemas.microsoft.com/office/powerpoint/2010/main" val="3831315242"/>
+        <p14:creationId xmlns:p14="http://schemas.microsoft.com/office/powerpoint/2010/main" val="733862117"/>
       </p:ext>
     </p:extLst>
   </p:cSld>
   <p:clrMapOvr>
     <a:masterClrMapping/>
   </p:clrMapOvr>
+  <p:timing>
+    <p:tnLst>
+      <p:par>
+        <p:cTn id="1" dur="indefinite" restart="never" nodeType="tmRoot"/>
+      </p:par>
+    </p:tnLst>
+  </p:timing>
 </p:sld>
 </file>
 
@@ -4319,7 +9985,7 @@
           <p:cNvPr id="2" name="Title 1">
             <a:extLst>
               <a:ext uri="{FF2B5EF4-FFF2-40B4-BE49-F238E27FC236}">
-                <a16:creationId xmlns:a16="http://schemas.microsoft.com/office/drawing/2014/main" id="{2DDB847E-58ED-FC4B-B1B7-D36A76954B1B}"/>
+                <a16:creationId xmlns:a16="http://schemas.microsoft.com/office/drawing/2014/main" xmlns="" id="{5C8E627F-1086-9646-BA63-11B41BDA20CC}"/>
               </a:ext>
             </a:extLst>
           </p:cNvPr>
@@ -4337,7 +10003,7 @@
           <a:p>
             <a:r>
               <a:rPr lang="en-US" dirty="0"/>
-              <a:t>Results</a:t>
+              <a:t>Algorithm 1 Implementation</a:t>
             </a:r>
           </a:p>
         </p:txBody>
@@ -4347,7 +10013,7 @@
           <p:cNvPr id="3" name="Content Placeholder 2">
             <a:extLst>
               <a:ext uri="{FF2B5EF4-FFF2-40B4-BE49-F238E27FC236}">
-                <a16:creationId xmlns:a16="http://schemas.microsoft.com/office/drawing/2014/main" id="{4BC83172-A7BC-6544-B07C-574722DB4F9D}"/>
+                <a16:creationId xmlns:a16="http://schemas.microsoft.com/office/drawing/2014/main" xmlns="" id="{84DA7F8F-9904-3F41-8916-F4502ADD7692}"/>
               </a:ext>
             </a:extLst>
           </p:cNvPr>
@@ -4355,28 +10021,174 @@
             <a:spLocks noGrp="1"/>
           </p:cNvSpPr>
           <p:nvPr>
-            <p:ph idx="1"/>
+            <p:ph sz="half" idx="1"/>
           </p:nvPr>
         </p:nvSpPr>
         <p:spPr/>
         <p:txBody>
-          <a:bodyPr/>
+          <a:bodyPr>
+            <a:normAutofit/>
+          </a:bodyPr>
           <a:lstStyle/>
           <a:p>
-            <a:endParaRPr lang="en-US"/>
+            <a:pPr marL="571500" indent="-571500">
+              <a:buFont typeface="+mj-lt"/>
+              <a:buAutoNum type="arabicPeriod"/>
+            </a:pPr>
+            <a:r>
+              <a:rPr lang="en-US" b="1" dirty="0"/>
+              <a:t>Initialize a node list (Map 1)</a:t>
+            </a:r>
+          </a:p>
+          <a:p>
+            <a:pPr marL="571500" indent="-571500">
+              <a:buFont typeface="+mj-lt"/>
+              <a:buAutoNum type="arabicPeriod"/>
+            </a:pPr>
+            <a:endParaRPr lang="en-US" dirty="0"/>
+          </a:p>
+          <a:p>
+            <a:pPr marL="571500" indent="-571500">
+              <a:buFont typeface="+mj-lt"/>
+              <a:buAutoNum type="arabicPeriod"/>
+            </a:pPr>
+            <a:r>
+              <a:rPr lang="en-US" b="1" dirty="0"/>
+              <a:t>for each object: (Map 1)</a:t>
+            </a:r>
+          </a:p>
+          <a:p>
+            <a:pPr marL="971550" lvl="1" indent="-514350">
+              <a:buFont typeface="+mj-lt"/>
+              <a:buAutoNum type="arabicPeriod"/>
+            </a:pPr>
+            <a:r>
+              <a:rPr lang="en-US" sz="2800" dirty="0"/>
+              <a:t>add the object to our node list</a:t>
+            </a:r>
+          </a:p>
+          <a:p>
+            <a:pPr marL="971550" lvl="1" indent="-514350">
+              <a:buFont typeface="+mj-lt"/>
+              <a:buAutoNum type="arabicPeriod"/>
+            </a:pPr>
+            <a:r>
+              <a:rPr lang="en-US" sz="2800" dirty="0"/>
+              <a:t>if the node list is too large: remove nodes at random until the list is size N(P):</a:t>
+            </a:r>
+          </a:p>
+          <a:p>
+            <a:pPr marL="571500" indent="-571500">
+              <a:buFont typeface="+mj-lt"/>
+              <a:buAutoNum type="arabicPeriod"/>
+            </a:pPr>
+            <a:endParaRPr lang="en-US" dirty="0"/>
+          </a:p>
+        </p:txBody>
+      </p:sp>
+      <p:sp>
+        <p:nvSpPr>
+          <p:cNvPr id="4" name="Content Placeholder 3">
+            <a:extLst>
+              <a:ext uri="{FF2B5EF4-FFF2-40B4-BE49-F238E27FC236}">
+                <a16:creationId xmlns:a16="http://schemas.microsoft.com/office/drawing/2014/main" xmlns="" id="{49007518-14F4-DA4D-B379-F12A916A5CD1}"/>
+              </a:ext>
+            </a:extLst>
+          </p:cNvPr>
+          <p:cNvSpPr>
+            <a:spLocks noGrp="1"/>
+          </p:cNvSpPr>
+          <p:nvPr>
+            <p:ph sz="half" idx="2"/>
+          </p:nvPr>
+        </p:nvSpPr>
+        <p:spPr/>
+        <p:txBody>
+          <a:bodyPr>
+            <a:normAutofit/>
+          </a:bodyPr>
+          <a:lstStyle/>
+          <a:p>
+            <a:pPr marL="514350" indent="-514350">
+              <a:buFont typeface="+mj-lt"/>
+              <a:buAutoNum type="arabicPeriod" startAt="3"/>
+            </a:pPr>
+            <a:r>
+              <a:rPr lang="en-US" b="1" dirty="0"/>
+              <a:t>If the node list is </a:t>
+            </a:r>
+            <a:r>
+              <a:rPr lang="en-US" b="1" dirty="0" err="1"/>
+              <a:t>sufficently</a:t>
+            </a:r>
+            <a:r>
+              <a:rPr lang="en-US" b="1" dirty="0"/>
+              <a:t> full (size N(P)):</a:t>
+            </a:r>
+          </a:p>
+          <a:p>
+            <a:pPr marL="971550" lvl="1" indent="-514350">
+              <a:buFont typeface="+mj-lt"/>
+              <a:buAutoNum type="arabicPeriod"/>
+            </a:pPr>
+            <a:r>
+              <a:rPr lang="en-US" sz="2800" dirty="0"/>
+              <a:t>yield the object's id and distance to each node</a:t>
+            </a:r>
+          </a:p>
+          <a:p>
+            <a:pPr marL="514350" indent="-514350">
+              <a:buFont typeface="+mj-lt"/>
+              <a:buAutoNum type="arabicPeriod" startAt="3"/>
+            </a:pPr>
+            <a:endParaRPr lang="en-US" dirty="0"/>
+          </a:p>
+          <a:p>
+            <a:pPr marL="514350" indent="-514350">
+              <a:buFont typeface="+mj-lt"/>
+              <a:buAutoNum type="arabicPeriod" startAt="3"/>
+            </a:pPr>
+            <a:r>
+              <a:rPr lang="en-US" b="1" dirty="0"/>
+              <a:t>For each object (Reduce 1)</a:t>
+            </a:r>
+          </a:p>
+          <a:p>
+            <a:pPr marL="971550" lvl="1" indent="-514350">
+              <a:buFont typeface="+mj-lt"/>
+              <a:buAutoNum type="arabicPeriod"/>
+            </a:pPr>
+            <a:r>
+              <a:rPr lang="en-US" sz="2800" dirty="0"/>
+              <a:t>take K edges (the closest K)</a:t>
+            </a:r>
+          </a:p>
+          <a:p>
+            <a:pPr marL="514350" indent="-514350">
+              <a:buFont typeface="+mj-lt"/>
+              <a:buAutoNum type="arabicPeriod" startAt="3"/>
+            </a:pPr>
+            <a:endParaRPr lang="en-US" dirty="0"/>
           </a:p>
         </p:txBody>
       </p:sp>
     </p:spTree>
     <p:extLst>
       <p:ext uri="{BB962C8B-B14F-4D97-AF65-F5344CB8AC3E}">
-        <p14:creationId xmlns:p14="http://schemas.microsoft.com/office/powerpoint/2010/main" val="3015574043"/>
+        <p14:creationId xmlns:p14="http://schemas.microsoft.com/office/powerpoint/2010/main" val="2535493048"/>
       </p:ext>
     </p:extLst>
   </p:cSld>
   <p:clrMapOvr>
     <a:masterClrMapping/>
   </p:clrMapOvr>
+  <p:timing>
+    <p:tnLst>
+      <p:par>
+        <p:cTn id="1" dur="indefinite" restart="never" nodeType="tmRoot"/>
+      </p:par>
+    </p:tnLst>
+  </p:timing>
 </p:sld>
 </file>
 
@@ -4402,7 +10214,7 @@
           <p:cNvPr id="2" name="Title 1">
             <a:extLst>
               <a:ext uri="{FF2B5EF4-FFF2-40B4-BE49-F238E27FC236}">
-                <a16:creationId xmlns:a16="http://schemas.microsoft.com/office/drawing/2014/main" id="{4F272063-4287-F742-8DA4-21A807AC5DBB}"/>
+                <a16:creationId xmlns:a16="http://schemas.microsoft.com/office/drawing/2014/main" xmlns="" id="{DD0FFF85-DFFB-A940-A038-A979F3FF4EC3}"/>
               </a:ext>
             </a:extLst>
           </p:cNvPr>
@@ -4420,7 +10232,7 @@
           <a:p>
             <a:r>
               <a:rPr lang="en-US" dirty="0"/>
-              <a:t>Results</a:t>
+              <a:t>Algorithm 1 Implementation (Cont'd)</a:t>
             </a:r>
           </a:p>
         </p:txBody>
@@ -4430,7 +10242,7 @@
           <p:cNvPr id="3" name="Content Placeholder 2">
             <a:extLst>
               <a:ext uri="{FF2B5EF4-FFF2-40B4-BE49-F238E27FC236}">
-                <a16:creationId xmlns:a16="http://schemas.microsoft.com/office/drawing/2014/main" id="{826B193C-6DEB-6743-9367-90B70EC0F894}"/>
+                <a16:creationId xmlns:a16="http://schemas.microsoft.com/office/drawing/2014/main" xmlns="" id="{4F32D251-FE20-3848-B314-94317D5531CE}"/>
               </a:ext>
             </a:extLst>
           </p:cNvPr>
@@ -4438,12 +10250,88 @@
             <a:spLocks noGrp="1"/>
           </p:cNvSpPr>
           <p:nvPr>
-            <p:ph idx="1"/>
+            <p:ph sz="half" idx="1"/>
           </p:nvPr>
         </p:nvSpPr>
         <p:spPr/>
         <p:txBody>
-          <a:bodyPr/>
+          <a:bodyPr>
+            <a:normAutofit/>
+          </a:bodyPr>
+          <a:lstStyle/>
+          <a:p>
+            <a:pPr marL="514350" indent="-514350">
+              <a:buFont typeface="+mj-lt"/>
+              <a:buAutoNum type="arabicPeriod" startAt="5"/>
+            </a:pPr>
+            <a:r>
+              <a:rPr lang="en-US" b="1" dirty="0"/>
+              <a:t>For each object (Map 2)</a:t>
+            </a:r>
+          </a:p>
+          <a:p>
+            <a:pPr marL="971550" lvl="1" indent="-514350">
+              <a:buFont typeface="+mj-lt"/>
+              <a:buAutoNum type="arabicPeriod"/>
+            </a:pPr>
+            <a:r>
+              <a:rPr lang="en-US" dirty="0"/>
+              <a:t>Create a density function of distances from the object</a:t>
+            </a:r>
+          </a:p>
+          <a:p>
+            <a:pPr marL="971550" lvl="1" indent="-514350">
+              <a:buFont typeface="+mj-lt"/>
+              <a:buAutoNum type="arabicPeriod"/>
+            </a:pPr>
+            <a:r>
+              <a:rPr lang="en-US" dirty="0"/>
+              <a:t>Fit a spline function along this density curve</a:t>
+            </a:r>
+          </a:p>
+          <a:p>
+            <a:pPr marL="971550" lvl="1" indent="-514350">
+              <a:buFont typeface="+mj-lt"/>
+              <a:buAutoNum type="arabicPeriod"/>
+            </a:pPr>
+            <a:r>
+              <a:rPr lang="en-US" dirty="0"/>
+              <a:t>Find the first saddle point in this spline, usually a local minimum</a:t>
+            </a:r>
+          </a:p>
+          <a:p>
+            <a:pPr marL="971550" lvl="1" indent="-514350">
+              <a:buFont typeface="+mj-lt"/>
+              <a:buAutoNum type="arabicPeriod"/>
+            </a:pPr>
+            <a:r>
+              <a:rPr lang="en-US" dirty="0"/>
+              <a:t>If the first saddle point is less than 1 return the object and its saddle point</a:t>
+            </a:r>
+          </a:p>
+        </p:txBody>
+      </p:sp>
+      <p:sp>
+        <p:nvSpPr>
+          <p:cNvPr id="4" name="Content Placeholder 3">
+            <a:extLst>
+              <a:ext uri="{FF2B5EF4-FFF2-40B4-BE49-F238E27FC236}">
+                <a16:creationId xmlns:a16="http://schemas.microsoft.com/office/drawing/2014/main" xmlns="" id="{E47E5CA4-E913-034B-9C8D-6C1E29A9ADE1}"/>
+              </a:ext>
+            </a:extLst>
+          </p:cNvPr>
+          <p:cNvSpPr>
+            <a:spLocks noGrp="1"/>
+          </p:cNvSpPr>
+          <p:nvPr>
+            <p:ph sz="half" idx="2"/>
+          </p:nvPr>
+        </p:nvSpPr>
+        <p:spPr/>
+        <p:txBody>
+          <a:bodyPr>
+            <a:normAutofit/>
+          </a:bodyPr>
           <a:lstStyle/>
           <a:p>
             <a:endParaRPr lang="en-US"/>
@@ -4453,7 +10341,7 @@
     </p:spTree>
     <p:extLst>
       <p:ext uri="{BB962C8B-B14F-4D97-AF65-F5344CB8AC3E}">
-        <p14:creationId xmlns:p14="http://schemas.microsoft.com/office/powerpoint/2010/main" val="4080916077"/>
+        <p14:creationId xmlns:p14="http://schemas.microsoft.com/office/powerpoint/2010/main" val="2174808421"/>
       </p:ext>
     </p:extLst>
   </p:cSld>
@@ -4534,27 +10422,72 @@
                 <a:ea typeface="Gotham" charset="0"/>
                 <a:cs typeface="Gotham" charset="0"/>
               </a:rPr>
-              <a:t>Identify notable objects (outliers)</a:t>
-            </a:r>
-          </a:p>
-          <a:p>
+              <a:t>Identify </a:t>
+            </a:r>
+            <a:r>
+              <a:rPr lang="en-US" sz="3200" dirty="0" smtClean="0">
+                <a:latin typeface="Gotham" charset="0"/>
+                <a:ea typeface="Gotham" charset="0"/>
+                <a:cs typeface="Gotham" charset="0"/>
+              </a:rPr>
+              <a:t>and locate notable </a:t>
+            </a:r>
             <a:r>
               <a:rPr lang="en-US" sz="3200" dirty="0">
                 <a:latin typeface="Gotham" charset="0"/>
                 <a:ea typeface="Gotham" charset="0"/>
                 <a:cs typeface="Gotham" charset="0"/>
               </a:rPr>
-              <a:t>Locate notable objects within the sky</a:t>
-            </a:r>
-          </a:p>
-          <a:p>
+              <a:t>objects (outliers</a:t>
+            </a:r>
+            <a:r>
+              <a:rPr lang="en-US" sz="3200" dirty="0" smtClean="0">
+                <a:latin typeface="Gotham" charset="0"/>
+                <a:ea typeface="Gotham" charset="0"/>
+                <a:cs typeface="Gotham" charset="0"/>
+              </a:rPr>
+              <a:t>) within the sky</a:t>
+            </a:r>
+            <a:endParaRPr lang="en-US" sz="3200" dirty="0">
+              <a:latin typeface="Gotham" charset="0"/>
+              <a:ea typeface="Gotham" charset="0"/>
+              <a:cs typeface="Gotham" charset="0"/>
+            </a:endParaRPr>
+          </a:p>
+          <a:p>
+            <a:r>
+              <a:rPr lang="en-US" sz="3200" dirty="0" smtClean="0">
+                <a:latin typeface="Gotham" charset="0"/>
+                <a:ea typeface="Gotham" charset="0"/>
+                <a:cs typeface="Gotham" charset="0"/>
+              </a:rPr>
+              <a:t>Define </a:t>
+            </a:r>
             <a:r>
               <a:rPr lang="en-US" sz="3200" dirty="0">
                 <a:latin typeface="Gotham" charset="0"/>
                 <a:ea typeface="Gotham" charset="0"/>
                 <a:cs typeface="Gotham" charset="0"/>
               </a:rPr>
-              <a:t>Define an area of interest around that object</a:t>
+              <a:t>an area of interest around that </a:t>
+            </a:r>
+            <a:r>
+              <a:rPr lang="en-US" sz="3200" dirty="0" smtClean="0">
+                <a:latin typeface="Gotham" charset="0"/>
+                <a:ea typeface="Gotham" charset="0"/>
+                <a:cs typeface="Gotham" charset="0"/>
+              </a:rPr>
+              <a:t>object</a:t>
+            </a:r>
+          </a:p>
+          <a:p>
+            <a:r>
+              <a:rPr lang="en-US" sz="3200" dirty="0" smtClean="0">
+                <a:latin typeface="Gotham" charset="0"/>
+                <a:ea typeface="Gotham" charset="0"/>
+                <a:cs typeface="Gotham" charset="0"/>
+              </a:rPr>
+              <a:t>Narrow down search area for manual analysis</a:t>
             </a:r>
             <a:endParaRPr lang="fr-FR" sz="3200" dirty="0">
               <a:latin typeface="Gotham" charset="0"/>
@@ -4574,6 +10507,13 @@
   <p:clrMapOvr>
     <a:masterClrMapping/>
   </p:clrMapOvr>
+  <p:timing>
+    <p:tnLst>
+      <p:par>
+        <p:cTn id="1" dur="indefinite" restart="never" nodeType="tmRoot"/>
+      </p:par>
+    </p:tnLst>
+  </p:timing>
 </p:sld>
 </file>
 
@@ -4599,7 +10539,7 @@
           <p:cNvPr id="2" name="Title 1">
             <a:extLst>
               <a:ext uri="{FF2B5EF4-FFF2-40B4-BE49-F238E27FC236}">
-                <a16:creationId xmlns:a16="http://schemas.microsoft.com/office/drawing/2014/main" id="{5C8E627F-1086-9646-BA63-11B41BDA20CC}"/>
+                <a16:creationId xmlns:a16="http://schemas.microsoft.com/office/drawing/2014/main" xmlns="" id="{F0FBB199-F59D-5340-8956-A3D17A95119B}"/>
               </a:ext>
             </a:extLst>
           </p:cNvPr>
@@ -4617,7 +10557,7 @@
           <a:p>
             <a:r>
               <a:rPr lang="en-US" dirty="0"/>
-              <a:t>Algorithm 1 Implementation</a:t>
+              <a:t>Algorithm 2 Implementation</a:t>
             </a:r>
           </a:p>
         </p:txBody>
@@ -4627,7 +10567,7 @@
           <p:cNvPr id="3" name="Content Placeholder 2">
             <a:extLst>
               <a:ext uri="{FF2B5EF4-FFF2-40B4-BE49-F238E27FC236}">
-                <a16:creationId xmlns:a16="http://schemas.microsoft.com/office/drawing/2014/main" id="{84DA7F8F-9904-3F41-8916-F4502ADD7692}"/>
+                <a16:creationId xmlns:a16="http://schemas.microsoft.com/office/drawing/2014/main" xmlns="" id="{D75810C3-B172-924A-AFCB-B9568E68F34F}"/>
               </a:ext>
             </a:extLst>
           </p:cNvPr>
@@ -4640,35 +10580,16 @@
         </p:nvSpPr>
         <p:spPr/>
         <p:txBody>
-          <a:bodyPr>
-            <a:normAutofit/>
-          </a:bodyPr>
+          <a:bodyPr/>
           <a:lstStyle/>
           <a:p>
-            <a:pPr marL="571500" indent="-571500">
+            <a:pPr marL="514350" indent="-514350">
               <a:buFont typeface="+mj-lt"/>
               <a:buAutoNum type="arabicPeriod"/>
             </a:pPr>
             <a:r>
               <a:rPr lang="en-US" b="1" dirty="0"/>
-              <a:t>Initialize a node list (Map 1)</a:t>
-            </a:r>
-          </a:p>
-          <a:p>
-            <a:pPr marL="571500" indent="-571500">
-              <a:buFont typeface="+mj-lt"/>
-              <a:buAutoNum type="arabicPeriod"/>
-            </a:pPr>
-            <a:endParaRPr lang="en-US" dirty="0"/>
-          </a:p>
-          <a:p>
-            <a:pPr marL="571500" indent="-571500">
-              <a:buFont typeface="+mj-lt"/>
-              <a:buAutoNum type="arabicPeriod"/>
-            </a:pPr>
-            <a:r>
-              <a:rPr lang="en-US" b="1" dirty="0"/>
-              <a:t>for each object: (Map 1)</a:t>
+              <a:t>Grids:</a:t>
             </a:r>
           </a:p>
           <a:p>
@@ -4677,26 +10598,19 @@
               <a:buAutoNum type="arabicPeriod"/>
             </a:pPr>
             <a:r>
-              <a:rPr lang="en-US" sz="2800" dirty="0"/>
-              <a:t>add the object to our node list</a:t>
-            </a:r>
-          </a:p>
-          <a:p>
-            <a:pPr marL="971550" lvl="1" indent="-514350">
+              <a:rPr lang="en-US" dirty="0"/>
+              <a:t>r x c grids -&gt; bite-sized chunks</a:t>
+            </a:r>
+          </a:p>
+          <a:p>
+            <a:pPr marL="514350" indent="-514350">
               <a:buFont typeface="+mj-lt"/>
               <a:buAutoNum type="arabicPeriod"/>
             </a:pPr>
             <a:r>
-              <a:rPr lang="en-US" sz="2800" dirty="0"/>
-              <a:t>if the node list is too large: remove nodes at random until the list is size N(P):</a:t>
-            </a:r>
-          </a:p>
-          <a:p>
-            <a:pPr marL="571500" indent="-571500">
-              <a:buFont typeface="+mj-lt"/>
-              <a:buAutoNum type="arabicPeriod"/>
-            </a:pPr>
-            <a:endParaRPr lang="en-US" dirty="0"/>
+              <a:rPr lang="en-US" b="1" dirty="0"/>
+              <a:t>Output key: grid id</a:t>
+            </a:r>
           </a:p>
         </p:txBody>
       </p:sp>
@@ -4705,7 +10619,7 @@
           <p:cNvPr id="4" name="Content Placeholder 3">
             <a:extLst>
               <a:ext uri="{FF2B5EF4-FFF2-40B4-BE49-F238E27FC236}">
-                <a16:creationId xmlns:a16="http://schemas.microsoft.com/office/drawing/2014/main" id="{49007518-14F4-DA4D-B379-F12A916A5CD1}"/>
+                <a16:creationId xmlns:a16="http://schemas.microsoft.com/office/drawing/2014/main" xmlns="" id="{6BC0F224-816F-DE41-ADA3-AE9FDCF9EC1D}"/>
               </a:ext>
             </a:extLst>
           </p:cNvPr>
@@ -4718,78 +10632,17 @@
         </p:nvSpPr>
         <p:spPr/>
         <p:txBody>
-          <a:bodyPr>
-            <a:normAutofit/>
-          </a:bodyPr>
+          <a:bodyPr/>
           <a:lstStyle/>
           <a:p>
-            <a:pPr marL="514350" indent="-514350">
-              <a:buFont typeface="+mj-lt"/>
-              <a:buAutoNum type="arabicPeriod" startAt="3"/>
-            </a:pPr>
-            <a:r>
-              <a:rPr lang="en-US" b="1" dirty="0"/>
-              <a:t>If the node list is </a:t>
-            </a:r>
-            <a:r>
-              <a:rPr lang="en-US" b="1" dirty="0" err="1"/>
-              <a:t>sufficently</a:t>
-            </a:r>
-            <a:r>
-              <a:rPr lang="en-US" b="1" dirty="0"/>
-              <a:t> full (size N(P)):</a:t>
-            </a:r>
-          </a:p>
-          <a:p>
-            <a:pPr marL="971550" lvl="1" indent="-514350">
-              <a:buFont typeface="+mj-lt"/>
-              <a:buAutoNum type="arabicPeriod"/>
-            </a:pPr>
-            <a:r>
-              <a:rPr lang="en-US" sz="2800" dirty="0"/>
-              <a:t>yield the object's id and distance to each node</a:t>
-            </a:r>
-          </a:p>
-          <a:p>
-            <a:pPr marL="514350" indent="-514350">
-              <a:buFont typeface="+mj-lt"/>
-              <a:buAutoNum type="arabicPeriod" startAt="3"/>
-            </a:pPr>
-            <a:endParaRPr lang="en-US" dirty="0"/>
-          </a:p>
-          <a:p>
-            <a:pPr marL="514350" indent="-514350">
-              <a:buFont typeface="+mj-lt"/>
-              <a:buAutoNum type="arabicPeriod" startAt="3"/>
-            </a:pPr>
-            <a:r>
-              <a:rPr lang="en-US" b="1" dirty="0"/>
-              <a:t>For each object (Reduce 1)</a:t>
-            </a:r>
-          </a:p>
-          <a:p>
-            <a:pPr marL="971550" lvl="1" indent="-514350">
-              <a:buFont typeface="+mj-lt"/>
-              <a:buAutoNum type="arabicPeriod"/>
-            </a:pPr>
-            <a:r>
-              <a:rPr lang="en-US" sz="2800" dirty="0"/>
-              <a:t>take K edges (the closest K)</a:t>
-            </a:r>
-          </a:p>
-          <a:p>
-            <a:pPr marL="514350" indent="-514350">
-              <a:buFont typeface="+mj-lt"/>
-              <a:buAutoNum type="arabicPeriod" startAt="3"/>
-            </a:pPr>
-            <a:endParaRPr lang="en-US" dirty="0"/>
+            <a:endParaRPr lang="en-US"/>
           </a:p>
         </p:txBody>
       </p:sp>
     </p:spTree>
     <p:extLst>
       <p:ext uri="{BB962C8B-B14F-4D97-AF65-F5344CB8AC3E}">
-        <p14:creationId xmlns:p14="http://schemas.microsoft.com/office/powerpoint/2010/main" val="2535493048"/>
+        <p14:creationId xmlns:p14="http://schemas.microsoft.com/office/powerpoint/2010/main" val="1417709322"/>
       </p:ext>
     </p:extLst>
   </p:cSld>
@@ -4821,7 +10674,7 @@
           <p:cNvPr id="2" name="Title 1">
             <a:extLst>
               <a:ext uri="{FF2B5EF4-FFF2-40B4-BE49-F238E27FC236}">
-                <a16:creationId xmlns:a16="http://schemas.microsoft.com/office/drawing/2014/main" id="{DD0FFF85-DFFB-A940-A038-A979F3FF4EC3}"/>
+                <a16:creationId xmlns:a16="http://schemas.microsoft.com/office/drawing/2014/main" xmlns="" id="{F0FBB199-F59D-5340-8956-A3D17A95119B}"/>
               </a:ext>
             </a:extLst>
           </p:cNvPr>
@@ -4839,7 +10692,7 @@
           <a:p>
             <a:r>
               <a:rPr lang="en-US" dirty="0"/>
-              <a:t>Algorithm 1 Implementation (Cont'd)</a:t>
+              <a:t>Algorithm 2 Implementation (Cont'd)</a:t>
             </a:r>
           </a:p>
         </p:txBody>
@@ -4849,7 +10702,7 @@
           <p:cNvPr id="3" name="Content Placeholder 2">
             <a:extLst>
               <a:ext uri="{FF2B5EF4-FFF2-40B4-BE49-F238E27FC236}">
-                <a16:creationId xmlns:a16="http://schemas.microsoft.com/office/drawing/2014/main" id="{4F32D251-FE20-3848-B314-94317D5531CE}"/>
+                <a16:creationId xmlns:a16="http://schemas.microsoft.com/office/drawing/2014/main" xmlns="" id="{D75810C3-B172-924A-AFCB-B9568E68F34F}"/>
               </a:ext>
             </a:extLst>
           </p:cNvPr>
@@ -4862,18 +10715,16 @@
         </p:nvSpPr>
         <p:spPr/>
         <p:txBody>
-          <a:bodyPr>
-            <a:normAutofit/>
-          </a:bodyPr>
+          <a:bodyPr/>
           <a:lstStyle/>
           <a:p>
             <a:pPr marL="514350" indent="-514350">
               <a:buFont typeface="+mj-lt"/>
-              <a:buAutoNum type="arabicPeriod" startAt="5"/>
+              <a:buAutoNum type="arabicPeriod" startAt="3"/>
             </a:pPr>
             <a:r>
               <a:rPr lang="en-US" b="1" dirty="0"/>
-              <a:t>For each object (Map 2)</a:t>
+              <a:t>Random Walk</a:t>
             </a:r>
           </a:p>
           <a:p>
@@ -4883,7 +10734,7 @@
             </a:pPr>
             <a:r>
               <a:rPr lang="en-US" dirty="0"/>
-              <a:t>Create a density function of distances from the object</a:t>
+              <a:t>Fully connected graphs w/ distance$^{-1}$ as edge weight</a:t>
             </a:r>
           </a:p>
           <a:p>
@@ -4893,27 +10744,7 @@
             </a:pPr>
             <a:r>
               <a:rPr lang="en-US" dirty="0"/>
-              <a:t>Fit a spline function along this density curve</a:t>
-            </a:r>
-          </a:p>
-          <a:p>
-            <a:pPr marL="971550" lvl="1" indent="-514350">
-              <a:buFont typeface="+mj-lt"/>
-              <a:buAutoNum type="arabicPeriod"/>
-            </a:pPr>
-            <a:r>
-              <a:rPr lang="en-US" dirty="0"/>
-              <a:t>Find the first saddle point in this spline, usually a local minimum</a:t>
-            </a:r>
-          </a:p>
-          <a:p>
-            <a:pPr marL="971550" lvl="1" indent="-514350">
-              <a:buFont typeface="+mj-lt"/>
-              <a:buAutoNum type="arabicPeriod"/>
-            </a:pPr>
-            <a:r>
-              <a:rPr lang="en-US" dirty="0"/>
-              <a:t>If the first saddle point is less than 1 return the object and its saddle point</a:t>
+              <a:t>Random walks on graph -&gt; gradient of re-visit frequency</a:t>
             </a:r>
           </a:p>
         </p:txBody>
@@ -4923,7 +10754,7 @@
           <p:cNvPr id="4" name="Content Placeholder 3">
             <a:extLst>
               <a:ext uri="{FF2B5EF4-FFF2-40B4-BE49-F238E27FC236}">
-                <a16:creationId xmlns:a16="http://schemas.microsoft.com/office/drawing/2014/main" id="{E47E5CA4-E913-034B-9C8D-6C1E29A9ADE1}"/>
+                <a16:creationId xmlns:a16="http://schemas.microsoft.com/office/drawing/2014/main" xmlns="" id="{6BC0F224-816F-DE41-ADA3-AE9FDCF9EC1D}"/>
               </a:ext>
             </a:extLst>
           </p:cNvPr>
@@ -4936,9 +10767,7 @@
         </p:nvSpPr>
         <p:spPr/>
         <p:txBody>
-          <a:bodyPr>
-            <a:normAutofit/>
-          </a:bodyPr>
+          <a:bodyPr/>
           <a:lstStyle/>
           <a:p>
             <a:endParaRPr lang="en-US"/>
@@ -4948,7 +10777,7 @@
     </p:spTree>
     <p:extLst>
       <p:ext uri="{BB962C8B-B14F-4D97-AF65-F5344CB8AC3E}">
-        <p14:creationId xmlns:p14="http://schemas.microsoft.com/office/powerpoint/2010/main" val="2174808421"/>
+        <p14:creationId xmlns:p14="http://schemas.microsoft.com/office/powerpoint/2010/main" val="2670781827"/>
       </p:ext>
     </p:extLst>
   </p:cSld>
@@ -4980,7 +10809,7 @@
           <p:cNvPr id="2" name="Title 1">
             <a:extLst>
               <a:ext uri="{FF2B5EF4-FFF2-40B4-BE49-F238E27FC236}">
-                <a16:creationId xmlns:a16="http://schemas.microsoft.com/office/drawing/2014/main" id="{82954907-488D-BD4C-8497-918EBD3FDB5F}"/>
+                <a16:creationId xmlns:a16="http://schemas.microsoft.com/office/drawing/2014/main" xmlns="" id="{C2664C2B-2CAB-EC4D-912E-8F87F92B1E53}"/>
               </a:ext>
             </a:extLst>
           </p:cNvPr>
@@ -4998,17 +10827,17 @@
           <a:p>
             <a:r>
               <a:rPr lang="en-US" dirty="0"/>
-              <a:t>Algorithm 1 Runtime</a:t>
-            </a:r>
-          </a:p>
-        </p:txBody>
-      </p:sp>
-      <p:sp>
-        <p:nvSpPr>
-          <p:cNvPr id="5" name="Content Placeholder 4">
+              <a:t>Algorithm 2 Implementation (Cont'd)</a:t>
+            </a:r>
+          </a:p>
+        </p:txBody>
+      </p:sp>
+      <p:sp>
+        <p:nvSpPr>
+          <p:cNvPr id="3" name="Content Placeholder 2">
             <a:extLst>
               <a:ext uri="{FF2B5EF4-FFF2-40B4-BE49-F238E27FC236}">
-                <a16:creationId xmlns:a16="http://schemas.microsoft.com/office/drawing/2014/main" id="{74FB3ED5-2512-B34A-821B-E62AD1FDDA6D}"/>
+                <a16:creationId xmlns:a16="http://schemas.microsoft.com/office/drawing/2014/main" xmlns="" id="{11D582FC-3419-2547-B180-B594681DD09A}"/>
               </a:ext>
             </a:extLst>
           </p:cNvPr>
@@ -5016,46 +10845,72 @@
             <a:spLocks noGrp="1"/>
           </p:cNvSpPr>
           <p:nvPr>
-            <p:ph idx="1"/>
-          </p:nvPr>
-        </p:nvSpPr>
-        <p:spPr>
-          <a:xfrm>
-            <a:off x="838200" y="1811338"/>
-            <a:ext cx="10515600" cy="4351338"/>
-          </a:xfrm>
-        </p:spPr>
-        <p:txBody>
-          <a:bodyPr>
-            <a:normAutofit/>
-          </a:bodyPr>
+            <p:ph sz="half" idx="1"/>
+          </p:nvPr>
+        </p:nvSpPr>
+        <p:spPr/>
+        <p:txBody>
+          <a:bodyPr/>
           <a:lstStyle/>
           <a:p>
-            <a:r>
-              <a:rPr lang="en-US" sz="3200" dirty="0"/>
-              <a:t>8 min. 44 sec.</a:t>
-            </a:r>
-          </a:p>
-          <a:p>
-            <a:pPr lvl="1"/>
-            <a:r>
-              <a:rPr lang="en-US" sz="2800" dirty="0"/>
-              <a:t>25 workers with n1-standard-4 specs</a:t>
-            </a:r>
-          </a:p>
-          <a:p>
-            <a:pPr lvl="1"/>
-            <a:r>
-              <a:rPr lang="en-US" sz="2800" dirty="0"/>
-              <a:t>358,169 rows</a:t>
-            </a:r>
+            <a:pPr marL="514350" indent="-514350">
+              <a:buFont typeface="+mj-lt"/>
+              <a:buAutoNum type="arabicPeriod" startAt="4"/>
+            </a:pPr>
+            <a:r>
+              <a:rPr lang="en-US" b="1" dirty="0"/>
+              <a:t>Watershed Algorithm:</a:t>
+            </a:r>
+          </a:p>
+          <a:p>
+            <a:pPr marL="971550" lvl="1" indent="-514350">
+              <a:buFont typeface="+mj-lt"/>
+              <a:buAutoNum type="arabicPeriod" startAt="4"/>
+            </a:pPr>
+            <a:r>
+              <a:rPr lang="en-US" dirty="0"/>
+              <a:t>Segmentation of the "image" - </a:t>
+            </a:r>
+            <a:r>
+              <a:rPr lang="en-US" dirty="0" err="1"/>
+              <a:t>i.e</a:t>
+            </a:r>
+            <a:r>
+              <a:rPr lang="en-US" dirty="0"/>
+              <a:t>, gradient</a:t>
+            </a:r>
+          </a:p>
+        </p:txBody>
+      </p:sp>
+      <p:sp>
+        <p:nvSpPr>
+          <p:cNvPr id="4" name="Content Placeholder 3">
+            <a:extLst>
+              <a:ext uri="{FF2B5EF4-FFF2-40B4-BE49-F238E27FC236}">
+                <a16:creationId xmlns:a16="http://schemas.microsoft.com/office/drawing/2014/main" xmlns="" id="{A820558D-32DD-7C42-BE19-31AC0BB7A2D0}"/>
+              </a:ext>
+            </a:extLst>
+          </p:cNvPr>
+          <p:cNvSpPr>
+            <a:spLocks noGrp="1"/>
+          </p:cNvSpPr>
+          <p:nvPr>
+            <p:ph sz="half" idx="2"/>
+          </p:nvPr>
+        </p:nvSpPr>
+        <p:spPr/>
+        <p:txBody>
+          <a:bodyPr/>
+          <a:lstStyle/>
+          <a:p>
+            <a:endParaRPr lang="en-US"/>
           </a:p>
         </p:txBody>
       </p:sp>
     </p:spTree>
     <p:extLst>
       <p:ext uri="{BB962C8B-B14F-4D97-AF65-F5344CB8AC3E}">
-        <p14:creationId xmlns:p14="http://schemas.microsoft.com/office/powerpoint/2010/main" val="3860487657"/>
+        <p14:creationId xmlns:p14="http://schemas.microsoft.com/office/powerpoint/2010/main" val="1211324572"/>
       </p:ext>
     </p:extLst>
   </p:cSld>
@@ -5087,410 +10942,7 @@
           <p:cNvPr id="2" name="Title 1">
             <a:extLst>
               <a:ext uri="{FF2B5EF4-FFF2-40B4-BE49-F238E27FC236}">
-                <a16:creationId xmlns:a16="http://schemas.microsoft.com/office/drawing/2014/main" id="{F0FBB199-F59D-5340-8956-A3D17A95119B}"/>
-              </a:ext>
-            </a:extLst>
-          </p:cNvPr>
-          <p:cNvSpPr>
-            <a:spLocks noGrp="1"/>
-          </p:cNvSpPr>
-          <p:nvPr>
-            <p:ph type="title"/>
-          </p:nvPr>
-        </p:nvSpPr>
-        <p:spPr/>
-        <p:txBody>
-          <a:bodyPr/>
-          <a:lstStyle/>
-          <a:p>
-            <a:r>
-              <a:rPr lang="en-US" dirty="0"/>
-              <a:t>Algorithm 2 Implementation</a:t>
-            </a:r>
-          </a:p>
-        </p:txBody>
-      </p:sp>
-      <p:sp>
-        <p:nvSpPr>
-          <p:cNvPr id="3" name="Content Placeholder 2">
-            <a:extLst>
-              <a:ext uri="{FF2B5EF4-FFF2-40B4-BE49-F238E27FC236}">
-                <a16:creationId xmlns:a16="http://schemas.microsoft.com/office/drawing/2014/main" id="{D75810C3-B172-924A-AFCB-B9568E68F34F}"/>
-              </a:ext>
-            </a:extLst>
-          </p:cNvPr>
-          <p:cNvSpPr>
-            <a:spLocks noGrp="1"/>
-          </p:cNvSpPr>
-          <p:nvPr>
-            <p:ph sz="half" idx="1"/>
-          </p:nvPr>
-        </p:nvSpPr>
-        <p:spPr/>
-        <p:txBody>
-          <a:bodyPr/>
-          <a:lstStyle/>
-          <a:p>
-            <a:pPr marL="514350" indent="-514350">
-              <a:buFont typeface="+mj-lt"/>
-              <a:buAutoNum type="arabicPeriod"/>
-            </a:pPr>
-            <a:r>
-              <a:rPr lang="en-US" b="1" dirty="0"/>
-              <a:t>Grids:</a:t>
-            </a:r>
-          </a:p>
-          <a:p>
-            <a:pPr marL="971550" lvl="1" indent="-514350">
-              <a:buFont typeface="+mj-lt"/>
-              <a:buAutoNum type="arabicPeriod"/>
-            </a:pPr>
-            <a:r>
-              <a:rPr lang="en-US" dirty="0"/>
-              <a:t>r x c grids -&gt; bite-sized chunks</a:t>
-            </a:r>
-          </a:p>
-          <a:p>
-            <a:pPr marL="514350" indent="-514350">
-              <a:buFont typeface="+mj-lt"/>
-              <a:buAutoNum type="arabicPeriod"/>
-            </a:pPr>
-            <a:r>
-              <a:rPr lang="en-US" b="1" dirty="0"/>
-              <a:t>Output key: grid id</a:t>
-            </a:r>
-          </a:p>
-        </p:txBody>
-      </p:sp>
-      <p:sp>
-        <p:nvSpPr>
-          <p:cNvPr id="4" name="Content Placeholder 3">
-            <a:extLst>
-              <a:ext uri="{FF2B5EF4-FFF2-40B4-BE49-F238E27FC236}">
-                <a16:creationId xmlns:a16="http://schemas.microsoft.com/office/drawing/2014/main" id="{6BC0F224-816F-DE41-ADA3-AE9FDCF9EC1D}"/>
-              </a:ext>
-            </a:extLst>
-          </p:cNvPr>
-          <p:cNvSpPr>
-            <a:spLocks noGrp="1"/>
-          </p:cNvSpPr>
-          <p:nvPr>
-            <p:ph sz="half" idx="2"/>
-          </p:nvPr>
-        </p:nvSpPr>
-        <p:spPr/>
-        <p:txBody>
-          <a:bodyPr/>
-          <a:lstStyle/>
-          <a:p>
-            <a:endParaRPr lang="en-US"/>
-          </a:p>
-        </p:txBody>
-      </p:sp>
-    </p:spTree>
-    <p:extLst>
-      <p:ext uri="{BB962C8B-B14F-4D97-AF65-F5344CB8AC3E}">
-        <p14:creationId xmlns:p14="http://schemas.microsoft.com/office/powerpoint/2010/main" val="1417709322"/>
-      </p:ext>
-    </p:extLst>
-  </p:cSld>
-  <p:clrMapOvr>
-    <a:masterClrMapping/>
-  </p:clrMapOvr>
-</p:sld>
-</file>
-
-<file path=ppt/slides/slide24.xml><?xml version="1.0" encoding="utf-8"?>
-<p:sld xmlns:a="http://schemas.openxmlformats.org/drawingml/2006/main" xmlns:r="http://schemas.openxmlformats.org/officeDocument/2006/relationships" xmlns:p="http://schemas.openxmlformats.org/presentationml/2006/main">
-  <p:cSld>
-    <p:spTree>
-      <p:nvGrpSpPr>
-        <p:cNvPr id="1" name=""/>
-        <p:cNvGrpSpPr/>
-        <p:nvPr/>
-      </p:nvGrpSpPr>
-      <p:grpSpPr>
-        <a:xfrm>
-          <a:off x="0" y="0"/>
-          <a:ext cx="0" cy="0"/>
-          <a:chOff x="0" y="0"/>
-          <a:chExt cx="0" cy="0"/>
-        </a:xfrm>
-      </p:grpSpPr>
-      <p:sp>
-        <p:nvSpPr>
-          <p:cNvPr id="2" name="Title 1">
-            <a:extLst>
-              <a:ext uri="{FF2B5EF4-FFF2-40B4-BE49-F238E27FC236}">
-                <a16:creationId xmlns:a16="http://schemas.microsoft.com/office/drawing/2014/main" id="{F0FBB199-F59D-5340-8956-A3D17A95119B}"/>
-              </a:ext>
-            </a:extLst>
-          </p:cNvPr>
-          <p:cNvSpPr>
-            <a:spLocks noGrp="1"/>
-          </p:cNvSpPr>
-          <p:nvPr>
-            <p:ph type="title"/>
-          </p:nvPr>
-        </p:nvSpPr>
-        <p:spPr/>
-        <p:txBody>
-          <a:bodyPr/>
-          <a:lstStyle/>
-          <a:p>
-            <a:r>
-              <a:rPr lang="en-US" dirty="0"/>
-              <a:t>Algorithm 2 Implementation (Cont'd)</a:t>
-            </a:r>
-          </a:p>
-        </p:txBody>
-      </p:sp>
-      <p:sp>
-        <p:nvSpPr>
-          <p:cNvPr id="3" name="Content Placeholder 2">
-            <a:extLst>
-              <a:ext uri="{FF2B5EF4-FFF2-40B4-BE49-F238E27FC236}">
-                <a16:creationId xmlns:a16="http://schemas.microsoft.com/office/drawing/2014/main" id="{D75810C3-B172-924A-AFCB-B9568E68F34F}"/>
-              </a:ext>
-            </a:extLst>
-          </p:cNvPr>
-          <p:cNvSpPr>
-            <a:spLocks noGrp="1"/>
-          </p:cNvSpPr>
-          <p:nvPr>
-            <p:ph sz="half" idx="1"/>
-          </p:nvPr>
-        </p:nvSpPr>
-        <p:spPr/>
-        <p:txBody>
-          <a:bodyPr/>
-          <a:lstStyle/>
-          <a:p>
-            <a:pPr marL="514350" indent="-514350">
-              <a:buFont typeface="+mj-lt"/>
-              <a:buAutoNum type="arabicPeriod" startAt="3"/>
-            </a:pPr>
-            <a:r>
-              <a:rPr lang="en-US" b="1" dirty="0"/>
-              <a:t>Random Walk</a:t>
-            </a:r>
-          </a:p>
-          <a:p>
-            <a:pPr marL="971550" lvl="1" indent="-514350">
-              <a:buFont typeface="+mj-lt"/>
-              <a:buAutoNum type="arabicPeriod"/>
-            </a:pPr>
-            <a:r>
-              <a:rPr lang="en-US" dirty="0"/>
-              <a:t>Fully connected graphs w/ distance$^{-1}$ as edge weight</a:t>
-            </a:r>
-          </a:p>
-          <a:p>
-            <a:pPr marL="971550" lvl="1" indent="-514350">
-              <a:buFont typeface="+mj-lt"/>
-              <a:buAutoNum type="arabicPeriod"/>
-            </a:pPr>
-            <a:r>
-              <a:rPr lang="en-US" dirty="0"/>
-              <a:t>Random walks on graph -&gt; gradient of re-visit frequency</a:t>
-            </a:r>
-          </a:p>
-        </p:txBody>
-      </p:sp>
-      <p:sp>
-        <p:nvSpPr>
-          <p:cNvPr id="4" name="Content Placeholder 3">
-            <a:extLst>
-              <a:ext uri="{FF2B5EF4-FFF2-40B4-BE49-F238E27FC236}">
-                <a16:creationId xmlns:a16="http://schemas.microsoft.com/office/drawing/2014/main" id="{6BC0F224-816F-DE41-ADA3-AE9FDCF9EC1D}"/>
-              </a:ext>
-            </a:extLst>
-          </p:cNvPr>
-          <p:cNvSpPr>
-            <a:spLocks noGrp="1"/>
-          </p:cNvSpPr>
-          <p:nvPr>
-            <p:ph sz="half" idx="2"/>
-          </p:nvPr>
-        </p:nvSpPr>
-        <p:spPr/>
-        <p:txBody>
-          <a:bodyPr/>
-          <a:lstStyle/>
-          <a:p>
-            <a:endParaRPr lang="en-US"/>
-          </a:p>
-        </p:txBody>
-      </p:sp>
-    </p:spTree>
-    <p:extLst>
-      <p:ext uri="{BB962C8B-B14F-4D97-AF65-F5344CB8AC3E}">
-        <p14:creationId xmlns:p14="http://schemas.microsoft.com/office/powerpoint/2010/main" val="2670781827"/>
-      </p:ext>
-    </p:extLst>
-  </p:cSld>
-  <p:clrMapOvr>
-    <a:masterClrMapping/>
-  </p:clrMapOvr>
-</p:sld>
-</file>
-
-<file path=ppt/slides/slide25.xml><?xml version="1.0" encoding="utf-8"?>
-<p:sld xmlns:a="http://schemas.openxmlformats.org/drawingml/2006/main" xmlns:r="http://schemas.openxmlformats.org/officeDocument/2006/relationships" xmlns:p="http://schemas.openxmlformats.org/presentationml/2006/main">
-  <p:cSld>
-    <p:spTree>
-      <p:nvGrpSpPr>
-        <p:cNvPr id="1" name=""/>
-        <p:cNvGrpSpPr/>
-        <p:nvPr/>
-      </p:nvGrpSpPr>
-      <p:grpSpPr>
-        <a:xfrm>
-          <a:off x="0" y="0"/>
-          <a:ext cx="0" cy="0"/>
-          <a:chOff x="0" y="0"/>
-          <a:chExt cx="0" cy="0"/>
-        </a:xfrm>
-      </p:grpSpPr>
-      <p:sp>
-        <p:nvSpPr>
-          <p:cNvPr id="2" name="Title 1">
-            <a:extLst>
-              <a:ext uri="{FF2B5EF4-FFF2-40B4-BE49-F238E27FC236}">
-                <a16:creationId xmlns:a16="http://schemas.microsoft.com/office/drawing/2014/main" id="{C2664C2B-2CAB-EC4D-912E-8F87F92B1E53}"/>
-              </a:ext>
-            </a:extLst>
-          </p:cNvPr>
-          <p:cNvSpPr>
-            <a:spLocks noGrp="1"/>
-          </p:cNvSpPr>
-          <p:nvPr>
-            <p:ph type="title"/>
-          </p:nvPr>
-        </p:nvSpPr>
-        <p:spPr/>
-        <p:txBody>
-          <a:bodyPr/>
-          <a:lstStyle/>
-          <a:p>
-            <a:r>
-              <a:rPr lang="en-US" dirty="0"/>
-              <a:t>Algorithm 2 Implementation (Cont'd)</a:t>
-            </a:r>
-          </a:p>
-        </p:txBody>
-      </p:sp>
-      <p:sp>
-        <p:nvSpPr>
-          <p:cNvPr id="3" name="Content Placeholder 2">
-            <a:extLst>
-              <a:ext uri="{FF2B5EF4-FFF2-40B4-BE49-F238E27FC236}">
-                <a16:creationId xmlns:a16="http://schemas.microsoft.com/office/drawing/2014/main" id="{11D582FC-3419-2547-B180-B594681DD09A}"/>
-              </a:ext>
-            </a:extLst>
-          </p:cNvPr>
-          <p:cNvSpPr>
-            <a:spLocks noGrp="1"/>
-          </p:cNvSpPr>
-          <p:nvPr>
-            <p:ph sz="half" idx="1"/>
-          </p:nvPr>
-        </p:nvSpPr>
-        <p:spPr/>
-        <p:txBody>
-          <a:bodyPr/>
-          <a:lstStyle/>
-          <a:p>
-            <a:pPr marL="514350" indent="-514350">
-              <a:buFont typeface="+mj-lt"/>
-              <a:buAutoNum type="arabicPeriod" startAt="4"/>
-            </a:pPr>
-            <a:r>
-              <a:rPr lang="en-US" b="1" dirty="0"/>
-              <a:t>Watershed Algorithm:</a:t>
-            </a:r>
-          </a:p>
-          <a:p>
-            <a:pPr marL="971550" lvl="1" indent="-514350">
-              <a:buFont typeface="+mj-lt"/>
-              <a:buAutoNum type="arabicPeriod" startAt="4"/>
-            </a:pPr>
-            <a:r>
-              <a:rPr lang="en-US" dirty="0"/>
-              <a:t>Segmentation of the "image" - </a:t>
-            </a:r>
-            <a:r>
-              <a:rPr lang="en-US" dirty="0" err="1"/>
-              <a:t>i.e</a:t>
-            </a:r>
-            <a:r>
-              <a:rPr lang="en-US" dirty="0"/>
-              <a:t>, gradient</a:t>
-            </a:r>
-          </a:p>
-        </p:txBody>
-      </p:sp>
-      <p:sp>
-        <p:nvSpPr>
-          <p:cNvPr id="4" name="Content Placeholder 3">
-            <a:extLst>
-              <a:ext uri="{FF2B5EF4-FFF2-40B4-BE49-F238E27FC236}">
-                <a16:creationId xmlns:a16="http://schemas.microsoft.com/office/drawing/2014/main" id="{A820558D-32DD-7C42-BE19-31AC0BB7A2D0}"/>
-              </a:ext>
-            </a:extLst>
-          </p:cNvPr>
-          <p:cNvSpPr>
-            <a:spLocks noGrp="1"/>
-          </p:cNvSpPr>
-          <p:nvPr>
-            <p:ph sz="half" idx="2"/>
-          </p:nvPr>
-        </p:nvSpPr>
-        <p:spPr/>
-        <p:txBody>
-          <a:bodyPr/>
-          <a:lstStyle/>
-          <a:p>
-            <a:endParaRPr lang="en-US"/>
-          </a:p>
-        </p:txBody>
-      </p:sp>
-    </p:spTree>
-    <p:extLst>
-      <p:ext uri="{BB962C8B-B14F-4D97-AF65-F5344CB8AC3E}">
-        <p14:creationId xmlns:p14="http://schemas.microsoft.com/office/powerpoint/2010/main" val="1211324572"/>
-      </p:ext>
-    </p:extLst>
-  </p:cSld>
-  <p:clrMapOvr>
-    <a:masterClrMapping/>
-  </p:clrMapOvr>
-</p:sld>
-</file>
-
-<file path=ppt/slides/slide26.xml><?xml version="1.0" encoding="utf-8"?>
-<p:sld xmlns:a="http://schemas.openxmlformats.org/drawingml/2006/main" xmlns:r="http://schemas.openxmlformats.org/officeDocument/2006/relationships" xmlns:p="http://schemas.openxmlformats.org/presentationml/2006/main">
-  <p:cSld>
-    <p:spTree>
-      <p:nvGrpSpPr>
-        <p:cNvPr id="1" name=""/>
-        <p:cNvGrpSpPr/>
-        <p:nvPr/>
-      </p:nvGrpSpPr>
-      <p:grpSpPr>
-        <a:xfrm>
-          <a:off x="0" y="0"/>
-          <a:ext cx="0" cy="0"/>
-          <a:chOff x="0" y="0"/>
-          <a:chExt cx="0" cy="0"/>
-        </a:xfrm>
-      </p:grpSpPr>
-      <p:sp>
-        <p:nvSpPr>
-          <p:cNvPr id="2" name="Title 1">
-            <a:extLst>
-              <a:ext uri="{FF2B5EF4-FFF2-40B4-BE49-F238E27FC236}">
-                <a16:creationId xmlns:a16="http://schemas.microsoft.com/office/drawing/2014/main" id="{55884975-F0BA-4846-A9FC-A0A7528A87A2}"/>
+                <a16:creationId xmlns:a16="http://schemas.microsoft.com/office/drawing/2014/main" xmlns="" id="{55884975-F0BA-4846-A9FC-A0A7528A87A2}"/>
               </a:ext>
             </a:extLst>
           </p:cNvPr>
@@ -5541,7 +10993,7 @@
           <p:cNvPr id="3" name="Content Placeholder 2">
             <a:extLst>
               <a:ext uri="{FF2B5EF4-FFF2-40B4-BE49-F238E27FC236}">
-                <a16:creationId xmlns:a16="http://schemas.microsoft.com/office/drawing/2014/main" id="{53517008-F17A-8F43-93CF-C4004667C496}"/>
+                <a16:creationId xmlns:a16="http://schemas.microsoft.com/office/drawing/2014/main" xmlns="" id="{53517008-F17A-8F43-93CF-C4004667C496}"/>
               </a:ext>
             </a:extLst>
           </p:cNvPr>
@@ -5566,7 +11018,7 @@
           <p:cNvPr id="4" name="Content Placeholder 3">
             <a:extLst>
               <a:ext uri="{FF2B5EF4-FFF2-40B4-BE49-F238E27FC236}">
-                <a16:creationId xmlns:a16="http://schemas.microsoft.com/office/drawing/2014/main" id="{D789BED8-162F-3747-9535-650A4BB8E1E1}"/>
+                <a16:creationId xmlns:a16="http://schemas.microsoft.com/office/drawing/2014/main" xmlns="" id="{D789BED8-162F-3747-9535-650A4BB8E1E1}"/>
               </a:ext>
             </a:extLst>
           </p:cNvPr>
@@ -5678,7 +11130,7 @@
           </a:p>
           <a:p>
             <a:r>
-              <a:rPr lang="en-US" sz="3200" dirty="0">
+              <a:rPr lang="en-US" sz="3200" b="1" dirty="0">
                 <a:latin typeface="Gotham" charset="0"/>
                 <a:ea typeface="Gotham" charset="0"/>
                 <a:cs typeface="Gotham" charset="0"/>
@@ -5751,6 +11203,13 @@
   <p:clrMapOvr>
     <a:masterClrMapping/>
   </p:clrMapOvr>
+  <p:timing>
+    <p:tnLst>
+      <p:par>
+        <p:cTn id="1" dur="indefinite" restart="never" nodeType="tmRoot"/>
+      </p:par>
+    </p:tnLst>
+  </p:timing>
 </p:sld>
 </file>
 
@@ -5844,6 +11303,14 @@
                 <a:cs typeface="Gotham" charset="0"/>
               </a:rPr>
             </a:br>
+            <a:r>
+              <a:rPr lang="en-US" sz="3200" dirty="0">
+                <a:latin typeface="Gotham" charset="0"/>
+                <a:ea typeface="Gotham" charset="0"/>
+                <a:cs typeface="Gotham" charset="0"/>
+              </a:rPr>
+              <a:t/>
+            </a:r>
             <a:br>
               <a:rPr lang="en-US" sz="3200" dirty="0">
                 <a:latin typeface="Gotham" charset="0"/>
@@ -5869,6 +11336,13 @@
   <p:clrMapOvr>
     <a:masterClrMapping/>
   </p:clrMapOvr>
+  <p:timing>
+    <p:tnLst>
+      <p:par>
+        <p:cTn id="1" dur="indefinite" restart="never" nodeType="tmRoot"/>
+      </p:par>
+    </p:tnLst>
+  </p:timing>
 </p:sld>
 </file>
 
@@ -5943,12 +11417,26 @@
                 <a:ea typeface="Gotham" charset="0"/>
                 <a:cs typeface="Gotham" charset="0"/>
               </a:rPr>
-              <a:t>NASA/IPAC Infrared Science Archive</a:t>
-            </a:r>
-          </a:p>
-          <a:p>
-            <a:r>
-              <a:rPr lang="en-US" sz="3200" dirty="0">
+              <a:t>NASA/IPAC Infrared Science </a:t>
+            </a:r>
+            <a:r>
+              <a:rPr lang="en-US" sz="3200" dirty="0" smtClean="0">
+                <a:latin typeface="Gotham" charset="0"/>
+                <a:ea typeface="Gotham" charset="0"/>
+                <a:cs typeface="Gotham" charset="0"/>
+              </a:rPr>
+              <a:t>Archive:</a:t>
+            </a:r>
+            <a:endParaRPr lang="en-US" sz="3200" dirty="0">
+              <a:latin typeface="Gotham" charset="0"/>
+              <a:ea typeface="Gotham" charset="0"/>
+              <a:cs typeface="Gotham" charset="0"/>
+            </a:endParaRPr>
+          </a:p>
+          <a:p>
+            <a:pPr lvl="1"/>
+            <a:r>
+              <a:rPr lang="en-US" dirty="0">
                 <a:latin typeface="Gotham" charset="0"/>
                 <a:ea typeface="Gotham" charset="0"/>
                 <a:cs typeface="Gotham" charset="0"/>
@@ -5957,6 +11445,17 @@
             </a:r>
           </a:p>
           <a:p>
+            <a:pPr lvl="2"/>
+            <a:r>
+              <a:rPr lang="en-US" dirty="0">
+                <a:latin typeface="Gotham" charset="0"/>
+                <a:ea typeface="Gotham" charset="0"/>
+                <a:cs typeface="Gotham" charset="0"/>
+              </a:rPr>
+              <a:t>Identifies objects, and readings on the energies they emit</a:t>
+            </a:r>
+          </a:p>
+          <a:p>
             <a:pPr lvl="1"/>
             <a:r>
               <a:rPr lang="en-US" dirty="0">
@@ -5964,22 +11463,13 @@
                 <a:ea typeface="Gotham" charset="0"/>
                 <a:cs typeface="Gotham" charset="0"/>
               </a:rPr>
-              <a:t>Identifies objects, and readings on the energies they emit</a:t>
-            </a:r>
-          </a:p>
-          <a:p>
-            <a:r>
-              <a:rPr lang="en-US" sz="3200" dirty="0">
-                <a:latin typeface="Gotham" charset="0"/>
-                <a:ea typeface="Gotham" charset="0"/>
-                <a:cs typeface="Gotham" charset="0"/>
-              </a:rPr>
               <a:t>800m objects (records),  815 GB</a:t>
             </a:r>
           </a:p>
           <a:p>
-            <a:r>
-              <a:rPr lang="en-US" sz="3200" dirty="0">
+            <a:pPr lvl="1"/>
+            <a:r>
+              <a:rPr lang="en-US" dirty="0">
                 <a:latin typeface="Gotham" charset="0"/>
                 <a:ea typeface="Gotham" charset="0"/>
                 <a:cs typeface="Gotham" charset="0"/>
@@ -5988,7 +11478,7 @@
             </a:r>
           </a:p>
           <a:p>
-            <a:pPr lvl="1"/>
+            <a:pPr lvl="2"/>
             <a:r>
               <a:rPr lang="en-US" dirty="0">
                 <a:latin typeface="Gotham" charset="0"/>
@@ -5999,7 +11489,7 @@
             </a:r>
           </a:p>
           <a:p>
-            <a:pPr lvl="1"/>
+            <a:pPr lvl="2"/>
             <a:r>
               <a:rPr lang="en-US" dirty="0">
                 <a:latin typeface="Gotham" charset="0"/>
@@ -6010,7 +11500,7 @@
             </a:r>
           </a:p>
           <a:p>
-            <a:pPr lvl="1"/>
+            <a:pPr lvl="2"/>
             <a:r>
               <a:rPr lang="en-US" dirty="0" err="1">
                 <a:latin typeface="Gotham" charset="0"/>
@@ -6026,7 +11516,7 @@
             </a:endParaRPr>
           </a:p>
           <a:p>
-            <a:pPr lvl="1"/>
+            <a:pPr lvl="2"/>
             <a:r>
               <a:rPr lang="en-US" dirty="0">
                 <a:latin typeface="Gotham" charset="0"/>
@@ -6053,6 +11543,13 @@
   <p:clrMapOvr>
     <a:masterClrMapping/>
   </p:clrMapOvr>
+  <p:timing>
+    <p:tnLst>
+      <p:par>
+        <p:cTn id="1" dur="indefinite" restart="never" nodeType="tmRoot"/>
+      </p:par>
+    </p:tnLst>
+  </p:timing>
 </p:sld>
 </file>
 
@@ -6122,35 +11619,6 @@
           </a:p>
         </p:txBody>
       </p:sp>
-      <p:pic>
-        <p:nvPicPr>
-          <p:cNvPr id="4" name="Content Placeholder 3"/>
-          <p:cNvPicPr>
-            <a:picLocks noGrp="1" noChangeAspect="1"/>
-          </p:cNvPicPr>
-          <p:nvPr>
-            <p:ph idx="1"/>
-          </p:nvPr>
-        </p:nvPicPr>
-        <p:blipFill>
-          <a:blip r:embed="rId2">
-            <a:extLst>
-              <a:ext uri="{28A0092B-C50C-407E-A947-70E740481C1C}">
-                <a14:useLocalDpi xmlns:a14="http://schemas.microsoft.com/office/drawing/2010/main" val="0"/>
-              </a:ext>
-            </a:extLst>
-          </a:blip>
-          <a:stretch>
-            <a:fillRect/>
-          </a:stretch>
-        </p:blipFill>
-        <p:spPr>
-          <a:xfrm>
-            <a:off x="3484677" y="1493926"/>
-            <a:ext cx="4676422" cy="4917475"/>
-          </a:xfrm>
-        </p:spPr>
-      </p:pic>
       <p:sp>
         <p:nvSpPr>
           <p:cNvPr id="5" name="Right Arrow 4"/>
@@ -6253,6 +11721,54 @@
           </a:p>
         </p:txBody>
       </p:sp>
+      <p:pic>
+        <p:nvPicPr>
+          <p:cNvPr id="3" name="Picture 2"/>
+          <p:cNvPicPr>
+            <a:picLocks noChangeAspect="1"/>
+          </p:cNvPicPr>
+          <p:nvPr/>
+        </p:nvPicPr>
+        <p:blipFill rotWithShape="1">
+          <a:blip r:embed="rId3">
+            <a:extLst>
+              <a:ext uri="{28A0092B-C50C-407E-A947-70E740481C1C}">
+                <a14:useLocalDpi xmlns:a14="http://schemas.microsoft.com/office/drawing/2010/main" val="0"/>
+              </a:ext>
+            </a:extLst>
+          </a:blip>
+          <a:srcRect l="-162" t="1720" r="2013" b="3108"/>
+          <a:stretch/>
+        </p:blipFill>
+        <p:spPr>
+          <a:xfrm>
+            <a:off x="2705183" y="1579418"/>
+            <a:ext cx="6307282" cy="5116835"/>
+          </a:xfrm>
+          <a:prstGeom prst="rect">
+            <a:avLst/>
+          </a:prstGeom>
+        </p:spPr>
+      </p:pic>
+      <p:sp>
+        <p:nvSpPr>
+          <p:cNvPr id="7" name="Content Placeholder 6"/>
+          <p:cNvSpPr>
+            <a:spLocks noGrp="1"/>
+          </p:cNvSpPr>
+          <p:nvPr>
+            <p:ph idx="1"/>
+          </p:nvPr>
+        </p:nvSpPr>
+        <p:spPr/>
+        <p:txBody>
+          <a:bodyPr/>
+          <a:lstStyle/>
+          <a:p>
+            <a:endParaRPr lang="fr-FR" dirty="0"/>
+          </a:p>
+        </p:txBody>
+      </p:sp>
     </p:spTree>
     <p:extLst>
       <p:ext uri="{BB962C8B-B14F-4D97-AF65-F5344CB8AC3E}">
@@ -6263,6 +11779,13 @@
   <p:clrMapOvr>
     <a:masterClrMapping/>
   </p:clrMapOvr>
+  <p:timing>
+    <p:tnLst>
+      <p:par>
+        <p:cTn id="1" dur="indefinite" restart="never" nodeType="tmRoot"/>
+      </p:par>
+    </p:tnLst>
+  </p:timing>
 </p:sld>
 </file>
 
@@ -6293,19 +11816,56 @@
             <p:ph type="title"/>
           </p:nvPr>
         </p:nvSpPr>
+        <p:spPr>
+          <a:xfrm>
+            <a:off x="831850" y="1730521"/>
+            <a:ext cx="10515600" cy="1791998"/>
+          </a:xfrm>
+        </p:spPr>
+        <p:txBody>
+          <a:bodyPr>
+            <a:noAutofit/>
+          </a:bodyPr>
+          <a:lstStyle/>
+          <a:p>
+            <a:pPr algn="ctr">
+              <a:lnSpc>
+                <a:spcPct val="100000"/>
+              </a:lnSpc>
+            </a:pPr>
+            <a:r>
+              <a:rPr lang="en-US" sz="4400" smtClean="0">
+                <a:latin typeface="Gotham" charset="0"/>
+                <a:ea typeface="Gotham" charset="0"/>
+                <a:cs typeface="Gotham" charset="0"/>
+              </a:rPr>
+              <a:t>Algorithm I</a:t>
+            </a:r>
+            <a:endParaRPr lang="fr-FR" sz="4400" dirty="0">
+              <a:latin typeface="Gotham" charset="0"/>
+              <a:ea typeface="Gotham" charset="0"/>
+              <a:cs typeface="Gotham" charset="0"/>
+            </a:endParaRPr>
+          </a:p>
+        </p:txBody>
+      </p:sp>
+      <p:sp>
+        <p:nvSpPr>
+          <p:cNvPr id="3" name="Subtitle 2"/>
+          <p:cNvSpPr>
+            <a:spLocks noGrp="1"/>
+          </p:cNvSpPr>
+          <p:nvPr>
+            <p:ph type="body" idx="1"/>
+          </p:nvPr>
+        </p:nvSpPr>
         <p:spPr/>
         <p:txBody>
-          <a:bodyPr/>
+          <a:bodyPr>
+            <a:normAutofit/>
+          </a:bodyPr>
           <a:lstStyle/>
           <a:p>
-            <a:r>
-              <a:rPr lang="en-US" dirty="0">
-                <a:latin typeface="Gotham" charset="0"/>
-                <a:ea typeface="Gotham" charset="0"/>
-                <a:cs typeface="Gotham" charset="0"/>
-              </a:rPr>
-              <a:t>Preprocessing with K-Means Classification</a:t>
-            </a:r>
             <a:endParaRPr lang="fr-FR" dirty="0">
               <a:latin typeface="Gotham" charset="0"/>
               <a:ea typeface="Gotham" charset="0"/>
@@ -6314,331 +11874,23 @@
           </a:p>
         </p:txBody>
       </p:sp>
-      <mc:AlternateContent xmlns:mc="http://schemas.openxmlformats.org/markup-compatibility/2006">
-        <mc:Choice xmlns:a14="http://schemas.microsoft.com/office/drawing/2010/main" Requires="a14">
-          <p:sp>
-            <p:nvSpPr>
-              <p:cNvPr id="3" name="Content Placeholder 2"/>
-              <p:cNvSpPr>
-                <a:spLocks noGrp="1"/>
-              </p:cNvSpPr>
-              <p:nvPr>
-                <p:ph idx="1"/>
-              </p:nvPr>
-            </p:nvSpPr>
-            <p:spPr/>
-            <p:txBody>
-              <a:bodyPr>
-                <a:noAutofit/>
-              </a:bodyPr>
-              <a:lstStyle/>
-              <a:p>
-                <a:r>
-                  <a:rPr lang="fr-FR" dirty="0">
-                    <a:latin typeface="Gotham" charset="0"/>
-                    <a:ea typeface="Gotham" charset="0"/>
-                    <a:cs typeface="Gotham" charset="0"/>
-                  </a:rPr>
-                  <a:t>Canned K-</a:t>
-                </a:r>
-                <a:r>
-                  <a:rPr lang="fr-FR" dirty="0" err="1">
-                    <a:latin typeface="Gotham" charset="0"/>
-                    <a:ea typeface="Gotham" charset="0"/>
-                    <a:cs typeface="Gotham" charset="0"/>
-                  </a:rPr>
-                  <a:t>Means</a:t>
-                </a:r>
-                <a:r>
-                  <a:rPr lang="fr-FR" dirty="0">
-                    <a:latin typeface="Gotham" charset="0"/>
-                    <a:ea typeface="Gotham" charset="0"/>
-                    <a:cs typeface="Gotham" charset="0"/>
-                  </a:rPr>
-                  <a:t> in </a:t>
-                </a:r>
-                <a:r>
-                  <a:rPr lang="fr-FR" dirty="0" err="1">
-                    <a:latin typeface="Gotham" charset="0"/>
-                    <a:ea typeface="Gotham" charset="0"/>
-                    <a:cs typeface="Gotham" charset="0"/>
-                  </a:rPr>
-                  <a:t>Spark</a:t>
-                </a:r>
-                <a:endParaRPr lang="fr-FR" dirty="0">
-                  <a:latin typeface="Gotham" charset="0"/>
-                  <a:ea typeface="Gotham" charset="0"/>
-                  <a:cs typeface="Gotham" charset="0"/>
-                </a:endParaRPr>
-              </a:p>
-              <a:p>
-                <a:r>
-                  <a:rPr lang="fr-FR" dirty="0">
-                    <a:latin typeface="Gotham" charset="0"/>
-                    <a:ea typeface="Gotham" charset="0"/>
-                    <a:cs typeface="Gotham" charset="0"/>
-                  </a:rPr>
-                  <a:t>Split points </a:t>
-                </a:r>
-                <a:r>
-                  <a:rPr lang="fr-FR" dirty="0" err="1">
-                    <a:latin typeface="Gotham" charset="0"/>
-                    <a:ea typeface="Gotham" charset="0"/>
-                    <a:cs typeface="Gotham" charset="0"/>
-                  </a:rPr>
-                  <a:t>into</a:t>
-                </a:r>
-                <a:r>
-                  <a:rPr lang="fr-FR" dirty="0">
-                    <a:latin typeface="Gotham" charset="0"/>
-                    <a:ea typeface="Gotham" charset="0"/>
-                    <a:cs typeface="Gotham" charset="0"/>
-                  </a:rPr>
-                  <a:t> </a:t>
-                </a:r>
-                <a:r>
-                  <a:rPr lang="fr-FR" dirty="0" err="1">
-                    <a:latin typeface="Gotham" charset="0"/>
-                    <a:ea typeface="Gotham" charset="0"/>
-                    <a:cs typeface="Gotham" charset="0"/>
-                  </a:rPr>
-                  <a:t>two</a:t>
-                </a:r>
-                <a:r>
-                  <a:rPr lang="fr-FR" dirty="0">
-                    <a:latin typeface="Gotham" charset="0"/>
-                    <a:ea typeface="Gotham" charset="0"/>
-                    <a:cs typeface="Gotham" charset="0"/>
-                  </a:rPr>
-                  <a:t> groups, ~ N w/in </a:t>
-                </a:r>
-                <a:r>
-                  <a:rPr lang="fr-FR" dirty="0" err="1">
-                    <a:latin typeface="Gotham" charset="0"/>
-                    <a:ea typeface="Gotham" charset="0"/>
-                    <a:cs typeface="Gotham" charset="0"/>
-                  </a:rPr>
-                  <a:t>themselves</a:t>
-                </a:r>
-                <a:endParaRPr lang="fr-FR" dirty="0">
-                  <a:latin typeface="Gotham" charset="0"/>
-                  <a:ea typeface="Gotham" charset="0"/>
-                  <a:cs typeface="Gotham" charset="0"/>
-                </a:endParaRPr>
-              </a:p>
-              <a:p>
-                <a:r>
-                  <a:rPr lang="fr-FR" dirty="0" err="1">
-                    <a:latin typeface="Gotham" charset="0"/>
-                    <a:ea typeface="Gotham" charset="0"/>
-                    <a:cs typeface="Gotham" charset="0"/>
-                  </a:rPr>
-                  <a:t>Within</a:t>
-                </a:r>
-                <a:r>
-                  <a:rPr lang="fr-FR" dirty="0">
-                    <a:latin typeface="Gotham" charset="0"/>
-                    <a:ea typeface="Gotham" charset="0"/>
-                    <a:cs typeface="Gotham" charset="0"/>
-                  </a:rPr>
-                  <a:t> </a:t>
-                </a:r>
-                <a:r>
-                  <a:rPr lang="fr-FR" dirty="0" err="1">
-                    <a:latin typeface="Gotham" charset="0"/>
-                    <a:ea typeface="Gotham" charset="0"/>
-                    <a:cs typeface="Gotham" charset="0"/>
-                  </a:rPr>
-                  <a:t>each</a:t>
-                </a:r>
-                <a:r>
-                  <a:rPr lang="fr-FR" dirty="0">
-                    <a:latin typeface="Gotham" charset="0"/>
-                    <a:ea typeface="Gotham" charset="0"/>
-                    <a:cs typeface="Gotham" charset="0"/>
-                  </a:rPr>
-                  <a:t> group, </a:t>
-                </a:r>
-                <a:r>
-                  <a:rPr lang="fr-FR" dirty="0" err="1">
-                    <a:latin typeface="Gotham" charset="0"/>
-                    <a:ea typeface="Gotham" charset="0"/>
-                    <a:cs typeface="Gotham" charset="0"/>
-                  </a:rPr>
-                  <a:t>take</a:t>
-                </a:r>
-                <a:r>
-                  <a:rPr lang="fr-FR" dirty="0">
-                    <a:latin typeface="Gotham" charset="0"/>
-                    <a:ea typeface="Gotham" charset="0"/>
-                    <a:cs typeface="Gotham" charset="0"/>
-                  </a:rPr>
-                  <a:t> </a:t>
-                </a:r>
-                <a:r>
-                  <a:rPr lang="fr-FR" dirty="0" err="1">
-                    <a:latin typeface="Gotham" charset="0"/>
-                    <a:ea typeface="Gotham" charset="0"/>
-                    <a:cs typeface="Gotham" charset="0"/>
-                  </a:rPr>
-                  <a:t>outliers</a:t>
-                </a:r>
-                <a:r>
-                  <a:rPr lang="fr-FR" dirty="0">
-                    <a:latin typeface="Gotham" charset="0"/>
-                    <a:ea typeface="Gotham" charset="0"/>
-                    <a:cs typeface="Gotham" charset="0"/>
-                  </a:rPr>
-                  <a:t>: </a:t>
-                </a:r>
-                <a14:m>
-                  <m:oMath xmlns:m="http://schemas.openxmlformats.org/officeDocument/2006/math">
-                    <m:sSub>
-                      <m:sSubPr>
-                        <m:ctrlPr>
-                          <a:rPr lang="en-US" b="0" i="1" smtClean="0">
-                            <a:latin typeface="Cambria Math" panose="02040503050406030204" pitchFamily="18" charset="0"/>
-                          </a:rPr>
-                        </m:ctrlPr>
-                      </m:sSubPr>
-                      <m:e>
-                        <m:r>
-                          <a:rPr lang="en-US" b="0" i="1" smtClean="0">
-                            <a:latin typeface="Cambria Math" panose="02040503050406030204" pitchFamily="18" charset="0"/>
-                          </a:rPr>
-                          <m:t>𝑥</m:t>
-                        </m:r>
-                      </m:e>
-                      <m:sub>
-                        <m:r>
-                          <a:rPr lang="en-US" b="0" i="1" smtClean="0">
-                            <a:latin typeface="Cambria Math" panose="02040503050406030204" pitchFamily="18" charset="0"/>
-                          </a:rPr>
-                          <m:t>𝑖</m:t>
-                        </m:r>
-                      </m:sub>
-                    </m:sSub>
-                    <m:r>
-                      <a:rPr lang="en-US" b="0" i="1" smtClean="0">
-                        <a:latin typeface="Cambria Math" panose="02040503050406030204" pitchFamily="18" charset="0"/>
-                      </a:rPr>
-                      <m:t>: </m:t>
-                    </m:r>
-                    <m:sSub>
-                      <m:sSubPr>
-                        <m:ctrlPr>
-                          <a:rPr lang="en-US" i="1">
-                            <a:latin typeface="Cambria Math" panose="02040503050406030204" pitchFamily="18" charset="0"/>
-                          </a:rPr>
-                        </m:ctrlPr>
-                      </m:sSubPr>
-                      <m:e>
-                        <m:r>
-                          <a:rPr lang="en-US" i="1">
-                            <a:latin typeface="Cambria Math" panose="02040503050406030204" pitchFamily="18" charset="0"/>
-                          </a:rPr>
-                          <m:t>𝑥</m:t>
-                        </m:r>
-                      </m:e>
-                      <m:sub>
-                        <m:r>
-                          <a:rPr lang="en-US" i="1">
-                            <a:latin typeface="Cambria Math" panose="02040503050406030204" pitchFamily="18" charset="0"/>
-                          </a:rPr>
-                          <m:t>𝑖</m:t>
-                        </m:r>
-                      </m:sub>
-                    </m:sSub>
-                    <m:r>
-                      <a:rPr lang="en-US" i="1" smtClean="0">
-                        <a:latin typeface="Cambria Math" panose="02040503050406030204" pitchFamily="18" charset="0"/>
-                        <a:ea typeface="Cambria Math" panose="02040503050406030204" pitchFamily="18" charset="0"/>
-                      </a:rPr>
-                      <m:t>≥</m:t>
-                    </m:r>
-                    <m:r>
-                      <a:rPr lang="en-US" b="0" i="1" smtClean="0">
-                        <a:latin typeface="Cambria Math" panose="02040503050406030204" pitchFamily="18" charset="0"/>
-                        <a:ea typeface="Cambria Math" panose="02040503050406030204" pitchFamily="18" charset="0"/>
-                      </a:rPr>
-                      <m:t> </m:t>
-                    </m:r>
-                    <m:r>
-                      <a:rPr lang="en-US" b="0" i="1" smtClean="0">
-                        <a:latin typeface="Cambria Math" panose="02040503050406030204" pitchFamily="18" charset="0"/>
-                        <a:ea typeface="Cambria Math" panose="02040503050406030204" pitchFamily="18" charset="0"/>
-                      </a:rPr>
-                      <m:t>𝜇</m:t>
-                    </m:r>
-                    <m:r>
-                      <a:rPr lang="en-US" b="0" i="1" smtClean="0">
-                        <a:latin typeface="Cambria Math" panose="02040503050406030204" pitchFamily="18" charset="0"/>
-                        <a:ea typeface="Cambria Math" panose="02040503050406030204" pitchFamily="18" charset="0"/>
-                      </a:rPr>
-                      <m:t>±2</m:t>
-                    </m:r>
-                    <m:r>
-                      <a:rPr lang="en-US" b="0" i="1" smtClean="0">
-                        <a:latin typeface="Cambria Math" panose="02040503050406030204" pitchFamily="18" charset="0"/>
-                        <a:ea typeface="Cambria Math" panose="02040503050406030204" pitchFamily="18" charset="0"/>
-                      </a:rPr>
-                      <m:t>𝜎</m:t>
-                    </m:r>
-                  </m:oMath>
-                </a14:m>
-                <a:endParaRPr lang="fr-FR" dirty="0">
-                  <a:latin typeface="Gotham" charset="0"/>
-                  <a:ea typeface="Gotham" charset="0"/>
-                  <a:cs typeface="Gotham" charset="0"/>
-                </a:endParaRPr>
-              </a:p>
-            </p:txBody>
-          </p:sp>
-        </mc:Choice>
-        <mc:Fallback>
-          <p:sp>
-            <p:nvSpPr>
-              <p:cNvPr id="3" name="Content Placeholder 2"/>
-              <p:cNvSpPr>
-                <a:spLocks noGrp="1" noRot="1" noChangeAspect="1" noMove="1" noResize="1" noEditPoints="1" noAdjustHandles="1" noChangeArrowheads="1" noChangeShapeType="1" noTextEdit="1"/>
-              </p:cNvSpPr>
-              <p:nvPr>
-                <p:ph idx="1"/>
-              </p:nvPr>
-            </p:nvSpPr>
-            <p:spPr>
-              <a:blipFill>
-                <a:blip r:embed="rId2"/>
-                <a:stretch>
-                  <a:fillRect l="-965" t="-2632"/>
-                </a:stretch>
-              </a:blipFill>
-            </p:spPr>
-            <p:txBody>
-              <a:bodyPr/>
-              <a:lstStyle/>
-              <a:p>
-                <a:r>
-                  <a:rPr lang="en-US">
-                    <a:noFill/>
-                  </a:rPr>
-                  <a:t> </a:t>
-                </a:r>
-              </a:p>
-            </p:txBody>
-          </p:sp>
-        </mc:Fallback>
-      </mc:AlternateContent>
     </p:spTree>
     <p:extLst>
       <p:ext uri="{BB962C8B-B14F-4D97-AF65-F5344CB8AC3E}">
-        <p14:creationId xmlns:p14="http://schemas.microsoft.com/office/powerpoint/2010/main" val="1483664140"/>
+        <p14:creationId xmlns:p14="http://schemas.microsoft.com/office/powerpoint/2010/main" val="680790691"/>
       </p:ext>
     </p:extLst>
   </p:cSld>
   <p:clrMapOvr>
     <a:masterClrMapping/>
   </p:clrMapOvr>
+  <p:timing>
+    <p:tnLst>
+      <p:par>
+        <p:cTn id="1" dur="indefinite" restart="never" nodeType="tmRoot"/>
+      </p:par>
+    </p:tnLst>
+  </p:timing>
 </p:sld>
 </file>
 
@@ -6661,13 +11913,7 @@
       </p:grpSpPr>
       <p:sp>
         <p:nvSpPr>
-          <p:cNvPr id="2" name="Title 1">
-            <a:extLst>
-              <a:ext uri="{FF2B5EF4-FFF2-40B4-BE49-F238E27FC236}">
-                <a16:creationId xmlns:a16="http://schemas.microsoft.com/office/drawing/2014/main" id="{D7F4B4BA-BEC6-CD47-BA25-270CC3A493F4}"/>
-              </a:ext>
-            </a:extLst>
-          </p:cNvPr>
+          <p:cNvPr id="2" name="Title 1"/>
           <p:cNvSpPr>
             <a:spLocks noGrp="1"/>
           </p:cNvSpPr>
@@ -6678,26 +11924,52 @@
         <p:spPr/>
         <p:txBody>
           <a:bodyPr>
-            <a:normAutofit/>
+            <a:normAutofit fontScale="90000"/>
           </a:bodyPr>
           <a:lstStyle/>
           <a:p>
             <a:r>
-              <a:rPr lang="en-US" sz="4000" dirty="0"/>
-              <a:t>Algorithm 1: Outliers as Nodes, Distances as Edges</a:t>
-            </a:r>
-          </a:p>
-        </p:txBody>
-      </p:sp>
-      <p:sp>
-        <p:nvSpPr>
-          <p:cNvPr id="3" name="Content Placeholder 2">
-            <a:extLst>
-              <a:ext uri="{FF2B5EF4-FFF2-40B4-BE49-F238E27FC236}">
-                <a16:creationId xmlns:a16="http://schemas.microsoft.com/office/drawing/2014/main" id="{0582AD1A-31D6-3848-B142-230EAA22F9D9}"/>
-              </a:ext>
-            </a:extLst>
-          </p:cNvPr>
+              <a:rPr lang="en-US" dirty="0" smtClean="0">
+                <a:latin typeface="Gotham" charset="0"/>
+                <a:ea typeface="Gotham" charset="0"/>
+                <a:cs typeface="Gotham" charset="0"/>
+              </a:rPr>
+              <a:t>Algorithm I, Step 1: Preprocessing </a:t>
+            </a:r>
+            <a:r>
+              <a:rPr lang="en-US" dirty="0" smtClean="0">
+                <a:latin typeface="Gotham" charset="0"/>
+                <a:ea typeface="Gotham" charset="0"/>
+                <a:cs typeface="Gotham" charset="0"/>
+              </a:rPr>
+              <a:t>with </a:t>
+            </a:r>
+            <a:br>
+              <a:rPr lang="en-US" dirty="0" smtClean="0">
+                <a:latin typeface="Gotham" charset="0"/>
+                <a:ea typeface="Gotham" charset="0"/>
+                <a:cs typeface="Gotham" charset="0"/>
+              </a:rPr>
+            </a:br>
+            <a:r>
+              <a:rPr lang="en-US" dirty="0" smtClean="0">
+                <a:latin typeface="Gotham" charset="0"/>
+                <a:ea typeface="Gotham" charset="0"/>
+                <a:cs typeface="Gotham" charset="0"/>
+              </a:rPr>
+              <a:t>K-Means Classification</a:t>
+            </a:r>
+            <a:endParaRPr lang="fr-FR" dirty="0">
+              <a:latin typeface="Gotham" charset="0"/>
+              <a:ea typeface="Gotham" charset="0"/>
+              <a:cs typeface="Gotham" charset="0"/>
+            </a:endParaRPr>
+          </a:p>
+        </p:txBody>
+      </p:sp>
+      <p:sp>
+        <p:nvSpPr>
+          <p:cNvPr id="3" name="Content Placeholder 2"/>
           <p:cNvSpPr>
             <a:spLocks noGrp="1"/>
           </p:cNvSpPr>
@@ -6707,67 +11979,174 @@
         </p:nvSpPr>
         <p:spPr/>
         <p:txBody>
-          <a:bodyPr/>
+          <a:bodyPr>
+            <a:noAutofit/>
+          </a:bodyPr>
           <a:lstStyle/>
           <a:p>
             <a:r>
-              <a:rPr lang="en-US" dirty="0"/>
-              <a:t>Developed algorithm with parameters N, P, K.</a:t>
-            </a:r>
-          </a:p>
-          <a:p>
-            <a:r>
-              <a:rPr lang="en-US" dirty="0"/>
-              <a:t>Complexity:</a:t>
-            </a:r>
-          </a:p>
-          <a:p>
-            <a:pPr lvl="1"/>
-            <a:r>
-              <a:rPr lang="en-US" dirty="0"/>
-              <a:t>If number of cases &lt; N(P): Does not run</a:t>
-            </a:r>
-          </a:p>
-          <a:p>
-            <a:pPr lvl="1"/>
-            <a:r>
-              <a:rPr lang="en-US" dirty="0"/>
-              <a:t>Otherwise, approximately:</a:t>
-            </a:r>
-          </a:p>
-          <a:p>
-            <a:pPr lvl="2"/>
-            <a:r>
-              <a:rPr lang="en-US" b="1" i="1" dirty="0"/>
-              <a:t>Insert BIG equation here</a:t>
-            </a:r>
-          </a:p>
-          <a:p>
-            <a:pPr lvl="1"/>
-            <a:r>
-              <a:rPr lang="en-US" dirty="0"/>
-              <a:t>Compare to:</a:t>
-            </a:r>
-          </a:p>
-          <a:p>
-            <a:pPr lvl="2"/>
-            <a:r>
-              <a:rPr lang="en-US" b="1" i="1" dirty="0"/>
-              <a:t>Insert size square equation</a:t>
-            </a:r>
+              <a:rPr lang="fr-FR" dirty="0">
+                <a:latin typeface="Gotham" charset="0"/>
+                <a:ea typeface="Gotham" charset="0"/>
+                <a:cs typeface="Gotham" charset="0"/>
+              </a:rPr>
+              <a:t>Canned K-</a:t>
+            </a:r>
+            <a:r>
+              <a:rPr lang="fr-FR" dirty="0" err="1">
+                <a:latin typeface="Gotham" charset="0"/>
+                <a:ea typeface="Gotham" charset="0"/>
+                <a:cs typeface="Gotham" charset="0"/>
+              </a:rPr>
+              <a:t>Means</a:t>
+            </a:r>
+            <a:r>
+              <a:rPr lang="fr-FR" dirty="0">
+                <a:latin typeface="Gotham" charset="0"/>
+                <a:ea typeface="Gotham" charset="0"/>
+                <a:cs typeface="Gotham" charset="0"/>
+              </a:rPr>
+              <a:t> in </a:t>
+            </a:r>
+            <a:r>
+              <a:rPr lang="fr-FR" dirty="0" err="1" smtClean="0">
+                <a:latin typeface="Gotham" charset="0"/>
+                <a:ea typeface="Gotham" charset="0"/>
+                <a:cs typeface="Gotham" charset="0"/>
+              </a:rPr>
+              <a:t>Spark</a:t>
+            </a:r>
+            <a:r>
+              <a:rPr lang="fr-FR" dirty="0" smtClean="0">
+                <a:latin typeface="Gotham" charset="0"/>
+                <a:ea typeface="Gotham" charset="0"/>
+                <a:cs typeface="Gotham" charset="0"/>
+              </a:rPr>
+              <a:t> (</a:t>
+            </a:r>
+            <a:r>
+              <a:rPr lang="fr-FR" dirty="0" err="1" smtClean="0">
+                <a:latin typeface="Gotham" charset="0"/>
+                <a:ea typeface="Gotham" charset="0"/>
+                <a:cs typeface="Gotham" charset="0"/>
+              </a:rPr>
+              <a:t>Dataproc</a:t>
+            </a:r>
+            <a:r>
+              <a:rPr lang="fr-FR" dirty="0" smtClean="0">
+                <a:latin typeface="Gotham" charset="0"/>
+                <a:ea typeface="Gotham" charset="0"/>
+                <a:cs typeface="Gotham" charset="0"/>
+              </a:rPr>
+              <a:t> </a:t>
+            </a:r>
+            <a:r>
+              <a:rPr lang="fr-FR" dirty="0" err="1" smtClean="0">
+                <a:latin typeface="Gotham" charset="0"/>
+                <a:ea typeface="Gotham" charset="0"/>
+                <a:cs typeface="Gotham" charset="0"/>
+              </a:rPr>
+              <a:t>Pending</a:t>
+            </a:r>
+            <a:r>
+              <a:rPr lang="fr-FR" dirty="0" smtClean="0">
+                <a:latin typeface="Gotham" charset="0"/>
+                <a:ea typeface="Gotham" charset="0"/>
+                <a:cs typeface="Gotham" charset="0"/>
+              </a:rPr>
+              <a:t>)</a:t>
+            </a:r>
+          </a:p>
+          <a:p>
+            <a:r>
+              <a:rPr lang="fr-FR" dirty="0" smtClean="0">
+                <a:latin typeface="Gotham" charset="0"/>
+                <a:ea typeface="Gotham" charset="0"/>
+                <a:cs typeface="Gotham" charset="0"/>
+              </a:rPr>
+              <a:t>Split points </a:t>
+            </a:r>
+            <a:r>
+              <a:rPr lang="fr-FR" dirty="0" err="1" smtClean="0">
+                <a:latin typeface="Gotham" charset="0"/>
+                <a:ea typeface="Gotham" charset="0"/>
+                <a:cs typeface="Gotham" charset="0"/>
+              </a:rPr>
+              <a:t>into</a:t>
+            </a:r>
+            <a:r>
+              <a:rPr lang="fr-FR" dirty="0" smtClean="0">
+                <a:latin typeface="Gotham" charset="0"/>
+                <a:ea typeface="Gotham" charset="0"/>
+                <a:cs typeface="Gotham" charset="0"/>
+              </a:rPr>
+              <a:t> </a:t>
+            </a:r>
+            <a:r>
+              <a:rPr lang="fr-FR" dirty="0" err="1" smtClean="0">
+                <a:latin typeface="Gotham" charset="0"/>
+                <a:ea typeface="Gotham" charset="0"/>
+                <a:cs typeface="Gotham" charset="0"/>
+              </a:rPr>
+              <a:t>two</a:t>
+            </a:r>
+            <a:r>
+              <a:rPr lang="fr-FR" dirty="0" smtClean="0">
+                <a:latin typeface="Gotham" charset="0"/>
+                <a:ea typeface="Gotham" charset="0"/>
+                <a:cs typeface="Gotham" charset="0"/>
+              </a:rPr>
+              <a:t> groups, ~ N </a:t>
+            </a:r>
+            <a:r>
+              <a:rPr lang="fr-FR" dirty="0" err="1" smtClean="0">
+                <a:latin typeface="Gotham" charset="0"/>
+                <a:ea typeface="Gotham" charset="0"/>
+                <a:cs typeface="Gotham" charset="0"/>
+              </a:rPr>
+              <a:t>within</a:t>
+            </a:r>
+            <a:r>
+              <a:rPr lang="fr-FR" dirty="0" smtClean="0">
+                <a:latin typeface="Gotham" charset="0"/>
+                <a:ea typeface="Gotham" charset="0"/>
+                <a:cs typeface="Gotham" charset="0"/>
+              </a:rPr>
+              <a:t> </a:t>
+            </a:r>
+            <a:r>
+              <a:rPr lang="fr-FR" dirty="0" err="1" smtClean="0">
+                <a:latin typeface="Gotham" charset="0"/>
+                <a:ea typeface="Gotham" charset="0"/>
+                <a:cs typeface="Gotham" charset="0"/>
+              </a:rPr>
+              <a:t>each</a:t>
+            </a:r>
+            <a:endParaRPr lang="fr-FR" dirty="0" smtClean="0">
+              <a:latin typeface="Gotham" charset="0"/>
+              <a:ea typeface="Gotham" charset="0"/>
+              <a:cs typeface="Gotham" charset="0"/>
+            </a:endParaRPr>
           </a:p>
         </p:txBody>
       </p:sp>
     </p:spTree>
     <p:extLst>
       <p:ext uri="{BB962C8B-B14F-4D97-AF65-F5344CB8AC3E}">
-        <p14:creationId xmlns:p14="http://schemas.microsoft.com/office/powerpoint/2010/main" val="1733919659"/>
+        <p14:creationId xmlns:p14="http://schemas.microsoft.com/office/powerpoint/2010/main" val="1483664140"/>
       </p:ext>
     </p:extLst>
   </p:cSld>
   <p:clrMapOvr>
     <a:masterClrMapping/>
   </p:clrMapOvr>
+  <p:timing>
+    <p:tnLst>
+      <p:par>
+        <p:cTn id="1" dur="indefinite" restart="never" nodeType="tmRoot"/>
+      </p:par>
+    </p:tnLst>
+  </p:timing>
 </p:sld>
 </file>
 
@@ -6790,113 +12169,701 @@
       </p:grpSpPr>
       <p:sp>
         <p:nvSpPr>
-          <p:cNvPr id="2" name="Title 1"/>
-          <p:cNvSpPr>
-            <a:spLocks noGrp="1"/>
-          </p:cNvSpPr>
-          <p:nvPr>
-            <p:ph type="title"/>
-          </p:nvPr>
-        </p:nvSpPr>
-        <p:spPr>
-          <a:xfrm>
-            <a:off x="746760" y="376555"/>
-            <a:ext cx="10515600" cy="1325563"/>
-          </a:xfrm>
-        </p:spPr>
-        <p:txBody>
-          <a:bodyPr/>
-          <a:lstStyle/>
-          <a:p>
-            <a:r>
-              <a:rPr lang="en-US" dirty="0">
-                <a:latin typeface="Gotham" charset="0"/>
-                <a:ea typeface="Gotham" charset="0"/>
-                <a:cs typeface="Gotham" charset="0"/>
-              </a:rPr>
-              <a:t>Algorithm 1: Distance Density with Fitted Spline</a:t>
-            </a:r>
-            <a:endParaRPr lang="fr-FR" dirty="0">
-              <a:latin typeface="Gotham" charset="0"/>
-              <a:ea typeface="Gotham" charset="0"/>
-              <a:cs typeface="Gotham" charset="0"/>
-            </a:endParaRPr>
-          </a:p>
-        </p:txBody>
-      </p:sp>
-      <p:pic>
-        <p:nvPicPr>
-          <p:cNvPr id="6" name="Content Placeholder 5">
+          <p:cNvPr id="2" name="Title 1">
             <a:extLst>
               <a:ext uri="{FF2B5EF4-FFF2-40B4-BE49-F238E27FC236}">
-                <a16:creationId xmlns:a16="http://schemas.microsoft.com/office/drawing/2014/main" id="{23C411BC-B6B5-E048-9C85-DA3F22C40D06}"/>
+                <a16:creationId xmlns:a16="http://schemas.microsoft.com/office/drawing/2014/main" xmlns="" id="{D7F4B4BA-BEC6-CD47-BA25-270CC3A493F4}"/>
               </a:ext>
             </a:extLst>
           </p:cNvPr>
-          <p:cNvPicPr>
-            <a:picLocks noGrp="1" noChangeAspect="1"/>
-          </p:cNvPicPr>
-          <p:nvPr>
-            <p:ph idx="1"/>
-          </p:nvPr>
-        </p:nvPicPr>
-        <p:blipFill>
-          <a:blip r:embed="rId2"/>
-          <a:stretch>
-            <a:fillRect/>
-          </a:stretch>
-        </p:blipFill>
-        <p:spPr>
-          <a:xfrm>
-            <a:off x="830348" y="1522236"/>
-            <a:ext cx="7215267" cy="4810178"/>
-          </a:xfrm>
-        </p:spPr>
-      </p:pic>
-      <p:sp>
-        <p:nvSpPr>
-          <p:cNvPr id="4" name="Rectangle 3">
-            <a:extLst>
-              <a:ext uri="{FF2B5EF4-FFF2-40B4-BE49-F238E27FC236}">
-                <a16:creationId xmlns:a16="http://schemas.microsoft.com/office/drawing/2014/main" id="{BA27B13F-75E1-E447-86D8-63B35E4FAE2F}"/>
-              </a:ext>
-            </a:extLst>
-          </p:cNvPr>
-          <p:cNvSpPr/>
-          <p:nvPr/>
-        </p:nvSpPr>
-        <p:spPr>
-          <a:xfrm>
-            <a:off x="5108005" y="3244334"/>
-            <a:ext cx="1975990" cy="369332"/>
-          </a:xfrm>
-          <a:prstGeom prst="rect">
-            <a:avLst/>
-          </a:prstGeom>
-        </p:spPr>
-        <p:txBody>
-          <a:bodyPr wrap="none">
-            <a:spAutoFit/>
+          <p:cNvSpPr>
+            <a:spLocks noGrp="1"/>
+          </p:cNvSpPr>
+          <p:nvPr>
+            <p:ph type="title"/>
+          </p:nvPr>
+        </p:nvSpPr>
+        <p:spPr/>
+        <p:txBody>
+          <a:bodyPr>
+            <a:normAutofit/>
           </a:bodyPr>
           <a:lstStyle/>
           <a:p>
             <a:r>
-              <a:rPr lang="en-US" dirty="0"/>
-              <a:t>Algorithm 1 Details</a:t>
-            </a:r>
-          </a:p>
-        </p:txBody>
-      </p:sp>
+              <a:rPr lang="en-US" dirty="0">
+                <a:latin typeface="Gotham" charset="0"/>
+                <a:ea typeface="Gotham" charset="0"/>
+                <a:cs typeface="Gotham" charset="0"/>
+              </a:rPr>
+              <a:t>Algorithm </a:t>
+            </a:r>
+            <a:r>
+              <a:rPr lang="en-US" dirty="0" smtClean="0">
+                <a:latin typeface="Gotham" charset="0"/>
+                <a:ea typeface="Gotham" charset="0"/>
+                <a:cs typeface="Gotham" charset="0"/>
+              </a:rPr>
+              <a:t>I, Step 2: </a:t>
+            </a:r>
+            <a:r>
+              <a:rPr lang="en-US" dirty="0">
+                <a:latin typeface="Gotham" charset="0"/>
+                <a:ea typeface="Gotham" charset="0"/>
+                <a:cs typeface="Gotham" charset="0"/>
+              </a:rPr>
+              <a:t>Outliers as Nodes, Distances as Edges</a:t>
+            </a:r>
+          </a:p>
+        </p:txBody>
+      </p:sp>
+      <mc:AlternateContent xmlns:mc="http://schemas.openxmlformats.org/markup-compatibility/2006">
+        <mc:Choice xmlns:a14="http://schemas.microsoft.com/office/drawing/2010/main" Requires="a14">
+          <p:sp>
+            <p:nvSpPr>
+              <p:cNvPr id="3" name="Content Placeholder 2">
+                <a:extLst>
+                  <a:ext uri="{FF2B5EF4-FFF2-40B4-BE49-F238E27FC236}">
+                    <a16:creationId xmlns:a16="http://schemas.microsoft.com/office/drawing/2014/main" xmlns="" id="{0582AD1A-31D6-3848-B142-230EAA22F9D9}"/>
+                  </a:ext>
+                </a:extLst>
+              </p:cNvPr>
+              <p:cNvSpPr>
+                <a:spLocks noGrp="1"/>
+              </p:cNvSpPr>
+              <p:nvPr>
+                <p:ph idx="1"/>
+              </p:nvPr>
+            </p:nvSpPr>
+            <p:spPr/>
+            <p:txBody>
+              <a:bodyPr>
+                <a:normAutofit fontScale="92500" lnSpcReduction="20000"/>
+              </a:bodyPr>
+              <a:lstStyle/>
+              <a:p>
+                <a:r>
+                  <a:rPr lang="fr-FR" sz="3200" dirty="0" err="1" smtClean="0">
+                    <a:latin typeface="Gotham" charset="0"/>
+                    <a:ea typeface="Gotham" charset="0"/>
+                    <a:cs typeface="Gotham" charset="0"/>
+                  </a:rPr>
+                  <a:t>MRJob</a:t>
+                </a:r>
+                <a:endParaRPr lang="fr-FR" sz="3200" dirty="0" smtClean="0">
+                  <a:latin typeface="Gotham" charset="0"/>
+                  <a:ea typeface="Gotham" charset="0"/>
+                  <a:cs typeface="Gotham" charset="0"/>
+                </a:endParaRPr>
+              </a:p>
+              <a:p>
+                <a:r>
+                  <a:rPr lang="fr-FR" sz="3200" dirty="0" err="1" smtClean="0">
+                    <a:latin typeface="Gotham" charset="0"/>
+                    <a:ea typeface="Gotham" charset="0"/>
+                    <a:cs typeface="Gotham" charset="0"/>
+                  </a:rPr>
+                  <a:t>Within</a:t>
+                </a:r>
+                <a:r>
+                  <a:rPr lang="fr-FR" sz="3200" dirty="0" smtClean="0">
+                    <a:latin typeface="Gotham" charset="0"/>
+                    <a:ea typeface="Gotham" charset="0"/>
+                    <a:cs typeface="Gotham" charset="0"/>
+                  </a:rPr>
+                  <a:t> </a:t>
+                </a:r>
+                <a:r>
+                  <a:rPr lang="fr-FR" sz="3200" dirty="0" err="1">
+                    <a:latin typeface="Gotham" charset="0"/>
+                    <a:ea typeface="Gotham" charset="0"/>
+                    <a:cs typeface="Gotham" charset="0"/>
+                  </a:rPr>
+                  <a:t>each</a:t>
+                </a:r>
+                <a:r>
+                  <a:rPr lang="fr-FR" sz="3200" dirty="0">
+                    <a:latin typeface="Gotham" charset="0"/>
+                    <a:ea typeface="Gotham" charset="0"/>
+                    <a:cs typeface="Gotham" charset="0"/>
+                  </a:rPr>
+                  <a:t> group, </a:t>
+                </a:r>
+                <a:r>
+                  <a:rPr lang="fr-FR" sz="3200" dirty="0" err="1">
+                    <a:latin typeface="Gotham" charset="0"/>
+                    <a:ea typeface="Gotham" charset="0"/>
+                    <a:cs typeface="Gotham" charset="0"/>
+                  </a:rPr>
+                  <a:t>take</a:t>
+                </a:r>
+                <a:r>
+                  <a:rPr lang="fr-FR" sz="3200" dirty="0">
+                    <a:latin typeface="Gotham" charset="0"/>
+                    <a:ea typeface="Gotham" charset="0"/>
+                    <a:cs typeface="Gotham" charset="0"/>
+                  </a:rPr>
+                  <a:t> </a:t>
+                </a:r>
+                <a:r>
+                  <a:rPr lang="fr-FR" sz="3200" dirty="0" err="1">
+                    <a:latin typeface="Gotham" charset="0"/>
+                    <a:ea typeface="Gotham" charset="0"/>
+                    <a:cs typeface="Gotham" charset="0"/>
+                  </a:rPr>
+                  <a:t>outliers</a:t>
+                </a:r>
+                <a:r>
+                  <a:rPr lang="fr-FR" sz="3200" dirty="0">
+                    <a:latin typeface="Gotham" charset="0"/>
+                    <a:ea typeface="Gotham" charset="0"/>
+                    <a:cs typeface="Gotham" charset="0"/>
+                  </a:rPr>
+                  <a:t>: </a:t>
+                </a:r>
+                <a14:m>
+                  <m:oMath xmlns:m="http://schemas.openxmlformats.org/officeDocument/2006/math">
+                    <m:sSub>
+                      <m:sSubPr>
+                        <m:ctrlPr>
+                          <a:rPr lang="en-US" sz="3200" i="1">
+                            <a:latin typeface="Cambria Math" charset="0"/>
+                          </a:rPr>
+                        </m:ctrlPr>
+                      </m:sSubPr>
+                      <m:e>
+                        <m:r>
+                          <a:rPr lang="en-US" sz="3200" i="1">
+                            <a:latin typeface="Cambria Math" panose="02040503050406030204" pitchFamily="18" charset="0"/>
+                          </a:rPr>
+                          <m:t>𝑥</m:t>
+                        </m:r>
+                      </m:e>
+                      <m:sub>
+                        <m:r>
+                          <a:rPr lang="en-US" sz="3200" i="1">
+                            <a:latin typeface="Cambria Math" panose="02040503050406030204" pitchFamily="18" charset="0"/>
+                          </a:rPr>
+                          <m:t>𝑖</m:t>
+                        </m:r>
+                      </m:sub>
+                    </m:sSub>
+                    <m:r>
+                      <a:rPr lang="en-US" sz="3200" i="1">
+                        <a:latin typeface="Cambria Math" panose="02040503050406030204" pitchFamily="18" charset="0"/>
+                      </a:rPr>
+                      <m:t>: </m:t>
+                    </m:r>
+                    <m:sSub>
+                      <m:sSubPr>
+                        <m:ctrlPr>
+                          <a:rPr lang="en-US" sz="3200" i="1">
+                            <a:latin typeface="Cambria Math" charset="0"/>
+                          </a:rPr>
+                        </m:ctrlPr>
+                      </m:sSubPr>
+                      <m:e>
+                        <m:r>
+                          <a:rPr lang="en-US" sz="3200" i="1">
+                            <a:latin typeface="Cambria Math" panose="02040503050406030204" pitchFamily="18" charset="0"/>
+                          </a:rPr>
+                          <m:t>𝑥</m:t>
+                        </m:r>
+                      </m:e>
+                      <m:sub>
+                        <m:r>
+                          <a:rPr lang="en-US" sz="3200" i="1">
+                            <a:latin typeface="Cambria Math" panose="02040503050406030204" pitchFamily="18" charset="0"/>
+                          </a:rPr>
+                          <m:t>𝑖</m:t>
+                        </m:r>
+                      </m:sub>
+                    </m:sSub>
+                    <m:r>
+                      <a:rPr lang="en-US" sz="3200" i="1">
+                        <a:latin typeface="Cambria Math" panose="02040503050406030204" pitchFamily="18" charset="0"/>
+                        <a:ea typeface="Cambria Math" panose="02040503050406030204" pitchFamily="18" charset="0"/>
+                      </a:rPr>
+                      <m:t>≥ </m:t>
+                    </m:r>
+                    <m:r>
+                      <a:rPr lang="en-US" sz="3200" i="1">
+                        <a:latin typeface="Cambria Math" panose="02040503050406030204" pitchFamily="18" charset="0"/>
+                        <a:ea typeface="Cambria Math" panose="02040503050406030204" pitchFamily="18" charset="0"/>
+                      </a:rPr>
+                      <m:t>𝜇</m:t>
+                    </m:r>
+                    <m:r>
+                      <a:rPr lang="en-US" sz="3200" i="1">
+                        <a:latin typeface="Cambria Math" panose="02040503050406030204" pitchFamily="18" charset="0"/>
+                        <a:ea typeface="Cambria Math" panose="02040503050406030204" pitchFamily="18" charset="0"/>
+                      </a:rPr>
+                      <m:t>±2</m:t>
+                    </m:r>
+                    <m:r>
+                      <a:rPr lang="en-US" sz="3200" i="1">
+                        <a:latin typeface="Cambria Math" panose="02040503050406030204" pitchFamily="18" charset="0"/>
+                        <a:ea typeface="Cambria Math" panose="02040503050406030204" pitchFamily="18" charset="0"/>
+                      </a:rPr>
+                      <m:t>𝜎</m:t>
+                    </m:r>
+                  </m:oMath>
+                </a14:m>
+                <a:endParaRPr lang="en-US" sz="3200" dirty="0" smtClean="0">
+                  <a:latin typeface="Gotham" charset="0"/>
+                  <a:ea typeface="Gotham" charset="0"/>
+                  <a:cs typeface="Gotham" charset="0"/>
+                </a:endParaRPr>
+              </a:p>
+              <a:p>
+                <a:r>
+                  <a:rPr lang="en-US" sz="3200" dirty="0" smtClean="0">
+                    <a:latin typeface="Gotham" charset="0"/>
+                    <a:ea typeface="Gotham" charset="0"/>
+                    <a:cs typeface="Gotham" charset="0"/>
+                  </a:rPr>
+                  <a:t>Developed </a:t>
+                </a:r>
+                <a:r>
+                  <a:rPr lang="en-US" sz="3200" dirty="0">
+                    <a:latin typeface="Gotham" charset="0"/>
+                    <a:ea typeface="Gotham" charset="0"/>
+                    <a:cs typeface="Gotham" charset="0"/>
+                  </a:rPr>
+                  <a:t>algorithm with parameters N, P, K.</a:t>
+                </a:r>
+              </a:p>
+              <a:p>
+                <a:r>
+                  <a:rPr lang="en-US" sz="3200" dirty="0">
+                    <a:latin typeface="Gotham" charset="0"/>
+                    <a:ea typeface="Gotham" charset="0"/>
+                    <a:cs typeface="Gotham" charset="0"/>
+                  </a:rPr>
+                  <a:t>Complexity:</a:t>
+                </a:r>
+              </a:p>
+              <a:p>
+                <a:pPr lvl="1"/>
+                <a:r>
+                  <a:rPr lang="en-US" sz="3200" dirty="0">
+                    <a:latin typeface="Gotham" charset="0"/>
+                    <a:ea typeface="Gotham" charset="0"/>
+                    <a:cs typeface="Gotham" charset="0"/>
+                  </a:rPr>
+                  <a:t>If number of cases &lt; N(P): Does not run</a:t>
+                </a:r>
+              </a:p>
+              <a:p>
+                <a:pPr lvl="1"/>
+                <a:r>
+                  <a:rPr lang="en-US" sz="3200" dirty="0">
+                    <a:latin typeface="Gotham" charset="0"/>
+                    <a:ea typeface="Gotham" charset="0"/>
+                    <a:cs typeface="Gotham" charset="0"/>
+                  </a:rPr>
+                  <a:t>Otherwise, approximately:</a:t>
+                </a:r>
+              </a:p>
+              <a:p>
+                <a:pPr lvl="2"/>
+                <a:r>
+                  <a:rPr lang="en-US" sz="3200" dirty="0">
+                    <a:latin typeface="Gotham" charset="0"/>
+                    <a:ea typeface="Gotham" charset="0"/>
+                    <a:cs typeface="Gotham" charset="0"/>
+                  </a:rPr>
+                  <a:t>(</a:t>
+                </a:r>
+                <a14:m>
+                  <m:oMath xmlns:m="http://schemas.openxmlformats.org/officeDocument/2006/math">
+                    <m:nary>
+                      <m:naryPr>
+                        <m:chr m:val="∑"/>
+                        <m:ctrlPr>
+                          <a:rPr lang="mr-IN" sz="3200" i="1">
+                            <a:latin typeface="Gotham" charset="0"/>
+                            <a:ea typeface="Gotham" charset="0"/>
+                            <a:cs typeface="Gotham" charset="0"/>
+                          </a:rPr>
+                        </m:ctrlPr>
+                      </m:naryPr>
+                      <m:sub>
+                        <m:r>
+                          <m:rPr>
+                            <m:brk m:alnAt="23"/>
+                          </m:rPr>
+                          <a:rPr lang="en-US" sz="3200" i="1">
+                            <a:latin typeface="Gotham" charset="0"/>
+                            <a:ea typeface="Gotham" charset="0"/>
+                            <a:cs typeface="Gotham" charset="0"/>
+                          </a:rPr>
+                          <m:t>𝑖</m:t>
+                        </m:r>
+                        <m:r>
+                          <a:rPr lang="mr-IN" sz="3200" i="1">
+                            <a:latin typeface="Gotham" charset="0"/>
+                            <a:ea typeface="Gotham" charset="0"/>
+                            <a:cs typeface="Gotham" charset="0"/>
+                          </a:rPr>
+                          <m:t>=</m:t>
+                        </m:r>
+                        <m:r>
+                          <a:rPr lang="en-US" sz="3200" i="1">
+                            <a:latin typeface="Gotham" charset="0"/>
+                            <a:ea typeface="Gotham" charset="0"/>
+                            <a:cs typeface="Gotham" charset="0"/>
+                          </a:rPr>
+                          <m:t>1</m:t>
+                        </m:r>
+                      </m:sub>
+                      <m:sup>
+                        <m:r>
+                          <a:rPr lang="en-US" sz="3200" i="1">
+                            <a:latin typeface="Gotham" charset="0"/>
+                            <a:ea typeface="Gotham" charset="0"/>
+                            <a:cs typeface="Gotham" charset="0"/>
+                          </a:rPr>
+                          <m:t>(</m:t>
+                        </m:r>
+                        <m:r>
+                          <a:rPr lang="en-US" sz="3200" i="1">
+                            <a:latin typeface="Gotham" charset="0"/>
+                            <a:ea typeface="Gotham" charset="0"/>
+                            <a:cs typeface="Gotham" charset="0"/>
+                          </a:rPr>
+                          <m:t>𝑁</m:t>
+                        </m:r>
+                        <m:r>
+                          <a:rPr lang="en-US" sz="3200" i="1">
+                            <a:latin typeface="Gotham" charset="0"/>
+                            <a:ea typeface="Gotham" charset="0"/>
+                            <a:cs typeface="Gotham" charset="0"/>
+                          </a:rPr>
+                          <m:t>−</m:t>
+                        </m:r>
+                        <m:r>
+                          <a:rPr lang="en-US" sz="3200" i="1">
+                            <a:latin typeface="Gotham" charset="0"/>
+                            <a:ea typeface="Gotham" charset="0"/>
+                            <a:cs typeface="Gotham" charset="0"/>
+                          </a:rPr>
+                          <m:t>𝑁</m:t>
+                        </m:r>
+                        <m:r>
+                          <a:rPr lang="en-US" sz="3200" i="1">
+                            <a:latin typeface="Gotham" charset="0"/>
+                            <a:ea typeface="Gotham" charset="0"/>
+                            <a:cs typeface="Gotham" charset="0"/>
+                          </a:rPr>
+                          <m:t>∗</m:t>
+                        </m:r>
+                        <m:r>
+                          <a:rPr lang="en-US" sz="3200" i="1">
+                            <a:latin typeface="Gotham" charset="0"/>
+                            <a:ea typeface="Gotham" charset="0"/>
+                            <a:cs typeface="Gotham" charset="0"/>
+                          </a:rPr>
+                          <m:t>𝑃</m:t>
+                        </m:r>
+                        <m:r>
+                          <a:rPr lang="en-US" sz="3200" i="1">
+                            <a:latin typeface="Gotham" charset="0"/>
+                            <a:ea typeface="Gotham" charset="0"/>
+                            <a:cs typeface="Gotham" charset="0"/>
+                          </a:rPr>
+                          <m:t>)</m:t>
+                        </m:r>
+                      </m:sup>
+                      <m:e>
+                        <m:d>
+                          <m:dPr>
+                            <m:ctrlPr>
+                              <a:rPr lang="mr-IN" sz="3200" i="1">
+                                <a:latin typeface="Gotham" charset="0"/>
+                                <a:ea typeface="Gotham" charset="0"/>
+                                <a:cs typeface="Gotham" charset="0"/>
+                              </a:rPr>
+                            </m:ctrlPr>
+                          </m:dPr>
+                          <m:e>
+                            <m:r>
+                              <a:rPr lang="en-US" sz="3200" i="1">
+                                <a:latin typeface="Gotham" charset="0"/>
+                                <a:ea typeface="Gotham" charset="0"/>
+                                <a:cs typeface="Gotham" charset="0"/>
+                              </a:rPr>
+                              <m:t>𝑁</m:t>
+                            </m:r>
+                            <m:r>
+                              <a:rPr lang="en-US" sz="3200" i="1">
+                                <a:latin typeface="Gotham" charset="0"/>
+                                <a:ea typeface="Gotham" charset="0"/>
+                                <a:cs typeface="Gotham" charset="0"/>
+                              </a:rPr>
+                              <m:t>∗</m:t>
+                            </m:r>
+                            <m:r>
+                              <a:rPr lang="en-US" sz="3200" i="1">
+                                <a:latin typeface="Gotham" charset="0"/>
+                                <a:ea typeface="Gotham" charset="0"/>
+                                <a:cs typeface="Gotham" charset="0"/>
+                              </a:rPr>
+                              <m:t>𝑃</m:t>
+                            </m:r>
+                            <m:r>
+                              <a:rPr lang="en-US" sz="3200" i="1">
+                                <a:latin typeface="Gotham" charset="0"/>
+                                <a:ea typeface="Gotham" charset="0"/>
+                                <a:cs typeface="Gotham" charset="0"/>
+                              </a:rPr>
+                              <m:t>+</m:t>
+                            </m:r>
+                            <m:r>
+                              <a:rPr lang="en-US" sz="3200" i="1">
+                                <a:latin typeface="Gotham" charset="0"/>
+                                <a:ea typeface="Gotham" charset="0"/>
+                                <a:cs typeface="Gotham" charset="0"/>
+                              </a:rPr>
+                              <m:t>𝑖</m:t>
+                            </m:r>
+                          </m:e>
+                        </m:d>
+                        <m:r>
+                          <a:rPr lang="en-US" sz="3200" i="1">
+                            <a:latin typeface="Gotham" charset="0"/>
+                            <a:ea typeface="Gotham" charset="0"/>
+                            <a:cs typeface="Gotham" charset="0"/>
+                          </a:rPr>
+                          <m:t>)∗</m:t>
+                        </m:r>
+                        <m:f>
+                          <m:fPr>
+                            <m:ctrlPr>
+                              <a:rPr lang="mr-IN" sz="3200" i="1">
+                                <a:latin typeface="Gotham" charset="0"/>
+                                <a:ea typeface="Gotham" charset="0"/>
+                                <a:cs typeface="Gotham" charset="0"/>
+                              </a:rPr>
+                            </m:ctrlPr>
+                          </m:fPr>
+                          <m:num>
+                            <m:r>
+                              <a:rPr lang="en-US" sz="3200" i="1">
+                                <a:latin typeface="Gotham" charset="0"/>
+                                <a:ea typeface="Gotham" charset="0"/>
+                                <a:cs typeface="Gotham" charset="0"/>
+                              </a:rPr>
+                              <m:t>𝑠𝑖𝑧𝑒</m:t>
+                            </m:r>
+                            <m:r>
+                              <a:rPr lang="en-US" sz="3200" i="1">
+                                <a:latin typeface="Gotham" charset="0"/>
+                                <a:ea typeface="Gotham" charset="0"/>
+                                <a:cs typeface="Gotham" charset="0"/>
+                              </a:rPr>
+                              <m:t> −(</m:t>
+                            </m:r>
+                            <m:r>
+                              <a:rPr lang="en-US" sz="3200" i="1">
+                                <a:latin typeface="Gotham" charset="0"/>
+                                <a:ea typeface="Gotham" charset="0"/>
+                                <a:cs typeface="Gotham" charset="0"/>
+                              </a:rPr>
+                              <m:t>𝑁</m:t>
+                            </m:r>
+                            <m:r>
+                              <a:rPr lang="en-US" sz="3200" i="1">
+                                <a:latin typeface="Gotham" charset="0"/>
+                                <a:ea typeface="Gotham" charset="0"/>
+                                <a:cs typeface="Gotham" charset="0"/>
+                              </a:rPr>
+                              <m:t> ∗ </m:t>
+                            </m:r>
+                            <m:r>
+                              <a:rPr lang="en-US" sz="3200" i="1">
+                                <a:latin typeface="Gotham" charset="0"/>
+                                <a:ea typeface="Gotham" charset="0"/>
+                                <a:cs typeface="Gotham" charset="0"/>
+                              </a:rPr>
+                              <m:t>𝑃</m:t>
+                            </m:r>
+                            <m:r>
+                              <a:rPr lang="en-US" sz="3200" i="1">
+                                <a:latin typeface="Gotham" charset="0"/>
+                                <a:ea typeface="Gotham" charset="0"/>
+                                <a:cs typeface="Gotham" charset="0"/>
+                              </a:rPr>
+                              <m:t>)</m:t>
+                            </m:r>
+                          </m:num>
+                          <m:den>
+                            <m:r>
+                              <a:rPr lang="en-US" sz="3200" i="1">
+                                <a:latin typeface="Gotham" charset="0"/>
+                                <a:ea typeface="Gotham" charset="0"/>
+                                <a:cs typeface="Gotham" charset="0"/>
+                              </a:rPr>
+                              <m:t>(</m:t>
+                            </m:r>
+                            <m:r>
+                              <a:rPr lang="en-US" sz="3200" i="1">
+                                <a:latin typeface="Gotham" charset="0"/>
+                                <a:ea typeface="Gotham" charset="0"/>
+                                <a:cs typeface="Gotham" charset="0"/>
+                              </a:rPr>
+                              <m:t>𝑁</m:t>
+                            </m:r>
+                            <m:r>
+                              <a:rPr lang="en-US" sz="3200" i="1">
+                                <a:latin typeface="Gotham" charset="0"/>
+                                <a:ea typeface="Gotham" charset="0"/>
+                                <a:cs typeface="Gotham" charset="0"/>
+                              </a:rPr>
+                              <m:t> ∗ </m:t>
+                            </m:r>
+                            <m:r>
+                              <a:rPr lang="en-US" sz="3200" i="1">
+                                <a:latin typeface="Gotham" charset="0"/>
+                                <a:ea typeface="Gotham" charset="0"/>
+                                <a:cs typeface="Gotham" charset="0"/>
+                              </a:rPr>
+                              <m:t>𝑃</m:t>
+                            </m:r>
+                            <m:r>
+                              <a:rPr lang="en-US" sz="3200" i="1">
+                                <a:latin typeface="Gotham" charset="0"/>
+                                <a:ea typeface="Gotham" charset="0"/>
+                                <a:cs typeface="Gotham" charset="0"/>
+                              </a:rPr>
+                              <m:t>)</m:t>
+                            </m:r>
+                          </m:den>
+                        </m:f>
+                      </m:e>
+                    </m:nary>
+                  </m:oMath>
+                </a14:m>
+                <a:endParaRPr lang="fr-FR" sz="3200" dirty="0">
+                  <a:latin typeface="Gotham" charset="0"/>
+                  <a:ea typeface="Gotham" charset="0"/>
+                  <a:cs typeface="Gotham" charset="0"/>
+                </a:endParaRPr>
+              </a:p>
+              <a:p>
+                <a:pPr lvl="1"/>
+                <a:r>
+                  <a:rPr lang="en-US" sz="3200" dirty="0">
+                    <a:latin typeface="Gotham" charset="0"/>
+                    <a:ea typeface="Gotham" charset="0"/>
+                    <a:cs typeface="Gotham" charset="0"/>
+                  </a:rPr>
+                  <a:t>Compare to:</a:t>
+                </a:r>
+              </a:p>
+              <a:p>
+                <a:pPr lvl="2"/>
+                <a14:m>
+                  <m:oMath xmlns:m="http://schemas.openxmlformats.org/officeDocument/2006/math">
+                    <m:sSup>
+                      <m:sSupPr>
+                        <m:ctrlPr>
+                          <a:rPr lang="fr-FR" sz="3200" i="1">
+                            <a:latin typeface="Gotham" charset="0"/>
+                            <a:ea typeface="Gotham" charset="0"/>
+                            <a:cs typeface="Gotham" charset="0"/>
+                          </a:rPr>
+                        </m:ctrlPr>
+                      </m:sSupPr>
+                      <m:e>
+                        <m:r>
+                          <a:rPr lang="en-US" sz="3200" i="1">
+                            <a:latin typeface="Gotham" charset="0"/>
+                            <a:ea typeface="Gotham" charset="0"/>
+                            <a:cs typeface="Gotham" charset="0"/>
+                          </a:rPr>
+                          <m:t>𝑠𝑖𝑧𝑒</m:t>
+                        </m:r>
+                      </m:e>
+                      <m:sup>
+                        <m:r>
+                          <a:rPr lang="en-US" sz="3200" i="1">
+                            <a:latin typeface="Gotham" charset="0"/>
+                            <a:ea typeface="Gotham" charset="0"/>
+                            <a:cs typeface="Gotham" charset="0"/>
+                          </a:rPr>
+                          <m:t>2</m:t>
+                        </m:r>
+                      </m:sup>
+                    </m:sSup>
+                  </m:oMath>
+                </a14:m>
+                <a:endParaRPr lang="en-US" sz="3200" b="1" i="1" dirty="0">
+                  <a:latin typeface="Gotham" charset="0"/>
+                  <a:ea typeface="Gotham" charset="0"/>
+                  <a:cs typeface="Gotham" charset="0"/>
+                </a:endParaRPr>
+              </a:p>
+            </p:txBody>
+          </p:sp>
+        </mc:Choice>
+        <mc:Fallback>
+          <p:sp>
+            <p:nvSpPr>
+              <p:cNvPr id="3" name="Content Placeholder 2">
+                <a:extLst>
+                  <a:ext uri="{FF2B5EF4-FFF2-40B4-BE49-F238E27FC236}">
+                    <a16:creationId xmlns:a16="http://schemas.microsoft.com/office/drawing/2014/main" xmlns="" id="{0582AD1A-31D6-3848-B142-230EAA22F9D9}"/>
+                  </a:ext>
+                </a:extLst>
+              </p:cNvPr>
+              <p:cNvSpPr>
+                <a:spLocks noGrp="1" noRot="1" noChangeAspect="1" noMove="1" noResize="1" noEditPoints="1" noAdjustHandles="1" noChangeArrowheads="1" noChangeShapeType="1" noTextEdit="1"/>
+              </p:cNvSpPr>
+              <p:nvPr>
+                <p:ph idx="1"/>
+              </p:nvPr>
+            </p:nvSpPr>
+            <p:spPr>
+              <a:blipFill rotWithShape="0">
+                <a:blip r:embed="rId3"/>
+                <a:stretch>
+                  <a:fillRect l="-1217" t="-4902"/>
+                </a:stretch>
+              </a:blipFill>
+            </p:spPr>
+            <p:txBody>
+              <a:bodyPr/>
+              <a:lstStyle/>
+              <a:p>
+                <a:r>
+                  <a:rPr lang="fr-FR">
+                    <a:noFill/>
+                  </a:rPr>
+                  <a:t> </a:t>
+                </a:r>
+              </a:p>
+            </p:txBody>
+          </p:sp>
+        </mc:Fallback>
+      </mc:AlternateContent>
     </p:spTree>
     <p:extLst>
       <p:ext uri="{BB962C8B-B14F-4D97-AF65-F5344CB8AC3E}">
-        <p14:creationId xmlns:p14="http://schemas.microsoft.com/office/powerpoint/2010/main" val="1297666129"/>
+        <p14:creationId xmlns:p14="http://schemas.microsoft.com/office/powerpoint/2010/main" val="1733919659"/>
       </p:ext>
     </p:extLst>
   </p:cSld>
   <p:clrMapOvr>
     <a:masterClrMapping/>
   </p:clrMapOvr>
+  <p:timing>
+    <p:tnLst>
+      <p:par>
+        <p:cTn id="1" dur="indefinite" restart="never" nodeType="tmRoot"/>
+      </p:par>
+    </p:tnLst>
+  </p:timing>
 </p:sld>
 </file>
 

--- a/Presentation.pptx
+++ b/Presentation.pptx
@@ -5,7 +5,7 @@
     <p:sldMasterId id="2147483648" r:id="rId1"/>
   </p:sldMasterIdLst>
   <p:notesMasterIdLst>
-    <p:notesMasterId r:id="rId25"/>
+    <p:notesMasterId r:id="rId26"/>
   </p:notesMasterIdLst>
   <p:sldIdLst>
     <p:sldId id="256" r:id="rId2"/>
@@ -18,19 +18,20 @@
     <p:sldId id="263" r:id="rId9"/>
     <p:sldId id="265" r:id="rId10"/>
     <p:sldId id="264" r:id="rId11"/>
-    <p:sldId id="286" r:id="rId12"/>
-    <p:sldId id="267" r:id="rId13"/>
-    <p:sldId id="287" r:id="rId14"/>
-    <p:sldId id="279" r:id="rId15"/>
-    <p:sldId id="289" r:id="rId16"/>
-    <p:sldId id="272" r:id="rId17"/>
-    <p:sldId id="290" r:id="rId18"/>
-    <p:sldId id="277" r:id="rId19"/>
-    <p:sldId id="278" r:id="rId20"/>
-    <p:sldId id="280" r:id="rId21"/>
-    <p:sldId id="281" r:id="rId22"/>
-    <p:sldId id="282" r:id="rId23"/>
-    <p:sldId id="283" r:id="rId24"/>
+    <p:sldId id="292" r:id="rId12"/>
+    <p:sldId id="286" r:id="rId13"/>
+    <p:sldId id="267" r:id="rId14"/>
+    <p:sldId id="287" r:id="rId15"/>
+    <p:sldId id="279" r:id="rId16"/>
+    <p:sldId id="289" r:id="rId17"/>
+    <p:sldId id="272" r:id="rId18"/>
+    <p:sldId id="290" r:id="rId19"/>
+    <p:sldId id="277" r:id="rId20"/>
+    <p:sldId id="278" r:id="rId21"/>
+    <p:sldId id="280" r:id="rId22"/>
+    <p:sldId id="281" r:id="rId23"/>
+    <p:sldId id="282" r:id="rId24"/>
+    <p:sldId id="283" r:id="rId25"/>
   </p:sldIdLst>
   <p:sldSz cx="12192000" cy="6858000"/>
   <p:notesSz cx="6858000" cy="9144000"/>
@@ -621,7 +622,7 @@
           <a:p>
             <a:r>
               <a:rPr lang="fr-FR" dirty="0" smtClean="0"/>
-              <a:t>Sasha</a:t>
+              <a:t>Tyler</a:t>
             </a:r>
             <a:endParaRPr lang="fr-FR" dirty="0"/>
           </a:p>
@@ -644,7 +645,7 @@
           <a:p>
             <a:fld id="{769B6526-6870-A64A-91F0-AFD65F4BD2FC}" type="slidenum">
               <a:rPr lang="fr-FR" smtClean="0"/>
-              <a:t>12</a:t>
+              <a:t>11</a:t>
             </a:fld>
             <a:endParaRPr lang="fr-FR"/>
           </a:p>
@@ -653,7 +654,7 @@
     </p:spTree>
     <p:extLst>
       <p:ext uri="{BB962C8B-B14F-4D97-AF65-F5344CB8AC3E}">
-        <p14:creationId xmlns:p14="http://schemas.microsoft.com/office/powerpoint/2010/main" val="1711234071"/>
+        <p14:creationId xmlns:p14="http://schemas.microsoft.com/office/powerpoint/2010/main" val="229786486"/>
       </p:ext>
     </p:extLst>
   </p:cSld>
@@ -741,7 +742,7 @@
     </p:spTree>
     <p:extLst>
       <p:ext uri="{BB962C8B-B14F-4D97-AF65-F5344CB8AC3E}">
-        <p14:creationId xmlns:p14="http://schemas.microsoft.com/office/powerpoint/2010/main" val="1783246007"/>
+        <p14:creationId xmlns:p14="http://schemas.microsoft.com/office/powerpoint/2010/main" val="1711234071"/>
       </p:ext>
     </p:extLst>
   </p:cSld>
@@ -797,7 +798,7 @@
           <a:p>
             <a:r>
               <a:rPr lang="fr-FR" dirty="0" smtClean="0"/>
-              <a:t>Tyler</a:t>
+              <a:t>Sasha</a:t>
             </a:r>
             <a:endParaRPr lang="fr-FR" dirty="0"/>
           </a:p>
@@ -829,7 +830,7 @@
     </p:spTree>
     <p:extLst>
       <p:ext uri="{BB962C8B-B14F-4D97-AF65-F5344CB8AC3E}">
-        <p14:creationId xmlns:p14="http://schemas.microsoft.com/office/powerpoint/2010/main" val="420552624"/>
+        <p14:creationId xmlns:p14="http://schemas.microsoft.com/office/powerpoint/2010/main" val="1783246007"/>
       </p:ext>
     </p:extLst>
   </p:cSld>
@@ -884,109 +885,9 @@
           <a:lstStyle/>
           <a:p>
             <a:r>
-              <a:rPr lang="fr-FR" sz="2000" dirty="0" smtClean="0"/>
+              <a:rPr lang="fr-FR" dirty="0" smtClean="0"/>
               <a:t>Tyler</a:t>
             </a:r>
-          </a:p>
-          <a:p>
-            <a:endParaRPr lang="fr-FR" sz="2000" dirty="0" smtClean="0"/>
-          </a:p>
-          <a:p>
-            <a:r>
-              <a:rPr lang="fr-FR" sz="2000" dirty="0" err="1" smtClean="0"/>
-              <a:t>Extrapolate</a:t>
-            </a:r>
-            <a:r>
-              <a:rPr lang="fr-FR" sz="2000" baseline="0" dirty="0" smtClean="0"/>
-              <a:t> </a:t>
-            </a:r>
-            <a:r>
-              <a:rPr lang="fr-FR" sz="2000" baseline="0" dirty="0" err="1" smtClean="0"/>
-              <a:t>Algorithm</a:t>
-            </a:r>
-            <a:r>
-              <a:rPr lang="fr-FR" sz="2000" baseline="0" dirty="0" smtClean="0"/>
-              <a:t> I  </a:t>
-            </a:r>
-            <a:r>
-              <a:rPr lang="fr-FR" sz="2000" baseline="0" dirty="0" err="1" smtClean="0"/>
-              <a:t>Runtimes</a:t>
-            </a:r>
-            <a:r>
-              <a:rPr lang="fr-FR" sz="2000" baseline="0" dirty="0" smtClean="0"/>
-              <a:t>: for 800 mil </a:t>
-            </a:r>
-            <a:r>
-              <a:rPr lang="fr-FR" sz="2000" baseline="0" dirty="0" err="1" smtClean="0"/>
-              <a:t>rows</a:t>
-            </a:r>
-            <a:r>
-              <a:rPr lang="fr-FR" sz="2000" baseline="0" dirty="0" smtClean="0"/>
-              <a:t> -&gt; ~2054.7 </a:t>
-            </a:r>
-            <a:r>
-              <a:rPr lang="fr-FR" sz="2000" baseline="0" dirty="0" err="1" smtClean="0"/>
-              <a:t>hours</a:t>
-            </a:r>
-            <a:endParaRPr lang="fr-FR" sz="2000" baseline="0" dirty="0" smtClean="0"/>
-          </a:p>
-          <a:p>
-            <a:pPr marL="0" marR="0" indent="0" algn="l" defTabSz="914400" rtl="0" eaLnBrk="1" fontAlgn="auto" latinLnBrk="0" hangingPunct="1">
-              <a:lnSpc>
-                <a:spcPct val="100000"/>
-              </a:lnSpc>
-              <a:spcBef>
-                <a:spcPts val="0"/>
-              </a:spcBef>
-              <a:spcAft>
-                <a:spcPts val="0"/>
-              </a:spcAft>
-              <a:buClrTx/>
-              <a:buSzTx/>
-              <a:buFontTx/>
-              <a:buNone/>
-              <a:tabLst/>
-              <a:defRPr/>
-            </a:pPr>
-            <a:r>
-              <a:rPr lang="fr-FR" sz="2000" dirty="0" err="1" smtClean="0"/>
-              <a:t>Extrapolate</a:t>
-            </a:r>
-            <a:r>
-              <a:rPr lang="fr-FR" sz="2000" baseline="0" dirty="0" smtClean="0"/>
-              <a:t> </a:t>
-            </a:r>
-            <a:r>
-              <a:rPr lang="fr-FR" sz="2000" baseline="0" dirty="0" err="1" smtClean="0"/>
-              <a:t>Algorithm</a:t>
-            </a:r>
-            <a:r>
-              <a:rPr lang="fr-FR" sz="2000" baseline="0" dirty="0" smtClean="0"/>
-              <a:t> I  </a:t>
-            </a:r>
-            <a:r>
-              <a:rPr lang="fr-FR" sz="2000" baseline="0" dirty="0" err="1" smtClean="0"/>
-              <a:t>Runtimes</a:t>
-            </a:r>
-            <a:r>
-              <a:rPr lang="fr-FR" sz="2000" baseline="0" dirty="0" smtClean="0"/>
-              <a:t>: for 800 mil </a:t>
-            </a:r>
-            <a:r>
-              <a:rPr lang="fr-FR" sz="2000" baseline="0" dirty="0" err="1" smtClean="0"/>
-              <a:t>rows</a:t>
-            </a:r>
-            <a:r>
-              <a:rPr lang="fr-FR" sz="2000" baseline="0" dirty="0" smtClean="0"/>
-              <a:t> -&gt; ~767.2 </a:t>
-            </a:r>
-            <a:r>
-              <a:rPr lang="fr-FR" sz="2000" baseline="0" dirty="0" err="1" smtClean="0"/>
-              <a:t>hours</a:t>
-            </a:r>
-            <a:endParaRPr lang="fr-FR" sz="2000" baseline="0" dirty="0" smtClean="0"/>
-          </a:p>
-          <a:p>
             <a:endParaRPr lang="fr-FR" dirty="0"/>
           </a:p>
         </p:txBody>
@@ -1017,7 +918,7 @@
     </p:spTree>
     <p:extLst>
       <p:ext uri="{BB962C8B-B14F-4D97-AF65-F5344CB8AC3E}">
-        <p14:creationId xmlns:p14="http://schemas.microsoft.com/office/powerpoint/2010/main" val="1887227257"/>
+        <p14:creationId xmlns:p14="http://schemas.microsoft.com/office/powerpoint/2010/main" val="420552624"/>
       </p:ext>
     </p:extLst>
   </p:cSld>
@@ -1072,9 +973,109 @@
           <a:lstStyle/>
           <a:p>
             <a:r>
-              <a:rPr lang="fr-FR" dirty="0" smtClean="0"/>
+              <a:rPr lang="fr-FR" sz="2000" dirty="0" smtClean="0"/>
               <a:t>Tyler</a:t>
             </a:r>
+          </a:p>
+          <a:p>
+            <a:endParaRPr lang="fr-FR" sz="2000" dirty="0" smtClean="0"/>
+          </a:p>
+          <a:p>
+            <a:r>
+              <a:rPr lang="fr-FR" sz="2000" dirty="0" err="1" smtClean="0"/>
+              <a:t>Extrapolate</a:t>
+            </a:r>
+            <a:r>
+              <a:rPr lang="fr-FR" sz="2000" baseline="0" dirty="0" smtClean="0"/>
+              <a:t> </a:t>
+            </a:r>
+            <a:r>
+              <a:rPr lang="fr-FR" sz="2000" baseline="0" dirty="0" err="1" smtClean="0"/>
+              <a:t>Algorithm</a:t>
+            </a:r>
+            <a:r>
+              <a:rPr lang="fr-FR" sz="2000" baseline="0" dirty="0" smtClean="0"/>
+              <a:t> I  </a:t>
+            </a:r>
+            <a:r>
+              <a:rPr lang="fr-FR" sz="2000" baseline="0" dirty="0" err="1" smtClean="0"/>
+              <a:t>Runtimes</a:t>
+            </a:r>
+            <a:r>
+              <a:rPr lang="fr-FR" sz="2000" baseline="0" dirty="0" smtClean="0"/>
+              <a:t>: for 800 mil </a:t>
+            </a:r>
+            <a:r>
+              <a:rPr lang="fr-FR" sz="2000" baseline="0" dirty="0" err="1" smtClean="0"/>
+              <a:t>rows</a:t>
+            </a:r>
+            <a:r>
+              <a:rPr lang="fr-FR" sz="2000" baseline="0" dirty="0" smtClean="0"/>
+              <a:t> -&gt; ~2054.7 </a:t>
+            </a:r>
+            <a:r>
+              <a:rPr lang="fr-FR" sz="2000" baseline="0" dirty="0" err="1" smtClean="0"/>
+              <a:t>hours</a:t>
+            </a:r>
+            <a:endParaRPr lang="fr-FR" sz="2000" baseline="0" dirty="0" smtClean="0"/>
+          </a:p>
+          <a:p>
+            <a:pPr marL="0" marR="0" indent="0" algn="l" defTabSz="914400" rtl="0" eaLnBrk="1" fontAlgn="auto" latinLnBrk="0" hangingPunct="1">
+              <a:lnSpc>
+                <a:spcPct val="100000"/>
+              </a:lnSpc>
+              <a:spcBef>
+                <a:spcPts val="0"/>
+              </a:spcBef>
+              <a:spcAft>
+                <a:spcPts val="0"/>
+              </a:spcAft>
+              <a:buClrTx/>
+              <a:buSzTx/>
+              <a:buFontTx/>
+              <a:buNone/>
+              <a:tabLst/>
+              <a:defRPr/>
+            </a:pPr>
+            <a:r>
+              <a:rPr lang="fr-FR" sz="2000" dirty="0" err="1" smtClean="0"/>
+              <a:t>Extrapolate</a:t>
+            </a:r>
+            <a:r>
+              <a:rPr lang="fr-FR" sz="2000" baseline="0" dirty="0" smtClean="0"/>
+              <a:t> </a:t>
+            </a:r>
+            <a:r>
+              <a:rPr lang="fr-FR" sz="2000" baseline="0" dirty="0" err="1" smtClean="0"/>
+              <a:t>Algorithm</a:t>
+            </a:r>
+            <a:r>
+              <a:rPr lang="fr-FR" sz="2000" baseline="0" dirty="0" smtClean="0"/>
+              <a:t> I  </a:t>
+            </a:r>
+            <a:r>
+              <a:rPr lang="fr-FR" sz="2000" baseline="0" dirty="0" err="1" smtClean="0"/>
+              <a:t>Runtimes</a:t>
+            </a:r>
+            <a:r>
+              <a:rPr lang="fr-FR" sz="2000" baseline="0" dirty="0" smtClean="0"/>
+              <a:t>: for 800 mil </a:t>
+            </a:r>
+            <a:r>
+              <a:rPr lang="fr-FR" sz="2000" baseline="0" dirty="0" err="1" smtClean="0"/>
+              <a:t>rows</a:t>
+            </a:r>
+            <a:r>
+              <a:rPr lang="fr-FR" sz="2000" baseline="0" dirty="0" smtClean="0"/>
+              <a:t> -&gt; ~767.2 </a:t>
+            </a:r>
+            <a:r>
+              <a:rPr lang="fr-FR" sz="2000" baseline="0" dirty="0" err="1" smtClean="0"/>
+              <a:t>hours</a:t>
+            </a:r>
+            <a:endParaRPr lang="fr-FR" sz="2000" baseline="0" dirty="0" smtClean="0"/>
+          </a:p>
+          <a:p>
             <a:endParaRPr lang="fr-FR" dirty="0"/>
           </a:p>
         </p:txBody>
@@ -1097,6 +1098,94 @@
             <a:fld id="{769B6526-6870-A64A-91F0-AFD65F4BD2FC}" type="slidenum">
               <a:rPr lang="fr-FR" smtClean="0"/>
               <a:t>16</a:t>
+            </a:fld>
+            <a:endParaRPr lang="fr-FR"/>
+          </a:p>
+        </p:txBody>
+      </p:sp>
+    </p:spTree>
+    <p:extLst>
+      <p:ext uri="{BB962C8B-B14F-4D97-AF65-F5344CB8AC3E}">
+        <p14:creationId xmlns:p14="http://schemas.microsoft.com/office/powerpoint/2010/main" val="1887227257"/>
+      </p:ext>
+    </p:extLst>
+  </p:cSld>
+  <p:clrMapOvr>
+    <a:masterClrMapping/>
+  </p:clrMapOvr>
+</p:notes>
+</file>
+
+<file path=ppt/notesSlides/notesSlide15.xml><?xml version="1.0" encoding="utf-8"?>
+<p:notes xmlns:a="http://schemas.openxmlformats.org/drawingml/2006/main" xmlns:r="http://schemas.openxmlformats.org/officeDocument/2006/relationships" xmlns:p="http://schemas.openxmlformats.org/presentationml/2006/main">
+  <p:cSld>
+    <p:spTree>
+      <p:nvGrpSpPr>
+        <p:cNvPr id="1" name=""/>
+        <p:cNvGrpSpPr/>
+        <p:nvPr/>
+      </p:nvGrpSpPr>
+      <p:grpSpPr>
+        <a:xfrm>
+          <a:off x="0" y="0"/>
+          <a:ext cx="0" cy="0"/>
+          <a:chOff x="0" y="0"/>
+          <a:chExt cx="0" cy="0"/>
+        </a:xfrm>
+      </p:grpSpPr>
+      <p:sp>
+        <p:nvSpPr>
+          <p:cNvPr id="2" name="Slide Image Placeholder 1"/>
+          <p:cNvSpPr>
+            <a:spLocks noGrp="1" noRot="1" noChangeAspect="1"/>
+          </p:cNvSpPr>
+          <p:nvPr>
+            <p:ph type="sldImg"/>
+          </p:nvPr>
+        </p:nvSpPr>
+        <p:spPr/>
+      </p:sp>
+      <p:sp>
+        <p:nvSpPr>
+          <p:cNvPr id="3" name="Notes Placeholder 2"/>
+          <p:cNvSpPr>
+            <a:spLocks noGrp="1"/>
+          </p:cNvSpPr>
+          <p:nvPr>
+            <p:ph type="body" idx="1"/>
+          </p:nvPr>
+        </p:nvSpPr>
+        <p:spPr/>
+        <p:txBody>
+          <a:bodyPr/>
+          <a:lstStyle/>
+          <a:p>
+            <a:r>
+              <a:rPr lang="fr-FR" dirty="0" smtClean="0"/>
+              <a:t>Tyler</a:t>
+            </a:r>
+            <a:endParaRPr lang="fr-FR" dirty="0"/>
+          </a:p>
+        </p:txBody>
+      </p:sp>
+      <p:sp>
+        <p:nvSpPr>
+          <p:cNvPr id="4" name="Slide Number Placeholder 3"/>
+          <p:cNvSpPr>
+            <a:spLocks noGrp="1"/>
+          </p:cNvSpPr>
+          <p:nvPr>
+            <p:ph type="sldNum" sz="quarter" idx="10"/>
+          </p:nvPr>
+        </p:nvSpPr>
+        <p:spPr/>
+        <p:txBody>
+          <a:bodyPr/>
+          <a:lstStyle/>
+          <a:p>
+            <a:fld id="{769B6526-6870-A64A-91F0-AFD65F4BD2FC}" type="slidenum">
+              <a:rPr lang="fr-FR" smtClean="0"/>
+              <a:t>17</a:t>
             </a:fld>
             <a:endParaRPr lang="fr-FR"/>
           </a:p>
@@ -5321,6 +5410,176 @@
         </p:nvSpPr>
         <p:spPr>
           <a:xfrm>
+            <a:off x="746760" y="376555"/>
+            <a:ext cx="10515600" cy="1325563"/>
+          </a:xfrm>
+        </p:spPr>
+        <p:txBody>
+          <a:bodyPr/>
+          <a:lstStyle/>
+          <a:p>
+            <a:r>
+              <a:rPr lang="en-US" dirty="0">
+                <a:latin typeface="Gotham" charset="0"/>
+                <a:ea typeface="Gotham" charset="0"/>
+                <a:cs typeface="Gotham" charset="0"/>
+              </a:rPr>
+              <a:t>Algorithm </a:t>
+            </a:r>
+            <a:r>
+              <a:rPr lang="en-US" dirty="0" smtClean="0">
+                <a:latin typeface="Gotham" charset="0"/>
+                <a:ea typeface="Gotham" charset="0"/>
+                <a:cs typeface="Gotham" charset="0"/>
+              </a:rPr>
+              <a:t>I: Results</a:t>
+            </a:r>
+            <a:endParaRPr lang="fr-FR" dirty="0">
+              <a:latin typeface="Gotham" charset="0"/>
+              <a:ea typeface="Gotham" charset="0"/>
+              <a:cs typeface="Gotham" charset="0"/>
+            </a:endParaRPr>
+          </a:p>
+        </p:txBody>
+      </p:sp>
+      <p:pic>
+        <p:nvPicPr>
+          <p:cNvPr id="4" name="Content Placeholder 3"/>
+          <p:cNvPicPr>
+            <a:picLocks noGrp="1" noChangeAspect="1"/>
+          </p:cNvPicPr>
+          <p:nvPr>
+            <p:ph idx="1"/>
+          </p:nvPr>
+        </p:nvPicPr>
+        <p:blipFill>
+          <a:blip r:embed="rId3">
+            <a:extLst>
+              <a:ext uri="{28A0092B-C50C-407E-A947-70E740481C1C}">
+                <a14:useLocalDpi xmlns:a14="http://schemas.microsoft.com/office/drawing/2010/main" val="0"/>
+              </a:ext>
+            </a:extLst>
+          </a:blip>
+          <a:stretch>
+            <a:fillRect/>
+          </a:stretch>
+        </p:blipFill>
+        <p:spPr>
+          <a:xfrm>
+            <a:off x="8043951" y="1900338"/>
+            <a:ext cx="3471947" cy="3471947"/>
+          </a:xfrm>
+        </p:spPr>
+      </p:pic>
+      <p:pic>
+        <p:nvPicPr>
+          <p:cNvPr id="5" name="Picture 4"/>
+          <p:cNvPicPr>
+            <a:picLocks noChangeAspect="1"/>
+          </p:cNvPicPr>
+          <p:nvPr/>
+        </p:nvPicPr>
+        <p:blipFill>
+          <a:blip r:embed="rId4">
+            <a:extLst>
+              <a:ext uri="{28A0092B-C50C-407E-A947-70E740481C1C}">
+                <a14:useLocalDpi xmlns:a14="http://schemas.microsoft.com/office/drawing/2010/main" val="0"/>
+              </a:ext>
+            </a:extLst>
+          </a:blip>
+          <a:stretch>
+            <a:fillRect/>
+          </a:stretch>
+        </p:blipFill>
+        <p:spPr>
+          <a:xfrm>
+            <a:off x="4393971" y="1900338"/>
+            <a:ext cx="3471947" cy="3471947"/>
+          </a:xfrm>
+          <a:prstGeom prst="rect">
+            <a:avLst/>
+          </a:prstGeom>
+        </p:spPr>
+      </p:pic>
+      <p:pic>
+        <p:nvPicPr>
+          <p:cNvPr id="7" name="Picture 6"/>
+          <p:cNvPicPr>
+            <a:picLocks noChangeAspect="1"/>
+          </p:cNvPicPr>
+          <p:nvPr/>
+        </p:nvPicPr>
+        <p:blipFill>
+          <a:blip r:embed="rId5">
+            <a:extLst>
+              <a:ext uri="{28A0092B-C50C-407E-A947-70E740481C1C}">
+                <a14:useLocalDpi xmlns:a14="http://schemas.microsoft.com/office/drawing/2010/main" val="0"/>
+              </a:ext>
+            </a:extLst>
+          </a:blip>
+          <a:stretch>
+            <a:fillRect/>
+          </a:stretch>
+        </p:blipFill>
+        <p:spPr>
+          <a:xfrm>
+            <a:off x="746760" y="1900338"/>
+            <a:ext cx="3469178" cy="3469178"/>
+          </a:xfrm>
+          <a:prstGeom prst="rect">
+            <a:avLst/>
+          </a:prstGeom>
+        </p:spPr>
+      </p:pic>
+    </p:spTree>
+    <p:extLst>
+      <p:ext uri="{BB962C8B-B14F-4D97-AF65-F5344CB8AC3E}">
+        <p14:creationId xmlns:p14="http://schemas.microsoft.com/office/powerpoint/2010/main" val="1721884894"/>
+      </p:ext>
+    </p:extLst>
+  </p:cSld>
+  <p:clrMapOvr>
+    <a:masterClrMapping/>
+  </p:clrMapOvr>
+  <p:timing>
+    <p:tnLst>
+      <p:par>
+        <p:cTn id="1" dur="indefinite" restart="never" nodeType="tmRoot"/>
+      </p:par>
+    </p:tnLst>
+  </p:timing>
+</p:sld>
+</file>
+
+<file path=ppt/slides/slide12.xml><?xml version="1.0" encoding="utf-8"?>
+<p:sld xmlns:a="http://schemas.openxmlformats.org/drawingml/2006/main" xmlns:r="http://schemas.openxmlformats.org/officeDocument/2006/relationships" xmlns:p="http://schemas.openxmlformats.org/presentationml/2006/main">
+  <p:cSld>
+    <p:spTree>
+      <p:nvGrpSpPr>
+        <p:cNvPr id="1" name=""/>
+        <p:cNvGrpSpPr/>
+        <p:nvPr/>
+      </p:nvGrpSpPr>
+      <p:grpSpPr>
+        <a:xfrm>
+          <a:off x="0" y="0"/>
+          <a:ext cx="0" cy="0"/>
+          <a:chOff x="0" y="0"/>
+          <a:chExt cx="0" cy="0"/>
+        </a:xfrm>
+      </p:grpSpPr>
+      <p:sp>
+        <p:nvSpPr>
+          <p:cNvPr id="2" name="Title 1"/>
+          <p:cNvSpPr>
+            <a:spLocks noGrp="1"/>
+          </p:cNvSpPr>
+          <p:nvPr>
+            <p:ph type="title"/>
+          </p:nvPr>
+        </p:nvSpPr>
+        <p:spPr>
+          <a:xfrm>
             <a:off x="831850" y="1730521"/>
             <a:ext cx="10515600" cy="1791998"/>
           </a:xfrm>
@@ -5397,7 +5656,7 @@
 </p:sld>
 </file>
 
-<file path=ppt/slides/slide12.xml><?xml version="1.0" encoding="utf-8"?>
+<file path=ppt/slides/slide13.xml><?xml version="1.0" encoding="utf-8"?>
 <p:sld xmlns:a="http://schemas.openxmlformats.org/drawingml/2006/main" xmlns:r="http://schemas.openxmlformats.org/officeDocument/2006/relationships" xmlns:p="http://schemas.openxmlformats.org/presentationml/2006/main">
   <p:cSld>
     <p:spTree>
@@ -8768,7 +9027,7 @@
 </p:sld>
 </file>
 
-<file path=ppt/slides/slide13.xml><?xml version="1.0" encoding="utf-8"?>
+<file path=ppt/slides/slide14.xml><?xml version="1.0" encoding="utf-8"?>
 <p:sld xmlns:a="http://schemas.openxmlformats.org/drawingml/2006/main" xmlns:r="http://schemas.openxmlformats.org/officeDocument/2006/relationships" xmlns:p="http://schemas.openxmlformats.org/presentationml/2006/main">
   <p:cSld>
     <p:spTree>
@@ -9044,7 +9303,7 @@
 </p:sld>
 </file>
 
-<file path=ppt/slides/slide14.xml><?xml version="1.0" encoding="utf-8"?>
+<file path=ppt/slides/slide15.xml><?xml version="1.0" encoding="utf-8"?>
 <p:sld xmlns:a="http://schemas.openxmlformats.org/drawingml/2006/main" xmlns:r="http://schemas.openxmlformats.org/officeDocument/2006/relationships" xmlns:p="http://schemas.openxmlformats.org/presentationml/2006/main">
   <p:cSld>
     <p:spTree>
@@ -9172,6 +9431,34 @@
             </a:r>
           </a:p>
           <a:p>
+            <a:pPr lvl="1"/>
+            <a:r>
+              <a:rPr lang="en-US" sz="2000" dirty="0" smtClean="0">
+                <a:latin typeface="Gotham" charset="0"/>
+                <a:ea typeface="Gotham" charset="0"/>
+                <a:cs typeface="Gotham" charset="0"/>
+              </a:rPr>
+              <a:t>85 min. 51 sec.</a:t>
+            </a:r>
+          </a:p>
+          <a:p>
+            <a:pPr lvl="1"/>
+            <a:r>
+              <a:rPr lang="en-US" sz="2000">
+                <a:latin typeface="Gotham" charset="0"/>
+                <a:ea typeface="Gotham" charset="0"/>
+                <a:cs typeface="Gotham" charset="0"/>
+              </a:rPr>
+              <a:t>365,601 </a:t>
+            </a:r>
+            <a:r>
+              <a:rPr lang="en-US" sz="2000" smtClean="0">
+                <a:latin typeface="Gotham" charset="0"/>
+                <a:ea typeface="Gotham" charset="0"/>
+                <a:cs typeface="Gotham" charset="0"/>
+              </a:rPr>
+              <a:t>rows</a:t>
+            </a:r>
             <a:endParaRPr lang="en-US" sz="2000" dirty="0" smtClean="0">
               <a:latin typeface="Gotham" charset="0"/>
               <a:ea typeface="Gotham" charset="0"/>
@@ -9369,15 +9656,10 @@
               </a:rPr>
               <a:t>365,601 rows</a:t>
             </a:r>
-            <a:endParaRPr lang="en-US" sz="2000" dirty="0">
-              <a:latin typeface="Gotham" charset="0"/>
-              <a:ea typeface="Gotham" charset="0"/>
-              <a:cs typeface="Gotham" charset="0"/>
-            </a:endParaRPr>
-          </a:p>
-          <a:p>
-            <a:r>
-              <a:rPr lang="en-US" sz="2000" dirty="0" err="1">
+          </a:p>
+          <a:p>
+            <a:r>
+              <a:rPr lang="en-US" sz="2000" dirty="0" err="1" smtClean="0">
                 <a:latin typeface="Gotham" charset="0"/>
                 <a:ea typeface="Gotham" charset="0"/>
                 <a:cs typeface="Gotham" charset="0"/>
@@ -9431,7 +9713,7 @@
 </p:sld>
 </file>
 
-<file path=ppt/slides/slide15.xml><?xml version="1.0" encoding="utf-8"?>
+<file path=ppt/slides/slide16.xml><?xml version="1.0" encoding="utf-8"?>
 <p:sld xmlns:a="http://schemas.openxmlformats.org/drawingml/2006/main" xmlns:r="http://schemas.openxmlformats.org/officeDocument/2006/relationships" xmlns:p="http://schemas.openxmlformats.org/presentationml/2006/main">
   <p:cSld>
     <p:spTree>
@@ -9676,7 +9958,7 @@
 </p:sld>
 </file>
 
-<file path=ppt/slides/slide16.xml><?xml version="1.0" encoding="utf-8"?>
+<file path=ppt/slides/slide17.xml><?xml version="1.0" encoding="utf-8"?>
 <p:sld xmlns:a="http://schemas.openxmlformats.org/drawingml/2006/main" xmlns:r="http://schemas.openxmlformats.org/officeDocument/2006/relationships" xmlns:p="http://schemas.openxmlformats.org/presentationml/2006/main">
   <p:cSld>
     <p:spTree>
@@ -9918,7 +10200,7 @@
 </p:sld>
 </file>
 
-<file path=ppt/slides/slide17.xml><?xml version="1.0" encoding="utf-8"?>
+<file path=ppt/slides/slide18.xml><?xml version="1.0" encoding="utf-8"?>
 <p:sld xmlns:a="http://schemas.openxmlformats.org/drawingml/2006/main" xmlns:r="http://schemas.openxmlformats.org/officeDocument/2006/relationships" xmlns:p="http://schemas.openxmlformats.org/presentationml/2006/main">
   <p:cSld>
     <p:bg>
@@ -9963,7 +10245,7 @@
 </p:sld>
 </file>
 
-<file path=ppt/slides/slide18.xml><?xml version="1.0" encoding="utf-8"?>
+<file path=ppt/slides/slide19.xml><?xml version="1.0" encoding="utf-8"?>
 <p:sld xmlns:a="http://schemas.openxmlformats.org/drawingml/2006/main" xmlns:r="http://schemas.openxmlformats.org/officeDocument/2006/relationships" xmlns:p="http://schemas.openxmlformats.org/presentationml/2006/main">
   <p:cSld>
     <p:spTree>
@@ -10189,165 +10471,6 @@
       </p:par>
     </p:tnLst>
   </p:timing>
-</p:sld>
-</file>
-
-<file path=ppt/slides/slide19.xml><?xml version="1.0" encoding="utf-8"?>
-<p:sld xmlns:a="http://schemas.openxmlformats.org/drawingml/2006/main" xmlns:r="http://schemas.openxmlformats.org/officeDocument/2006/relationships" xmlns:p="http://schemas.openxmlformats.org/presentationml/2006/main">
-  <p:cSld>
-    <p:spTree>
-      <p:nvGrpSpPr>
-        <p:cNvPr id="1" name=""/>
-        <p:cNvGrpSpPr/>
-        <p:nvPr/>
-      </p:nvGrpSpPr>
-      <p:grpSpPr>
-        <a:xfrm>
-          <a:off x="0" y="0"/>
-          <a:ext cx="0" cy="0"/>
-          <a:chOff x="0" y="0"/>
-          <a:chExt cx="0" cy="0"/>
-        </a:xfrm>
-      </p:grpSpPr>
-      <p:sp>
-        <p:nvSpPr>
-          <p:cNvPr id="2" name="Title 1">
-            <a:extLst>
-              <a:ext uri="{FF2B5EF4-FFF2-40B4-BE49-F238E27FC236}">
-                <a16:creationId xmlns:a16="http://schemas.microsoft.com/office/drawing/2014/main" xmlns="" id="{DD0FFF85-DFFB-A940-A038-A979F3FF4EC3}"/>
-              </a:ext>
-            </a:extLst>
-          </p:cNvPr>
-          <p:cNvSpPr>
-            <a:spLocks noGrp="1"/>
-          </p:cNvSpPr>
-          <p:nvPr>
-            <p:ph type="title"/>
-          </p:nvPr>
-        </p:nvSpPr>
-        <p:spPr/>
-        <p:txBody>
-          <a:bodyPr/>
-          <a:lstStyle/>
-          <a:p>
-            <a:r>
-              <a:rPr lang="en-US" dirty="0"/>
-              <a:t>Algorithm 1 Implementation (Cont'd)</a:t>
-            </a:r>
-          </a:p>
-        </p:txBody>
-      </p:sp>
-      <p:sp>
-        <p:nvSpPr>
-          <p:cNvPr id="3" name="Content Placeholder 2">
-            <a:extLst>
-              <a:ext uri="{FF2B5EF4-FFF2-40B4-BE49-F238E27FC236}">
-                <a16:creationId xmlns:a16="http://schemas.microsoft.com/office/drawing/2014/main" xmlns="" id="{4F32D251-FE20-3848-B314-94317D5531CE}"/>
-              </a:ext>
-            </a:extLst>
-          </p:cNvPr>
-          <p:cNvSpPr>
-            <a:spLocks noGrp="1"/>
-          </p:cNvSpPr>
-          <p:nvPr>
-            <p:ph sz="half" idx="1"/>
-          </p:nvPr>
-        </p:nvSpPr>
-        <p:spPr/>
-        <p:txBody>
-          <a:bodyPr>
-            <a:normAutofit/>
-          </a:bodyPr>
-          <a:lstStyle/>
-          <a:p>
-            <a:pPr marL="514350" indent="-514350">
-              <a:buFont typeface="+mj-lt"/>
-              <a:buAutoNum type="arabicPeriod" startAt="5"/>
-            </a:pPr>
-            <a:r>
-              <a:rPr lang="en-US" b="1" dirty="0"/>
-              <a:t>For each object (Map 2)</a:t>
-            </a:r>
-          </a:p>
-          <a:p>
-            <a:pPr marL="971550" lvl="1" indent="-514350">
-              <a:buFont typeface="+mj-lt"/>
-              <a:buAutoNum type="arabicPeriod"/>
-            </a:pPr>
-            <a:r>
-              <a:rPr lang="en-US" dirty="0"/>
-              <a:t>Create a density function of distances from the object</a:t>
-            </a:r>
-          </a:p>
-          <a:p>
-            <a:pPr marL="971550" lvl="1" indent="-514350">
-              <a:buFont typeface="+mj-lt"/>
-              <a:buAutoNum type="arabicPeriod"/>
-            </a:pPr>
-            <a:r>
-              <a:rPr lang="en-US" dirty="0"/>
-              <a:t>Fit a spline function along this density curve</a:t>
-            </a:r>
-          </a:p>
-          <a:p>
-            <a:pPr marL="971550" lvl="1" indent="-514350">
-              <a:buFont typeface="+mj-lt"/>
-              <a:buAutoNum type="arabicPeriod"/>
-            </a:pPr>
-            <a:r>
-              <a:rPr lang="en-US" dirty="0"/>
-              <a:t>Find the first saddle point in this spline, usually a local minimum</a:t>
-            </a:r>
-          </a:p>
-          <a:p>
-            <a:pPr marL="971550" lvl="1" indent="-514350">
-              <a:buFont typeface="+mj-lt"/>
-              <a:buAutoNum type="arabicPeriod"/>
-            </a:pPr>
-            <a:r>
-              <a:rPr lang="en-US" dirty="0"/>
-              <a:t>If the first saddle point is less than 1 return the object and its saddle point</a:t>
-            </a:r>
-          </a:p>
-        </p:txBody>
-      </p:sp>
-      <p:sp>
-        <p:nvSpPr>
-          <p:cNvPr id="4" name="Content Placeholder 3">
-            <a:extLst>
-              <a:ext uri="{FF2B5EF4-FFF2-40B4-BE49-F238E27FC236}">
-                <a16:creationId xmlns:a16="http://schemas.microsoft.com/office/drawing/2014/main" xmlns="" id="{E47E5CA4-E913-034B-9C8D-6C1E29A9ADE1}"/>
-              </a:ext>
-            </a:extLst>
-          </p:cNvPr>
-          <p:cNvSpPr>
-            <a:spLocks noGrp="1"/>
-          </p:cNvSpPr>
-          <p:nvPr>
-            <p:ph sz="half" idx="2"/>
-          </p:nvPr>
-        </p:nvSpPr>
-        <p:spPr/>
-        <p:txBody>
-          <a:bodyPr>
-            <a:normAutofit/>
-          </a:bodyPr>
-          <a:lstStyle/>
-          <a:p>
-            <a:endParaRPr lang="en-US"/>
-          </a:p>
-        </p:txBody>
-      </p:sp>
-    </p:spTree>
-    <p:extLst>
-      <p:ext uri="{BB962C8B-B14F-4D97-AF65-F5344CB8AC3E}">
-        <p14:creationId xmlns:p14="http://schemas.microsoft.com/office/powerpoint/2010/main" val="2174808421"/>
-      </p:ext>
-    </p:extLst>
-  </p:cSld>
-  <p:clrMapOvr>
-    <a:masterClrMapping/>
-  </p:clrMapOvr>
 </p:sld>
 </file>
 
@@ -10539,7 +10662,7 @@
           <p:cNvPr id="2" name="Title 1">
             <a:extLst>
               <a:ext uri="{FF2B5EF4-FFF2-40B4-BE49-F238E27FC236}">
-                <a16:creationId xmlns:a16="http://schemas.microsoft.com/office/drawing/2014/main" xmlns="" id="{F0FBB199-F59D-5340-8956-A3D17A95119B}"/>
+                <a16:creationId xmlns:a16="http://schemas.microsoft.com/office/drawing/2014/main" xmlns="" id="{DD0FFF85-DFFB-A940-A038-A979F3FF4EC3}"/>
               </a:ext>
             </a:extLst>
           </p:cNvPr>
@@ -10557,7 +10680,7 @@
           <a:p>
             <a:r>
               <a:rPr lang="en-US" dirty="0"/>
-              <a:t>Algorithm 2 Implementation</a:t>
+              <a:t>Algorithm 1 Implementation (Cont'd)</a:t>
             </a:r>
           </a:p>
         </p:txBody>
@@ -10567,7 +10690,7 @@
           <p:cNvPr id="3" name="Content Placeholder 2">
             <a:extLst>
               <a:ext uri="{FF2B5EF4-FFF2-40B4-BE49-F238E27FC236}">
-                <a16:creationId xmlns:a16="http://schemas.microsoft.com/office/drawing/2014/main" xmlns="" id="{D75810C3-B172-924A-AFCB-B9568E68F34F}"/>
+                <a16:creationId xmlns:a16="http://schemas.microsoft.com/office/drawing/2014/main" xmlns="" id="{4F32D251-FE20-3848-B314-94317D5531CE}"/>
               </a:ext>
             </a:extLst>
           </p:cNvPr>
@@ -10580,16 +10703,18 @@
         </p:nvSpPr>
         <p:spPr/>
         <p:txBody>
-          <a:bodyPr/>
+          <a:bodyPr>
+            <a:normAutofit/>
+          </a:bodyPr>
           <a:lstStyle/>
           <a:p>
             <a:pPr marL="514350" indent="-514350">
               <a:buFont typeface="+mj-lt"/>
-              <a:buAutoNum type="arabicPeriod"/>
+              <a:buAutoNum type="arabicPeriod" startAt="5"/>
             </a:pPr>
             <a:r>
               <a:rPr lang="en-US" b="1" dirty="0"/>
-              <a:t>Grids:</a:t>
+              <a:t>For each object (Map 2)</a:t>
             </a:r>
           </a:p>
           <a:p>
@@ -10599,17 +10724,37 @@
             </a:pPr>
             <a:r>
               <a:rPr lang="en-US" dirty="0"/>
-              <a:t>r x c grids -&gt; bite-sized chunks</a:t>
-            </a:r>
-          </a:p>
-          <a:p>
-            <a:pPr marL="514350" indent="-514350">
+              <a:t>Create a density function of distances from the object</a:t>
+            </a:r>
+          </a:p>
+          <a:p>
+            <a:pPr marL="971550" lvl="1" indent="-514350">
               <a:buFont typeface="+mj-lt"/>
               <a:buAutoNum type="arabicPeriod"/>
             </a:pPr>
             <a:r>
-              <a:rPr lang="en-US" b="1" dirty="0"/>
-              <a:t>Output key: grid id</a:t>
+              <a:rPr lang="en-US" dirty="0"/>
+              <a:t>Fit a spline function along this density curve</a:t>
+            </a:r>
+          </a:p>
+          <a:p>
+            <a:pPr marL="971550" lvl="1" indent="-514350">
+              <a:buFont typeface="+mj-lt"/>
+              <a:buAutoNum type="arabicPeriod"/>
+            </a:pPr>
+            <a:r>
+              <a:rPr lang="en-US" dirty="0"/>
+              <a:t>Find the first saddle point in this spline, usually a local minimum</a:t>
+            </a:r>
+          </a:p>
+          <a:p>
+            <a:pPr marL="971550" lvl="1" indent="-514350">
+              <a:buFont typeface="+mj-lt"/>
+              <a:buAutoNum type="arabicPeriod"/>
+            </a:pPr>
+            <a:r>
+              <a:rPr lang="en-US" dirty="0"/>
+              <a:t>If the first saddle point is less than 1 return the object and its saddle point</a:t>
             </a:r>
           </a:p>
         </p:txBody>
@@ -10619,7 +10764,7 @@
           <p:cNvPr id="4" name="Content Placeholder 3">
             <a:extLst>
               <a:ext uri="{FF2B5EF4-FFF2-40B4-BE49-F238E27FC236}">
-                <a16:creationId xmlns:a16="http://schemas.microsoft.com/office/drawing/2014/main" xmlns="" id="{6BC0F224-816F-DE41-ADA3-AE9FDCF9EC1D}"/>
+                <a16:creationId xmlns:a16="http://schemas.microsoft.com/office/drawing/2014/main" xmlns="" id="{E47E5CA4-E913-034B-9C8D-6C1E29A9ADE1}"/>
               </a:ext>
             </a:extLst>
           </p:cNvPr>
@@ -10632,7 +10777,9 @@
         </p:nvSpPr>
         <p:spPr/>
         <p:txBody>
-          <a:bodyPr/>
+          <a:bodyPr>
+            <a:normAutofit/>
+          </a:bodyPr>
           <a:lstStyle/>
           <a:p>
             <a:endParaRPr lang="en-US"/>
@@ -10642,7 +10789,7 @@
     </p:spTree>
     <p:extLst>
       <p:ext uri="{BB962C8B-B14F-4D97-AF65-F5344CB8AC3E}">
-        <p14:creationId xmlns:p14="http://schemas.microsoft.com/office/powerpoint/2010/main" val="1417709322"/>
+        <p14:creationId xmlns:p14="http://schemas.microsoft.com/office/powerpoint/2010/main" val="2174808421"/>
       </p:ext>
     </p:extLst>
   </p:cSld>
@@ -10692,7 +10839,7 @@
           <a:p>
             <a:r>
               <a:rPr lang="en-US" dirty="0"/>
-              <a:t>Algorithm 2 Implementation (Cont'd)</a:t>
+              <a:t>Algorithm 2 Implementation</a:t>
             </a:r>
           </a:p>
         </p:txBody>
@@ -10720,11 +10867,11 @@
           <a:p>
             <a:pPr marL="514350" indent="-514350">
               <a:buFont typeface="+mj-lt"/>
-              <a:buAutoNum type="arabicPeriod" startAt="3"/>
+              <a:buAutoNum type="arabicPeriod"/>
             </a:pPr>
             <a:r>
               <a:rPr lang="en-US" b="1" dirty="0"/>
-              <a:t>Random Walk</a:t>
+              <a:t>Grids:</a:t>
             </a:r>
           </a:p>
           <a:p>
@@ -10734,17 +10881,17 @@
             </a:pPr>
             <a:r>
               <a:rPr lang="en-US" dirty="0"/>
-              <a:t>Fully connected graphs w/ distance$^{-1}$ as edge weight</a:t>
-            </a:r>
-          </a:p>
-          <a:p>
-            <a:pPr marL="971550" lvl="1" indent="-514350">
+              <a:t>r x c grids -&gt; bite-sized chunks</a:t>
+            </a:r>
+          </a:p>
+          <a:p>
+            <a:pPr marL="514350" indent="-514350">
               <a:buFont typeface="+mj-lt"/>
               <a:buAutoNum type="arabicPeriod"/>
             </a:pPr>
             <a:r>
-              <a:rPr lang="en-US" dirty="0"/>
-              <a:t>Random walks on graph -&gt; gradient of re-visit frequency</a:t>
+              <a:rPr lang="en-US" b="1" dirty="0"/>
+              <a:t>Output key: grid id</a:t>
             </a:r>
           </a:p>
         </p:txBody>
@@ -10777,7 +10924,7 @@
     </p:spTree>
     <p:extLst>
       <p:ext uri="{BB962C8B-B14F-4D97-AF65-F5344CB8AC3E}">
-        <p14:creationId xmlns:p14="http://schemas.microsoft.com/office/powerpoint/2010/main" val="2670781827"/>
+        <p14:creationId xmlns:p14="http://schemas.microsoft.com/office/powerpoint/2010/main" val="1417709322"/>
       </p:ext>
     </p:extLst>
   </p:cSld>
@@ -10809,6 +10956,141 @@
           <p:cNvPr id="2" name="Title 1">
             <a:extLst>
               <a:ext uri="{FF2B5EF4-FFF2-40B4-BE49-F238E27FC236}">
+                <a16:creationId xmlns:a16="http://schemas.microsoft.com/office/drawing/2014/main" xmlns="" id="{F0FBB199-F59D-5340-8956-A3D17A95119B}"/>
+              </a:ext>
+            </a:extLst>
+          </p:cNvPr>
+          <p:cNvSpPr>
+            <a:spLocks noGrp="1"/>
+          </p:cNvSpPr>
+          <p:nvPr>
+            <p:ph type="title"/>
+          </p:nvPr>
+        </p:nvSpPr>
+        <p:spPr/>
+        <p:txBody>
+          <a:bodyPr/>
+          <a:lstStyle/>
+          <a:p>
+            <a:r>
+              <a:rPr lang="en-US" dirty="0"/>
+              <a:t>Algorithm 2 Implementation (Cont'd)</a:t>
+            </a:r>
+          </a:p>
+        </p:txBody>
+      </p:sp>
+      <p:sp>
+        <p:nvSpPr>
+          <p:cNvPr id="3" name="Content Placeholder 2">
+            <a:extLst>
+              <a:ext uri="{FF2B5EF4-FFF2-40B4-BE49-F238E27FC236}">
+                <a16:creationId xmlns:a16="http://schemas.microsoft.com/office/drawing/2014/main" xmlns="" id="{D75810C3-B172-924A-AFCB-B9568E68F34F}"/>
+              </a:ext>
+            </a:extLst>
+          </p:cNvPr>
+          <p:cNvSpPr>
+            <a:spLocks noGrp="1"/>
+          </p:cNvSpPr>
+          <p:nvPr>
+            <p:ph sz="half" idx="1"/>
+          </p:nvPr>
+        </p:nvSpPr>
+        <p:spPr/>
+        <p:txBody>
+          <a:bodyPr/>
+          <a:lstStyle/>
+          <a:p>
+            <a:pPr marL="514350" indent="-514350">
+              <a:buFont typeface="+mj-lt"/>
+              <a:buAutoNum type="arabicPeriod" startAt="3"/>
+            </a:pPr>
+            <a:r>
+              <a:rPr lang="en-US" b="1" dirty="0"/>
+              <a:t>Random Walk</a:t>
+            </a:r>
+          </a:p>
+          <a:p>
+            <a:pPr marL="971550" lvl="1" indent="-514350">
+              <a:buFont typeface="+mj-lt"/>
+              <a:buAutoNum type="arabicPeriod"/>
+            </a:pPr>
+            <a:r>
+              <a:rPr lang="en-US" dirty="0"/>
+              <a:t>Fully connected graphs w/ distance$^{-1}$ as edge weight</a:t>
+            </a:r>
+          </a:p>
+          <a:p>
+            <a:pPr marL="971550" lvl="1" indent="-514350">
+              <a:buFont typeface="+mj-lt"/>
+              <a:buAutoNum type="arabicPeriod"/>
+            </a:pPr>
+            <a:r>
+              <a:rPr lang="en-US" dirty="0"/>
+              <a:t>Random walks on graph -&gt; gradient of re-visit frequency</a:t>
+            </a:r>
+          </a:p>
+        </p:txBody>
+      </p:sp>
+      <p:sp>
+        <p:nvSpPr>
+          <p:cNvPr id="4" name="Content Placeholder 3">
+            <a:extLst>
+              <a:ext uri="{FF2B5EF4-FFF2-40B4-BE49-F238E27FC236}">
+                <a16:creationId xmlns:a16="http://schemas.microsoft.com/office/drawing/2014/main" xmlns="" id="{6BC0F224-816F-DE41-ADA3-AE9FDCF9EC1D}"/>
+              </a:ext>
+            </a:extLst>
+          </p:cNvPr>
+          <p:cNvSpPr>
+            <a:spLocks noGrp="1"/>
+          </p:cNvSpPr>
+          <p:nvPr>
+            <p:ph sz="half" idx="2"/>
+          </p:nvPr>
+        </p:nvSpPr>
+        <p:spPr/>
+        <p:txBody>
+          <a:bodyPr/>
+          <a:lstStyle/>
+          <a:p>
+            <a:endParaRPr lang="en-US"/>
+          </a:p>
+        </p:txBody>
+      </p:sp>
+    </p:spTree>
+    <p:extLst>
+      <p:ext uri="{BB962C8B-B14F-4D97-AF65-F5344CB8AC3E}">
+        <p14:creationId xmlns:p14="http://schemas.microsoft.com/office/powerpoint/2010/main" val="2670781827"/>
+      </p:ext>
+    </p:extLst>
+  </p:cSld>
+  <p:clrMapOvr>
+    <a:masterClrMapping/>
+  </p:clrMapOvr>
+</p:sld>
+</file>
+
+<file path=ppt/slides/slide23.xml><?xml version="1.0" encoding="utf-8"?>
+<p:sld xmlns:a="http://schemas.openxmlformats.org/drawingml/2006/main" xmlns:r="http://schemas.openxmlformats.org/officeDocument/2006/relationships" xmlns:p="http://schemas.openxmlformats.org/presentationml/2006/main">
+  <p:cSld>
+    <p:spTree>
+      <p:nvGrpSpPr>
+        <p:cNvPr id="1" name=""/>
+        <p:cNvGrpSpPr/>
+        <p:nvPr/>
+      </p:nvGrpSpPr>
+      <p:grpSpPr>
+        <a:xfrm>
+          <a:off x="0" y="0"/>
+          <a:ext cx="0" cy="0"/>
+          <a:chOff x="0" y="0"/>
+          <a:chExt cx="0" cy="0"/>
+        </a:xfrm>
+      </p:grpSpPr>
+      <p:sp>
+        <p:nvSpPr>
+          <p:cNvPr id="2" name="Title 1">
+            <a:extLst>
+              <a:ext uri="{FF2B5EF4-FFF2-40B4-BE49-F238E27FC236}">
                 <a16:creationId xmlns:a16="http://schemas.microsoft.com/office/drawing/2014/main" xmlns="" id="{C2664C2B-2CAB-EC4D-912E-8F87F92B1E53}"/>
               </a:ext>
             </a:extLst>
@@ -10920,7 +11202,7 @@
 </p:sld>
 </file>
 
-<file path=ppt/slides/slide23.xml><?xml version="1.0" encoding="utf-8"?>
+<file path=ppt/slides/slide24.xml><?xml version="1.0" encoding="utf-8"?>
 <p:sld xmlns:a="http://schemas.openxmlformats.org/drawingml/2006/main" xmlns:r="http://schemas.openxmlformats.org/officeDocument/2006/relationships" xmlns:p="http://schemas.openxmlformats.org/presentationml/2006/main">
   <p:cSld>
     <p:spTree>
@@ -12006,15 +12288,7 @@
                 <a:ea typeface="Gotham" charset="0"/>
                 <a:cs typeface="Gotham" charset="0"/>
               </a:rPr>
-              <a:t> in </a:t>
-            </a:r>
-            <a:r>
-              <a:rPr lang="fr-FR" dirty="0" err="1" smtClean="0">
-                <a:latin typeface="Gotham" charset="0"/>
-                <a:ea typeface="Gotham" charset="0"/>
-                <a:cs typeface="Gotham" charset="0"/>
-              </a:rPr>
-              <a:t>Spark</a:t>
+              <a:t> </a:t>
             </a:r>
             <a:r>
               <a:rPr lang="fr-FR" dirty="0" smtClean="0">
@@ -12022,7 +12296,7 @@
                 <a:ea typeface="Gotham" charset="0"/>
                 <a:cs typeface="Gotham" charset="0"/>
               </a:rPr>
-              <a:t> (</a:t>
+              <a:t>(</a:t>
             </a:r>
             <a:r>
               <a:rPr lang="fr-FR" dirty="0" err="1" smtClean="0">

--- a/Presentation.pptx
+++ b/Presentation.pptx
@@ -5,7 +5,7 @@
     <p:sldMasterId id="2147483648" r:id="rId1"/>
   </p:sldMasterIdLst>
   <p:notesMasterIdLst>
-    <p:notesMasterId r:id="rId26"/>
+    <p:notesMasterId r:id="rId19"/>
   </p:notesMasterIdLst>
   <p:sldIdLst>
     <p:sldId id="256" r:id="rId2"/>
@@ -25,13 +25,6 @@
     <p:sldId id="279" r:id="rId16"/>
     <p:sldId id="289" r:id="rId17"/>
     <p:sldId id="272" r:id="rId18"/>
-    <p:sldId id="290" r:id="rId19"/>
-    <p:sldId id="277" r:id="rId20"/>
-    <p:sldId id="278" r:id="rId21"/>
-    <p:sldId id="280" r:id="rId22"/>
-    <p:sldId id="281" r:id="rId23"/>
-    <p:sldId id="282" r:id="rId24"/>
-    <p:sldId id="283" r:id="rId25"/>
   </p:sldIdLst>
   <p:sldSz cx="12192000" cy="6858000"/>
   <p:notesSz cx="6858000" cy="9144000"/>
@@ -5337,7 +5330,7 @@
           <p:cNvPr id="6" name="Content Placeholder 5">
             <a:extLst>
               <a:ext uri="{FF2B5EF4-FFF2-40B4-BE49-F238E27FC236}">
-                <a16:creationId xmlns:a16="http://schemas.microsoft.com/office/drawing/2014/main" xmlns="" id="{23C411BC-B6B5-E048-9C85-DA3F22C40D06}"/>
+                <a16:creationId xmlns="" xmlns:a16="http://schemas.microsoft.com/office/drawing/2014/main" id="{23C411BC-B6B5-E048-9C85-DA3F22C40D06}"/>
               </a:ext>
             </a:extLst>
           </p:cNvPr>
@@ -5678,7 +5671,7 @@
           <p:cNvPr id="2" name="Title 1">
             <a:extLst>
               <a:ext uri="{FF2B5EF4-FFF2-40B4-BE49-F238E27FC236}">
-                <a16:creationId xmlns:a16="http://schemas.microsoft.com/office/drawing/2014/main" xmlns="" id="{E89AE448-D75D-1746-B986-D68E978C974D}"/>
+                <a16:creationId xmlns="" xmlns:a16="http://schemas.microsoft.com/office/drawing/2014/main" id="{E89AE448-D75D-1746-B986-D68E978C974D}"/>
               </a:ext>
             </a:extLst>
           </p:cNvPr>
@@ -5700,21 +5693,8 @@
                 <a:ea typeface="Gotham" charset="0"/>
                 <a:cs typeface="Gotham" charset="0"/>
               </a:rPr>
-              <a:t>Algorithm </a:t>
-            </a:r>
-            <a:r>
-              <a:rPr lang="en-US" dirty="0">
-                <a:latin typeface="Gotham" charset="0"/>
-                <a:ea typeface="Gotham" charset="0"/>
-                <a:cs typeface="Gotham" charset="0"/>
-              </a:rPr>
-              <a:t>II (MapReduce)</a:t>
-            </a:r>
-            <a:endParaRPr lang="en-US" dirty="0">
-              <a:latin typeface="Gotham" charset="0"/>
-              <a:ea typeface="Gotham" charset="0"/>
-              <a:cs typeface="Gotham" charset="0"/>
-            </a:endParaRPr>
+              <a:t>Algorithm II (MapReduce)</a:t>
+            </a:r>
           </a:p>
         </p:txBody>
       </p:sp>
@@ -5723,7 +5703,7 @@
           <p:cNvPr id="3" name="Content Placeholder 2">
             <a:extLst>
               <a:ext uri="{FF2B5EF4-FFF2-40B4-BE49-F238E27FC236}">
-                <a16:creationId xmlns:a16="http://schemas.microsoft.com/office/drawing/2014/main" xmlns="" id="{4F48A269-3FF4-1242-9D39-5E598D1B3EB1}"/>
+                <a16:creationId xmlns="" xmlns:a16="http://schemas.microsoft.com/office/drawing/2014/main" id="{4F48A269-3FF4-1242-9D39-5E598D1B3EB1}"/>
               </a:ext>
             </a:extLst>
           </p:cNvPr>
@@ -9049,7 +9029,7 @@
           <p:cNvPr id="2" name="Title 1">
             <a:extLst>
               <a:ext uri="{FF2B5EF4-FFF2-40B4-BE49-F238E27FC236}">
-                <a16:creationId xmlns:a16="http://schemas.microsoft.com/office/drawing/2014/main" xmlns="" id="{E89AE448-D75D-1746-B986-D68E978C974D}"/>
+                <a16:creationId xmlns="" xmlns:a16="http://schemas.microsoft.com/office/drawing/2014/main" id="{E89AE448-D75D-1746-B986-D68E978C974D}"/>
               </a:ext>
             </a:extLst>
           </p:cNvPr>
@@ -9094,7 +9074,7 @@
           <p:cNvPr id="3" name="Content Placeholder 2">
             <a:extLst>
               <a:ext uri="{FF2B5EF4-FFF2-40B4-BE49-F238E27FC236}">
-                <a16:creationId xmlns:a16="http://schemas.microsoft.com/office/drawing/2014/main" xmlns="" id="{4F48A269-3FF4-1242-9D39-5E598D1B3EB1}"/>
+                <a16:creationId xmlns="" xmlns:a16="http://schemas.microsoft.com/office/drawing/2014/main" id="{4F48A269-3FF4-1242-9D39-5E598D1B3EB1}"/>
               </a:ext>
             </a:extLst>
           </p:cNvPr>
@@ -9325,7 +9305,7 @@
           <p:cNvPr id="2" name="Title 1">
             <a:extLst>
               <a:ext uri="{FF2B5EF4-FFF2-40B4-BE49-F238E27FC236}">
-                <a16:creationId xmlns:a16="http://schemas.microsoft.com/office/drawing/2014/main" xmlns="" id="{82954907-488D-BD4C-8497-918EBD3FDB5F}"/>
+                <a16:creationId xmlns="" xmlns:a16="http://schemas.microsoft.com/office/drawing/2014/main" id="{82954907-488D-BD4C-8497-918EBD3FDB5F}"/>
               </a:ext>
             </a:extLst>
           </p:cNvPr>
@@ -9403,7 +9383,7 @@
           <p:cNvPr id="5" name="Content Placeholder 4">
             <a:extLst>
               <a:ext uri="{FF2B5EF4-FFF2-40B4-BE49-F238E27FC236}">
-                <a16:creationId xmlns:a16="http://schemas.microsoft.com/office/drawing/2014/main" xmlns="" id="{74FB3ED5-2512-B34A-821B-E62AD1FDDA6D}"/>
+                <a16:creationId xmlns="" xmlns:a16="http://schemas.microsoft.com/office/drawing/2014/main" id="{74FB3ED5-2512-B34A-821B-E62AD1FDDA6D}"/>
               </a:ext>
             </a:extLst>
           </p:cNvPr>
@@ -9433,18 +9413,26 @@
           <a:p>
             <a:pPr lvl="1"/>
             <a:r>
+              <a:rPr lang="en-US" sz="2000" smtClean="0">
+                <a:latin typeface="Gotham" charset="0"/>
+                <a:ea typeface="Gotham" charset="0"/>
+                <a:cs typeface="Gotham" charset="0"/>
+              </a:rPr>
+              <a:t>&gt; 85 </a:t>
+            </a:r>
+            <a:r>
               <a:rPr lang="en-US" sz="2000" dirty="0" smtClean="0">
                 <a:latin typeface="Gotham" charset="0"/>
                 <a:ea typeface="Gotham" charset="0"/>
                 <a:cs typeface="Gotham" charset="0"/>
               </a:rPr>
-              <a:t>85 min. 51 sec.</a:t>
+              <a:t>min. 51 sec.</a:t>
             </a:r>
           </a:p>
           <a:p>
             <a:pPr lvl="1"/>
             <a:r>
-              <a:rPr lang="en-US" sz="2000">
+              <a:rPr lang="en-US" sz="2000" dirty="0">
                 <a:latin typeface="Gotham" charset="0"/>
                 <a:ea typeface="Gotham" charset="0"/>
                 <a:cs typeface="Gotham" charset="0"/>
@@ -9452,18 +9440,13 @@
               <a:t>365,601 </a:t>
             </a:r>
             <a:r>
-              <a:rPr lang="en-US" sz="2000" smtClean="0">
+              <a:rPr lang="en-US" sz="2000" dirty="0" smtClean="0">
                 <a:latin typeface="Gotham" charset="0"/>
                 <a:ea typeface="Gotham" charset="0"/>
                 <a:cs typeface="Gotham" charset="0"/>
               </a:rPr>
               <a:t>rows</a:t>
             </a:r>
-            <a:endParaRPr lang="en-US" sz="2000" dirty="0" smtClean="0">
-              <a:latin typeface="Gotham" charset="0"/>
-              <a:ea typeface="Gotham" charset="0"/>
-              <a:cs typeface="Gotham" charset="0"/>
-            </a:endParaRPr>
           </a:p>
           <a:p>
             <a:r>
@@ -9482,11 +9465,6 @@
               </a:rPr>
               <a:t>:</a:t>
             </a:r>
-            <a:endParaRPr lang="en-US" sz="2000" dirty="0" smtClean="0">
-              <a:latin typeface="Gotham" charset="0"/>
-              <a:ea typeface="Gotham" charset="0"/>
-              <a:cs typeface="Gotham" charset="0"/>
-            </a:endParaRPr>
           </a:p>
           <a:p>
             <a:pPr lvl="1"/>
@@ -9735,7 +9713,7 @@
           <p:cNvPr id="2" name="Title 1">
             <a:extLst>
               <a:ext uri="{FF2B5EF4-FFF2-40B4-BE49-F238E27FC236}">
-                <a16:creationId xmlns:a16="http://schemas.microsoft.com/office/drawing/2014/main" xmlns="" id="{82954907-488D-BD4C-8497-918EBD3FDB5F}"/>
+                <a16:creationId xmlns="" xmlns:a16="http://schemas.microsoft.com/office/drawing/2014/main" id="{82954907-488D-BD4C-8497-918EBD3FDB5F}"/>
               </a:ext>
             </a:extLst>
           </p:cNvPr>
@@ -9980,7 +9958,7 @@
           <p:cNvPr id="2" name="Title 1">
             <a:extLst>
               <a:ext uri="{FF2B5EF4-FFF2-40B4-BE49-F238E27FC236}">
-                <a16:creationId xmlns:a16="http://schemas.microsoft.com/office/drawing/2014/main" xmlns="" id="{20B41192-4643-1044-99B7-2B8ED46F0D2E}"/>
+                <a16:creationId xmlns="" xmlns:a16="http://schemas.microsoft.com/office/drawing/2014/main" id="{20B41192-4643-1044-99B7-2B8ED46F0D2E}"/>
               </a:ext>
             </a:extLst>
           </p:cNvPr>
@@ -10012,7 +9990,7 @@
           <p:cNvPr id="3" name="Content Placeholder 2">
             <a:extLst>
               <a:ext uri="{FF2B5EF4-FFF2-40B4-BE49-F238E27FC236}">
-                <a16:creationId xmlns:a16="http://schemas.microsoft.com/office/drawing/2014/main" xmlns="" id="{AA8B5A31-4A3D-3446-BCD8-0AFCC4934C6A}"/>
+                <a16:creationId xmlns="" xmlns:a16="http://schemas.microsoft.com/office/drawing/2014/main" id="{AA8B5A31-4A3D-3446-BCD8-0AFCC4934C6A}"/>
               </a:ext>
             </a:extLst>
           </p:cNvPr>
@@ -10184,280 +10162,6 @@
     <p:extLst>
       <p:ext uri="{BB962C8B-B14F-4D97-AF65-F5344CB8AC3E}">
         <p14:creationId xmlns:p14="http://schemas.microsoft.com/office/powerpoint/2010/main" val="999213449"/>
-      </p:ext>
-    </p:extLst>
-  </p:cSld>
-  <p:clrMapOvr>
-    <a:masterClrMapping/>
-  </p:clrMapOvr>
-  <p:timing>
-    <p:tnLst>
-      <p:par>
-        <p:cTn id="1" dur="indefinite" restart="never" nodeType="tmRoot"/>
-      </p:par>
-    </p:tnLst>
-  </p:timing>
-</p:sld>
-</file>
-
-<file path=ppt/slides/slide18.xml><?xml version="1.0" encoding="utf-8"?>
-<p:sld xmlns:a="http://schemas.openxmlformats.org/drawingml/2006/main" xmlns:r="http://schemas.openxmlformats.org/officeDocument/2006/relationships" xmlns:p="http://schemas.openxmlformats.org/presentationml/2006/main">
-  <p:cSld>
-    <p:bg>
-      <p:bgPr>
-        <a:solidFill>
-          <a:schemeClr val="tx1"/>
-        </a:solidFill>
-        <a:effectLst/>
-      </p:bgPr>
-    </p:bg>
-    <p:spTree>
-      <p:nvGrpSpPr>
-        <p:cNvPr id="1" name=""/>
-        <p:cNvGrpSpPr/>
-        <p:nvPr/>
-      </p:nvGrpSpPr>
-      <p:grpSpPr>
-        <a:xfrm>
-          <a:off x="0" y="0"/>
-          <a:ext cx="0" cy="0"/>
-          <a:chOff x="0" y="0"/>
-          <a:chExt cx="0" cy="0"/>
-        </a:xfrm>
-      </p:grpSpPr>
-    </p:spTree>
-    <p:extLst>
-      <p:ext uri="{BB962C8B-B14F-4D97-AF65-F5344CB8AC3E}">
-        <p14:creationId xmlns:p14="http://schemas.microsoft.com/office/powerpoint/2010/main" val="733862117"/>
-      </p:ext>
-    </p:extLst>
-  </p:cSld>
-  <p:clrMapOvr>
-    <a:masterClrMapping/>
-  </p:clrMapOvr>
-  <p:timing>
-    <p:tnLst>
-      <p:par>
-        <p:cTn id="1" dur="indefinite" restart="never" nodeType="tmRoot"/>
-      </p:par>
-    </p:tnLst>
-  </p:timing>
-</p:sld>
-</file>
-
-<file path=ppt/slides/slide19.xml><?xml version="1.0" encoding="utf-8"?>
-<p:sld xmlns:a="http://schemas.openxmlformats.org/drawingml/2006/main" xmlns:r="http://schemas.openxmlformats.org/officeDocument/2006/relationships" xmlns:p="http://schemas.openxmlformats.org/presentationml/2006/main">
-  <p:cSld>
-    <p:spTree>
-      <p:nvGrpSpPr>
-        <p:cNvPr id="1" name=""/>
-        <p:cNvGrpSpPr/>
-        <p:nvPr/>
-      </p:nvGrpSpPr>
-      <p:grpSpPr>
-        <a:xfrm>
-          <a:off x="0" y="0"/>
-          <a:ext cx="0" cy="0"/>
-          <a:chOff x="0" y="0"/>
-          <a:chExt cx="0" cy="0"/>
-        </a:xfrm>
-      </p:grpSpPr>
-      <p:sp>
-        <p:nvSpPr>
-          <p:cNvPr id="2" name="Title 1">
-            <a:extLst>
-              <a:ext uri="{FF2B5EF4-FFF2-40B4-BE49-F238E27FC236}">
-                <a16:creationId xmlns:a16="http://schemas.microsoft.com/office/drawing/2014/main" xmlns="" id="{5C8E627F-1086-9646-BA63-11B41BDA20CC}"/>
-              </a:ext>
-            </a:extLst>
-          </p:cNvPr>
-          <p:cNvSpPr>
-            <a:spLocks noGrp="1"/>
-          </p:cNvSpPr>
-          <p:nvPr>
-            <p:ph type="title"/>
-          </p:nvPr>
-        </p:nvSpPr>
-        <p:spPr/>
-        <p:txBody>
-          <a:bodyPr/>
-          <a:lstStyle/>
-          <a:p>
-            <a:r>
-              <a:rPr lang="en-US" dirty="0"/>
-              <a:t>Algorithm 1 Implementation</a:t>
-            </a:r>
-          </a:p>
-        </p:txBody>
-      </p:sp>
-      <p:sp>
-        <p:nvSpPr>
-          <p:cNvPr id="3" name="Content Placeholder 2">
-            <a:extLst>
-              <a:ext uri="{FF2B5EF4-FFF2-40B4-BE49-F238E27FC236}">
-                <a16:creationId xmlns:a16="http://schemas.microsoft.com/office/drawing/2014/main" xmlns="" id="{84DA7F8F-9904-3F41-8916-F4502ADD7692}"/>
-              </a:ext>
-            </a:extLst>
-          </p:cNvPr>
-          <p:cNvSpPr>
-            <a:spLocks noGrp="1"/>
-          </p:cNvSpPr>
-          <p:nvPr>
-            <p:ph sz="half" idx="1"/>
-          </p:nvPr>
-        </p:nvSpPr>
-        <p:spPr/>
-        <p:txBody>
-          <a:bodyPr>
-            <a:normAutofit/>
-          </a:bodyPr>
-          <a:lstStyle/>
-          <a:p>
-            <a:pPr marL="571500" indent="-571500">
-              <a:buFont typeface="+mj-lt"/>
-              <a:buAutoNum type="arabicPeriod"/>
-            </a:pPr>
-            <a:r>
-              <a:rPr lang="en-US" b="1" dirty="0"/>
-              <a:t>Initialize a node list (Map 1)</a:t>
-            </a:r>
-          </a:p>
-          <a:p>
-            <a:pPr marL="571500" indent="-571500">
-              <a:buFont typeface="+mj-lt"/>
-              <a:buAutoNum type="arabicPeriod"/>
-            </a:pPr>
-            <a:endParaRPr lang="en-US" dirty="0"/>
-          </a:p>
-          <a:p>
-            <a:pPr marL="571500" indent="-571500">
-              <a:buFont typeface="+mj-lt"/>
-              <a:buAutoNum type="arabicPeriod"/>
-            </a:pPr>
-            <a:r>
-              <a:rPr lang="en-US" b="1" dirty="0"/>
-              <a:t>for each object: (Map 1)</a:t>
-            </a:r>
-          </a:p>
-          <a:p>
-            <a:pPr marL="971550" lvl="1" indent="-514350">
-              <a:buFont typeface="+mj-lt"/>
-              <a:buAutoNum type="arabicPeriod"/>
-            </a:pPr>
-            <a:r>
-              <a:rPr lang="en-US" sz="2800" dirty="0"/>
-              <a:t>add the object to our node list</a:t>
-            </a:r>
-          </a:p>
-          <a:p>
-            <a:pPr marL="971550" lvl="1" indent="-514350">
-              <a:buFont typeface="+mj-lt"/>
-              <a:buAutoNum type="arabicPeriod"/>
-            </a:pPr>
-            <a:r>
-              <a:rPr lang="en-US" sz="2800" dirty="0"/>
-              <a:t>if the node list is too large: remove nodes at random until the list is size N(P):</a:t>
-            </a:r>
-          </a:p>
-          <a:p>
-            <a:pPr marL="571500" indent="-571500">
-              <a:buFont typeface="+mj-lt"/>
-              <a:buAutoNum type="arabicPeriod"/>
-            </a:pPr>
-            <a:endParaRPr lang="en-US" dirty="0"/>
-          </a:p>
-        </p:txBody>
-      </p:sp>
-      <p:sp>
-        <p:nvSpPr>
-          <p:cNvPr id="4" name="Content Placeholder 3">
-            <a:extLst>
-              <a:ext uri="{FF2B5EF4-FFF2-40B4-BE49-F238E27FC236}">
-                <a16:creationId xmlns:a16="http://schemas.microsoft.com/office/drawing/2014/main" xmlns="" id="{49007518-14F4-DA4D-B379-F12A916A5CD1}"/>
-              </a:ext>
-            </a:extLst>
-          </p:cNvPr>
-          <p:cNvSpPr>
-            <a:spLocks noGrp="1"/>
-          </p:cNvSpPr>
-          <p:nvPr>
-            <p:ph sz="half" idx="2"/>
-          </p:nvPr>
-        </p:nvSpPr>
-        <p:spPr/>
-        <p:txBody>
-          <a:bodyPr>
-            <a:normAutofit/>
-          </a:bodyPr>
-          <a:lstStyle/>
-          <a:p>
-            <a:pPr marL="514350" indent="-514350">
-              <a:buFont typeface="+mj-lt"/>
-              <a:buAutoNum type="arabicPeriod" startAt="3"/>
-            </a:pPr>
-            <a:r>
-              <a:rPr lang="en-US" b="1" dirty="0"/>
-              <a:t>If the node list is </a:t>
-            </a:r>
-            <a:r>
-              <a:rPr lang="en-US" b="1" dirty="0" err="1"/>
-              <a:t>sufficently</a:t>
-            </a:r>
-            <a:r>
-              <a:rPr lang="en-US" b="1" dirty="0"/>
-              <a:t> full (size N(P)):</a:t>
-            </a:r>
-          </a:p>
-          <a:p>
-            <a:pPr marL="971550" lvl="1" indent="-514350">
-              <a:buFont typeface="+mj-lt"/>
-              <a:buAutoNum type="arabicPeriod"/>
-            </a:pPr>
-            <a:r>
-              <a:rPr lang="en-US" sz="2800" dirty="0"/>
-              <a:t>yield the object's id and distance to each node</a:t>
-            </a:r>
-          </a:p>
-          <a:p>
-            <a:pPr marL="514350" indent="-514350">
-              <a:buFont typeface="+mj-lt"/>
-              <a:buAutoNum type="arabicPeriod" startAt="3"/>
-            </a:pPr>
-            <a:endParaRPr lang="en-US" dirty="0"/>
-          </a:p>
-          <a:p>
-            <a:pPr marL="514350" indent="-514350">
-              <a:buFont typeface="+mj-lt"/>
-              <a:buAutoNum type="arabicPeriod" startAt="3"/>
-            </a:pPr>
-            <a:r>
-              <a:rPr lang="en-US" b="1" dirty="0"/>
-              <a:t>For each object (Reduce 1)</a:t>
-            </a:r>
-          </a:p>
-          <a:p>
-            <a:pPr marL="971550" lvl="1" indent="-514350">
-              <a:buFont typeface="+mj-lt"/>
-              <a:buAutoNum type="arabicPeriod"/>
-            </a:pPr>
-            <a:r>
-              <a:rPr lang="en-US" sz="2800" dirty="0"/>
-              <a:t>take K edges (the closest K)</a:t>
-            </a:r>
-          </a:p>
-          <a:p>
-            <a:pPr marL="514350" indent="-514350">
-              <a:buFont typeface="+mj-lt"/>
-              <a:buAutoNum type="arabicPeriod" startAt="3"/>
-            </a:pPr>
-            <a:endParaRPr lang="en-US" dirty="0"/>
-          </a:p>
-        </p:txBody>
-      </p:sp>
-    </p:spTree>
-    <p:extLst>
-      <p:ext uri="{BB962C8B-B14F-4D97-AF65-F5344CB8AC3E}">
-        <p14:creationId xmlns:p14="http://schemas.microsoft.com/office/powerpoint/2010/main" val="2535493048"/>
       </p:ext>
     </p:extLst>
   </p:cSld>
@@ -10637,699 +10341,6 @@
       </p:par>
     </p:tnLst>
   </p:timing>
-</p:sld>
-</file>
-
-<file path=ppt/slides/slide20.xml><?xml version="1.0" encoding="utf-8"?>
-<p:sld xmlns:a="http://schemas.openxmlformats.org/drawingml/2006/main" xmlns:r="http://schemas.openxmlformats.org/officeDocument/2006/relationships" xmlns:p="http://schemas.openxmlformats.org/presentationml/2006/main">
-  <p:cSld>
-    <p:spTree>
-      <p:nvGrpSpPr>
-        <p:cNvPr id="1" name=""/>
-        <p:cNvGrpSpPr/>
-        <p:nvPr/>
-      </p:nvGrpSpPr>
-      <p:grpSpPr>
-        <a:xfrm>
-          <a:off x="0" y="0"/>
-          <a:ext cx="0" cy="0"/>
-          <a:chOff x="0" y="0"/>
-          <a:chExt cx="0" cy="0"/>
-        </a:xfrm>
-      </p:grpSpPr>
-      <p:sp>
-        <p:nvSpPr>
-          <p:cNvPr id="2" name="Title 1">
-            <a:extLst>
-              <a:ext uri="{FF2B5EF4-FFF2-40B4-BE49-F238E27FC236}">
-                <a16:creationId xmlns:a16="http://schemas.microsoft.com/office/drawing/2014/main" xmlns="" id="{DD0FFF85-DFFB-A940-A038-A979F3FF4EC3}"/>
-              </a:ext>
-            </a:extLst>
-          </p:cNvPr>
-          <p:cNvSpPr>
-            <a:spLocks noGrp="1"/>
-          </p:cNvSpPr>
-          <p:nvPr>
-            <p:ph type="title"/>
-          </p:nvPr>
-        </p:nvSpPr>
-        <p:spPr/>
-        <p:txBody>
-          <a:bodyPr/>
-          <a:lstStyle/>
-          <a:p>
-            <a:r>
-              <a:rPr lang="en-US" dirty="0"/>
-              <a:t>Algorithm 1 Implementation (Cont'd)</a:t>
-            </a:r>
-          </a:p>
-        </p:txBody>
-      </p:sp>
-      <p:sp>
-        <p:nvSpPr>
-          <p:cNvPr id="3" name="Content Placeholder 2">
-            <a:extLst>
-              <a:ext uri="{FF2B5EF4-FFF2-40B4-BE49-F238E27FC236}">
-                <a16:creationId xmlns:a16="http://schemas.microsoft.com/office/drawing/2014/main" xmlns="" id="{4F32D251-FE20-3848-B314-94317D5531CE}"/>
-              </a:ext>
-            </a:extLst>
-          </p:cNvPr>
-          <p:cNvSpPr>
-            <a:spLocks noGrp="1"/>
-          </p:cNvSpPr>
-          <p:nvPr>
-            <p:ph sz="half" idx="1"/>
-          </p:nvPr>
-        </p:nvSpPr>
-        <p:spPr/>
-        <p:txBody>
-          <a:bodyPr>
-            <a:normAutofit/>
-          </a:bodyPr>
-          <a:lstStyle/>
-          <a:p>
-            <a:pPr marL="514350" indent="-514350">
-              <a:buFont typeface="+mj-lt"/>
-              <a:buAutoNum type="arabicPeriod" startAt="5"/>
-            </a:pPr>
-            <a:r>
-              <a:rPr lang="en-US" b="1" dirty="0"/>
-              <a:t>For each object (Map 2)</a:t>
-            </a:r>
-          </a:p>
-          <a:p>
-            <a:pPr marL="971550" lvl="1" indent="-514350">
-              <a:buFont typeface="+mj-lt"/>
-              <a:buAutoNum type="arabicPeriod"/>
-            </a:pPr>
-            <a:r>
-              <a:rPr lang="en-US" dirty="0"/>
-              <a:t>Create a density function of distances from the object</a:t>
-            </a:r>
-          </a:p>
-          <a:p>
-            <a:pPr marL="971550" lvl="1" indent="-514350">
-              <a:buFont typeface="+mj-lt"/>
-              <a:buAutoNum type="arabicPeriod"/>
-            </a:pPr>
-            <a:r>
-              <a:rPr lang="en-US" dirty="0"/>
-              <a:t>Fit a spline function along this density curve</a:t>
-            </a:r>
-          </a:p>
-          <a:p>
-            <a:pPr marL="971550" lvl="1" indent="-514350">
-              <a:buFont typeface="+mj-lt"/>
-              <a:buAutoNum type="arabicPeriod"/>
-            </a:pPr>
-            <a:r>
-              <a:rPr lang="en-US" dirty="0"/>
-              <a:t>Find the first saddle point in this spline, usually a local minimum</a:t>
-            </a:r>
-          </a:p>
-          <a:p>
-            <a:pPr marL="971550" lvl="1" indent="-514350">
-              <a:buFont typeface="+mj-lt"/>
-              <a:buAutoNum type="arabicPeriod"/>
-            </a:pPr>
-            <a:r>
-              <a:rPr lang="en-US" dirty="0"/>
-              <a:t>If the first saddle point is less than 1 return the object and its saddle point</a:t>
-            </a:r>
-          </a:p>
-        </p:txBody>
-      </p:sp>
-      <p:sp>
-        <p:nvSpPr>
-          <p:cNvPr id="4" name="Content Placeholder 3">
-            <a:extLst>
-              <a:ext uri="{FF2B5EF4-FFF2-40B4-BE49-F238E27FC236}">
-                <a16:creationId xmlns:a16="http://schemas.microsoft.com/office/drawing/2014/main" xmlns="" id="{E47E5CA4-E913-034B-9C8D-6C1E29A9ADE1}"/>
-              </a:ext>
-            </a:extLst>
-          </p:cNvPr>
-          <p:cNvSpPr>
-            <a:spLocks noGrp="1"/>
-          </p:cNvSpPr>
-          <p:nvPr>
-            <p:ph sz="half" idx="2"/>
-          </p:nvPr>
-        </p:nvSpPr>
-        <p:spPr/>
-        <p:txBody>
-          <a:bodyPr>
-            <a:normAutofit/>
-          </a:bodyPr>
-          <a:lstStyle/>
-          <a:p>
-            <a:endParaRPr lang="en-US"/>
-          </a:p>
-        </p:txBody>
-      </p:sp>
-    </p:spTree>
-    <p:extLst>
-      <p:ext uri="{BB962C8B-B14F-4D97-AF65-F5344CB8AC3E}">
-        <p14:creationId xmlns:p14="http://schemas.microsoft.com/office/powerpoint/2010/main" val="2174808421"/>
-      </p:ext>
-    </p:extLst>
-  </p:cSld>
-  <p:clrMapOvr>
-    <a:masterClrMapping/>
-  </p:clrMapOvr>
-</p:sld>
-</file>
-
-<file path=ppt/slides/slide21.xml><?xml version="1.0" encoding="utf-8"?>
-<p:sld xmlns:a="http://schemas.openxmlformats.org/drawingml/2006/main" xmlns:r="http://schemas.openxmlformats.org/officeDocument/2006/relationships" xmlns:p="http://schemas.openxmlformats.org/presentationml/2006/main">
-  <p:cSld>
-    <p:spTree>
-      <p:nvGrpSpPr>
-        <p:cNvPr id="1" name=""/>
-        <p:cNvGrpSpPr/>
-        <p:nvPr/>
-      </p:nvGrpSpPr>
-      <p:grpSpPr>
-        <a:xfrm>
-          <a:off x="0" y="0"/>
-          <a:ext cx="0" cy="0"/>
-          <a:chOff x="0" y="0"/>
-          <a:chExt cx="0" cy="0"/>
-        </a:xfrm>
-      </p:grpSpPr>
-      <p:sp>
-        <p:nvSpPr>
-          <p:cNvPr id="2" name="Title 1">
-            <a:extLst>
-              <a:ext uri="{FF2B5EF4-FFF2-40B4-BE49-F238E27FC236}">
-                <a16:creationId xmlns:a16="http://schemas.microsoft.com/office/drawing/2014/main" xmlns="" id="{F0FBB199-F59D-5340-8956-A3D17A95119B}"/>
-              </a:ext>
-            </a:extLst>
-          </p:cNvPr>
-          <p:cNvSpPr>
-            <a:spLocks noGrp="1"/>
-          </p:cNvSpPr>
-          <p:nvPr>
-            <p:ph type="title"/>
-          </p:nvPr>
-        </p:nvSpPr>
-        <p:spPr/>
-        <p:txBody>
-          <a:bodyPr/>
-          <a:lstStyle/>
-          <a:p>
-            <a:r>
-              <a:rPr lang="en-US" dirty="0"/>
-              <a:t>Algorithm 2 Implementation</a:t>
-            </a:r>
-          </a:p>
-        </p:txBody>
-      </p:sp>
-      <p:sp>
-        <p:nvSpPr>
-          <p:cNvPr id="3" name="Content Placeholder 2">
-            <a:extLst>
-              <a:ext uri="{FF2B5EF4-FFF2-40B4-BE49-F238E27FC236}">
-                <a16:creationId xmlns:a16="http://schemas.microsoft.com/office/drawing/2014/main" xmlns="" id="{D75810C3-B172-924A-AFCB-B9568E68F34F}"/>
-              </a:ext>
-            </a:extLst>
-          </p:cNvPr>
-          <p:cNvSpPr>
-            <a:spLocks noGrp="1"/>
-          </p:cNvSpPr>
-          <p:nvPr>
-            <p:ph sz="half" idx="1"/>
-          </p:nvPr>
-        </p:nvSpPr>
-        <p:spPr/>
-        <p:txBody>
-          <a:bodyPr/>
-          <a:lstStyle/>
-          <a:p>
-            <a:pPr marL="514350" indent="-514350">
-              <a:buFont typeface="+mj-lt"/>
-              <a:buAutoNum type="arabicPeriod"/>
-            </a:pPr>
-            <a:r>
-              <a:rPr lang="en-US" b="1" dirty="0"/>
-              <a:t>Grids:</a:t>
-            </a:r>
-          </a:p>
-          <a:p>
-            <a:pPr marL="971550" lvl="1" indent="-514350">
-              <a:buFont typeface="+mj-lt"/>
-              <a:buAutoNum type="arabicPeriod"/>
-            </a:pPr>
-            <a:r>
-              <a:rPr lang="en-US" dirty="0"/>
-              <a:t>r x c grids -&gt; bite-sized chunks</a:t>
-            </a:r>
-          </a:p>
-          <a:p>
-            <a:pPr marL="514350" indent="-514350">
-              <a:buFont typeface="+mj-lt"/>
-              <a:buAutoNum type="arabicPeriod"/>
-            </a:pPr>
-            <a:r>
-              <a:rPr lang="en-US" b="1" dirty="0"/>
-              <a:t>Output key: grid id</a:t>
-            </a:r>
-          </a:p>
-        </p:txBody>
-      </p:sp>
-      <p:sp>
-        <p:nvSpPr>
-          <p:cNvPr id="4" name="Content Placeholder 3">
-            <a:extLst>
-              <a:ext uri="{FF2B5EF4-FFF2-40B4-BE49-F238E27FC236}">
-                <a16:creationId xmlns:a16="http://schemas.microsoft.com/office/drawing/2014/main" xmlns="" id="{6BC0F224-816F-DE41-ADA3-AE9FDCF9EC1D}"/>
-              </a:ext>
-            </a:extLst>
-          </p:cNvPr>
-          <p:cNvSpPr>
-            <a:spLocks noGrp="1"/>
-          </p:cNvSpPr>
-          <p:nvPr>
-            <p:ph sz="half" idx="2"/>
-          </p:nvPr>
-        </p:nvSpPr>
-        <p:spPr/>
-        <p:txBody>
-          <a:bodyPr/>
-          <a:lstStyle/>
-          <a:p>
-            <a:endParaRPr lang="en-US"/>
-          </a:p>
-        </p:txBody>
-      </p:sp>
-    </p:spTree>
-    <p:extLst>
-      <p:ext uri="{BB962C8B-B14F-4D97-AF65-F5344CB8AC3E}">
-        <p14:creationId xmlns:p14="http://schemas.microsoft.com/office/powerpoint/2010/main" val="1417709322"/>
-      </p:ext>
-    </p:extLst>
-  </p:cSld>
-  <p:clrMapOvr>
-    <a:masterClrMapping/>
-  </p:clrMapOvr>
-</p:sld>
-</file>
-
-<file path=ppt/slides/slide22.xml><?xml version="1.0" encoding="utf-8"?>
-<p:sld xmlns:a="http://schemas.openxmlformats.org/drawingml/2006/main" xmlns:r="http://schemas.openxmlformats.org/officeDocument/2006/relationships" xmlns:p="http://schemas.openxmlformats.org/presentationml/2006/main">
-  <p:cSld>
-    <p:spTree>
-      <p:nvGrpSpPr>
-        <p:cNvPr id="1" name=""/>
-        <p:cNvGrpSpPr/>
-        <p:nvPr/>
-      </p:nvGrpSpPr>
-      <p:grpSpPr>
-        <a:xfrm>
-          <a:off x="0" y="0"/>
-          <a:ext cx="0" cy="0"/>
-          <a:chOff x="0" y="0"/>
-          <a:chExt cx="0" cy="0"/>
-        </a:xfrm>
-      </p:grpSpPr>
-      <p:sp>
-        <p:nvSpPr>
-          <p:cNvPr id="2" name="Title 1">
-            <a:extLst>
-              <a:ext uri="{FF2B5EF4-FFF2-40B4-BE49-F238E27FC236}">
-                <a16:creationId xmlns:a16="http://schemas.microsoft.com/office/drawing/2014/main" xmlns="" id="{F0FBB199-F59D-5340-8956-A3D17A95119B}"/>
-              </a:ext>
-            </a:extLst>
-          </p:cNvPr>
-          <p:cNvSpPr>
-            <a:spLocks noGrp="1"/>
-          </p:cNvSpPr>
-          <p:nvPr>
-            <p:ph type="title"/>
-          </p:nvPr>
-        </p:nvSpPr>
-        <p:spPr/>
-        <p:txBody>
-          <a:bodyPr/>
-          <a:lstStyle/>
-          <a:p>
-            <a:r>
-              <a:rPr lang="en-US" dirty="0"/>
-              <a:t>Algorithm 2 Implementation (Cont'd)</a:t>
-            </a:r>
-          </a:p>
-        </p:txBody>
-      </p:sp>
-      <p:sp>
-        <p:nvSpPr>
-          <p:cNvPr id="3" name="Content Placeholder 2">
-            <a:extLst>
-              <a:ext uri="{FF2B5EF4-FFF2-40B4-BE49-F238E27FC236}">
-                <a16:creationId xmlns:a16="http://schemas.microsoft.com/office/drawing/2014/main" xmlns="" id="{D75810C3-B172-924A-AFCB-B9568E68F34F}"/>
-              </a:ext>
-            </a:extLst>
-          </p:cNvPr>
-          <p:cNvSpPr>
-            <a:spLocks noGrp="1"/>
-          </p:cNvSpPr>
-          <p:nvPr>
-            <p:ph sz="half" idx="1"/>
-          </p:nvPr>
-        </p:nvSpPr>
-        <p:spPr/>
-        <p:txBody>
-          <a:bodyPr/>
-          <a:lstStyle/>
-          <a:p>
-            <a:pPr marL="514350" indent="-514350">
-              <a:buFont typeface="+mj-lt"/>
-              <a:buAutoNum type="arabicPeriod" startAt="3"/>
-            </a:pPr>
-            <a:r>
-              <a:rPr lang="en-US" b="1" dirty="0"/>
-              <a:t>Random Walk</a:t>
-            </a:r>
-          </a:p>
-          <a:p>
-            <a:pPr marL="971550" lvl="1" indent="-514350">
-              <a:buFont typeface="+mj-lt"/>
-              <a:buAutoNum type="arabicPeriod"/>
-            </a:pPr>
-            <a:r>
-              <a:rPr lang="en-US" dirty="0"/>
-              <a:t>Fully connected graphs w/ distance$^{-1}$ as edge weight</a:t>
-            </a:r>
-          </a:p>
-          <a:p>
-            <a:pPr marL="971550" lvl="1" indent="-514350">
-              <a:buFont typeface="+mj-lt"/>
-              <a:buAutoNum type="arabicPeriod"/>
-            </a:pPr>
-            <a:r>
-              <a:rPr lang="en-US" dirty="0"/>
-              <a:t>Random walks on graph -&gt; gradient of re-visit frequency</a:t>
-            </a:r>
-          </a:p>
-        </p:txBody>
-      </p:sp>
-      <p:sp>
-        <p:nvSpPr>
-          <p:cNvPr id="4" name="Content Placeholder 3">
-            <a:extLst>
-              <a:ext uri="{FF2B5EF4-FFF2-40B4-BE49-F238E27FC236}">
-                <a16:creationId xmlns:a16="http://schemas.microsoft.com/office/drawing/2014/main" xmlns="" id="{6BC0F224-816F-DE41-ADA3-AE9FDCF9EC1D}"/>
-              </a:ext>
-            </a:extLst>
-          </p:cNvPr>
-          <p:cNvSpPr>
-            <a:spLocks noGrp="1"/>
-          </p:cNvSpPr>
-          <p:nvPr>
-            <p:ph sz="half" idx="2"/>
-          </p:nvPr>
-        </p:nvSpPr>
-        <p:spPr/>
-        <p:txBody>
-          <a:bodyPr/>
-          <a:lstStyle/>
-          <a:p>
-            <a:endParaRPr lang="en-US"/>
-          </a:p>
-        </p:txBody>
-      </p:sp>
-    </p:spTree>
-    <p:extLst>
-      <p:ext uri="{BB962C8B-B14F-4D97-AF65-F5344CB8AC3E}">
-        <p14:creationId xmlns:p14="http://schemas.microsoft.com/office/powerpoint/2010/main" val="2670781827"/>
-      </p:ext>
-    </p:extLst>
-  </p:cSld>
-  <p:clrMapOvr>
-    <a:masterClrMapping/>
-  </p:clrMapOvr>
-</p:sld>
-</file>
-
-<file path=ppt/slides/slide23.xml><?xml version="1.0" encoding="utf-8"?>
-<p:sld xmlns:a="http://schemas.openxmlformats.org/drawingml/2006/main" xmlns:r="http://schemas.openxmlformats.org/officeDocument/2006/relationships" xmlns:p="http://schemas.openxmlformats.org/presentationml/2006/main">
-  <p:cSld>
-    <p:spTree>
-      <p:nvGrpSpPr>
-        <p:cNvPr id="1" name=""/>
-        <p:cNvGrpSpPr/>
-        <p:nvPr/>
-      </p:nvGrpSpPr>
-      <p:grpSpPr>
-        <a:xfrm>
-          <a:off x="0" y="0"/>
-          <a:ext cx="0" cy="0"/>
-          <a:chOff x="0" y="0"/>
-          <a:chExt cx="0" cy="0"/>
-        </a:xfrm>
-      </p:grpSpPr>
-      <p:sp>
-        <p:nvSpPr>
-          <p:cNvPr id="2" name="Title 1">
-            <a:extLst>
-              <a:ext uri="{FF2B5EF4-FFF2-40B4-BE49-F238E27FC236}">
-                <a16:creationId xmlns:a16="http://schemas.microsoft.com/office/drawing/2014/main" xmlns="" id="{C2664C2B-2CAB-EC4D-912E-8F87F92B1E53}"/>
-              </a:ext>
-            </a:extLst>
-          </p:cNvPr>
-          <p:cNvSpPr>
-            <a:spLocks noGrp="1"/>
-          </p:cNvSpPr>
-          <p:nvPr>
-            <p:ph type="title"/>
-          </p:nvPr>
-        </p:nvSpPr>
-        <p:spPr/>
-        <p:txBody>
-          <a:bodyPr/>
-          <a:lstStyle/>
-          <a:p>
-            <a:r>
-              <a:rPr lang="en-US" dirty="0"/>
-              <a:t>Algorithm 2 Implementation (Cont'd)</a:t>
-            </a:r>
-          </a:p>
-        </p:txBody>
-      </p:sp>
-      <p:sp>
-        <p:nvSpPr>
-          <p:cNvPr id="3" name="Content Placeholder 2">
-            <a:extLst>
-              <a:ext uri="{FF2B5EF4-FFF2-40B4-BE49-F238E27FC236}">
-                <a16:creationId xmlns:a16="http://schemas.microsoft.com/office/drawing/2014/main" xmlns="" id="{11D582FC-3419-2547-B180-B594681DD09A}"/>
-              </a:ext>
-            </a:extLst>
-          </p:cNvPr>
-          <p:cNvSpPr>
-            <a:spLocks noGrp="1"/>
-          </p:cNvSpPr>
-          <p:nvPr>
-            <p:ph sz="half" idx="1"/>
-          </p:nvPr>
-        </p:nvSpPr>
-        <p:spPr/>
-        <p:txBody>
-          <a:bodyPr/>
-          <a:lstStyle/>
-          <a:p>
-            <a:pPr marL="514350" indent="-514350">
-              <a:buFont typeface="+mj-lt"/>
-              <a:buAutoNum type="arabicPeriod" startAt="4"/>
-            </a:pPr>
-            <a:r>
-              <a:rPr lang="en-US" b="1" dirty="0"/>
-              <a:t>Watershed Algorithm:</a:t>
-            </a:r>
-          </a:p>
-          <a:p>
-            <a:pPr marL="971550" lvl="1" indent="-514350">
-              <a:buFont typeface="+mj-lt"/>
-              <a:buAutoNum type="arabicPeriod" startAt="4"/>
-            </a:pPr>
-            <a:r>
-              <a:rPr lang="en-US" dirty="0"/>
-              <a:t>Segmentation of the "image" - </a:t>
-            </a:r>
-            <a:r>
-              <a:rPr lang="en-US" dirty="0" err="1"/>
-              <a:t>i.e</a:t>
-            </a:r>
-            <a:r>
-              <a:rPr lang="en-US" dirty="0"/>
-              <a:t>, gradient</a:t>
-            </a:r>
-          </a:p>
-        </p:txBody>
-      </p:sp>
-      <p:sp>
-        <p:nvSpPr>
-          <p:cNvPr id="4" name="Content Placeholder 3">
-            <a:extLst>
-              <a:ext uri="{FF2B5EF4-FFF2-40B4-BE49-F238E27FC236}">
-                <a16:creationId xmlns:a16="http://schemas.microsoft.com/office/drawing/2014/main" xmlns="" id="{A820558D-32DD-7C42-BE19-31AC0BB7A2D0}"/>
-              </a:ext>
-            </a:extLst>
-          </p:cNvPr>
-          <p:cNvSpPr>
-            <a:spLocks noGrp="1"/>
-          </p:cNvSpPr>
-          <p:nvPr>
-            <p:ph sz="half" idx="2"/>
-          </p:nvPr>
-        </p:nvSpPr>
-        <p:spPr/>
-        <p:txBody>
-          <a:bodyPr/>
-          <a:lstStyle/>
-          <a:p>
-            <a:endParaRPr lang="en-US"/>
-          </a:p>
-        </p:txBody>
-      </p:sp>
-    </p:spTree>
-    <p:extLst>
-      <p:ext uri="{BB962C8B-B14F-4D97-AF65-F5344CB8AC3E}">
-        <p14:creationId xmlns:p14="http://schemas.microsoft.com/office/powerpoint/2010/main" val="1211324572"/>
-      </p:ext>
-    </p:extLst>
-  </p:cSld>
-  <p:clrMapOvr>
-    <a:masterClrMapping/>
-  </p:clrMapOvr>
-</p:sld>
-</file>
-
-<file path=ppt/slides/slide24.xml><?xml version="1.0" encoding="utf-8"?>
-<p:sld xmlns:a="http://schemas.openxmlformats.org/drawingml/2006/main" xmlns:r="http://schemas.openxmlformats.org/officeDocument/2006/relationships" xmlns:p="http://schemas.openxmlformats.org/presentationml/2006/main">
-  <p:cSld>
-    <p:spTree>
-      <p:nvGrpSpPr>
-        <p:cNvPr id="1" name=""/>
-        <p:cNvGrpSpPr/>
-        <p:nvPr/>
-      </p:nvGrpSpPr>
-      <p:grpSpPr>
-        <a:xfrm>
-          <a:off x="0" y="0"/>
-          <a:ext cx="0" cy="0"/>
-          <a:chOff x="0" y="0"/>
-          <a:chExt cx="0" cy="0"/>
-        </a:xfrm>
-      </p:grpSpPr>
-      <p:sp>
-        <p:nvSpPr>
-          <p:cNvPr id="2" name="Title 1">
-            <a:extLst>
-              <a:ext uri="{FF2B5EF4-FFF2-40B4-BE49-F238E27FC236}">
-                <a16:creationId xmlns:a16="http://schemas.microsoft.com/office/drawing/2014/main" xmlns="" id="{55884975-F0BA-4846-A9FC-A0A7528A87A2}"/>
-              </a:ext>
-            </a:extLst>
-          </p:cNvPr>
-          <p:cNvSpPr>
-            <a:spLocks noGrp="1"/>
-          </p:cNvSpPr>
-          <p:nvPr>
-            <p:ph type="title"/>
-          </p:nvPr>
-        </p:nvSpPr>
-        <p:spPr/>
-        <p:txBody>
-          <a:bodyPr>
-            <a:normAutofit/>
-          </a:bodyPr>
-          <a:lstStyle/>
-          <a:p>
-            <a:r>
-              <a:rPr lang="en-US" dirty="0"/>
-              <a:t>Code: https://</a:t>
-            </a:r>
-            <a:r>
-              <a:rPr lang="en-US" dirty="0" err="1"/>
-              <a:t>github.com</a:t>
-            </a:r>
-            <a:r>
-              <a:rPr lang="en-US" dirty="0"/>
-              <a:t>/</a:t>
-            </a:r>
-            <a:r>
-              <a:rPr lang="en-US" dirty="0" err="1"/>
-              <a:t>ibhojwani</a:t>
-            </a:r>
-            <a:r>
-              <a:rPr lang="en-US" dirty="0"/>
-              <a:t>/</a:t>
-            </a:r>
-            <a:r>
-              <a:rPr lang="en-US" dirty="0" err="1"/>
-              <a:t>seip_big_data</a:t>
-            </a:r>
-            <a:endParaRPr lang="en-US" dirty="0"/>
-          </a:p>
-        </p:txBody>
-      </p:sp>
-      <p:sp>
-        <p:nvSpPr>
-          <p:cNvPr id="3" name="Content Placeholder 2">
-            <a:extLst>
-              <a:ext uri="{FF2B5EF4-FFF2-40B4-BE49-F238E27FC236}">
-                <a16:creationId xmlns:a16="http://schemas.microsoft.com/office/drawing/2014/main" xmlns="" id="{53517008-F17A-8F43-93CF-C4004667C496}"/>
-              </a:ext>
-            </a:extLst>
-          </p:cNvPr>
-          <p:cNvSpPr>
-            <a:spLocks noGrp="1"/>
-          </p:cNvSpPr>
-          <p:nvPr>
-            <p:ph sz="half" idx="1"/>
-          </p:nvPr>
-        </p:nvSpPr>
-        <p:spPr/>
-        <p:txBody>
-          <a:bodyPr/>
-          <a:lstStyle/>
-          <a:p>
-            <a:endParaRPr lang="en-US"/>
-          </a:p>
-        </p:txBody>
-      </p:sp>
-      <p:sp>
-        <p:nvSpPr>
-          <p:cNvPr id="4" name="Content Placeholder 3">
-            <a:extLst>
-              <a:ext uri="{FF2B5EF4-FFF2-40B4-BE49-F238E27FC236}">
-                <a16:creationId xmlns:a16="http://schemas.microsoft.com/office/drawing/2014/main" xmlns="" id="{D789BED8-162F-3747-9535-650A4BB8E1E1}"/>
-              </a:ext>
-            </a:extLst>
-          </p:cNvPr>
-          <p:cNvSpPr>
-            <a:spLocks noGrp="1"/>
-          </p:cNvSpPr>
-          <p:nvPr>
-            <p:ph sz="half" idx="2"/>
-          </p:nvPr>
-        </p:nvSpPr>
-        <p:spPr/>
-        <p:txBody>
-          <a:bodyPr/>
-          <a:lstStyle/>
-          <a:p>
-            <a:endParaRPr lang="en-US"/>
-          </a:p>
-        </p:txBody>
-      </p:sp>
-    </p:spTree>
-    <p:extLst>
-      <p:ext uri="{BB962C8B-B14F-4D97-AF65-F5344CB8AC3E}">
-        <p14:creationId xmlns:p14="http://schemas.microsoft.com/office/powerpoint/2010/main" val="1426629781"/>
-      </p:ext>
-    </p:extLst>
-  </p:cSld>
-  <p:clrMapOvr>
-    <a:masterClrMapping/>
-  </p:clrMapOvr>
 </p:sld>
 </file>
 
@@ -12216,15 +11227,7 @@
                 <a:ea typeface="Gotham" charset="0"/>
                 <a:cs typeface="Gotham" charset="0"/>
               </a:rPr>
-              <a:t>Algorithm I, Step 1: Preprocessing </a:t>
-            </a:r>
-            <a:r>
-              <a:rPr lang="en-US" dirty="0" smtClean="0">
-                <a:latin typeface="Gotham" charset="0"/>
-                <a:ea typeface="Gotham" charset="0"/>
-                <a:cs typeface="Gotham" charset="0"/>
-              </a:rPr>
-              <a:t>with </a:t>
+              <a:t>Algorithm I, Step 1: Preprocessing with </a:t>
             </a:r>
             <a:br>
               <a:rPr lang="en-US" dirty="0" smtClean="0">
@@ -12446,7 +11449,7 @@
           <p:cNvPr id="2" name="Title 1">
             <a:extLst>
               <a:ext uri="{FF2B5EF4-FFF2-40B4-BE49-F238E27FC236}">
-                <a16:creationId xmlns:a16="http://schemas.microsoft.com/office/drawing/2014/main" xmlns="" id="{D7F4B4BA-BEC6-CD47-BA25-270CC3A493F4}"/>
+                <a16:creationId xmlns="" xmlns:a16="http://schemas.microsoft.com/office/drawing/2014/main" id="{D7F4B4BA-BEC6-CD47-BA25-270CC3A493F4}"/>
               </a:ext>
             </a:extLst>
           </p:cNvPr>
@@ -12498,7 +11501,7 @@
               <p:cNvPr id="3" name="Content Placeholder 2">
                 <a:extLst>
                   <a:ext uri="{FF2B5EF4-FFF2-40B4-BE49-F238E27FC236}">
-                    <a16:creationId xmlns:a16="http://schemas.microsoft.com/office/drawing/2014/main" xmlns="" id="{0582AD1A-31D6-3848-B142-230EAA22F9D9}"/>
+                    <a16:creationId xmlns="" xmlns:a16="http://schemas.microsoft.com/office/drawing/2014/main" id="{0582AD1A-31D6-3848-B142-230EAA22F9D9}"/>
                   </a:ext>
                 </a:extLst>
               </p:cNvPr>
@@ -12512,7 +11515,7 @@
             <p:spPr/>
             <p:txBody>
               <a:bodyPr>
-                <a:normAutofit fontScale="92500" lnSpcReduction="20000"/>
+                <a:normAutofit fontScale="92500" lnSpcReduction="10000"/>
               </a:bodyPr>
               <a:lstStyle/>
               <a:p>
@@ -12756,7 +11759,7 @@
                         <m:chr m:val="∑"/>
                         <m:ctrlPr>
                           <a:rPr lang="mr-IN" sz="3200" i="1">
-                            <a:latin typeface="Gotham" charset="0"/>
+                            <a:latin typeface="Cambria Math" charset="0"/>
                             <a:ea typeface="Gotham" charset="0"/>
                             <a:cs typeface="Gotham" charset="0"/>
                           </a:rPr>
@@ -12768,7 +11771,7 @@
                             <m:brk m:alnAt="23"/>
                           </m:rPr>
                           <a:rPr lang="en-US" sz="3200" i="1">
-                            <a:latin typeface="Gotham" charset="0"/>
+                            <a:latin typeface="Cambria Math" charset="0"/>
                             <a:ea typeface="Gotham" charset="0"/>
                             <a:cs typeface="Gotham" charset="0"/>
                           </a:rPr>
@@ -12776,7 +11779,7 @@
                         </m:r>
                         <m:r>
                           <a:rPr lang="mr-IN" sz="3200" i="1">
-                            <a:latin typeface="Gotham" charset="0"/>
+                            <a:latin typeface="Cambria Math" charset="0"/>
                             <a:ea typeface="Gotham" charset="0"/>
                             <a:cs typeface="Gotham" charset="0"/>
                           </a:rPr>
@@ -12784,7 +11787,7 @@
                         </m:r>
                         <m:r>
                           <a:rPr lang="en-US" sz="3200" i="1">
-                            <a:latin typeface="Gotham" charset="0"/>
+                            <a:latin typeface="Cambria Math" charset="0"/>
                             <a:ea typeface="Gotham" charset="0"/>
                             <a:cs typeface="Gotham" charset="0"/>
                           </a:rPr>
@@ -12794,7 +11797,7 @@
                       <m:sup>
                         <m:r>
                           <a:rPr lang="en-US" sz="3200" i="1">
-                            <a:latin typeface="Gotham" charset="0"/>
+                            <a:latin typeface="Cambria Math" charset="0"/>
                             <a:ea typeface="Gotham" charset="0"/>
                             <a:cs typeface="Gotham" charset="0"/>
                           </a:rPr>
@@ -12802,7 +11805,7 @@
                         </m:r>
                         <m:r>
                           <a:rPr lang="en-US" sz="3200" i="1">
-                            <a:latin typeface="Gotham" charset="0"/>
+                            <a:latin typeface="Cambria Math" charset="0"/>
                             <a:ea typeface="Gotham" charset="0"/>
                             <a:cs typeface="Gotham" charset="0"/>
                           </a:rPr>
@@ -12810,7 +11813,7 @@
                         </m:r>
                         <m:r>
                           <a:rPr lang="en-US" sz="3200" i="1">
-                            <a:latin typeface="Gotham" charset="0"/>
+                            <a:latin typeface="Cambria Math" charset="0"/>
                             <a:ea typeface="Gotham" charset="0"/>
                             <a:cs typeface="Gotham" charset="0"/>
                           </a:rPr>
@@ -12818,7 +11821,7 @@
                         </m:r>
                         <m:r>
                           <a:rPr lang="en-US" sz="3200" i="1">
-                            <a:latin typeface="Gotham" charset="0"/>
+                            <a:latin typeface="Cambria Math" charset="0"/>
                             <a:ea typeface="Gotham" charset="0"/>
                             <a:cs typeface="Gotham" charset="0"/>
                           </a:rPr>
@@ -12826,7 +11829,7 @@
                         </m:r>
                         <m:r>
                           <a:rPr lang="en-US" sz="3200" i="1">
-                            <a:latin typeface="Gotham" charset="0"/>
+                            <a:latin typeface="Cambria Math" charset="0"/>
                             <a:ea typeface="Gotham" charset="0"/>
                             <a:cs typeface="Gotham" charset="0"/>
                           </a:rPr>
@@ -12834,7 +11837,7 @@
                         </m:r>
                         <m:r>
                           <a:rPr lang="en-US" sz="3200" i="1">
-                            <a:latin typeface="Gotham" charset="0"/>
+                            <a:latin typeface="Cambria Math" charset="0"/>
                             <a:ea typeface="Gotham" charset="0"/>
                             <a:cs typeface="Gotham" charset="0"/>
                           </a:rPr>
@@ -12842,7 +11845,7 @@
                         </m:r>
                         <m:r>
                           <a:rPr lang="en-US" sz="3200" i="1">
-                            <a:latin typeface="Gotham" charset="0"/>
+                            <a:latin typeface="Cambria Math" charset="0"/>
                             <a:ea typeface="Gotham" charset="0"/>
                             <a:cs typeface="Gotham" charset="0"/>
                           </a:rPr>
@@ -12854,7 +11857,7 @@
                           <m:dPr>
                             <m:ctrlPr>
                               <a:rPr lang="mr-IN" sz="3200" i="1">
-                                <a:latin typeface="Gotham" charset="0"/>
+                                <a:latin typeface="Cambria Math" charset="0"/>
                                 <a:ea typeface="Gotham" charset="0"/>
                                 <a:cs typeface="Gotham" charset="0"/>
                               </a:rPr>
@@ -12863,7 +11866,7 @@
                           <m:e>
                             <m:r>
                               <a:rPr lang="en-US" sz="3200" i="1">
-                                <a:latin typeface="Gotham" charset="0"/>
+                                <a:latin typeface="Cambria Math" charset="0"/>
                                 <a:ea typeface="Gotham" charset="0"/>
                                 <a:cs typeface="Gotham" charset="0"/>
                               </a:rPr>
@@ -12871,7 +11874,7 @@
                             </m:r>
                             <m:r>
                               <a:rPr lang="en-US" sz="3200" i="1">
-                                <a:latin typeface="Gotham" charset="0"/>
+                                <a:latin typeface="Cambria Math" charset="0"/>
                                 <a:ea typeface="Gotham" charset="0"/>
                                 <a:cs typeface="Gotham" charset="0"/>
                               </a:rPr>
@@ -12879,7 +11882,7 @@
                             </m:r>
                             <m:r>
                               <a:rPr lang="en-US" sz="3200" i="1">
-                                <a:latin typeface="Gotham" charset="0"/>
+                                <a:latin typeface="Cambria Math" charset="0"/>
                                 <a:ea typeface="Gotham" charset="0"/>
                                 <a:cs typeface="Gotham" charset="0"/>
                               </a:rPr>
@@ -12887,7 +11890,7 @@
                             </m:r>
                             <m:r>
                               <a:rPr lang="en-US" sz="3200" i="1">
-                                <a:latin typeface="Gotham" charset="0"/>
+                                <a:latin typeface="Cambria Math" charset="0"/>
                                 <a:ea typeface="Gotham" charset="0"/>
                                 <a:cs typeface="Gotham" charset="0"/>
                               </a:rPr>
@@ -12895,7 +11898,7 @@
                             </m:r>
                             <m:r>
                               <a:rPr lang="en-US" sz="3200" i="1">
-                                <a:latin typeface="Gotham" charset="0"/>
+                                <a:latin typeface="Cambria Math" charset="0"/>
                                 <a:ea typeface="Gotham" charset="0"/>
                                 <a:cs typeface="Gotham" charset="0"/>
                               </a:rPr>
@@ -12905,7 +11908,7 @@
                         </m:d>
                         <m:r>
                           <a:rPr lang="en-US" sz="3200" i="1">
-                            <a:latin typeface="Gotham" charset="0"/>
+                            <a:latin typeface="Cambria Math" charset="0"/>
                             <a:ea typeface="Gotham" charset="0"/>
                             <a:cs typeface="Gotham" charset="0"/>
                           </a:rPr>
@@ -12915,7 +11918,7 @@
                           <m:fPr>
                             <m:ctrlPr>
                               <a:rPr lang="mr-IN" sz="3200" i="1">
-                                <a:latin typeface="Gotham" charset="0"/>
+                                <a:latin typeface="Cambria Math" charset="0"/>
                                 <a:ea typeface="Gotham" charset="0"/>
                                 <a:cs typeface="Gotham" charset="0"/>
                               </a:rPr>
@@ -12924,7 +11927,7 @@
                           <m:num>
                             <m:r>
                               <a:rPr lang="en-US" sz="3200" i="1">
-                                <a:latin typeface="Gotham" charset="0"/>
+                                <a:latin typeface="Cambria Math" charset="0"/>
                                 <a:ea typeface="Gotham" charset="0"/>
                                 <a:cs typeface="Gotham" charset="0"/>
                               </a:rPr>
@@ -12932,7 +11935,7 @@
                             </m:r>
                             <m:r>
                               <a:rPr lang="en-US" sz="3200" i="1">
-                                <a:latin typeface="Gotham" charset="0"/>
+                                <a:latin typeface="Cambria Math" charset="0"/>
                                 <a:ea typeface="Gotham" charset="0"/>
                                 <a:cs typeface="Gotham" charset="0"/>
                               </a:rPr>
@@ -12940,7 +11943,7 @@
                             </m:r>
                             <m:r>
                               <a:rPr lang="en-US" sz="3200" i="1">
-                                <a:latin typeface="Gotham" charset="0"/>
+                                <a:latin typeface="Cambria Math" charset="0"/>
                                 <a:ea typeface="Gotham" charset="0"/>
                                 <a:cs typeface="Gotham" charset="0"/>
                               </a:rPr>
@@ -12948,7 +11951,7 @@
                             </m:r>
                             <m:r>
                               <a:rPr lang="en-US" sz="3200" i="1">
-                                <a:latin typeface="Gotham" charset="0"/>
+                                <a:latin typeface="Cambria Math" charset="0"/>
                                 <a:ea typeface="Gotham" charset="0"/>
                                 <a:cs typeface="Gotham" charset="0"/>
                               </a:rPr>
@@ -12956,7 +11959,7 @@
                             </m:r>
                             <m:r>
                               <a:rPr lang="en-US" sz="3200" i="1">
-                                <a:latin typeface="Gotham" charset="0"/>
+                                <a:latin typeface="Cambria Math" charset="0"/>
                                 <a:ea typeface="Gotham" charset="0"/>
                                 <a:cs typeface="Gotham" charset="0"/>
                               </a:rPr>
@@ -12964,7 +11967,7 @@
                             </m:r>
                             <m:r>
                               <a:rPr lang="en-US" sz="3200" i="1">
-                                <a:latin typeface="Gotham" charset="0"/>
+                                <a:latin typeface="Cambria Math" charset="0"/>
                                 <a:ea typeface="Gotham" charset="0"/>
                                 <a:cs typeface="Gotham" charset="0"/>
                               </a:rPr>
@@ -12974,7 +11977,7 @@
                           <m:den>
                             <m:r>
                               <a:rPr lang="en-US" sz="3200" i="1">
-                                <a:latin typeface="Gotham" charset="0"/>
+                                <a:latin typeface="Cambria Math" charset="0"/>
                                 <a:ea typeface="Gotham" charset="0"/>
                                 <a:cs typeface="Gotham" charset="0"/>
                               </a:rPr>
@@ -12982,7 +11985,7 @@
                             </m:r>
                             <m:r>
                               <a:rPr lang="en-US" sz="3200" i="1">
-                                <a:latin typeface="Gotham" charset="0"/>
+                                <a:latin typeface="Cambria Math" charset="0"/>
                                 <a:ea typeface="Gotham" charset="0"/>
                                 <a:cs typeface="Gotham" charset="0"/>
                               </a:rPr>
@@ -12990,7 +11993,7 @@
                             </m:r>
                             <m:r>
                               <a:rPr lang="en-US" sz="3200" i="1">
-                                <a:latin typeface="Gotham" charset="0"/>
+                                <a:latin typeface="Cambria Math" charset="0"/>
                                 <a:ea typeface="Gotham" charset="0"/>
                                 <a:cs typeface="Gotham" charset="0"/>
                               </a:rPr>
@@ -12998,7 +12001,7 @@
                             </m:r>
                             <m:r>
                               <a:rPr lang="en-US" sz="3200" i="1">
-                                <a:latin typeface="Gotham" charset="0"/>
+                                <a:latin typeface="Cambria Math" charset="0"/>
                                 <a:ea typeface="Gotham" charset="0"/>
                                 <a:cs typeface="Gotham" charset="0"/>
                               </a:rPr>
@@ -13006,7 +12009,7 @@
                             </m:r>
                             <m:r>
                               <a:rPr lang="en-US" sz="3200" i="1">
-                                <a:latin typeface="Gotham" charset="0"/>
+                                <a:latin typeface="Cambria Math" charset="0"/>
                                 <a:ea typeface="Gotham" charset="0"/>
                                 <a:cs typeface="Gotham" charset="0"/>
                               </a:rPr>
@@ -13043,7 +12046,7 @@
                       <m:sSupPr>
                         <m:ctrlPr>
                           <a:rPr lang="fr-FR" sz="3200" i="1">
-                            <a:latin typeface="Gotham" charset="0"/>
+                            <a:latin typeface="Cambria Math" charset="0"/>
                             <a:ea typeface="Gotham" charset="0"/>
                             <a:cs typeface="Gotham" charset="0"/>
                           </a:rPr>
@@ -13052,7 +12055,7 @@
                       <m:e>
                         <m:r>
                           <a:rPr lang="en-US" sz="3200" i="1">
-                            <a:latin typeface="Gotham" charset="0"/>
+                            <a:latin typeface="Cambria Math" charset="0"/>
                             <a:ea typeface="Gotham" charset="0"/>
                             <a:cs typeface="Gotham" charset="0"/>
                           </a:rPr>
@@ -13062,7 +12065,7 @@
                       <m:sup>
                         <m:r>
                           <a:rPr lang="en-US" sz="3200" i="1">
-                            <a:latin typeface="Gotham" charset="0"/>
+                            <a:latin typeface="Cambria Math" charset="0"/>
                             <a:ea typeface="Gotham" charset="0"/>
                             <a:cs typeface="Gotham" charset="0"/>
                           </a:rPr>
@@ -13087,7 +12090,7 @@
               <p:cNvPr id="3" name="Content Placeholder 2">
                 <a:extLst>
                   <a:ext uri="{FF2B5EF4-FFF2-40B4-BE49-F238E27FC236}">
-                    <a16:creationId xmlns:a16="http://schemas.microsoft.com/office/drawing/2014/main" xmlns="" id="{0582AD1A-31D6-3848-B142-230EAA22F9D9}"/>
+                    <a16:creationId xmlns="" xmlns:a16="http://schemas.microsoft.com/office/drawing/2014/main" xmlns:a14="http://schemas.microsoft.com/office/drawing/2010/main" id="{0582AD1A-31D6-3848-B142-230EAA22F9D9}"/>
                   </a:ext>
                 </a:extLst>
               </p:cNvPr>
@@ -13102,7 +12105,7 @@
               <a:blipFill rotWithShape="0">
                 <a:blip r:embed="rId3"/>
                 <a:stretch>
-                  <a:fillRect l="-1217" t="-4902"/>
+                  <a:fillRect l="-1217" t="-3922"/>
                 </a:stretch>
               </a:blipFill>
             </p:spPr>
